--- a/図/図.pptx
+++ b/図/図.pptx
@@ -5,7 +5,7 @@
     <p:sldMasterId id="2147483648" r:id="rId1"/>
   </p:sldMasterIdLst>
   <p:notesMasterIdLst>
-    <p:notesMasterId r:id="rId9"/>
+    <p:notesMasterId r:id="rId12"/>
   </p:notesMasterIdLst>
   <p:sldIdLst>
     <p:sldId id="256" r:id="rId2"/>
@@ -15,6 +15,9 @@
     <p:sldId id="260" r:id="rId6"/>
     <p:sldId id="261" r:id="rId7"/>
     <p:sldId id="262" r:id="rId8"/>
+    <p:sldId id="264" r:id="rId9"/>
+    <p:sldId id="265" r:id="rId10"/>
+    <p:sldId id="266" r:id="rId11"/>
   </p:sldIdLst>
   <p:sldSz cx="12192000" cy="6858000"/>
   <p:notesSz cx="6858000" cy="9144000"/>
@@ -203,7 +206,7 @@
           <a:p>
             <a:fld id="{34079780-C7F1-44DF-99E8-578EC6F42409}" type="datetimeFigureOut">
               <a:rPr kumimoji="1" lang="ja-JP" altLang="en-US" smtClean="0"/>
-              <a:t>2021/11/22</a:t>
+              <a:t>2021/12/7</a:t>
             </a:fld>
             <a:endParaRPr kumimoji="1" lang="ja-JP" altLang="en-US"/>
           </a:p>
@@ -733,7 +736,7 @@
           <a:p>
             <a:fld id="{CCC89814-3F23-4AB3-AACB-235761780400}" type="datetimeFigureOut">
               <a:rPr kumimoji="1" lang="ja-JP" altLang="en-US" smtClean="0"/>
-              <a:t>2021/11/22</a:t>
+              <a:t>2021/12/7</a:t>
             </a:fld>
             <a:endParaRPr kumimoji="1" lang="ja-JP" altLang="en-US"/>
           </a:p>
@@ -963,7 +966,7 @@
           <a:p>
             <a:fld id="{CCC89814-3F23-4AB3-AACB-235761780400}" type="datetimeFigureOut">
               <a:rPr kumimoji="1" lang="ja-JP" altLang="en-US" smtClean="0"/>
-              <a:t>2021/11/22</a:t>
+              <a:t>2021/12/7</a:t>
             </a:fld>
             <a:endParaRPr kumimoji="1" lang="ja-JP" altLang="en-US"/>
           </a:p>
@@ -1203,7 +1206,7 @@
           <a:p>
             <a:fld id="{CCC89814-3F23-4AB3-AACB-235761780400}" type="datetimeFigureOut">
               <a:rPr kumimoji="1" lang="ja-JP" altLang="en-US" smtClean="0"/>
-              <a:t>2021/11/22</a:t>
+              <a:t>2021/12/7</a:t>
             </a:fld>
             <a:endParaRPr kumimoji="1" lang="ja-JP" altLang="en-US"/>
           </a:p>
@@ -1433,7 +1436,7 @@
           <a:p>
             <a:fld id="{CCC89814-3F23-4AB3-AACB-235761780400}" type="datetimeFigureOut">
               <a:rPr kumimoji="1" lang="ja-JP" altLang="en-US" smtClean="0"/>
-              <a:t>2021/11/22</a:t>
+              <a:t>2021/12/7</a:t>
             </a:fld>
             <a:endParaRPr kumimoji="1" lang="ja-JP" altLang="en-US"/>
           </a:p>
@@ -1708,7 +1711,7 @@
           <a:p>
             <a:fld id="{CCC89814-3F23-4AB3-AACB-235761780400}" type="datetimeFigureOut">
               <a:rPr kumimoji="1" lang="ja-JP" altLang="en-US" smtClean="0"/>
-              <a:t>2021/11/22</a:t>
+              <a:t>2021/12/7</a:t>
             </a:fld>
             <a:endParaRPr kumimoji="1" lang="ja-JP" altLang="en-US"/>
           </a:p>
@@ -2037,7 +2040,7 @@
           <a:p>
             <a:fld id="{CCC89814-3F23-4AB3-AACB-235761780400}" type="datetimeFigureOut">
               <a:rPr kumimoji="1" lang="ja-JP" altLang="en-US" smtClean="0"/>
-              <a:t>2021/11/22</a:t>
+              <a:t>2021/12/7</a:t>
             </a:fld>
             <a:endParaRPr kumimoji="1" lang="ja-JP" altLang="en-US"/>
           </a:p>
@@ -2513,7 +2516,7 @@
           <a:p>
             <a:fld id="{CCC89814-3F23-4AB3-AACB-235761780400}" type="datetimeFigureOut">
               <a:rPr kumimoji="1" lang="ja-JP" altLang="en-US" smtClean="0"/>
-              <a:t>2021/11/22</a:t>
+              <a:t>2021/12/7</a:t>
             </a:fld>
             <a:endParaRPr kumimoji="1" lang="ja-JP" altLang="en-US"/>
           </a:p>
@@ -2654,7 +2657,7 @@
           <a:p>
             <a:fld id="{CCC89814-3F23-4AB3-AACB-235761780400}" type="datetimeFigureOut">
               <a:rPr kumimoji="1" lang="ja-JP" altLang="en-US" smtClean="0"/>
-              <a:t>2021/11/22</a:t>
+              <a:t>2021/12/7</a:t>
             </a:fld>
             <a:endParaRPr kumimoji="1" lang="ja-JP" altLang="en-US"/>
           </a:p>
@@ -2767,7 +2770,7 @@
           <a:p>
             <a:fld id="{CCC89814-3F23-4AB3-AACB-235761780400}" type="datetimeFigureOut">
               <a:rPr kumimoji="1" lang="ja-JP" altLang="en-US" smtClean="0"/>
-              <a:t>2021/11/22</a:t>
+              <a:t>2021/12/7</a:t>
             </a:fld>
             <a:endParaRPr kumimoji="1" lang="ja-JP" altLang="en-US"/>
           </a:p>
@@ -3110,7 +3113,7 @@
           <a:p>
             <a:fld id="{CCC89814-3F23-4AB3-AACB-235761780400}" type="datetimeFigureOut">
               <a:rPr kumimoji="1" lang="ja-JP" altLang="en-US" smtClean="0"/>
-              <a:t>2021/11/22</a:t>
+              <a:t>2021/12/7</a:t>
             </a:fld>
             <a:endParaRPr kumimoji="1" lang="ja-JP" altLang="en-US"/>
           </a:p>
@@ -3398,7 +3401,7 @@
           <a:p>
             <a:fld id="{CCC89814-3F23-4AB3-AACB-235761780400}" type="datetimeFigureOut">
               <a:rPr kumimoji="1" lang="ja-JP" altLang="en-US" smtClean="0"/>
-              <a:t>2021/11/22</a:t>
+              <a:t>2021/12/7</a:t>
             </a:fld>
             <a:endParaRPr kumimoji="1" lang="ja-JP" altLang="en-US"/>
           </a:p>
@@ -3671,7 +3674,7 @@
           <a:p>
             <a:fld id="{CCC89814-3F23-4AB3-AACB-235761780400}" type="datetimeFigureOut">
               <a:rPr kumimoji="1" lang="ja-JP" altLang="en-US" smtClean="0"/>
-              <a:t>2021/11/22</a:t>
+              <a:t>2021/12/7</a:t>
             </a:fld>
             <a:endParaRPr kumimoji="1" lang="ja-JP" altLang="en-US"/>
           </a:p>
@@ -6503,6 +6506,941 @@
     <p:extLst>
       <p:ext uri="{BB962C8B-B14F-4D97-AF65-F5344CB8AC3E}">
         <p14:creationId xmlns:p14="http://schemas.microsoft.com/office/powerpoint/2010/main" val="2867537070"/>
+      </p:ext>
+    </p:extLst>
+  </p:cSld>
+  <p:clrMapOvr>
+    <a:masterClrMapping/>
+  </p:clrMapOvr>
+</p:sld>
+</file>
+
+<file path=ppt/slides/slide10.xml><?xml version="1.0" encoding="utf-8"?>
+<p:sld xmlns:a="http://schemas.openxmlformats.org/drawingml/2006/main" xmlns:r="http://schemas.openxmlformats.org/officeDocument/2006/relationships" xmlns:p="http://schemas.openxmlformats.org/presentationml/2006/main">
+  <p:cSld>
+    <p:spTree>
+      <p:nvGrpSpPr>
+        <p:cNvPr id="1" name=""/>
+        <p:cNvGrpSpPr/>
+        <p:nvPr/>
+      </p:nvGrpSpPr>
+      <p:grpSpPr>
+        <a:xfrm>
+          <a:off x="0" y="0"/>
+          <a:ext cx="0" cy="0"/>
+          <a:chOff x="0" y="0"/>
+          <a:chExt cx="0" cy="0"/>
+        </a:xfrm>
+      </p:grpSpPr>
+      <p:sp>
+        <p:nvSpPr>
+          <p:cNvPr id="2" name="四角形: 角を丸くする 1">
+            <a:extLst>
+              <a:ext uri="{FF2B5EF4-FFF2-40B4-BE49-F238E27FC236}">
+                <a16:creationId xmlns:a16="http://schemas.microsoft.com/office/drawing/2014/main" id="{558B705A-1364-497D-B6EF-2F9550C145ED}"/>
+              </a:ext>
+            </a:extLst>
+          </p:cNvPr>
+          <p:cNvSpPr/>
+          <p:nvPr/>
+        </p:nvSpPr>
+        <p:spPr>
+          <a:xfrm>
+            <a:off x="475357" y="801027"/>
+            <a:ext cx="2258211" cy="663865"/>
+          </a:xfrm>
+          <a:prstGeom prst="roundRect">
+            <a:avLst/>
+          </a:prstGeom>
+          <a:noFill/>
+          <a:ln>
+            <a:solidFill>
+              <a:schemeClr val="tx1"/>
+            </a:solidFill>
+          </a:ln>
+        </p:spPr>
+        <p:style>
+          <a:lnRef idx="2">
+            <a:schemeClr val="accent1">
+              <a:shade val="50000"/>
+            </a:schemeClr>
+          </a:lnRef>
+          <a:fillRef idx="1">
+            <a:schemeClr val="accent1"/>
+          </a:fillRef>
+          <a:effectRef idx="0">
+            <a:schemeClr val="accent1"/>
+          </a:effectRef>
+          <a:fontRef idx="minor">
+            <a:schemeClr val="lt1"/>
+          </a:fontRef>
+        </p:style>
+        <p:txBody>
+          <a:bodyPr rtlCol="0" anchor="ctr"/>
+          <a:lstStyle/>
+          <a:p>
+            <a:pPr algn="ctr"/>
+            <a:r>
+              <a:rPr kumimoji="1" lang="en-US" altLang="ja-JP" dirty="0">
+                <a:solidFill>
+                  <a:schemeClr val="tx1"/>
+                </a:solidFill>
+              </a:rPr>
+              <a:t>12</a:t>
+            </a:r>
+            <a:r>
+              <a:rPr kumimoji="1" lang="ja-JP" altLang="en-US" dirty="0">
+                <a:solidFill>
+                  <a:schemeClr val="tx1"/>
+                </a:solidFill>
+              </a:rPr>
+              <a:t>月</a:t>
+            </a:r>
+            <a:r>
+              <a:rPr kumimoji="1" lang="en-US" altLang="ja-JP" dirty="0">
+                <a:solidFill>
+                  <a:schemeClr val="tx1"/>
+                </a:solidFill>
+              </a:rPr>
+              <a:t>20</a:t>
+            </a:r>
+            <a:r>
+              <a:rPr kumimoji="1" lang="ja-JP" altLang="en-US" dirty="0">
+                <a:solidFill>
+                  <a:schemeClr val="tx1"/>
+                </a:solidFill>
+              </a:rPr>
+              <a:t>日</a:t>
+            </a:r>
+            <a:endParaRPr kumimoji="1" lang="en-US" altLang="ja-JP" dirty="0">
+              <a:solidFill>
+                <a:schemeClr val="tx1"/>
+              </a:solidFill>
+            </a:endParaRPr>
+          </a:p>
+          <a:p>
+            <a:pPr algn="ctr"/>
+            <a:r>
+              <a:rPr kumimoji="1" lang="ja-JP" altLang="en-US" dirty="0">
+                <a:solidFill>
+                  <a:schemeClr val="tx1"/>
+                </a:solidFill>
+              </a:rPr>
+              <a:t>事前説明</a:t>
+            </a:r>
+          </a:p>
+        </p:txBody>
+      </p:sp>
+      <p:sp>
+        <p:nvSpPr>
+          <p:cNvPr id="4" name="正方形/長方形 3">
+            <a:extLst>
+              <a:ext uri="{FF2B5EF4-FFF2-40B4-BE49-F238E27FC236}">
+                <a16:creationId xmlns:a16="http://schemas.microsoft.com/office/drawing/2014/main" id="{E76B1713-56C3-4C6B-95AD-0E80993FE589}"/>
+              </a:ext>
+            </a:extLst>
+          </p:cNvPr>
+          <p:cNvSpPr/>
+          <p:nvPr/>
+        </p:nvSpPr>
+        <p:spPr>
+          <a:xfrm>
+            <a:off x="3565823" y="1261867"/>
+            <a:ext cx="2505194" cy="567559"/>
+          </a:xfrm>
+          <a:prstGeom prst="rect">
+            <a:avLst/>
+          </a:prstGeom>
+          <a:noFill/>
+          <a:ln>
+            <a:solidFill>
+              <a:schemeClr val="tx1"/>
+            </a:solidFill>
+          </a:ln>
+        </p:spPr>
+        <p:style>
+          <a:lnRef idx="2">
+            <a:schemeClr val="accent1">
+              <a:shade val="50000"/>
+            </a:schemeClr>
+          </a:lnRef>
+          <a:fillRef idx="1">
+            <a:schemeClr val="accent1"/>
+          </a:fillRef>
+          <a:effectRef idx="0">
+            <a:schemeClr val="accent1"/>
+          </a:effectRef>
+          <a:fontRef idx="minor">
+            <a:schemeClr val="lt1"/>
+          </a:fontRef>
+        </p:style>
+        <p:txBody>
+          <a:bodyPr rtlCol="0" anchor="ctr"/>
+          <a:lstStyle/>
+          <a:p>
+            <a:pPr algn="ctr"/>
+            <a:r>
+              <a:rPr kumimoji="1" lang="en-US" altLang="ja-JP" dirty="0">
+                <a:solidFill>
+                  <a:schemeClr val="tx1"/>
+                </a:solidFill>
+              </a:rPr>
+              <a:t>12</a:t>
+            </a:r>
+            <a:r>
+              <a:rPr kumimoji="1" lang="ja-JP" altLang="en-US" dirty="0">
+                <a:solidFill>
+                  <a:schemeClr val="tx1"/>
+                </a:solidFill>
+              </a:rPr>
+              <a:t>月中</a:t>
+            </a:r>
+            <a:endParaRPr kumimoji="1" lang="en-US" altLang="ja-JP" dirty="0">
+              <a:solidFill>
+                <a:schemeClr val="tx1"/>
+              </a:solidFill>
+            </a:endParaRPr>
+          </a:p>
+          <a:p>
+            <a:pPr algn="ctr"/>
+            <a:r>
+              <a:rPr kumimoji="1" lang="ja-JP" altLang="en-US" dirty="0">
+                <a:solidFill>
+                  <a:schemeClr val="tx1"/>
+                </a:solidFill>
+              </a:rPr>
+              <a:t>役割の割り当て通知</a:t>
+            </a:r>
+            <a:endParaRPr kumimoji="1" lang="en-US" altLang="ja-JP" dirty="0">
+              <a:solidFill>
+                <a:schemeClr val="tx1"/>
+              </a:solidFill>
+            </a:endParaRPr>
+          </a:p>
+        </p:txBody>
+      </p:sp>
+      <p:sp>
+        <p:nvSpPr>
+          <p:cNvPr id="5" name="正方形/長方形 4">
+            <a:extLst>
+              <a:ext uri="{FF2B5EF4-FFF2-40B4-BE49-F238E27FC236}">
+                <a16:creationId xmlns:a16="http://schemas.microsoft.com/office/drawing/2014/main" id="{A485B531-577B-4EC5-9B24-127E282535E0}"/>
+              </a:ext>
+            </a:extLst>
+          </p:cNvPr>
+          <p:cNvSpPr/>
+          <p:nvPr/>
+        </p:nvSpPr>
+        <p:spPr>
+          <a:xfrm>
+            <a:off x="475357" y="3583151"/>
+            <a:ext cx="2259724" cy="670385"/>
+          </a:xfrm>
+          <a:prstGeom prst="rect">
+            <a:avLst/>
+          </a:prstGeom>
+          <a:noFill/>
+          <a:ln>
+            <a:solidFill>
+              <a:schemeClr val="tx1"/>
+            </a:solidFill>
+          </a:ln>
+        </p:spPr>
+        <p:style>
+          <a:lnRef idx="2">
+            <a:schemeClr val="accent1">
+              <a:shade val="50000"/>
+            </a:schemeClr>
+          </a:lnRef>
+          <a:fillRef idx="1">
+            <a:schemeClr val="accent1"/>
+          </a:fillRef>
+          <a:effectRef idx="0">
+            <a:schemeClr val="accent1"/>
+          </a:effectRef>
+          <a:fontRef idx="minor">
+            <a:schemeClr val="lt1"/>
+          </a:fontRef>
+        </p:style>
+        <p:txBody>
+          <a:bodyPr rtlCol="0" anchor="ctr"/>
+          <a:lstStyle/>
+          <a:p>
+            <a:pPr algn="ctr"/>
+            <a:r>
+              <a:rPr kumimoji="1" lang="en-US" altLang="ja-JP" dirty="0">
+                <a:solidFill>
+                  <a:schemeClr val="tx1"/>
+                </a:solidFill>
+              </a:rPr>
+              <a:t>1</a:t>
+            </a:r>
+            <a:r>
+              <a:rPr kumimoji="1" lang="ja-JP" altLang="en-US" dirty="0">
+                <a:solidFill>
+                  <a:schemeClr val="tx1"/>
+                </a:solidFill>
+              </a:rPr>
+              <a:t>月</a:t>
+            </a:r>
+            <a:r>
+              <a:rPr kumimoji="1" lang="en-US" altLang="ja-JP" dirty="0">
+                <a:solidFill>
+                  <a:schemeClr val="tx1"/>
+                </a:solidFill>
+              </a:rPr>
+              <a:t>17</a:t>
+            </a:r>
+            <a:r>
+              <a:rPr kumimoji="1" lang="ja-JP" altLang="en-US" dirty="0">
+                <a:solidFill>
+                  <a:schemeClr val="tx1"/>
+                </a:solidFill>
+              </a:rPr>
+              <a:t>・</a:t>
+            </a:r>
+            <a:r>
+              <a:rPr kumimoji="1" lang="en-US" altLang="ja-JP" dirty="0">
+                <a:solidFill>
+                  <a:schemeClr val="tx1"/>
+                </a:solidFill>
+              </a:rPr>
+              <a:t>24</a:t>
+            </a:r>
+            <a:r>
+              <a:rPr kumimoji="1" lang="ja-JP" altLang="en-US" dirty="0">
+                <a:solidFill>
+                  <a:schemeClr val="tx1"/>
+                </a:solidFill>
+              </a:rPr>
+              <a:t>日</a:t>
+            </a:r>
+            <a:r>
+              <a:rPr kumimoji="1" lang="en-US" altLang="ja-JP" dirty="0">
+                <a:solidFill>
+                  <a:schemeClr val="tx1"/>
+                </a:solidFill>
+              </a:rPr>
+              <a:t> </a:t>
+            </a:r>
+          </a:p>
+          <a:p>
+            <a:pPr algn="ctr"/>
+            <a:r>
+              <a:rPr kumimoji="1" lang="en-US" altLang="ja-JP" dirty="0">
+                <a:solidFill>
+                  <a:schemeClr val="tx1"/>
+                </a:solidFill>
+              </a:rPr>
+              <a:t>BAZAAR</a:t>
+            </a:r>
+            <a:r>
+              <a:rPr kumimoji="1" lang="ja-JP" altLang="en-US" dirty="0">
+                <a:solidFill>
+                  <a:schemeClr val="tx1"/>
+                </a:solidFill>
+              </a:rPr>
+              <a:t>プレイ</a:t>
+            </a:r>
+          </a:p>
+        </p:txBody>
+      </p:sp>
+      <p:sp>
+        <p:nvSpPr>
+          <p:cNvPr id="6" name="正方形/長方形 5">
+            <a:extLst>
+              <a:ext uri="{FF2B5EF4-FFF2-40B4-BE49-F238E27FC236}">
+                <a16:creationId xmlns:a16="http://schemas.microsoft.com/office/drawing/2014/main" id="{39A7A118-BF13-4D17-B588-B3D73A466BF7}"/>
+              </a:ext>
+            </a:extLst>
+          </p:cNvPr>
+          <p:cNvSpPr/>
+          <p:nvPr/>
+        </p:nvSpPr>
+        <p:spPr>
+          <a:xfrm>
+            <a:off x="475357" y="4618069"/>
+            <a:ext cx="2259724" cy="567559"/>
+          </a:xfrm>
+          <a:prstGeom prst="rect">
+            <a:avLst/>
+          </a:prstGeom>
+          <a:noFill/>
+          <a:ln>
+            <a:solidFill>
+              <a:schemeClr val="tx1"/>
+            </a:solidFill>
+          </a:ln>
+        </p:spPr>
+        <p:style>
+          <a:lnRef idx="2">
+            <a:schemeClr val="accent1">
+              <a:shade val="50000"/>
+            </a:schemeClr>
+          </a:lnRef>
+          <a:fillRef idx="1">
+            <a:schemeClr val="accent1"/>
+          </a:fillRef>
+          <a:effectRef idx="0">
+            <a:schemeClr val="accent1"/>
+          </a:effectRef>
+          <a:fontRef idx="minor">
+            <a:schemeClr val="lt1"/>
+          </a:fontRef>
+        </p:style>
+        <p:txBody>
+          <a:bodyPr rtlCol="0" anchor="ctr"/>
+          <a:lstStyle/>
+          <a:p>
+            <a:pPr algn="ctr"/>
+            <a:r>
+              <a:rPr kumimoji="1" lang="en-US" altLang="ja-JP" dirty="0">
+                <a:solidFill>
+                  <a:schemeClr val="tx1"/>
+                </a:solidFill>
+              </a:rPr>
+              <a:t>1</a:t>
+            </a:r>
+            <a:r>
+              <a:rPr kumimoji="1" lang="ja-JP" altLang="en-US" dirty="0">
+                <a:solidFill>
+                  <a:schemeClr val="tx1"/>
+                </a:solidFill>
+              </a:rPr>
+              <a:t>月</a:t>
+            </a:r>
+            <a:r>
+              <a:rPr kumimoji="1" lang="en-US" altLang="ja-JP" dirty="0">
+                <a:solidFill>
+                  <a:schemeClr val="tx1"/>
+                </a:solidFill>
+              </a:rPr>
+              <a:t>31</a:t>
+            </a:r>
+            <a:r>
+              <a:rPr kumimoji="1" lang="ja-JP" altLang="en-US" dirty="0">
+                <a:solidFill>
+                  <a:schemeClr val="tx1"/>
+                </a:solidFill>
+              </a:rPr>
+              <a:t>日</a:t>
+            </a:r>
+            <a:endParaRPr kumimoji="1" lang="en-US" altLang="ja-JP" dirty="0">
+              <a:solidFill>
+                <a:schemeClr val="tx1"/>
+              </a:solidFill>
+            </a:endParaRPr>
+          </a:p>
+          <a:p>
+            <a:pPr algn="ctr"/>
+            <a:r>
+              <a:rPr kumimoji="1" lang="ja-JP" altLang="en-US" dirty="0">
+                <a:solidFill>
+                  <a:schemeClr val="tx1"/>
+                </a:solidFill>
+              </a:rPr>
+              <a:t>振り返り</a:t>
+            </a:r>
+          </a:p>
+        </p:txBody>
+      </p:sp>
+      <p:sp>
+        <p:nvSpPr>
+          <p:cNvPr id="8" name="矢印: 下 7">
+            <a:extLst>
+              <a:ext uri="{FF2B5EF4-FFF2-40B4-BE49-F238E27FC236}">
+                <a16:creationId xmlns:a16="http://schemas.microsoft.com/office/drawing/2014/main" id="{9BF79A01-360D-4D84-A7C5-2FE825576E6F}"/>
+              </a:ext>
+            </a:extLst>
+          </p:cNvPr>
+          <p:cNvSpPr/>
+          <p:nvPr/>
+        </p:nvSpPr>
+        <p:spPr>
+          <a:xfrm rot="18302352">
+            <a:off x="2861565" y="966918"/>
+            <a:ext cx="510498" cy="367169"/>
+          </a:xfrm>
+          <a:prstGeom prst="downArrow">
+            <a:avLst/>
+          </a:prstGeom>
+          <a:solidFill>
+            <a:schemeClr val="bg1">
+              <a:lumMod val="85000"/>
+            </a:schemeClr>
+          </a:solidFill>
+          <a:ln>
+            <a:solidFill>
+              <a:schemeClr val="tx1"/>
+            </a:solidFill>
+          </a:ln>
+        </p:spPr>
+        <p:style>
+          <a:lnRef idx="2">
+            <a:schemeClr val="accent1">
+              <a:shade val="50000"/>
+            </a:schemeClr>
+          </a:lnRef>
+          <a:fillRef idx="1">
+            <a:schemeClr val="accent1"/>
+          </a:fillRef>
+          <a:effectRef idx="0">
+            <a:schemeClr val="accent1"/>
+          </a:effectRef>
+          <a:fontRef idx="minor">
+            <a:schemeClr val="lt1"/>
+          </a:fontRef>
+        </p:style>
+        <p:txBody>
+          <a:bodyPr rtlCol="0" anchor="ctr"/>
+          <a:lstStyle/>
+          <a:p>
+            <a:pPr algn="ctr"/>
+            <a:endParaRPr kumimoji="1" lang="ja-JP" altLang="en-US"/>
+          </a:p>
+        </p:txBody>
+      </p:sp>
+      <p:sp>
+        <p:nvSpPr>
+          <p:cNvPr id="9" name="矢印: 下 8">
+            <a:extLst>
+              <a:ext uri="{FF2B5EF4-FFF2-40B4-BE49-F238E27FC236}">
+                <a16:creationId xmlns:a16="http://schemas.microsoft.com/office/drawing/2014/main" id="{8737FE38-3E72-44B7-8A05-3DD80E38A113}"/>
+              </a:ext>
+            </a:extLst>
+          </p:cNvPr>
+          <p:cNvSpPr/>
+          <p:nvPr/>
+        </p:nvSpPr>
+        <p:spPr>
+          <a:xfrm>
+            <a:off x="1344137" y="4323041"/>
+            <a:ext cx="578069" cy="199696"/>
+          </a:xfrm>
+          <a:prstGeom prst="downArrow">
+            <a:avLst/>
+          </a:prstGeom>
+          <a:solidFill>
+            <a:schemeClr val="bg1">
+              <a:lumMod val="85000"/>
+            </a:schemeClr>
+          </a:solidFill>
+          <a:ln>
+            <a:solidFill>
+              <a:schemeClr val="tx1"/>
+            </a:solidFill>
+          </a:ln>
+        </p:spPr>
+        <p:style>
+          <a:lnRef idx="2">
+            <a:schemeClr val="accent1">
+              <a:shade val="50000"/>
+            </a:schemeClr>
+          </a:lnRef>
+          <a:fillRef idx="1">
+            <a:schemeClr val="accent1"/>
+          </a:fillRef>
+          <a:effectRef idx="0">
+            <a:schemeClr val="accent1"/>
+          </a:effectRef>
+          <a:fontRef idx="minor">
+            <a:schemeClr val="lt1"/>
+          </a:fontRef>
+        </p:style>
+        <p:txBody>
+          <a:bodyPr rtlCol="0" anchor="ctr"/>
+          <a:lstStyle/>
+          <a:p>
+            <a:pPr algn="ctr"/>
+            <a:endParaRPr kumimoji="1" lang="ja-JP" altLang="en-US"/>
+          </a:p>
+        </p:txBody>
+      </p:sp>
+      <p:sp>
+        <p:nvSpPr>
+          <p:cNvPr id="11" name="正方形/長方形 10">
+            <a:extLst>
+              <a:ext uri="{FF2B5EF4-FFF2-40B4-BE49-F238E27FC236}">
+                <a16:creationId xmlns:a16="http://schemas.microsoft.com/office/drawing/2014/main" id="{AAD6A0B5-C758-44E1-8BEB-917D084BAF0D}"/>
+              </a:ext>
+            </a:extLst>
+          </p:cNvPr>
+          <p:cNvSpPr/>
+          <p:nvPr/>
+        </p:nvSpPr>
+        <p:spPr>
+          <a:xfrm>
+            <a:off x="3131004" y="2195763"/>
+            <a:ext cx="3702932" cy="1063208"/>
+          </a:xfrm>
+          <a:prstGeom prst="rect">
+            <a:avLst/>
+          </a:prstGeom>
+          <a:noFill/>
+          <a:ln>
+            <a:solidFill>
+              <a:schemeClr val="tx1"/>
+            </a:solidFill>
+          </a:ln>
+        </p:spPr>
+        <p:style>
+          <a:lnRef idx="2">
+            <a:schemeClr val="accent1">
+              <a:shade val="50000"/>
+            </a:schemeClr>
+          </a:lnRef>
+          <a:fillRef idx="1">
+            <a:schemeClr val="accent1"/>
+          </a:fillRef>
+          <a:effectRef idx="0">
+            <a:schemeClr val="accent1"/>
+          </a:effectRef>
+          <a:fontRef idx="minor">
+            <a:schemeClr val="lt1"/>
+          </a:fontRef>
+        </p:style>
+        <p:txBody>
+          <a:bodyPr rtlCol="0" anchor="ctr"/>
+          <a:lstStyle/>
+          <a:p>
+            <a:pPr algn="ctr"/>
+            <a:r>
+              <a:rPr kumimoji="1" lang="en-US" altLang="ja-JP" dirty="0">
+                <a:solidFill>
+                  <a:schemeClr val="tx1"/>
+                </a:solidFill>
+              </a:rPr>
+              <a:t>1</a:t>
+            </a:r>
+            <a:r>
+              <a:rPr kumimoji="1" lang="ja-JP" altLang="en-US" dirty="0">
+                <a:solidFill>
+                  <a:schemeClr val="tx1"/>
+                </a:solidFill>
+              </a:rPr>
+              <a:t>月</a:t>
+            </a:r>
+            <a:r>
+              <a:rPr kumimoji="1" lang="en-US" altLang="ja-JP" dirty="0">
+                <a:solidFill>
+                  <a:schemeClr val="tx1"/>
+                </a:solidFill>
+              </a:rPr>
+              <a:t>10</a:t>
+            </a:r>
+            <a:r>
+              <a:rPr kumimoji="1" lang="ja-JP" altLang="en-US" dirty="0">
+                <a:solidFill>
+                  <a:schemeClr val="tx1"/>
+                </a:solidFill>
+              </a:rPr>
+              <a:t>日ごろまで</a:t>
+            </a:r>
+            <a:endParaRPr kumimoji="1" lang="en-US" altLang="ja-JP" dirty="0">
+              <a:solidFill>
+                <a:schemeClr val="tx1"/>
+              </a:solidFill>
+            </a:endParaRPr>
+          </a:p>
+          <a:p>
+            <a:r>
+              <a:rPr kumimoji="1" lang="ja-JP" altLang="en-US" dirty="0">
+                <a:solidFill>
+                  <a:schemeClr val="tx1"/>
+                </a:solidFill>
+              </a:rPr>
+              <a:t>・ゲームマニュアル送付</a:t>
+            </a:r>
+            <a:endParaRPr kumimoji="1" lang="en-US" altLang="ja-JP" dirty="0">
+              <a:solidFill>
+                <a:schemeClr val="tx1"/>
+              </a:solidFill>
+            </a:endParaRPr>
+          </a:p>
+          <a:p>
+            <a:r>
+              <a:rPr kumimoji="1" lang="ja-JP" altLang="en-US" dirty="0">
+                <a:solidFill>
+                  <a:schemeClr val="tx1"/>
+                </a:solidFill>
+              </a:rPr>
+              <a:t>・出品者に物語作成課題割り当て</a:t>
+            </a:r>
+          </a:p>
+        </p:txBody>
+      </p:sp>
+      <p:sp>
+        <p:nvSpPr>
+          <p:cNvPr id="12" name="四角形: 角を丸くする 11">
+            <a:extLst>
+              <a:ext uri="{FF2B5EF4-FFF2-40B4-BE49-F238E27FC236}">
+                <a16:creationId xmlns:a16="http://schemas.microsoft.com/office/drawing/2014/main" id="{CE2C5949-AB4D-41EB-9549-E8C548F89CC4}"/>
+              </a:ext>
+            </a:extLst>
+          </p:cNvPr>
+          <p:cNvSpPr/>
+          <p:nvPr/>
+        </p:nvSpPr>
+        <p:spPr>
+          <a:xfrm>
+            <a:off x="475357" y="253245"/>
+            <a:ext cx="2091977" cy="413951"/>
+          </a:xfrm>
+          <a:prstGeom prst="roundRect">
+            <a:avLst/>
+          </a:prstGeom>
+          <a:noFill/>
+          <a:ln>
+            <a:noFill/>
+          </a:ln>
+        </p:spPr>
+        <p:style>
+          <a:lnRef idx="2">
+            <a:schemeClr val="accent1">
+              <a:shade val="50000"/>
+            </a:schemeClr>
+          </a:lnRef>
+          <a:fillRef idx="1">
+            <a:schemeClr val="accent1"/>
+          </a:fillRef>
+          <a:effectRef idx="0">
+            <a:schemeClr val="accent1"/>
+          </a:effectRef>
+          <a:fontRef idx="minor">
+            <a:schemeClr val="lt1"/>
+          </a:fontRef>
+        </p:style>
+        <p:txBody>
+          <a:bodyPr rtlCol="0" anchor="ctr"/>
+          <a:lstStyle/>
+          <a:p>
+            <a:pPr algn="ctr"/>
+            <a:r>
+              <a:rPr kumimoji="1" lang="en-US" altLang="ja-JP" dirty="0">
+                <a:solidFill>
+                  <a:schemeClr val="tx1"/>
+                </a:solidFill>
+              </a:rPr>
+              <a:t>【</a:t>
+            </a:r>
+            <a:r>
+              <a:rPr kumimoji="1" lang="ja-JP" altLang="en-US" dirty="0">
+                <a:solidFill>
+                  <a:schemeClr val="tx1"/>
+                </a:solidFill>
+              </a:rPr>
+              <a:t>教室で実施</a:t>
+            </a:r>
+            <a:r>
+              <a:rPr kumimoji="1" lang="en-US" altLang="ja-JP" dirty="0">
+                <a:solidFill>
+                  <a:schemeClr val="tx1"/>
+                </a:solidFill>
+              </a:rPr>
+              <a:t>】</a:t>
+            </a:r>
+            <a:endParaRPr kumimoji="1" lang="ja-JP" altLang="en-US" dirty="0">
+              <a:solidFill>
+                <a:schemeClr val="tx1"/>
+              </a:solidFill>
+            </a:endParaRPr>
+          </a:p>
+        </p:txBody>
+      </p:sp>
+      <p:sp>
+        <p:nvSpPr>
+          <p:cNvPr id="13" name="四角形: 角を丸くする 12">
+            <a:extLst>
+              <a:ext uri="{FF2B5EF4-FFF2-40B4-BE49-F238E27FC236}">
+                <a16:creationId xmlns:a16="http://schemas.microsoft.com/office/drawing/2014/main" id="{88A838E0-6C25-467F-A0DC-C0C0AAEB1217}"/>
+              </a:ext>
+            </a:extLst>
+          </p:cNvPr>
+          <p:cNvSpPr/>
+          <p:nvPr/>
+        </p:nvSpPr>
+        <p:spPr>
+          <a:xfrm>
+            <a:off x="3413673" y="253244"/>
+            <a:ext cx="2091977" cy="413951"/>
+          </a:xfrm>
+          <a:prstGeom prst="roundRect">
+            <a:avLst/>
+          </a:prstGeom>
+          <a:noFill/>
+          <a:ln>
+            <a:noFill/>
+          </a:ln>
+        </p:spPr>
+        <p:style>
+          <a:lnRef idx="2">
+            <a:schemeClr val="accent1">
+              <a:shade val="50000"/>
+            </a:schemeClr>
+          </a:lnRef>
+          <a:fillRef idx="1">
+            <a:schemeClr val="accent1"/>
+          </a:fillRef>
+          <a:effectRef idx="0">
+            <a:schemeClr val="accent1"/>
+          </a:effectRef>
+          <a:fontRef idx="minor">
+            <a:schemeClr val="lt1"/>
+          </a:fontRef>
+        </p:style>
+        <p:txBody>
+          <a:bodyPr rtlCol="0" anchor="ctr"/>
+          <a:lstStyle/>
+          <a:p>
+            <a:pPr algn="ctr"/>
+            <a:r>
+              <a:rPr kumimoji="1" lang="en-US" altLang="ja-JP" dirty="0">
+                <a:solidFill>
+                  <a:schemeClr val="tx1"/>
+                </a:solidFill>
+              </a:rPr>
+              <a:t>【</a:t>
+            </a:r>
+            <a:r>
+              <a:rPr kumimoji="1" lang="ja-JP" altLang="en-US" dirty="0">
+                <a:solidFill>
+                  <a:schemeClr val="tx1"/>
+                </a:solidFill>
+              </a:rPr>
+              <a:t>メールで連絡</a:t>
+            </a:r>
+            <a:r>
+              <a:rPr kumimoji="1" lang="en-US" altLang="ja-JP" dirty="0">
+                <a:solidFill>
+                  <a:schemeClr val="tx1"/>
+                </a:solidFill>
+              </a:rPr>
+              <a:t>】</a:t>
+            </a:r>
+            <a:endParaRPr kumimoji="1" lang="ja-JP" altLang="en-US" dirty="0">
+              <a:solidFill>
+                <a:schemeClr val="tx1"/>
+              </a:solidFill>
+            </a:endParaRPr>
+          </a:p>
+        </p:txBody>
+      </p:sp>
+      <p:sp>
+        <p:nvSpPr>
+          <p:cNvPr id="14" name="矢印: 下 13">
+            <a:extLst>
+              <a:ext uri="{FF2B5EF4-FFF2-40B4-BE49-F238E27FC236}">
+                <a16:creationId xmlns:a16="http://schemas.microsoft.com/office/drawing/2014/main" id="{7C868942-8571-49D6-815D-B42E1905F9C4}"/>
+              </a:ext>
+            </a:extLst>
+          </p:cNvPr>
+          <p:cNvSpPr/>
+          <p:nvPr/>
+        </p:nvSpPr>
+        <p:spPr>
+          <a:xfrm>
+            <a:off x="4459661" y="1904352"/>
+            <a:ext cx="578069" cy="199696"/>
+          </a:xfrm>
+          <a:prstGeom prst="downArrow">
+            <a:avLst/>
+          </a:prstGeom>
+          <a:solidFill>
+            <a:schemeClr val="bg1">
+              <a:lumMod val="85000"/>
+            </a:schemeClr>
+          </a:solidFill>
+          <a:ln>
+            <a:solidFill>
+              <a:schemeClr val="tx1"/>
+            </a:solidFill>
+          </a:ln>
+        </p:spPr>
+        <p:style>
+          <a:lnRef idx="2">
+            <a:schemeClr val="accent1">
+              <a:shade val="50000"/>
+            </a:schemeClr>
+          </a:lnRef>
+          <a:fillRef idx="1">
+            <a:schemeClr val="accent1"/>
+          </a:fillRef>
+          <a:effectRef idx="0">
+            <a:schemeClr val="accent1"/>
+          </a:effectRef>
+          <a:fontRef idx="minor">
+            <a:schemeClr val="lt1"/>
+          </a:fontRef>
+        </p:style>
+        <p:txBody>
+          <a:bodyPr rtlCol="0" anchor="ctr"/>
+          <a:lstStyle/>
+          <a:p>
+            <a:pPr algn="ctr"/>
+            <a:endParaRPr kumimoji="1" lang="ja-JP" altLang="en-US"/>
+          </a:p>
+        </p:txBody>
+      </p:sp>
+      <p:sp>
+        <p:nvSpPr>
+          <p:cNvPr id="15" name="矢印: 下 14">
+            <a:extLst>
+              <a:ext uri="{FF2B5EF4-FFF2-40B4-BE49-F238E27FC236}">
+                <a16:creationId xmlns:a16="http://schemas.microsoft.com/office/drawing/2014/main" id="{5A8085DE-DDFF-4C15-8220-3D1E34FB8BFB}"/>
+              </a:ext>
+            </a:extLst>
+          </p:cNvPr>
+          <p:cNvSpPr/>
+          <p:nvPr/>
+        </p:nvSpPr>
+        <p:spPr>
+          <a:xfrm rot="2890856">
+            <a:off x="2996730" y="3415446"/>
+            <a:ext cx="510498" cy="367169"/>
+          </a:xfrm>
+          <a:prstGeom prst="downArrow">
+            <a:avLst/>
+          </a:prstGeom>
+          <a:solidFill>
+            <a:schemeClr val="bg1">
+              <a:lumMod val="85000"/>
+            </a:schemeClr>
+          </a:solidFill>
+          <a:ln>
+            <a:solidFill>
+              <a:schemeClr val="tx1"/>
+            </a:solidFill>
+          </a:ln>
+        </p:spPr>
+        <p:style>
+          <a:lnRef idx="2">
+            <a:schemeClr val="accent1">
+              <a:shade val="50000"/>
+            </a:schemeClr>
+          </a:lnRef>
+          <a:fillRef idx="1">
+            <a:schemeClr val="accent1"/>
+          </a:fillRef>
+          <a:effectRef idx="0">
+            <a:schemeClr val="accent1"/>
+          </a:effectRef>
+          <a:fontRef idx="minor">
+            <a:schemeClr val="lt1"/>
+          </a:fontRef>
+        </p:style>
+        <p:txBody>
+          <a:bodyPr rtlCol="0" anchor="ctr"/>
+          <a:lstStyle/>
+          <a:p>
+            <a:pPr algn="ctr"/>
+            <a:endParaRPr kumimoji="1" lang="ja-JP" altLang="en-US"/>
+          </a:p>
+        </p:txBody>
+      </p:sp>
+    </p:spTree>
+    <p:extLst>
+      <p:ext uri="{BB962C8B-B14F-4D97-AF65-F5344CB8AC3E}">
+        <p14:creationId xmlns:p14="http://schemas.microsoft.com/office/powerpoint/2010/main" val="898077320"/>
       </p:ext>
     </p:extLst>
   </p:cSld>
@@ -12082,6 +13020,3022 @@
 </p:sld>
 </file>
 
+<file path=ppt/slides/slide8.xml><?xml version="1.0" encoding="utf-8"?>
+<p:sld xmlns:a="http://schemas.openxmlformats.org/drawingml/2006/main" xmlns:r="http://schemas.openxmlformats.org/officeDocument/2006/relationships" xmlns:p="http://schemas.openxmlformats.org/presentationml/2006/main">
+  <p:cSld>
+    <p:spTree>
+      <p:nvGrpSpPr>
+        <p:cNvPr id="1" name=""/>
+        <p:cNvGrpSpPr/>
+        <p:nvPr/>
+      </p:nvGrpSpPr>
+      <p:grpSpPr>
+        <a:xfrm>
+          <a:off x="0" y="0"/>
+          <a:ext cx="0" cy="0"/>
+          <a:chOff x="0" y="0"/>
+          <a:chExt cx="0" cy="0"/>
+        </a:xfrm>
+      </p:grpSpPr>
+      <p:sp>
+        <p:nvSpPr>
+          <p:cNvPr id="16" name="テキスト ボックス 15">
+            <a:extLst>
+              <a:ext uri="{FF2B5EF4-FFF2-40B4-BE49-F238E27FC236}">
+                <a16:creationId xmlns:a16="http://schemas.microsoft.com/office/drawing/2014/main" id="{64897DA7-1248-4C55-9007-DA31471EB563}"/>
+              </a:ext>
+            </a:extLst>
+          </p:cNvPr>
+          <p:cNvSpPr txBox="1"/>
+          <p:nvPr/>
+        </p:nvSpPr>
+        <p:spPr>
+          <a:xfrm>
+            <a:off x="993598" y="3342892"/>
+            <a:ext cx="1180609" cy="369332"/>
+          </a:xfrm>
+          <a:prstGeom prst="rect">
+            <a:avLst/>
+          </a:prstGeom>
+          <a:noFill/>
+        </p:spPr>
+        <p:txBody>
+          <a:bodyPr wrap="square" rtlCol="0">
+            <a:spAutoFit/>
+          </a:bodyPr>
+          <a:lstStyle/>
+          <a:p>
+            <a:r>
+              <a:rPr kumimoji="1" lang="ja-JP" altLang="en-US" dirty="0"/>
+              <a:t>出品者</a:t>
+            </a:r>
+          </a:p>
+        </p:txBody>
+      </p:sp>
+      <p:sp>
+        <p:nvSpPr>
+          <p:cNvPr id="17" name="テキスト ボックス 16">
+            <a:extLst>
+              <a:ext uri="{FF2B5EF4-FFF2-40B4-BE49-F238E27FC236}">
+                <a16:creationId xmlns:a16="http://schemas.microsoft.com/office/drawing/2014/main" id="{ED1CD71C-1406-4E60-9899-6D64980ADC46}"/>
+              </a:ext>
+            </a:extLst>
+          </p:cNvPr>
+          <p:cNvSpPr txBox="1"/>
+          <p:nvPr/>
+        </p:nvSpPr>
+        <p:spPr>
+          <a:xfrm>
+            <a:off x="4057193" y="3248820"/>
+            <a:ext cx="1180609" cy="646331"/>
+          </a:xfrm>
+          <a:prstGeom prst="rect">
+            <a:avLst/>
+          </a:prstGeom>
+          <a:noFill/>
+        </p:spPr>
+        <p:txBody>
+          <a:bodyPr wrap="square" rtlCol="0">
+            <a:spAutoFit/>
+          </a:bodyPr>
+          <a:lstStyle/>
+          <a:p>
+            <a:r>
+              <a:rPr kumimoji="1" lang="ja-JP" altLang="en-US" dirty="0"/>
+              <a:t>受け手</a:t>
+            </a:r>
+            <a:endParaRPr kumimoji="1" lang="en-US" altLang="ja-JP" dirty="0"/>
+          </a:p>
+          <a:p>
+            <a:r>
+              <a:rPr kumimoji="1" lang="ja-JP" altLang="en-US" dirty="0"/>
+              <a:t>グループ</a:t>
+            </a:r>
+          </a:p>
+        </p:txBody>
+      </p:sp>
+      <p:pic>
+        <p:nvPicPr>
+          <p:cNvPr id="43" name="グラフィックス 42" descr="男性 単色塗りつぶし">
+            <a:extLst>
+              <a:ext uri="{FF2B5EF4-FFF2-40B4-BE49-F238E27FC236}">
+                <a16:creationId xmlns:a16="http://schemas.microsoft.com/office/drawing/2014/main" id="{3D9B2184-405B-4FC9-A507-B4550265D249}"/>
+              </a:ext>
+            </a:extLst>
+          </p:cNvPr>
+          <p:cNvPicPr>
+            <a:picLocks noChangeAspect="1"/>
+          </p:cNvPicPr>
+          <p:nvPr/>
+        </p:nvPicPr>
+        <p:blipFill>
+          <a:blip r:embed="rId2">
+            <a:extLst>
+              <a:ext uri="{28A0092B-C50C-407E-A947-70E740481C1C}">
+                <a14:useLocalDpi xmlns:a14="http://schemas.microsoft.com/office/drawing/2010/main" val="0"/>
+              </a:ext>
+              <a:ext uri="{96DAC541-7B7A-43D3-8B79-37D633B846F1}">
+                <asvg:svgBlip xmlns:asvg="http://schemas.microsoft.com/office/drawing/2016/SVG/main" r:embed="rId3"/>
+              </a:ext>
+            </a:extLst>
+          </a:blip>
+          <a:stretch>
+            <a:fillRect/>
+          </a:stretch>
+        </p:blipFill>
+        <p:spPr>
+          <a:xfrm>
+            <a:off x="1179031" y="2242046"/>
+            <a:ext cx="683127" cy="653550"/>
+          </a:xfrm>
+          <a:prstGeom prst="rect">
+            <a:avLst/>
+          </a:prstGeom>
+        </p:spPr>
+      </p:pic>
+      <p:sp>
+        <p:nvSpPr>
+          <p:cNvPr id="51" name="矢印: 下カーブ 50">
+            <a:extLst>
+              <a:ext uri="{FF2B5EF4-FFF2-40B4-BE49-F238E27FC236}">
+                <a16:creationId xmlns:a16="http://schemas.microsoft.com/office/drawing/2014/main" id="{D5CA4EC0-4D7A-464F-AAA5-26041E97B83D}"/>
+              </a:ext>
+            </a:extLst>
+          </p:cNvPr>
+          <p:cNvSpPr/>
+          <p:nvPr/>
+        </p:nvSpPr>
+        <p:spPr>
+          <a:xfrm>
+            <a:off x="1583903" y="1766524"/>
+            <a:ext cx="2202020" cy="395048"/>
+          </a:xfrm>
+          <a:prstGeom prst="curvedDownArrow">
+            <a:avLst/>
+          </a:prstGeom>
+        </p:spPr>
+        <p:style>
+          <a:lnRef idx="2">
+            <a:schemeClr val="accent1">
+              <a:shade val="50000"/>
+            </a:schemeClr>
+          </a:lnRef>
+          <a:fillRef idx="1">
+            <a:schemeClr val="accent1"/>
+          </a:fillRef>
+          <a:effectRef idx="0">
+            <a:schemeClr val="accent1"/>
+          </a:effectRef>
+          <a:fontRef idx="minor">
+            <a:schemeClr val="lt1"/>
+          </a:fontRef>
+        </p:style>
+        <p:txBody>
+          <a:bodyPr rtlCol="0" anchor="ctr"/>
+          <a:lstStyle/>
+          <a:p>
+            <a:pPr algn="ctr"/>
+            <a:endParaRPr kumimoji="1" lang="ja-JP" altLang="en-US">
+              <a:solidFill>
+                <a:schemeClr val="tx1"/>
+              </a:solidFill>
+            </a:endParaRPr>
+          </a:p>
+        </p:txBody>
+      </p:sp>
+      <p:sp>
+        <p:nvSpPr>
+          <p:cNvPr id="52" name="矢印: 下カーブ 51">
+            <a:extLst>
+              <a:ext uri="{FF2B5EF4-FFF2-40B4-BE49-F238E27FC236}">
+                <a16:creationId xmlns:a16="http://schemas.microsoft.com/office/drawing/2014/main" id="{06AFCB5F-5C6B-4EF2-BBFC-AE0332004064}"/>
+              </a:ext>
+            </a:extLst>
+          </p:cNvPr>
+          <p:cNvSpPr/>
+          <p:nvPr/>
+        </p:nvSpPr>
+        <p:spPr>
+          <a:xfrm rot="10800000">
+            <a:off x="1497846" y="2915070"/>
+            <a:ext cx="2202020" cy="395047"/>
+          </a:xfrm>
+          <a:prstGeom prst="curvedDownArrow">
+            <a:avLst/>
+          </a:prstGeom>
+        </p:spPr>
+        <p:style>
+          <a:lnRef idx="2">
+            <a:schemeClr val="accent1">
+              <a:shade val="50000"/>
+            </a:schemeClr>
+          </a:lnRef>
+          <a:fillRef idx="1">
+            <a:schemeClr val="accent1"/>
+          </a:fillRef>
+          <a:effectRef idx="0">
+            <a:schemeClr val="accent1"/>
+          </a:effectRef>
+          <a:fontRef idx="minor">
+            <a:schemeClr val="lt1"/>
+          </a:fontRef>
+        </p:style>
+        <p:txBody>
+          <a:bodyPr rtlCol="0" anchor="ctr"/>
+          <a:lstStyle/>
+          <a:p>
+            <a:pPr algn="ctr"/>
+            <a:endParaRPr kumimoji="1" lang="ja-JP" altLang="en-US">
+              <a:solidFill>
+                <a:schemeClr val="tx1"/>
+              </a:solidFill>
+            </a:endParaRPr>
+          </a:p>
+        </p:txBody>
+      </p:sp>
+      <p:pic>
+        <p:nvPicPr>
+          <p:cNvPr id="112" name="グラフィックス 111" descr="クルタ 単色塗りつぶし">
+            <a:extLst>
+              <a:ext uri="{FF2B5EF4-FFF2-40B4-BE49-F238E27FC236}">
+                <a16:creationId xmlns:a16="http://schemas.microsoft.com/office/drawing/2014/main" id="{46ABA4E6-1252-4445-910B-F20DB213E8C8}"/>
+              </a:ext>
+            </a:extLst>
+          </p:cNvPr>
+          <p:cNvPicPr>
+            <a:picLocks noChangeAspect="1"/>
+          </p:cNvPicPr>
+          <p:nvPr/>
+        </p:nvPicPr>
+        <p:blipFill>
+          <a:blip r:embed="rId4">
+            <a:extLst>
+              <a:ext uri="{28A0092B-C50C-407E-A947-70E740481C1C}">
+                <a14:useLocalDpi xmlns:a14="http://schemas.microsoft.com/office/drawing/2010/main" val="0"/>
+              </a:ext>
+              <a:ext uri="{96DAC541-7B7A-43D3-8B79-37D633B846F1}">
+                <asvg:svgBlip xmlns:asvg="http://schemas.microsoft.com/office/drawing/2016/SVG/main" r:embed="rId5"/>
+              </a:ext>
+            </a:extLst>
+          </a:blip>
+          <a:stretch>
+            <a:fillRect/>
+          </a:stretch>
+        </p:blipFill>
+        <p:spPr>
+          <a:xfrm>
+            <a:off x="2229380" y="2054012"/>
+            <a:ext cx="914400" cy="914400"/>
+          </a:xfrm>
+          <a:prstGeom prst="rect">
+            <a:avLst/>
+          </a:prstGeom>
+        </p:spPr>
+      </p:pic>
+      <p:pic>
+        <p:nvPicPr>
+          <p:cNvPr id="64" name="グラフィックス 63" descr="男性 枠線">
+            <a:extLst>
+              <a:ext uri="{FF2B5EF4-FFF2-40B4-BE49-F238E27FC236}">
+                <a16:creationId xmlns:a16="http://schemas.microsoft.com/office/drawing/2014/main" id="{57C27EC5-AC93-4243-A128-7E5C03B98C0E}"/>
+              </a:ext>
+            </a:extLst>
+          </p:cNvPr>
+          <p:cNvPicPr>
+            <a:picLocks noChangeAspect="1"/>
+          </p:cNvPicPr>
+          <p:nvPr/>
+        </p:nvPicPr>
+        <p:blipFill>
+          <a:blip r:embed="rId6">
+            <a:extLst>
+              <a:ext uri="{28A0092B-C50C-407E-A947-70E740481C1C}">
+                <a14:useLocalDpi xmlns:a14="http://schemas.microsoft.com/office/drawing/2010/main" val="0"/>
+              </a:ext>
+              <a:ext uri="{96DAC541-7B7A-43D3-8B79-37D633B846F1}">
+                <asvg:svgBlip xmlns:asvg="http://schemas.microsoft.com/office/drawing/2016/SVG/main" r:embed="rId7"/>
+              </a:ext>
+            </a:extLst>
+          </a:blip>
+          <a:stretch>
+            <a:fillRect/>
+          </a:stretch>
+        </p:blipFill>
+        <p:spPr>
+          <a:xfrm>
+            <a:off x="4004813" y="1891837"/>
+            <a:ext cx="683127" cy="653550"/>
+          </a:xfrm>
+          <a:prstGeom prst="rect">
+            <a:avLst/>
+          </a:prstGeom>
+        </p:spPr>
+      </p:pic>
+      <p:pic>
+        <p:nvPicPr>
+          <p:cNvPr id="65" name="グラフィックス 64" descr="男性 枠線">
+            <a:extLst>
+              <a:ext uri="{FF2B5EF4-FFF2-40B4-BE49-F238E27FC236}">
+                <a16:creationId xmlns:a16="http://schemas.microsoft.com/office/drawing/2014/main" id="{61BF1B1C-EF46-4E29-A602-256630D16A69}"/>
+              </a:ext>
+            </a:extLst>
+          </p:cNvPr>
+          <p:cNvPicPr>
+            <a:picLocks noChangeAspect="1"/>
+          </p:cNvPicPr>
+          <p:nvPr/>
+        </p:nvPicPr>
+        <p:blipFill>
+          <a:blip r:embed="rId6">
+            <a:extLst>
+              <a:ext uri="{28A0092B-C50C-407E-A947-70E740481C1C}">
+                <a14:useLocalDpi xmlns:a14="http://schemas.microsoft.com/office/drawing/2010/main" val="0"/>
+              </a:ext>
+              <a:ext uri="{96DAC541-7B7A-43D3-8B79-37D633B846F1}">
+                <asvg:svgBlip xmlns:asvg="http://schemas.microsoft.com/office/drawing/2016/SVG/main" r:embed="rId7"/>
+              </a:ext>
+            </a:extLst>
+          </a:blip>
+          <a:stretch>
+            <a:fillRect/>
+          </a:stretch>
+        </p:blipFill>
+        <p:spPr>
+          <a:xfrm>
+            <a:off x="3687603" y="2429322"/>
+            <a:ext cx="683127" cy="653550"/>
+          </a:xfrm>
+          <a:prstGeom prst="rect">
+            <a:avLst/>
+          </a:prstGeom>
+        </p:spPr>
+      </p:pic>
+      <p:pic>
+        <p:nvPicPr>
+          <p:cNvPr id="66" name="グラフィックス 65" descr="男性 枠線">
+            <a:extLst>
+              <a:ext uri="{FF2B5EF4-FFF2-40B4-BE49-F238E27FC236}">
+                <a16:creationId xmlns:a16="http://schemas.microsoft.com/office/drawing/2014/main" id="{1F021CAF-DA1C-4BFE-9B49-CF5A27E317CB}"/>
+              </a:ext>
+            </a:extLst>
+          </p:cNvPr>
+          <p:cNvPicPr>
+            <a:picLocks noChangeAspect="1"/>
+          </p:cNvPicPr>
+          <p:nvPr/>
+        </p:nvPicPr>
+        <p:blipFill>
+          <a:blip r:embed="rId6">
+            <a:extLst>
+              <a:ext uri="{28A0092B-C50C-407E-A947-70E740481C1C}">
+                <a14:useLocalDpi xmlns:a14="http://schemas.microsoft.com/office/drawing/2010/main" val="0"/>
+              </a:ext>
+              <a:ext uri="{96DAC541-7B7A-43D3-8B79-37D633B846F1}">
+                <asvg:svgBlip xmlns:asvg="http://schemas.microsoft.com/office/drawing/2016/SVG/main" r:embed="rId7"/>
+              </a:ext>
+            </a:extLst>
+          </a:blip>
+          <a:stretch>
+            <a:fillRect/>
+          </a:stretch>
+        </p:blipFill>
+        <p:spPr>
+          <a:xfrm>
+            <a:off x="4413308" y="2429322"/>
+            <a:ext cx="683127" cy="653550"/>
+          </a:xfrm>
+          <a:prstGeom prst="rect">
+            <a:avLst/>
+          </a:prstGeom>
+        </p:spPr>
+      </p:pic>
+      <p:sp>
+        <p:nvSpPr>
+          <p:cNvPr id="67" name="楕円 66">
+            <a:extLst>
+              <a:ext uri="{FF2B5EF4-FFF2-40B4-BE49-F238E27FC236}">
+                <a16:creationId xmlns:a16="http://schemas.microsoft.com/office/drawing/2014/main" id="{2FAFCF4C-2F90-4343-8188-606ADDC7DF36}"/>
+              </a:ext>
+            </a:extLst>
+          </p:cNvPr>
+          <p:cNvSpPr/>
+          <p:nvPr/>
+        </p:nvSpPr>
+        <p:spPr>
+          <a:xfrm>
+            <a:off x="3645024" y="1798355"/>
+            <a:ext cx="1442300" cy="1440728"/>
+          </a:xfrm>
+          <a:prstGeom prst="ellipse">
+            <a:avLst/>
+          </a:prstGeom>
+          <a:noFill/>
+        </p:spPr>
+        <p:style>
+          <a:lnRef idx="2">
+            <a:schemeClr val="accent1">
+              <a:shade val="50000"/>
+            </a:schemeClr>
+          </a:lnRef>
+          <a:fillRef idx="1">
+            <a:schemeClr val="accent1"/>
+          </a:fillRef>
+          <a:effectRef idx="0">
+            <a:schemeClr val="accent1"/>
+          </a:effectRef>
+          <a:fontRef idx="minor">
+            <a:schemeClr val="lt1"/>
+          </a:fontRef>
+        </p:style>
+        <p:txBody>
+          <a:bodyPr rtlCol="0" anchor="ctr"/>
+          <a:lstStyle/>
+          <a:p>
+            <a:pPr algn="ctr"/>
+            <a:endParaRPr kumimoji="1" lang="ja-JP" altLang="en-US"/>
+          </a:p>
+        </p:txBody>
+      </p:sp>
+      <p:sp>
+        <p:nvSpPr>
+          <p:cNvPr id="2" name="吹き出し: 角を丸めた四角形 1">
+            <a:extLst>
+              <a:ext uri="{FF2B5EF4-FFF2-40B4-BE49-F238E27FC236}">
+                <a16:creationId xmlns:a16="http://schemas.microsoft.com/office/drawing/2014/main" id="{A95A72DD-5D11-42D1-AF67-9AE3734C5767}"/>
+              </a:ext>
+            </a:extLst>
+          </p:cNvPr>
+          <p:cNvSpPr/>
+          <p:nvPr/>
+        </p:nvSpPr>
+        <p:spPr>
+          <a:xfrm>
+            <a:off x="360412" y="781275"/>
+            <a:ext cx="4649002" cy="929126"/>
+          </a:xfrm>
+          <a:prstGeom prst="wedgeRoundRectCallout">
+            <a:avLst>
+              <a:gd name="adj1" fmla="val -29322"/>
+              <a:gd name="adj2" fmla="val 83219"/>
+              <a:gd name="adj3" fmla="val 16667"/>
+            </a:avLst>
+          </a:prstGeom>
+          <a:noFill/>
+          <a:ln>
+            <a:solidFill>
+              <a:schemeClr val="tx1"/>
+            </a:solidFill>
+          </a:ln>
+        </p:spPr>
+        <p:style>
+          <a:lnRef idx="2">
+            <a:schemeClr val="accent1">
+              <a:shade val="50000"/>
+            </a:schemeClr>
+          </a:lnRef>
+          <a:fillRef idx="1">
+            <a:schemeClr val="accent1"/>
+          </a:fillRef>
+          <a:effectRef idx="0">
+            <a:schemeClr val="accent1"/>
+          </a:effectRef>
+          <a:fontRef idx="minor">
+            <a:schemeClr val="lt1"/>
+          </a:fontRef>
+        </p:style>
+        <p:txBody>
+          <a:bodyPr rtlCol="0" anchor="ctr"/>
+          <a:lstStyle/>
+          <a:p>
+            <a:pPr algn="ctr"/>
+            <a:r>
+              <a:rPr kumimoji="1" lang="ja-JP" altLang="en-US" dirty="0">
+                <a:solidFill>
+                  <a:schemeClr val="tx1"/>
+                </a:solidFill>
+              </a:rPr>
+              <a:t>①その衣服がなぜ大切かを示す物語の提示</a:t>
+            </a:r>
+          </a:p>
+        </p:txBody>
+      </p:sp>
+      <p:sp>
+        <p:nvSpPr>
+          <p:cNvPr id="68" name="吹き出し: 角を丸めた四角形 67">
+            <a:extLst>
+              <a:ext uri="{FF2B5EF4-FFF2-40B4-BE49-F238E27FC236}">
+                <a16:creationId xmlns:a16="http://schemas.microsoft.com/office/drawing/2014/main" id="{E43A5D9F-2601-43CB-8ABF-A58F81C1D4CB}"/>
+              </a:ext>
+            </a:extLst>
+          </p:cNvPr>
+          <p:cNvSpPr/>
+          <p:nvPr/>
+        </p:nvSpPr>
+        <p:spPr>
+          <a:xfrm>
+            <a:off x="360412" y="4173799"/>
+            <a:ext cx="4649002" cy="929126"/>
+          </a:xfrm>
+          <a:prstGeom prst="wedgeRoundRectCallout">
+            <a:avLst>
+              <a:gd name="adj1" fmla="val 25543"/>
+              <a:gd name="adj2" fmla="val -106360"/>
+              <a:gd name="adj3" fmla="val 16667"/>
+            </a:avLst>
+          </a:prstGeom>
+          <a:noFill/>
+          <a:ln>
+            <a:solidFill>
+              <a:schemeClr val="tx1"/>
+            </a:solidFill>
+          </a:ln>
+        </p:spPr>
+        <p:style>
+          <a:lnRef idx="2">
+            <a:schemeClr val="accent1">
+              <a:shade val="50000"/>
+            </a:schemeClr>
+          </a:lnRef>
+          <a:fillRef idx="1">
+            <a:schemeClr val="accent1"/>
+          </a:fillRef>
+          <a:effectRef idx="0">
+            <a:schemeClr val="accent1"/>
+          </a:effectRef>
+          <a:fontRef idx="minor">
+            <a:schemeClr val="lt1"/>
+          </a:fontRef>
+        </p:style>
+        <p:txBody>
+          <a:bodyPr rtlCol="0" anchor="ctr"/>
+          <a:lstStyle/>
+          <a:p>
+            <a:pPr algn="ctr"/>
+            <a:r>
+              <a:rPr kumimoji="1" lang="ja-JP" altLang="en-US" dirty="0">
+                <a:solidFill>
+                  <a:schemeClr val="tx1"/>
+                </a:solidFill>
+              </a:rPr>
+              <a:t>②その衣服との新しいつきあい方に関する物語の提示</a:t>
+            </a:r>
+          </a:p>
+        </p:txBody>
+      </p:sp>
+      <p:pic>
+        <p:nvPicPr>
+          <p:cNvPr id="69" name="グラフィックス 68" descr="男性 単色塗りつぶし">
+            <a:extLst>
+              <a:ext uri="{FF2B5EF4-FFF2-40B4-BE49-F238E27FC236}">
+                <a16:creationId xmlns:a16="http://schemas.microsoft.com/office/drawing/2014/main" id="{1DFF10E1-015C-4D4F-AEFE-7D382E7E1927}"/>
+              </a:ext>
+            </a:extLst>
+          </p:cNvPr>
+          <p:cNvPicPr>
+            <a:picLocks noChangeAspect="1"/>
+          </p:cNvPicPr>
+          <p:nvPr/>
+        </p:nvPicPr>
+        <p:blipFill>
+          <a:blip r:embed="rId2">
+            <a:extLst>
+              <a:ext uri="{28A0092B-C50C-407E-A947-70E740481C1C}">
+                <a14:useLocalDpi xmlns:a14="http://schemas.microsoft.com/office/drawing/2010/main" val="0"/>
+              </a:ext>
+              <a:ext uri="{96DAC541-7B7A-43D3-8B79-37D633B846F1}">
+                <asvg:svgBlip xmlns:asvg="http://schemas.microsoft.com/office/drawing/2016/SVG/main" r:embed="rId3"/>
+              </a:ext>
+            </a:extLst>
+          </a:blip>
+          <a:stretch>
+            <a:fillRect/>
+          </a:stretch>
+        </p:blipFill>
+        <p:spPr>
+          <a:xfrm>
+            <a:off x="7576192" y="1279635"/>
+            <a:ext cx="516760" cy="494386"/>
+          </a:xfrm>
+          <a:prstGeom prst="rect">
+            <a:avLst/>
+          </a:prstGeom>
+        </p:spPr>
+      </p:pic>
+      <p:grpSp>
+        <p:nvGrpSpPr>
+          <p:cNvPr id="3" name="グループ化 2">
+            <a:extLst>
+              <a:ext uri="{FF2B5EF4-FFF2-40B4-BE49-F238E27FC236}">
+                <a16:creationId xmlns:a16="http://schemas.microsoft.com/office/drawing/2014/main" id="{34A7FFF4-ECB7-4416-AA09-0181BFFC7637}"/>
+              </a:ext>
+            </a:extLst>
+          </p:cNvPr>
+          <p:cNvGrpSpPr/>
+          <p:nvPr/>
+        </p:nvGrpSpPr>
+        <p:grpSpPr>
+          <a:xfrm>
+            <a:off x="8576110" y="307349"/>
+            <a:ext cx="796207" cy="788691"/>
+            <a:chOff x="9165797" y="1077991"/>
+            <a:chExt cx="1451411" cy="1440728"/>
+          </a:xfrm>
+        </p:grpSpPr>
+        <p:pic>
+          <p:nvPicPr>
+            <p:cNvPr id="72" name="グラフィックス 71" descr="男性 枠線">
+              <a:extLst>
+                <a:ext uri="{FF2B5EF4-FFF2-40B4-BE49-F238E27FC236}">
+                  <a16:creationId xmlns:a16="http://schemas.microsoft.com/office/drawing/2014/main" id="{94FE893E-C484-422C-A0C5-7F55B0765546}"/>
+                </a:ext>
+              </a:extLst>
+            </p:cNvPr>
+            <p:cNvPicPr>
+              <a:picLocks noChangeAspect="1"/>
+            </p:cNvPicPr>
+            <p:nvPr/>
+          </p:nvPicPr>
+          <p:blipFill>
+            <a:blip r:embed="rId6">
+              <a:extLst>
+                <a:ext uri="{28A0092B-C50C-407E-A947-70E740481C1C}">
+                  <a14:useLocalDpi xmlns:a14="http://schemas.microsoft.com/office/drawing/2010/main" val="0"/>
+                </a:ext>
+                <a:ext uri="{96DAC541-7B7A-43D3-8B79-37D633B846F1}">
+                  <asvg:svgBlip xmlns:asvg="http://schemas.microsoft.com/office/drawing/2016/SVG/main" r:embed="rId7"/>
+                </a:ext>
+              </a:extLst>
+            </a:blip>
+            <a:stretch>
+              <a:fillRect/>
+            </a:stretch>
+          </p:blipFill>
+          <p:spPr>
+            <a:xfrm>
+              <a:off x="9525586" y="1171473"/>
+              <a:ext cx="683127" cy="653550"/>
+            </a:xfrm>
+            <a:prstGeom prst="rect">
+              <a:avLst/>
+            </a:prstGeom>
+          </p:spPr>
+        </p:pic>
+        <p:pic>
+          <p:nvPicPr>
+            <p:cNvPr id="73" name="グラフィックス 72" descr="男性 枠線">
+              <a:extLst>
+                <a:ext uri="{FF2B5EF4-FFF2-40B4-BE49-F238E27FC236}">
+                  <a16:creationId xmlns:a16="http://schemas.microsoft.com/office/drawing/2014/main" id="{E84D2866-DA68-4E5C-BD5E-D6A0411C41D4}"/>
+                </a:ext>
+              </a:extLst>
+            </p:cNvPr>
+            <p:cNvPicPr>
+              <a:picLocks noChangeAspect="1"/>
+            </p:cNvPicPr>
+            <p:nvPr/>
+          </p:nvPicPr>
+          <p:blipFill>
+            <a:blip r:embed="rId6">
+              <a:extLst>
+                <a:ext uri="{28A0092B-C50C-407E-A947-70E740481C1C}">
+                  <a14:useLocalDpi xmlns:a14="http://schemas.microsoft.com/office/drawing/2010/main" val="0"/>
+                </a:ext>
+                <a:ext uri="{96DAC541-7B7A-43D3-8B79-37D633B846F1}">
+                  <asvg:svgBlip xmlns:asvg="http://schemas.microsoft.com/office/drawing/2016/SVG/main" r:embed="rId7"/>
+                </a:ext>
+              </a:extLst>
+            </a:blip>
+            <a:stretch>
+              <a:fillRect/>
+            </a:stretch>
+          </p:blipFill>
+          <p:spPr>
+            <a:xfrm>
+              <a:off x="9208376" y="1708958"/>
+              <a:ext cx="683127" cy="653550"/>
+            </a:xfrm>
+            <a:prstGeom prst="rect">
+              <a:avLst/>
+            </a:prstGeom>
+          </p:spPr>
+        </p:pic>
+        <p:pic>
+          <p:nvPicPr>
+            <p:cNvPr id="74" name="グラフィックス 73" descr="男性 枠線">
+              <a:extLst>
+                <a:ext uri="{FF2B5EF4-FFF2-40B4-BE49-F238E27FC236}">
+                  <a16:creationId xmlns:a16="http://schemas.microsoft.com/office/drawing/2014/main" id="{1BB03C49-672C-4CB9-B6F4-C9C85D38B207}"/>
+                </a:ext>
+              </a:extLst>
+            </p:cNvPr>
+            <p:cNvPicPr>
+              <a:picLocks noChangeAspect="1"/>
+            </p:cNvPicPr>
+            <p:nvPr/>
+          </p:nvPicPr>
+          <p:blipFill>
+            <a:blip r:embed="rId6">
+              <a:extLst>
+                <a:ext uri="{28A0092B-C50C-407E-A947-70E740481C1C}">
+                  <a14:useLocalDpi xmlns:a14="http://schemas.microsoft.com/office/drawing/2010/main" val="0"/>
+                </a:ext>
+                <a:ext uri="{96DAC541-7B7A-43D3-8B79-37D633B846F1}">
+                  <asvg:svgBlip xmlns:asvg="http://schemas.microsoft.com/office/drawing/2016/SVG/main" r:embed="rId7"/>
+                </a:ext>
+              </a:extLst>
+            </a:blip>
+            <a:stretch>
+              <a:fillRect/>
+            </a:stretch>
+          </p:blipFill>
+          <p:spPr>
+            <a:xfrm>
+              <a:off x="9934081" y="1708958"/>
+              <a:ext cx="683127" cy="653550"/>
+            </a:xfrm>
+            <a:prstGeom prst="rect">
+              <a:avLst/>
+            </a:prstGeom>
+          </p:spPr>
+        </p:pic>
+        <p:sp>
+          <p:nvSpPr>
+            <p:cNvPr id="75" name="楕円 74">
+              <a:extLst>
+                <a:ext uri="{FF2B5EF4-FFF2-40B4-BE49-F238E27FC236}">
+                  <a16:creationId xmlns:a16="http://schemas.microsoft.com/office/drawing/2014/main" id="{A754E29E-EBF1-4B6F-A357-BFA8FA54938A}"/>
+                </a:ext>
+              </a:extLst>
+            </p:cNvPr>
+            <p:cNvSpPr/>
+            <p:nvPr/>
+          </p:nvSpPr>
+          <p:spPr>
+            <a:xfrm>
+              <a:off x="9165797" y="1077991"/>
+              <a:ext cx="1442300" cy="1440728"/>
+            </a:xfrm>
+            <a:prstGeom prst="ellipse">
+              <a:avLst/>
+            </a:prstGeom>
+            <a:noFill/>
+          </p:spPr>
+          <p:style>
+            <a:lnRef idx="2">
+              <a:schemeClr val="accent1">
+                <a:shade val="50000"/>
+              </a:schemeClr>
+            </a:lnRef>
+            <a:fillRef idx="1">
+              <a:schemeClr val="accent1"/>
+            </a:fillRef>
+            <a:effectRef idx="0">
+              <a:schemeClr val="accent1"/>
+            </a:effectRef>
+            <a:fontRef idx="minor">
+              <a:schemeClr val="lt1"/>
+            </a:fontRef>
+          </p:style>
+          <p:txBody>
+            <a:bodyPr rtlCol="0" anchor="ctr"/>
+            <a:lstStyle/>
+            <a:p>
+              <a:pPr algn="ctr"/>
+              <a:endParaRPr kumimoji="1" lang="ja-JP" altLang="en-US"/>
+            </a:p>
+          </p:txBody>
+        </p:sp>
+      </p:grpSp>
+      <p:grpSp>
+        <p:nvGrpSpPr>
+          <p:cNvPr id="76" name="グループ化 75">
+            <a:extLst>
+              <a:ext uri="{FF2B5EF4-FFF2-40B4-BE49-F238E27FC236}">
+                <a16:creationId xmlns:a16="http://schemas.microsoft.com/office/drawing/2014/main" id="{B370E5FB-5EE1-4521-80F2-4D09D862E209}"/>
+              </a:ext>
+            </a:extLst>
+          </p:cNvPr>
+          <p:cNvGrpSpPr/>
+          <p:nvPr/>
+        </p:nvGrpSpPr>
+        <p:grpSpPr>
+          <a:xfrm>
+            <a:off x="8604645" y="1610350"/>
+            <a:ext cx="796207" cy="788691"/>
+            <a:chOff x="9165797" y="1077991"/>
+            <a:chExt cx="1451411" cy="1440728"/>
+          </a:xfrm>
+        </p:grpSpPr>
+        <p:pic>
+          <p:nvPicPr>
+            <p:cNvPr id="77" name="グラフィックス 76" descr="男性 枠線">
+              <a:extLst>
+                <a:ext uri="{FF2B5EF4-FFF2-40B4-BE49-F238E27FC236}">
+                  <a16:creationId xmlns:a16="http://schemas.microsoft.com/office/drawing/2014/main" id="{1377E1CD-D4E8-43BC-8332-32172165611B}"/>
+                </a:ext>
+              </a:extLst>
+            </p:cNvPr>
+            <p:cNvPicPr>
+              <a:picLocks noChangeAspect="1"/>
+            </p:cNvPicPr>
+            <p:nvPr/>
+          </p:nvPicPr>
+          <p:blipFill>
+            <a:blip r:embed="rId6">
+              <a:extLst>
+                <a:ext uri="{28A0092B-C50C-407E-A947-70E740481C1C}">
+                  <a14:useLocalDpi xmlns:a14="http://schemas.microsoft.com/office/drawing/2010/main" val="0"/>
+                </a:ext>
+                <a:ext uri="{96DAC541-7B7A-43D3-8B79-37D633B846F1}">
+                  <asvg:svgBlip xmlns:asvg="http://schemas.microsoft.com/office/drawing/2016/SVG/main" r:embed="rId7"/>
+                </a:ext>
+              </a:extLst>
+            </a:blip>
+            <a:stretch>
+              <a:fillRect/>
+            </a:stretch>
+          </p:blipFill>
+          <p:spPr>
+            <a:xfrm>
+              <a:off x="9525586" y="1171473"/>
+              <a:ext cx="683127" cy="653550"/>
+            </a:xfrm>
+            <a:prstGeom prst="rect">
+              <a:avLst/>
+            </a:prstGeom>
+          </p:spPr>
+        </p:pic>
+        <p:pic>
+          <p:nvPicPr>
+            <p:cNvPr id="78" name="グラフィックス 77" descr="男性 枠線">
+              <a:extLst>
+                <a:ext uri="{FF2B5EF4-FFF2-40B4-BE49-F238E27FC236}">
+                  <a16:creationId xmlns:a16="http://schemas.microsoft.com/office/drawing/2014/main" id="{AEC14700-CFC6-4835-8F3D-3A463E72AB24}"/>
+                </a:ext>
+              </a:extLst>
+            </p:cNvPr>
+            <p:cNvPicPr>
+              <a:picLocks noChangeAspect="1"/>
+            </p:cNvPicPr>
+            <p:nvPr/>
+          </p:nvPicPr>
+          <p:blipFill>
+            <a:blip r:embed="rId6">
+              <a:extLst>
+                <a:ext uri="{28A0092B-C50C-407E-A947-70E740481C1C}">
+                  <a14:useLocalDpi xmlns:a14="http://schemas.microsoft.com/office/drawing/2010/main" val="0"/>
+                </a:ext>
+                <a:ext uri="{96DAC541-7B7A-43D3-8B79-37D633B846F1}">
+                  <asvg:svgBlip xmlns:asvg="http://schemas.microsoft.com/office/drawing/2016/SVG/main" r:embed="rId7"/>
+                </a:ext>
+              </a:extLst>
+            </a:blip>
+            <a:stretch>
+              <a:fillRect/>
+            </a:stretch>
+          </p:blipFill>
+          <p:spPr>
+            <a:xfrm>
+              <a:off x="9208376" y="1708958"/>
+              <a:ext cx="683127" cy="653550"/>
+            </a:xfrm>
+            <a:prstGeom prst="rect">
+              <a:avLst/>
+            </a:prstGeom>
+          </p:spPr>
+        </p:pic>
+        <p:pic>
+          <p:nvPicPr>
+            <p:cNvPr id="79" name="グラフィックス 78" descr="男性 枠線">
+              <a:extLst>
+                <a:ext uri="{FF2B5EF4-FFF2-40B4-BE49-F238E27FC236}">
+                  <a16:creationId xmlns:a16="http://schemas.microsoft.com/office/drawing/2014/main" id="{05A421E5-BEBD-4899-B62D-0BB70D543A17}"/>
+                </a:ext>
+              </a:extLst>
+            </p:cNvPr>
+            <p:cNvPicPr>
+              <a:picLocks noChangeAspect="1"/>
+            </p:cNvPicPr>
+            <p:nvPr/>
+          </p:nvPicPr>
+          <p:blipFill>
+            <a:blip r:embed="rId6">
+              <a:extLst>
+                <a:ext uri="{28A0092B-C50C-407E-A947-70E740481C1C}">
+                  <a14:useLocalDpi xmlns:a14="http://schemas.microsoft.com/office/drawing/2010/main" val="0"/>
+                </a:ext>
+                <a:ext uri="{96DAC541-7B7A-43D3-8B79-37D633B846F1}">
+                  <asvg:svgBlip xmlns:asvg="http://schemas.microsoft.com/office/drawing/2016/SVG/main" r:embed="rId7"/>
+                </a:ext>
+              </a:extLst>
+            </a:blip>
+            <a:stretch>
+              <a:fillRect/>
+            </a:stretch>
+          </p:blipFill>
+          <p:spPr>
+            <a:xfrm>
+              <a:off x="9934081" y="1708958"/>
+              <a:ext cx="683127" cy="653550"/>
+            </a:xfrm>
+            <a:prstGeom prst="rect">
+              <a:avLst/>
+            </a:prstGeom>
+          </p:spPr>
+        </p:pic>
+        <p:sp>
+          <p:nvSpPr>
+            <p:cNvPr id="80" name="楕円 79">
+              <a:extLst>
+                <a:ext uri="{FF2B5EF4-FFF2-40B4-BE49-F238E27FC236}">
+                  <a16:creationId xmlns:a16="http://schemas.microsoft.com/office/drawing/2014/main" id="{D0983C44-2583-41EE-B6DE-A24C0E8AEE0E}"/>
+                </a:ext>
+              </a:extLst>
+            </p:cNvPr>
+            <p:cNvSpPr/>
+            <p:nvPr/>
+          </p:nvSpPr>
+          <p:spPr>
+            <a:xfrm>
+              <a:off x="9165797" y="1077991"/>
+              <a:ext cx="1442300" cy="1440728"/>
+            </a:xfrm>
+            <a:prstGeom prst="ellipse">
+              <a:avLst/>
+            </a:prstGeom>
+            <a:noFill/>
+          </p:spPr>
+          <p:style>
+            <a:lnRef idx="2">
+              <a:schemeClr val="accent1">
+                <a:shade val="50000"/>
+              </a:schemeClr>
+            </a:lnRef>
+            <a:fillRef idx="1">
+              <a:schemeClr val="accent1"/>
+            </a:fillRef>
+            <a:effectRef idx="0">
+              <a:schemeClr val="accent1"/>
+            </a:effectRef>
+            <a:fontRef idx="minor">
+              <a:schemeClr val="lt1"/>
+            </a:fontRef>
+          </p:style>
+          <p:txBody>
+            <a:bodyPr rtlCol="0" anchor="ctr"/>
+            <a:lstStyle/>
+            <a:p>
+              <a:pPr algn="ctr"/>
+              <a:endParaRPr kumimoji="1" lang="ja-JP" altLang="en-US"/>
+            </a:p>
+          </p:txBody>
+        </p:sp>
+      </p:grpSp>
+      <p:sp>
+        <p:nvSpPr>
+          <p:cNvPr id="81" name="テキスト ボックス 80">
+            <a:extLst>
+              <a:ext uri="{FF2B5EF4-FFF2-40B4-BE49-F238E27FC236}">
+                <a16:creationId xmlns:a16="http://schemas.microsoft.com/office/drawing/2014/main" id="{518491D4-690E-4C5B-8E63-7022751473AA}"/>
+              </a:ext>
+            </a:extLst>
+          </p:cNvPr>
+          <p:cNvSpPr txBox="1"/>
+          <p:nvPr/>
+        </p:nvSpPr>
+        <p:spPr>
+          <a:xfrm>
+            <a:off x="9456387" y="772874"/>
+            <a:ext cx="1457661" cy="646331"/>
+          </a:xfrm>
+          <a:prstGeom prst="rect">
+            <a:avLst/>
+          </a:prstGeom>
+          <a:noFill/>
+        </p:spPr>
+        <p:txBody>
+          <a:bodyPr wrap="square" rtlCol="0">
+            <a:spAutoFit/>
+          </a:bodyPr>
+          <a:lstStyle/>
+          <a:p>
+            <a:r>
+              <a:rPr kumimoji="1" lang="ja-JP" altLang="en-US" dirty="0"/>
+              <a:t>受け手</a:t>
+            </a:r>
+            <a:endParaRPr kumimoji="1" lang="en-US" altLang="ja-JP" dirty="0"/>
+          </a:p>
+          <a:p>
+            <a:r>
+              <a:rPr kumimoji="1" lang="ja-JP" altLang="en-US" dirty="0"/>
+              <a:t>グループ</a:t>
+            </a:r>
+            <a:r>
+              <a:rPr kumimoji="1" lang="en-US" altLang="ja-JP" dirty="0"/>
+              <a:t>A</a:t>
+            </a:r>
+            <a:endParaRPr kumimoji="1" lang="ja-JP" altLang="en-US" dirty="0"/>
+          </a:p>
+        </p:txBody>
+      </p:sp>
+      <p:sp>
+        <p:nvSpPr>
+          <p:cNvPr id="82" name="テキスト ボックス 81">
+            <a:extLst>
+              <a:ext uri="{FF2B5EF4-FFF2-40B4-BE49-F238E27FC236}">
+                <a16:creationId xmlns:a16="http://schemas.microsoft.com/office/drawing/2014/main" id="{9C2E295E-0E61-4CC9-9C06-3DF4682688D9}"/>
+              </a:ext>
+            </a:extLst>
+          </p:cNvPr>
+          <p:cNvSpPr txBox="1"/>
+          <p:nvPr/>
+        </p:nvSpPr>
+        <p:spPr>
+          <a:xfrm>
+            <a:off x="9456387" y="2004695"/>
+            <a:ext cx="1781837" cy="646331"/>
+          </a:xfrm>
+          <a:prstGeom prst="rect">
+            <a:avLst/>
+          </a:prstGeom>
+          <a:noFill/>
+        </p:spPr>
+        <p:txBody>
+          <a:bodyPr wrap="square" rtlCol="0">
+            <a:spAutoFit/>
+          </a:bodyPr>
+          <a:lstStyle/>
+          <a:p>
+            <a:r>
+              <a:rPr kumimoji="1" lang="ja-JP" altLang="en-US" dirty="0"/>
+              <a:t>受け手</a:t>
+            </a:r>
+            <a:endParaRPr kumimoji="1" lang="en-US" altLang="ja-JP" dirty="0"/>
+          </a:p>
+          <a:p>
+            <a:r>
+              <a:rPr kumimoji="1" lang="ja-JP" altLang="en-US" dirty="0"/>
+              <a:t>グループ</a:t>
+            </a:r>
+            <a:r>
+              <a:rPr kumimoji="1" lang="en-US" altLang="ja-JP" dirty="0"/>
+              <a:t>B</a:t>
+            </a:r>
+            <a:endParaRPr kumimoji="1" lang="ja-JP" altLang="en-US" dirty="0"/>
+          </a:p>
+        </p:txBody>
+      </p:sp>
+      <p:sp>
+        <p:nvSpPr>
+          <p:cNvPr id="83" name="テキスト ボックス 82">
+            <a:extLst>
+              <a:ext uri="{FF2B5EF4-FFF2-40B4-BE49-F238E27FC236}">
+                <a16:creationId xmlns:a16="http://schemas.microsoft.com/office/drawing/2014/main" id="{76F10E89-0EBA-434F-8B8D-38FD383464DC}"/>
+              </a:ext>
+            </a:extLst>
+          </p:cNvPr>
+          <p:cNvSpPr txBox="1"/>
+          <p:nvPr/>
+        </p:nvSpPr>
+        <p:spPr>
+          <a:xfrm>
+            <a:off x="6906997" y="1910873"/>
+            <a:ext cx="966398" cy="369332"/>
+          </a:xfrm>
+          <a:prstGeom prst="rect">
+            <a:avLst/>
+          </a:prstGeom>
+          <a:noFill/>
+        </p:spPr>
+        <p:txBody>
+          <a:bodyPr wrap="square" rtlCol="0">
+            <a:spAutoFit/>
+          </a:bodyPr>
+          <a:lstStyle/>
+          <a:p>
+            <a:r>
+              <a:rPr kumimoji="1" lang="ja-JP" altLang="en-US" dirty="0"/>
+              <a:t>出品者</a:t>
+            </a:r>
+          </a:p>
+        </p:txBody>
+      </p:sp>
+      <p:sp>
+        <p:nvSpPr>
+          <p:cNvPr id="4" name="矢印: 左右 3">
+            <a:extLst>
+              <a:ext uri="{FF2B5EF4-FFF2-40B4-BE49-F238E27FC236}">
+                <a16:creationId xmlns:a16="http://schemas.microsoft.com/office/drawing/2014/main" id="{0F96FCCC-6EB8-4E4F-BAB9-B879D6BC5731}"/>
+              </a:ext>
+            </a:extLst>
+          </p:cNvPr>
+          <p:cNvSpPr/>
+          <p:nvPr/>
+        </p:nvSpPr>
+        <p:spPr>
+          <a:xfrm rot="19771293">
+            <a:off x="8033036" y="1004242"/>
+            <a:ext cx="500833" cy="207391"/>
+          </a:xfrm>
+          <a:prstGeom prst="leftRightArrow">
+            <a:avLst/>
+          </a:prstGeom>
+        </p:spPr>
+        <p:style>
+          <a:lnRef idx="2">
+            <a:schemeClr val="accent1">
+              <a:shade val="50000"/>
+            </a:schemeClr>
+          </a:lnRef>
+          <a:fillRef idx="1">
+            <a:schemeClr val="accent1"/>
+          </a:fillRef>
+          <a:effectRef idx="0">
+            <a:schemeClr val="accent1"/>
+          </a:effectRef>
+          <a:fontRef idx="minor">
+            <a:schemeClr val="lt1"/>
+          </a:fontRef>
+        </p:style>
+        <p:txBody>
+          <a:bodyPr rtlCol="0" anchor="ctr"/>
+          <a:lstStyle/>
+          <a:p>
+            <a:pPr algn="ctr"/>
+            <a:endParaRPr kumimoji="1" lang="ja-JP" altLang="en-US"/>
+          </a:p>
+        </p:txBody>
+      </p:sp>
+      <p:sp>
+        <p:nvSpPr>
+          <p:cNvPr id="84" name="矢印: 左右 83">
+            <a:extLst>
+              <a:ext uri="{FF2B5EF4-FFF2-40B4-BE49-F238E27FC236}">
+                <a16:creationId xmlns:a16="http://schemas.microsoft.com/office/drawing/2014/main" id="{63B50676-D8F8-48F6-AB1F-8292794819DE}"/>
+              </a:ext>
+            </a:extLst>
+          </p:cNvPr>
+          <p:cNvSpPr/>
+          <p:nvPr/>
+        </p:nvSpPr>
+        <p:spPr>
+          <a:xfrm rot="1764715">
+            <a:off x="8041914" y="1704417"/>
+            <a:ext cx="500834" cy="207391"/>
+          </a:xfrm>
+          <a:prstGeom prst="leftRightArrow">
+            <a:avLst/>
+          </a:prstGeom>
+        </p:spPr>
+        <p:style>
+          <a:lnRef idx="2">
+            <a:schemeClr val="accent1">
+              <a:shade val="50000"/>
+            </a:schemeClr>
+          </a:lnRef>
+          <a:fillRef idx="1">
+            <a:schemeClr val="accent1"/>
+          </a:fillRef>
+          <a:effectRef idx="0">
+            <a:schemeClr val="accent1"/>
+          </a:effectRef>
+          <a:fontRef idx="minor">
+            <a:schemeClr val="lt1"/>
+          </a:fontRef>
+        </p:style>
+        <p:txBody>
+          <a:bodyPr rtlCol="0" anchor="ctr"/>
+          <a:lstStyle/>
+          <a:p>
+            <a:pPr algn="ctr"/>
+            <a:endParaRPr kumimoji="1" lang="ja-JP" altLang="en-US"/>
+          </a:p>
+        </p:txBody>
+      </p:sp>
+      <p:sp>
+        <p:nvSpPr>
+          <p:cNvPr id="85" name="テキスト ボックス 84">
+            <a:extLst>
+              <a:ext uri="{FF2B5EF4-FFF2-40B4-BE49-F238E27FC236}">
+                <a16:creationId xmlns:a16="http://schemas.microsoft.com/office/drawing/2014/main" id="{C3BC4B3C-069A-4773-ABE0-F9377A1843BD}"/>
+              </a:ext>
+            </a:extLst>
+          </p:cNvPr>
+          <p:cNvSpPr txBox="1"/>
+          <p:nvPr/>
+        </p:nvSpPr>
+        <p:spPr>
+          <a:xfrm>
+            <a:off x="6722639" y="2677772"/>
+            <a:ext cx="4533499" cy="646331"/>
+          </a:xfrm>
+          <a:prstGeom prst="rect">
+            <a:avLst/>
+          </a:prstGeom>
+          <a:noFill/>
+        </p:spPr>
+        <p:txBody>
+          <a:bodyPr wrap="square" rtlCol="0">
+            <a:spAutoFit/>
+          </a:bodyPr>
+          <a:lstStyle/>
+          <a:p>
+            <a:r>
+              <a:rPr kumimoji="1" lang="ja-JP" altLang="en-US" dirty="0"/>
+              <a:t>③出品者は同様のやり取りを</a:t>
+            </a:r>
+            <a:endParaRPr kumimoji="1" lang="en-US" altLang="ja-JP" dirty="0"/>
+          </a:p>
+          <a:p>
+            <a:r>
+              <a:rPr kumimoji="1" lang="ja-JP" altLang="en-US" dirty="0"/>
+              <a:t>もうひとつ別の受け手グループとも行う</a:t>
+            </a:r>
+          </a:p>
+        </p:txBody>
+      </p:sp>
+      <p:pic>
+        <p:nvPicPr>
+          <p:cNvPr id="117" name="グラフィックス 116" descr="男性 単色塗りつぶし">
+            <a:extLst>
+              <a:ext uri="{FF2B5EF4-FFF2-40B4-BE49-F238E27FC236}">
+                <a16:creationId xmlns:a16="http://schemas.microsoft.com/office/drawing/2014/main" id="{8CE2FE37-61AE-48D6-A6EA-B3F3EB44E606}"/>
+              </a:ext>
+            </a:extLst>
+          </p:cNvPr>
+          <p:cNvPicPr>
+            <a:picLocks noChangeAspect="1"/>
+          </p:cNvPicPr>
+          <p:nvPr/>
+        </p:nvPicPr>
+        <p:blipFill>
+          <a:blip r:embed="rId2">
+            <a:extLst>
+              <a:ext uri="{28A0092B-C50C-407E-A947-70E740481C1C}">
+                <a14:useLocalDpi xmlns:a14="http://schemas.microsoft.com/office/drawing/2010/main" val="0"/>
+              </a:ext>
+              <a:ext uri="{96DAC541-7B7A-43D3-8B79-37D633B846F1}">
+                <asvg:svgBlip xmlns:asvg="http://schemas.microsoft.com/office/drawing/2016/SVG/main" r:embed="rId3"/>
+              </a:ext>
+            </a:extLst>
+          </a:blip>
+          <a:stretch>
+            <a:fillRect/>
+          </a:stretch>
+        </p:blipFill>
+        <p:spPr>
+          <a:xfrm>
+            <a:off x="7612909" y="4666026"/>
+            <a:ext cx="516760" cy="494386"/>
+          </a:xfrm>
+          <a:prstGeom prst="rect">
+            <a:avLst/>
+          </a:prstGeom>
+        </p:spPr>
+      </p:pic>
+      <p:grpSp>
+        <p:nvGrpSpPr>
+          <p:cNvPr id="118" name="グループ化 117">
+            <a:extLst>
+              <a:ext uri="{FF2B5EF4-FFF2-40B4-BE49-F238E27FC236}">
+                <a16:creationId xmlns:a16="http://schemas.microsoft.com/office/drawing/2014/main" id="{8B5E528C-C60D-493C-A174-6019F4B97A68}"/>
+              </a:ext>
+            </a:extLst>
+          </p:cNvPr>
+          <p:cNvGrpSpPr/>
+          <p:nvPr/>
+        </p:nvGrpSpPr>
+        <p:grpSpPr>
+          <a:xfrm>
+            <a:off x="8612827" y="3693740"/>
+            <a:ext cx="796207" cy="788691"/>
+            <a:chOff x="9165797" y="1077991"/>
+            <a:chExt cx="1451411" cy="1440728"/>
+          </a:xfrm>
+        </p:grpSpPr>
+        <p:pic>
+          <p:nvPicPr>
+            <p:cNvPr id="119" name="グラフィックス 118" descr="男性 枠線">
+              <a:extLst>
+                <a:ext uri="{FF2B5EF4-FFF2-40B4-BE49-F238E27FC236}">
+                  <a16:creationId xmlns:a16="http://schemas.microsoft.com/office/drawing/2014/main" id="{D4F3DF9C-D5DE-4917-9B07-4C82E1D80F9A}"/>
+                </a:ext>
+              </a:extLst>
+            </p:cNvPr>
+            <p:cNvPicPr>
+              <a:picLocks noChangeAspect="1"/>
+            </p:cNvPicPr>
+            <p:nvPr/>
+          </p:nvPicPr>
+          <p:blipFill>
+            <a:blip r:embed="rId6">
+              <a:extLst>
+                <a:ext uri="{28A0092B-C50C-407E-A947-70E740481C1C}">
+                  <a14:useLocalDpi xmlns:a14="http://schemas.microsoft.com/office/drawing/2010/main" val="0"/>
+                </a:ext>
+                <a:ext uri="{96DAC541-7B7A-43D3-8B79-37D633B846F1}">
+                  <asvg:svgBlip xmlns:asvg="http://schemas.microsoft.com/office/drawing/2016/SVG/main" r:embed="rId7"/>
+                </a:ext>
+              </a:extLst>
+            </a:blip>
+            <a:stretch>
+              <a:fillRect/>
+            </a:stretch>
+          </p:blipFill>
+          <p:spPr>
+            <a:xfrm>
+              <a:off x="9525586" y="1171473"/>
+              <a:ext cx="683127" cy="653550"/>
+            </a:xfrm>
+            <a:prstGeom prst="rect">
+              <a:avLst/>
+            </a:prstGeom>
+          </p:spPr>
+        </p:pic>
+        <p:pic>
+          <p:nvPicPr>
+            <p:cNvPr id="120" name="グラフィックス 119" descr="男性 枠線">
+              <a:extLst>
+                <a:ext uri="{FF2B5EF4-FFF2-40B4-BE49-F238E27FC236}">
+                  <a16:creationId xmlns:a16="http://schemas.microsoft.com/office/drawing/2014/main" id="{EDFB6814-4C8E-4C43-B0AC-568236582218}"/>
+                </a:ext>
+              </a:extLst>
+            </p:cNvPr>
+            <p:cNvPicPr>
+              <a:picLocks noChangeAspect="1"/>
+            </p:cNvPicPr>
+            <p:nvPr/>
+          </p:nvPicPr>
+          <p:blipFill>
+            <a:blip r:embed="rId6">
+              <a:extLst>
+                <a:ext uri="{28A0092B-C50C-407E-A947-70E740481C1C}">
+                  <a14:useLocalDpi xmlns:a14="http://schemas.microsoft.com/office/drawing/2010/main" val="0"/>
+                </a:ext>
+                <a:ext uri="{96DAC541-7B7A-43D3-8B79-37D633B846F1}">
+                  <asvg:svgBlip xmlns:asvg="http://schemas.microsoft.com/office/drawing/2016/SVG/main" r:embed="rId7"/>
+                </a:ext>
+              </a:extLst>
+            </a:blip>
+            <a:stretch>
+              <a:fillRect/>
+            </a:stretch>
+          </p:blipFill>
+          <p:spPr>
+            <a:xfrm>
+              <a:off x="9208376" y="1708958"/>
+              <a:ext cx="683127" cy="653550"/>
+            </a:xfrm>
+            <a:prstGeom prst="rect">
+              <a:avLst/>
+            </a:prstGeom>
+          </p:spPr>
+        </p:pic>
+        <p:pic>
+          <p:nvPicPr>
+            <p:cNvPr id="121" name="グラフィックス 120" descr="男性 枠線">
+              <a:extLst>
+                <a:ext uri="{FF2B5EF4-FFF2-40B4-BE49-F238E27FC236}">
+                  <a16:creationId xmlns:a16="http://schemas.microsoft.com/office/drawing/2014/main" id="{BC5CC01A-7C9C-446A-AF8A-6BA12FEE5506}"/>
+                </a:ext>
+              </a:extLst>
+            </p:cNvPr>
+            <p:cNvPicPr>
+              <a:picLocks noChangeAspect="1"/>
+            </p:cNvPicPr>
+            <p:nvPr/>
+          </p:nvPicPr>
+          <p:blipFill>
+            <a:blip r:embed="rId6">
+              <a:extLst>
+                <a:ext uri="{28A0092B-C50C-407E-A947-70E740481C1C}">
+                  <a14:useLocalDpi xmlns:a14="http://schemas.microsoft.com/office/drawing/2010/main" val="0"/>
+                </a:ext>
+                <a:ext uri="{96DAC541-7B7A-43D3-8B79-37D633B846F1}">
+                  <asvg:svgBlip xmlns:asvg="http://schemas.microsoft.com/office/drawing/2016/SVG/main" r:embed="rId7"/>
+                </a:ext>
+              </a:extLst>
+            </a:blip>
+            <a:stretch>
+              <a:fillRect/>
+            </a:stretch>
+          </p:blipFill>
+          <p:spPr>
+            <a:xfrm>
+              <a:off x="9934081" y="1708958"/>
+              <a:ext cx="683127" cy="653550"/>
+            </a:xfrm>
+            <a:prstGeom prst="rect">
+              <a:avLst/>
+            </a:prstGeom>
+          </p:spPr>
+        </p:pic>
+        <p:sp>
+          <p:nvSpPr>
+            <p:cNvPr id="122" name="楕円 121">
+              <a:extLst>
+                <a:ext uri="{FF2B5EF4-FFF2-40B4-BE49-F238E27FC236}">
+                  <a16:creationId xmlns:a16="http://schemas.microsoft.com/office/drawing/2014/main" id="{8CBC400A-1602-45B1-9955-7AFC36012BD1}"/>
+                </a:ext>
+              </a:extLst>
+            </p:cNvPr>
+            <p:cNvSpPr/>
+            <p:nvPr/>
+          </p:nvSpPr>
+          <p:spPr>
+            <a:xfrm>
+              <a:off x="9165797" y="1077991"/>
+              <a:ext cx="1442300" cy="1440728"/>
+            </a:xfrm>
+            <a:prstGeom prst="ellipse">
+              <a:avLst/>
+            </a:prstGeom>
+            <a:noFill/>
+          </p:spPr>
+          <p:style>
+            <a:lnRef idx="2">
+              <a:schemeClr val="accent1">
+                <a:shade val="50000"/>
+              </a:schemeClr>
+            </a:lnRef>
+            <a:fillRef idx="1">
+              <a:schemeClr val="accent1"/>
+            </a:fillRef>
+            <a:effectRef idx="0">
+              <a:schemeClr val="accent1"/>
+            </a:effectRef>
+            <a:fontRef idx="minor">
+              <a:schemeClr val="lt1"/>
+            </a:fontRef>
+          </p:style>
+          <p:txBody>
+            <a:bodyPr rtlCol="0" anchor="ctr"/>
+            <a:lstStyle/>
+            <a:p>
+              <a:pPr algn="ctr"/>
+              <a:endParaRPr kumimoji="1" lang="ja-JP" altLang="en-US"/>
+            </a:p>
+          </p:txBody>
+        </p:sp>
+      </p:grpSp>
+      <p:grpSp>
+        <p:nvGrpSpPr>
+          <p:cNvPr id="123" name="グループ化 122">
+            <a:extLst>
+              <a:ext uri="{FF2B5EF4-FFF2-40B4-BE49-F238E27FC236}">
+                <a16:creationId xmlns:a16="http://schemas.microsoft.com/office/drawing/2014/main" id="{AD5658B0-47EB-43E6-ACDA-7E93D96B996C}"/>
+              </a:ext>
+            </a:extLst>
+          </p:cNvPr>
+          <p:cNvGrpSpPr/>
+          <p:nvPr/>
+        </p:nvGrpSpPr>
+        <p:grpSpPr>
+          <a:xfrm>
+            <a:off x="8641362" y="4996741"/>
+            <a:ext cx="796207" cy="788691"/>
+            <a:chOff x="9165797" y="1077991"/>
+            <a:chExt cx="1451411" cy="1440728"/>
+          </a:xfrm>
+        </p:grpSpPr>
+        <p:pic>
+          <p:nvPicPr>
+            <p:cNvPr id="124" name="グラフィックス 123" descr="男性 枠線">
+              <a:extLst>
+                <a:ext uri="{FF2B5EF4-FFF2-40B4-BE49-F238E27FC236}">
+                  <a16:creationId xmlns:a16="http://schemas.microsoft.com/office/drawing/2014/main" id="{3BF9181F-EA9F-4967-9ADD-AD264D2EFC3D}"/>
+                </a:ext>
+              </a:extLst>
+            </p:cNvPr>
+            <p:cNvPicPr>
+              <a:picLocks noChangeAspect="1"/>
+            </p:cNvPicPr>
+            <p:nvPr/>
+          </p:nvPicPr>
+          <p:blipFill>
+            <a:blip r:embed="rId6">
+              <a:extLst>
+                <a:ext uri="{28A0092B-C50C-407E-A947-70E740481C1C}">
+                  <a14:useLocalDpi xmlns:a14="http://schemas.microsoft.com/office/drawing/2010/main" val="0"/>
+                </a:ext>
+                <a:ext uri="{96DAC541-7B7A-43D3-8B79-37D633B846F1}">
+                  <asvg:svgBlip xmlns:asvg="http://schemas.microsoft.com/office/drawing/2016/SVG/main" r:embed="rId7"/>
+                </a:ext>
+              </a:extLst>
+            </a:blip>
+            <a:stretch>
+              <a:fillRect/>
+            </a:stretch>
+          </p:blipFill>
+          <p:spPr>
+            <a:xfrm>
+              <a:off x="9525586" y="1171473"/>
+              <a:ext cx="683127" cy="653550"/>
+            </a:xfrm>
+            <a:prstGeom prst="rect">
+              <a:avLst/>
+            </a:prstGeom>
+          </p:spPr>
+        </p:pic>
+        <p:pic>
+          <p:nvPicPr>
+            <p:cNvPr id="125" name="グラフィックス 124" descr="男性 枠線">
+              <a:extLst>
+                <a:ext uri="{FF2B5EF4-FFF2-40B4-BE49-F238E27FC236}">
+                  <a16:creationId xmlns:a16="http://schemas.microsoft.com/office/drawing/2014/main" id="{552D5914-E0B8-43F5-A64E-787126353732}"/>
+                </a:ext>
+              </a:extLst>
+            </p:cNvPr>
+            <p:cNvPicPr>
+              <a:picLocks noChangeAspect="1"/>
+            </p:cNvPicPr>
+            <p:nvPr/>
+          </p:nvPicPr>
+          <p:blipFill>
+            <a:blip r:embed="rId6">
+              <a:extLst>
+                <a:ext uri="{28A0092B-C50C-407E-A947-70E740481C1C}">
+                  <a14:useLocalDpi xmlns:a14="http://schemas.microsoft.com/office/drawing/2010/main" val="0"/>
+                </a:ext>
+                <a:ext uri="{96DAC541-7B7A-43D3-8B79-37D633B846F1}">
+                  <asvg:svgBlip xmlns:asvg="http://schemas.microsoft.com/office/drawing/2016/SVG/main" r:embed="rId7"/>
+                </a:ext>
+              </a:extLst>
+            </a:blip>
+            <a:stretch>
+              <a:fillRect/>
+            </a:stretch>
+          </p:blipFill>
+          <p:spPr>
+            <a:xfrm>
+              <a:off x="9208376" y="1708958"/>
+              <a:ext cx="683127" cy="653550"/>
+            </a:xfrm>
+            <a:prstGeom prst="rect">
+              <a:avLst/>
+            </a:prstGeom>
+          </p:spPr>
+        </p:pic>
+        <p:pic>
+          <p:nvPicPr>
+            <p:cNvPr id="126" name="グラフィックス 125" descr="男性 枠線">
+              <a:extLst>
+                <a:ext uri="{FF2B5EF4-FFF2-40B4-BE49-F238E27FC236}">
+                  <a16:creationId xmlns:a16="http://schemas.microsoft.com/office/drawing/2014/main" id="{6EF8C195-3159-4877-B2F3-B383C254C9DF}"/>
+                </a:ext>
+              </a:extLst>
+            </p:cNvPr>
+            <p:cNvPicPr>
+              <a:picLocks noChangeAspect="1"/>
+            </p:cNvPicPr>
+            <p:nvPr/>
+          </p:nvPicPr>
+          <p:blipFill>
+            <a:blip r:embed="rId6">
+              <a:extLst>
+                <a:ext uri="{28A0092B-C50C-407E-A947-70E740481C1C}">
+                  <a14:useLocalDpi xmlns:a14="http://schemas.microsoft.com/office/drawing/2010/main" val="0"/>
+                </a:ext>
+                <a:ext uri="{96DAC541-7B7A-43D3-8B79-37D633B846F1}">
+                  <asvg:svgBlip xmlns:asvg="http://schemas.microsoft.com/office/drawing/2016/SVG/main" r:embed="rId7"/>
+                </a:ext>
+              </a:extLst>
+            </a:blip>
+            <a:stretch>
+              <a:fillRect/>
+            </a:stretch>
+          </p:blipFill>
+          <p:spPr>
+            <a:xfrm>
+              <a:off x="9934081" y="1708958"/>
+              <a:ext cx="683127" cy="653550"/>
+            </a:xfrm>
+            <a:prstGeom prst="rect">
+              <a:avLst/>
+            </a:prstGeom>
+          </p:spPr>
+        </p:pic>
+        <p:sp>
+          <p:nvSpPr>
+            <p:cNvPr id="127" name="楕円 126">
+              <a:extLst>
+                <a:ext uri="{FF2B5EF4-FFF2-40B4-BE49-F238E27FC236}">
+                  <a16:creationId xmlns:a16="http://schemas.microsoft.com/office/drawing/2014/main" id="{E9369D72-363C-4582-93EE-54CE9093AC17}"/>
+                </a:ext>
+              </a:extLst>
+            </p:cNvPr>
+            <p:cNvSpPr/>
+            <p:nvPr/>
+          </p:nvSpPr>
+          <p:spPr>
+            <a:xfrm>
+              <a:off x="9165797" y="1077991"/>
+              <a:ext cx="1442300" cy="1440728"/>
+            </a:xfrm>
+            <a:prstGeom prst="ellipse">
+              <a:avLst/>
+            </a:prstGeom>
+            <a:noFill/>
+          </p:spPr>
+          <p:style>
+            <a:lnRef idx="2">
+              <a:schemeClr val="accent1">
+                <a:shade val="50000"/>
+              </a:schemeClr>
+            </a:lnRef>
+            <a:fillRef idx="1">
+              <a:schemeClr val="accent1"/>
+            </a:fillRef>
+            <a:effectRef idx="0">
+              <a:schemeClr val="accent1"/>
+            </a:effectRef>
+            <a:fontRef idx="minor">
+              <a:schemeClr val="lt1"/>
+            </a:fontRef>
+          </p:style>
+          <p:txBody>
+            <a:bodyPr rtlCol="0" anchor="ctr"/>
+            <a:lstStyle/>
+            <a:p>
+              <a:pPr algn="ctr"/>
+              <a:endParaRPr kumimoji="1" lang="ja-JP" altLang="en-US"/>
+            </a:p>
+          </p:txBody>
+        </p:sp>
+      </p:grpSp>
+      <p:sp>
+        <p:nvSpPr>
+          <p:cNvPr id="128" name="テキスト ボックス 127">
+            <a:extLst>
+              <a:ext uri="{FF2B5EF4-FFF2-40B4-BE49-F238E27FC236}">
+                <a16:creationId xmlns:a16="http://schemas.microsoft.com/office/drawing/2014/main" id="{C82F7900-EFDD-4CCC-9C4F-5EDF198B0C40}"/>
+              </a:ext>
+            </a:extLst>
+          </p:cNvPr>
+          <p:cNvSpPr txBox="1"/>
+          <p:nvPr/>
+        </p:nvSpPr>
+        <p:spPr>
+          <a:xfrm>
+            <a:off x="9493104" y="4159265"/>
+            <a:ext cx="1457661" cy="646331"/>
+          </a:xfrm>
+          <a:prstGeom prst="rect">
+            <a:avLst/>
+          </a:prstGeom>
+          <a:noFill/>
+        </p:spPr>
+        <p:txBody>
+          <a:bodyPr wrap="square" rtlCol="0">
+            <a:spAutoFit/>
+          </a:bodyPr>
+          <a:lstStyle/>
+          <a:p>
+            <a:r>
+              <a:rPr kumimoji="1" lang="ja-JP" altLang="en-US" dirty="0"/>
+              <a:t>受け手</a:t>
+            </a:r>
+            <a:endParaRPr kumimoji="1" lang="en-US" altLang="ja-JP" dirty="0"/>
+          </a:p>
+          <a:p>
+            <a:r>
+              <a:rPr kumimoji="1" lang="ja-JP" altLang="en-US" dirty="0"/>
+              <a:t>グループ</a:t>
+            </a:r>
+            <a:r>
+              <a:rPr kumimoji="1" lang="en-US" altLang="ja-JP" dirty="0"/>
+              <a:t>A</a:t>
+            </a:r>
+            <a:endParaRPr kumimoji="1" lang="ja-JP" altLang="en-US" dirty="0"/>
+          </a:p>
+        </p:txBody>
+      </p:sp>
+      <p:sp>
+        <p:nvSpPr>
+          <p:cNvPr id="129" name="テキスト ボックス 128">
+            <a:extLst>
+              <a:ext uri="{FF2B5EF4-FFF2-40B4-BE49-F238E27FC236}">
+                <a16:creationId xmlns:a16="http://schemas.microsoft.com/office/drawing/2014/main" id="{539D74CC-62F1-4962-8066-232D18BCD7C9}"/>
+              </a:ext>
+            </a:extLst>
+          </p:cNvPr>
+          <p:cNvSpPr txBox="1"/>
+          <p:nvPr/>
+        </p:nvSpPr>
+        <p:spPr>
+          <a:xfrm>
+            <a:off x="9493104" y="5391086"/>
+            <a:ext cx="1781837" cy="646331"/>
+          </a:xfrm>
+          <a:prstGeom prst="rect">
+            <a:avLst/>
+          </a:prstGeom>
+          <a:noFill/>
+        </p:spPr>
+        <p:txBody>
+          <a:bodyPr wrap="square" rtlCol="0">
+            <a:spAutoFit/>
+          </a:bodyPr>
+          <a:lstStyle/>
+          <a:p>
+            <a:r>
+              <a:rPr kumimoji="1" lang="ja-JP" altLang="en-US" dirty="0"/>
+              <a:t>受け手</a:t>
+            </a:r>
+            <a:endParaRPr kumimoji="1" lang="en-US" altLang="ja-JP" dirty="0"/>
+          </a:p>
+          <a:p>
+            <a:r>
+              <a:rPr kumimoji="1" lang="ja-JP" altLang="en-US" dirty="0"/>
+              <a:t>グループ</a:t>
+            </a:r>
+            <a:r>
+              <a:rPr kumimoji="1" lang="en-US" altLang="ja-JP" dirty="0"/>
+              <a:t>B</a:t>
+            </a:r>
+            <a:endParaRPr kumimoji="1" lang="ja-JP" altLang="en-US" dirty="0"/>
+          </a:p>
+        </p:txBody>
+      </p:sp>
+      <p:sp>
+        <p:nvSpPr>
+          <p:cNvPr id="130" name="テキスト ボックス 129">
+            <a:extLst>
+              <a:ext uri="{FF2B5EF4-FFF2-40B4-BE49-F238E27FC236}">
+                <a16:creationId xmlns:a16="http://schemas.microsoft.com/office/drawing/2014/main" id="{00415786-C20C-4DF0-8A7D-9DEEFD8D7A52}"/>
+              </a:ext>
+            </a:extLst>
+          </p:cNvPr>
+          <p:cNvSpPr txBox="1"/>
+          <p:nvPr/>
+        </p:nvSpPr>
+        <p:spPr>
+          <a:xfrm>
+            <a:off x="6943714" y="5297264"/>
+            <a:ext cx="966398" cy="369332"/>
+          </a:xfrm>
+          <a:prstGeom prst="rect">
+            <a:avLst/>
+          </a:prstGeom>
+          <a:noFill/>
+        </p:spPr>
+        <p:txBody>
+          <a:bodyPr wrap="square" rtlCol="0">
+            <a:spAutoFit/>
+          </a:bodyPr>
+          <a:lstStyle/>
+          <a:p>
+            <a:r>
+              <a:rPr kumimoji="1" lang="ja-JP" altLang="en-US" dirty="0"/>
+              <a:t>出品者</a:t>
+            </a:r>
+          </a:p>
+        </p:txBody>
+      </p:sp>
+      <p:sp>
+        <p:nvSpPr>
+          <p:cNvPr id="133" name="テキスト ボックス 132">
+            <a:extLst>
+              <a:ext uri="{FF2B5EF4-FFF2-40B4-BE49-F238E27FC236}">
+                <a16:creationId xmlns:a16="http://schemas.microsoft.com/office/drawing/2014/main" id="{E662347E-5625-4B63-8335-4C2880B9225F}"/>
+              </a:ext>
+            </a:extLst>
+          </p:cNvPr>
+          <p:cNvSpPr txBox="1"/>
+          <p:nvPr/>
+        </p:nvSpPr>
+        <p:spPr>
+          <a:xfrm>
+            <a:off x="6767538" y="6063637"/>
+            <a:ext cx="4533499" cy="646331"/>
+          </a:xfrm>
+          <a:prstGeom prst="rect">
+            <a:avLst/>
+          </a:prstGeom>
+          <a:noFill/>
+        </p:spPr>
+        <p:txBody>
+          <a:bodyPr wrap="square" rtlCol="0">
+            <a:spAutoFit/>
+          </a:bodyPr>
+          <a:lstStyle/>
+          <a:p>
+            <a:r>
+              <a:rPr kumimoji="1" lang="ja-JP" altLang="en-US" dirty="0"/>
+              <a:t>④出品者は、納得できる物語を提示した受け手グループに衣服を渡す</a:t>
+            </a:r>
+          </a:p>
+        </p:txBody>
+      </p:sp>
+      <p:pic>
+        <p:nvPicPr>
+          <p:cNvPr id="134" name="グラフィックス 133" descr="クルタ 単色塗りつぶし">
+            <a:extLst>
+              <a:ext uri="{FF2B5EF4-FFF2-40B4-BE49-F238E27FC236}">
+                <a16:creationId xmlns:a16="http://schemas.microsoft.com/office/drawing/2014/main" id="{E9BE56B8-82BE-4AAE-A6CF-FABB10AED7A2}"/>
+              </a:ext>
+            </a:extLst>
+          </p:cNvPr>
+          <p:cNvPicPr>
+            <a:picLocks noChangeAspect="1"/>
+          </p:cNvPicPr>
+          <p:nvPr/>
+        </p:nvPicPr>
+        <p:blipFill>
+          <a:blip r:embed="rId4">
+            <a:extLst>
+              <a:ext uri="{28A0092B-C50C-407E-A947-70E740481C1C}">
+                <a14:useLocalDpi xmlns:a14="http://schemas.microsoft.com/office/drawing/2010/main" val="0"/>
+              </a:ext>
+              <a:ext uri="{96DAC541-7B7A-43D3-8B79-37D633B846F1}">
+                <asvg:svgBlip xmlns:asvg="http://schemas.microsoft.com/office/drawing/2016/SVG/main" r:embed="rId5"/>
+              </a:ext>
+            </a:extLst>
+          </a:blip>
+          <a:stretch>
+            <a:fillRect/>
+          </a:stretch>
+        </p:blipFill>
+        <p:spPr>
+          <a:xfrm>
+            <a:off x="8064098" y="5360629"/>
+            <a:ext cx="563905" cy="563905"/>
+          </a:xfrm>
+          <a:prstGeom prst="rect">
+            <a:avLst/>
+          </a:prstGeom>
+        </p:spPr>
+      </p:pic>
+      <p:sp>
+        <p:nvSpPr>
+          <p:cNvPr id="5" name="矢印: 右 4">
+            <a:extLst>
+              <a:ext uri="{FF2B5EF4-FFF2-40B4-BE49-F238E27FC236}">
+                <a16:creationId xmlns:a16="http://schemas.microsoft.com/office/drawing/2014/main" id="{F0EEC073-4800-48EE-84D3-651446219F3F}"/>
+              </a:ext>
+            </a:extLst>
+          </p:cNvPr>
+          <p:cNvSpPr/>
+          <p:nvPr/>
+        </p:nvSpPr>
+        <p:spPr>
+          <a:xfrm rot="2100172">
+            <a:off x="8139347" y="4996741"/>
+            <a:ext cx="375385" cy="240631"/>
+          </a:xfrm>
+          <a:prstGeom prst="rightArrow">
+            <a:avLst/>
+          </a:prstGeom>
+        </p:spPr>
+        <p:style>
+          <a:lnRef idx="2">
+            <a:schemeClr val="accent1">
+              <a:shade val="50000"/>
+            </a:schemeClr>
+          </a:lnRef>
+          <a:fillRef idx="1">
+            <a:schemeClr val="accent1"/>
+          </a:fillRef>
+          <a:effectRef idx="0">
+            <a:schemeClr val="accent1"/>
+          </a:effectRef>
+          <a:fontRef idx="minor">
+            <a:schemeClr val="lt1"/>
+          </a:fontRef>
+        </p:style>
+        <p:txBody>
+          <a:bodyPr rtlCol="0" anchor="ctr"/>
+          <a:lstStyle/>
+          <a:p>
+            <a:pPr algn="ctr"/>
+            <a:endParaRPr kumimoji="1" lang="ja-JP" altLang="en-US"/>
+          </a:p>
+        </p:txBody>
+      </p:sp>
+    </p:spTree>
+    <p:extLst>
+      <p:ext uri="{BB962C8B-B14F-4D97-AF65-F5344CB8AC3E}">
+        <p14:creationId xmlns:p14="http://schemas.microsoft.com/office/powerpoint/2010/main" val="2083896090"/>
+      </p:ext>
+    </p:extLst>
+  </p:cSld>
+  <p:clrMapOvr>
+    <a:masterClrMapping/>
+  </p:clrMapOvr>
+</p:sld>
+</file>
+
+<file path=ppt/slides/slide9.xml><?xml version="1.0" encoding="utf-8"?>
+<p:sld xmlns:a="http://schemas.openxmlformats.org/drawingml/2006/main" xmlns:r="http://schemas.openxmlformats.org/officeDocument/2006/relationships" xmlns:p="http://schemas.openxmlformats.org/presentationml/2006/main">
+  <p:cSld>
+    <p:spTree>
+      <p:nvGrpSpPr>
+        <p:cNvPr id="1" name=""/>
+        <p:cNvGrpSpPr/>
+        <p:nvPr/>
+      </p:nvGrpSpPr>
+      <p:grpSpPr>
+        <a:xfrm>
+          <a:off x="0" y="0"/>
+          <a:ext cx="0" cy="0"/>
+          <a:chOff x="0" y="0"/>
+          <a:chExt cx="0" cy="0"/>
+        </a:xfrm>
+      </p:grpSpPr>
+      <p:pic>
+        <p:nvPicPr>
+          <p:cNvPr id="2" name="グラフィックス 1" descr="男性 単色塗りつぶし">
+            <a:extLst>
+              <a:ext uri="{FF2B5EF4-FFF2-40B4-BE49-F238E27FC236}">
+                <a16:creationId xmlns:a16="http://schemas.microsoft.com/office/drawing/2014/main" id="{2DDCE847-9078-45B7-AE51-9FC92820C964}"/>
+              </a:ext>
+            </a:extLst>
+          </p:cNvPr>
+          <p:cNvPicPr>
+            <a:picLocks noChangeAspect="1"/>
+          </p:cNvPicPr>
+          <p:nvPr/>
+        </p:nvPicPr>
+        <p:blipFill>
+          <a:blip r:embed="rId2">
+            <a:extLst>
+              <a:ext uri="{28A0092B-C50C-407E-A947-70E740481C1C}">
+                <a14:useLocalDpi xmlns:a14="http://schemas.microsoft.com/office/drawing/2010/main" val="0"/>
+              </a:ext>
+              <a:ext uri="{96DAC541-7B7A-43D3-8B79-37D633B846F1}">
+                <asvg:svgBlip xmlns:asvg="http://schemas.microsoft.com/office/drawing/2016/SVG/main" r:embed="rId3"/>
+              </a:ext>
+            </a:extLst>
+          </a:blip>
+          <a:stretch>
+            <a:fillRect/>
+          </a:stretch>
+        </p:blipFill>
+        <p:spPr>
+          <a:xfrm>
+            <a:off x="1396773" y="3416443"/>
+            <a:ext cx="516760" cy="494386"/>
+          </a:xfrm>
+          <a:prstGeom prst="rect">
+            <a:avLst/>
+          </a:prstGeom>
+        </p:spPr>
+      </p:pic>
+      <p:grpSp>
+        <p:nvGrpSpPr>
+          <p:cNvPr id="3" name="グループ化 2">
+            <a:extLst>
+              <a:ext uri="{FF2B5EF4-FFF2-40B4-BE49-F238E27FC236}">
+                <a16:creationId xmlns:a16="http://schemas.microsoft.com/office/drawing/2014/main" id="{9EA3CC8A-42BF-4332-B645-4676CC577DBD}"/>
+              </a:ext>
+            </a:extLst>
+          </p:cNvPr>
+          <p:cNvGrpSpPr/>
+          <p:nvPr/>
+        </p:nvGrpSpPr>
+        <p:grpSpPr>
+          <a:xfrm>
+            <a:off x="2396691" y="2444157"/>
+            <a:ext cx="796207" cy="788691"/>
+            <a:chOff x="9165797" y="1077991"/>
+            <a:chExt cx="1451411" cy="1440728"/>
+          </a:xfrm>
+        </p:grpSpPr>
+        <p:pic>
+          <p:nvPicPr>
+            <p:cNvPr id="4" name="グラフィックス 3" descr="男性 枠線">
+              <a:extLst>
+                <a:ext uri="{FF2B5EF4-FFF2-40B4-BE49-F238E27FC236}">
+                  <a16:creationId xmlns:a16="http://schemas.microsoft.com/office/drawing/2014/main" id="{D12CA70D-E25B-4446-A414-2C34F8C7EFF5}"/>
+                </a:ext>
+              </a:extLst>
+            </p:cNvPr>
+            <p:cNvPicPr>
+              <a:picLocks noChangeAspect="1"/>
+            </p:cNvPicPr>
+            <p:nvPr/>
+          </p:nvPicPr>
+          <p:blipFill>
+            <a:blip r:embed="rId4">
+              <a:extLst>
+                <a:ext uri="{28A0092B-C50C-407E-A947-70E740481C1C}">
+                  <a14:useLocalDpi xmlns:a14="http://schemas.microsoft.com/office/drawing/2010/main" val="0"/>
+                </a:ext>
+                <a:ext uri="{96DAC541-7B7A-43D3-8B79-37D633B846F1}">
+                  <asvg:svgBlip xmlns:asvg="http://schemas.microsoft.com/office/drawing/2016/SVG/main" r:embed="rId5"/>
+                </a:ext>
+              </a:extLst>
+            </a:blip>
+            <a:stretch>
+              <a:fillRect/>
+            </a:stretch>
+          </p:blipFill>
+          <p:spPr>
+            <a:xfrm>
+              <a:off x="9525586" y="1171473"/>
+              <a:ext cx="683127" cy="653550"/>
+            </a:xfrm>
+            <a:prstGeom prst="rect">
+              <a:avLst/>
+            </a:prstGeom>
+          </p:spPr>
+        </p:pic>
+        <p:pic>
+          <p:nvPicPr>
+            <p:cNvPr id="5" name="グラフィックス 4" descr="男性 枠線">
+              <a:extLst>
+                <a:ext uri="{FF2B5EF4-FFF2-40B4-BE49-F238E27FC236}">
+                  <a16:creationId xmlns:a16="http://schemas.microsoft.com/office/drawing/2014/main" id="{9A0AD282-99F0-4198-BD7F-6D50B1F2807E}"/>
+                </a:ext>
+              </a:extLst>
+            </p:cNvPr>
+            <p:cNvPicPr>
+              <a:picLocks noChangeAspect="1"/>
+            </p:cNvPicPr>
+            <p:nvPr/>
+          </p:nvPicPr>
+          <p:blipFill>
+            <a:blip r:embed="rId4">
+              <a:extLst>
+                <a:ext uri="{28A0092B-C50C-407E-A947-70E740481C1C}">
+                  <a14:useLocalDpi xmlns:a14="http://schemas.microsoft.com/office/drawing/2010/main" val="0"/>
+                </a:ext>
+                <a:ext uri="{96DAC541-7B7A-43D3-8B79-37D633B846F1}">
+                  <asvg:svgBlip xmlns:asvg="http://schemas.microsoft.com/office/drawing/2016/SVG/main" r:embed="rId5"/>
+                </a:ext>
+              </a:extLst>
+            </a:blip>
+            <a:stretch>
+              <a:fillRect/>
+            </a:stretch>
+          </p:blipFill>
+          <p:spPr>
+            <a:xfrm>
+              <a:off x="9208376" y="1708958"/>
+              <a:ext cx="683127" cy="653550"/>
+            </a:xfrm>
+            <a:prstGeom prst="rect">
+              <a:avLst/>
+            </a:prstGeom>
+          </p:spPr>
+        </p:pic>
+        <p:pic>
+          <p:nvPicPr>
+            <p:cNvPr id="6" name="グラフィックス 5" descr="男性 枠線">
+              <a:extLst>
+                <a:ext uri="{FF2B5EF4-FFF2-40B4-BE49-F238E27FC236}">
+                  <a16:creationId xmlns:a16="http://schemas.microsoft.com/office/drawing/2014/main" id="{45E25934-62D8-4DC9-A8F5-59E7E84B47E6}"/>
+                </a:ext>
+              </a:extLst>
+            </p:cNvPr>
+            <p:cNvPicPr>
+              <a:picLocks noChangeAspect="1"/>
+            </p:cNvPicPr>
+            <p:nvPr/>
+          </p:nvPicPr>
+          <p:blipFill>
+            <a:blip r:embed="rId4">
+              <a:extLst>
+                <a:ext uri="{28A0092B-C50C-407E-A947-70E740481C1C}">
+                  <a14:useLocalDpi xmlns:a14="http://schemas.microsoft.com/office/drawing/2010/main" val="0"/>
+                </a:ext>
+                <a:ext uri="{96DAC541-7B7A-43D3-8B79-37D633B846F1}">
+                  <asvg:svgBlip xmlns:asvg="http://schemas.microsoft.com/office/drawing/2016/SVG/main" r:embed="rId5"/>
+                </a:ext>
+              </a:extLst>
+            </a:blip>
+            <a:stretch>
+              <a:fillRect/>
+            </a:stretch>
+          </p:blipFill>
+          <p:spPr>
+            <a:xfrm>
+              <a:off x="9934081" y="1708958"/>
+              <a:ext cx="683127" cy="653550"/>
+            </a:xfrm>
+            <a:prstGeom prst="rect">
+              <a:avLst/>
+            </a:prstGeom>
+          </p:spPr>
+        </p:pic>
+        <p:sp>
+          <p:nvSpPr>
+            <p:cNvPr id="7" name="楕円 6">
+              <a:extLst>
+                <a:ext uri="{FF2B5EF4-FFF2-40B4-BE49-F238E27FC236}">
+                  <a16:creationId xmlns:a16="http://schemas.microsoft.com/office/drawing/2014/main" id="{6FE73F0F-BD5E-4463-B317-7B7F66508C11}"/>
+                </a:ext>
+              </a:extLst>
+            </p:cNvPr>
+            <p:cNvSpPr/>
+            <p:nvPr/>
+          </p:nvSpPr>
+          <p:spPr>
+            <a:xfrm>
+              <a:off x="9165797" y="1077991"/>
+              <a:ext cx="1442300" cy="1440728"/>
+            </a:xfrm>
+            <a:prstGeom prst="ellipse">
+              <a:avLst/>
+            </a:prstGeom>
+            <a:noFill/>
+          </p:spPr>
+          <p:style>
+            <a:lnRef idx="2">
+              <a:schemeClr val="accent1">
+                <a:shade val="50000"/>
+              </a:schemeClr>
+            </a:lnRef>
+            <a:fillRef idx="1">
+              <a:schemeClr val="accent1"/>
+            </a:fillRef>
+            <a:effectRef idx="0">
+              <a:schemeClr val="accent1"/>
+            </a:effectRef>
+            <a:fontRef idx="minor">
+              <a:schemeClr val="lt1"/>
+            </a:fontRef>
+          </p:style>
+          <p:txBody>
+            <a:bodyPr rtlCol="0" anchor="ctr"/>
+            <a:lstStyle/>
+            <a:p>
+              <a:pPr algn="ctr"/>
+              <a:endParaRPr kumimoji="1" lang="ja-JP" altLang="en-US"/>
+            </a:p>
+          </p:txBody>
+        </p:sp>
+      </p:grpSp>
+      <p:grpSp>
+        <p:nvGrpSpPr>
+          <p:cNvPr id="8" name="グループ化 7">
+            <a:extLst>
+              <a:ext uri="{FF2B5EF4-FFF2-40B4-BE49-F238E27FC236}">
+                <a16:creationId xmlns:a16="http://schemas.microsoft.com/office/drawing/2014/main" id="{078EC7E4-9962-41BC-9BC4-9A9AFA087C55}"/>
+              </a:ext>
+            </a:extLst>
+          </p:cNvPr>
+          <p:cNvGrpSpPr/>
+          <p:nvPr/>
+        </p:nvGrpSpPr>
+        <p:grpSpPr>
+          <a:xfrm>
+            <a:off x="2425226" y="3747158"/>
+            <a:ext cx="796207" cy="788691"/>
+            <a:chOff x="9165797" y="1077991"/>
+            <a:chExt cx="1451411" cy="1440728"/>
+          </a:xfrm>
+        </p:grpSpPr>
+        <p:pic>
+          <p:nvPicPr>
+            <p:cNvPr id="9" name="グラフィックス 8" descr="男性 枠線">
+              <a:extLst>
+                <a:ext uri="{FF2B5EF4-FFF2-40B4-BE49-F238E27FC236}">
+                  <a16:creationId xmlns:a16="http://schemas.microsoft.com/office/drawing/2014/main" id="{F7EC6C5E-AC43-49C4-AF4E-2BC05C8DBE6A}"/>
+                </a:ext>
+              </a:extLst>
+            </p:cNvPr>
+            <p:cNvPicPr>
+              <a:picLocks noChangeAspect="1"/>
+            </p:cNvPicPr>
+            <p:nvPr/>
+          </p:nvPicPr>
+          <p:blipFill>
+            <a:blip r:embed="rId4">
+              <a:extLst>
+                <a:ext uri="{28A0092B-C50C-407E-A947-70E740481C1C}">
+                  <a14:useLocalDpi xmlns:a14="http://schemas.microsoft.com/office/drawing/2010/main" val="0"/>
+                </a:ext>
+                <a:ext uri="{96DAC541-7B7A-43D3-8B79-37D633B846F1}">
+                  <asvg:svgBlip xmlns:asvg="http://schemas.microsoft.com/office/drawing/2016/SVG/main" r:embed="rId5"/>
+                </a:ext>
+              </a:extLst>
+            </a:blip>
+            <a:stretch>
+              <a:fillRect/>
+            </a:stretch>
+          </p:blipFill>
+          <p:spPr>
+            <a:xfrm>
+              <a:off x="9525586" y="1171473"/>
+              <a:ext cx="683127" cy="653550"/>
+            </a:xfrm>
+            <a:prstGeom prst="rect">
+              <a:avLst/>
+            </a:prstGeom>
+          </p:spPr>
+        </p:pic>
+        <p:pic>
+          <p:nvPicPr>
+            <p:cNvPr id="10" name="グラフィックス 9" descr="男性 枠線">
+              <a:extLst>
+                <a:ext uri="{FF2B5EF4-FFF2-40B4-BE49-F238E27FC236}">
+                  <a16:creationId xmlns:a16="http://schemas.microsoft.com/office/drawing/2014/main" id="{BBF16DC1-0AC4-416D-8FAD-8EA673AC978E}"/>
+                </a:ext>
+              </a:extLst>
+            </p:cNvPr>
+            <p:cNvPicPr>
+              <a:picLocks noChangeAspect="1"/>
+            </p:cNvPicPr>
+            <p:nvPr/>
+          </p:nvPicPr>
+          <p:blipFill>
+            <a:blip r:embed="rId4">
+              <a:extLst>
+                <a:ext uri="{28A0092B-C50C-407E-A947-70E740481C1C}">
+                  <a14:useLocalDpi xmlns:a14="http://schemas.microsoft.com/office/drawing/2010/main" val="0"/>
+                </a:ext>
+                <a:ext uri="{96DAC541-7B7A-43D3-8B79-37D633B846F1}">
+                  <asvg:svgBlip xmlns:asvg="http://schemas.microsoft.com/office/drawing/2016/SVG/main" r:embed="rId5"/>
+                </a:ext>
+              </a:extLst>
+            </a:blip>
+            <a:stretch>
+              <a:fillRect/>
+            </a:stretch>
+          </p:blipFill>
+          <p:spPr>
+            <a:xfrm>
+              <a:off x="9208376" y="1708958"/>
+              <a:ext cx="683127" cy="653550"/>
+            </a:xfrm>
+            <a:prstGeom prst="rect">
+              <a:avLst/>
+            </a:prstGeom>
+          </p:spPr>
+        </p:pic>
+        <p:pic>
+          <p:nvPicPr>
+            <p:cNvPr id="11" name="グラフィックス 10" descr="男性 枠線">
+              <a:extLst>
+                <a:ext uri="{FF2B5EF4-FFF2-40B4-BE49-F238E27FC236}">
+                  <a16:creationId xmlns:a16="http://schemas.microsoft.com/office/drawing/2014/main" id="{7D6C7F2B-AC7F-410F-B822-DFA83E603D56}"/>
+                </a:ext>
+              </a:extLst>
+            </p:cNvPr>
+            <p:cNvPicPr>
+              <a:picLocks noChangeAspect="1"/>
+            </p:cNvPicPr>
+            <p:nvPr/>
+          </p:nvPicPr>
+          <p:blipFill>
+            <a:blip r:embed="rId4">
+              <a:extLst>
+                <a:ext uri="{28A0092B-C50C-407E-A947-70E740481C1C}">
+                  <a14:useLocalDpi xmlns:a14="http://schemas.microsoft.com/office/drawing/2010/main" val="0"/>
+                </a:ext>
+                <a:ext uri="{96DAC541-7B7A-43D3-8B79-37D633B846F1}">
+                  <asvg:svgBlip xmlns:asvg="http://schemas.microsoft.com/office/drawing/2016/SVG/main" r:embed="rId5"/>
+                </a:ext>
+              </a:extLst>
+            </a:blip>
+            <a:stretch>
+              <a:fillRect/>
+            </a:stretch>
+          </p:blipFill>
+          <p:spPr>
+            <a:xfrm>
+              <a:off x="9934081" y="1708958"/>
+              <a:ext cx="683127" cy="653550"/>
+            </a:xfrm>
+            <a:prstGeom prst="rect">
+              <a:avLst/>
+            </a:prstGeom>
+          </p:spPr>
+        </p:pic>
+        <p:sp>
+          <p:nvSpPr>
+            <p:cNvPr id="12" name="楕円 11">
+              <a:extLst>
+                <a:ext uri="{FF2B5EF4-FFF2-40B4-BE49-F238E27FC236}">
+                  <a16:creationId xmlns:a16="http://schemas.microsoft.com/office/drawing/2014/main" id="{BC73B21B-016C-48BD-A969-5AAD6BB6CED0}"/>
+                </a:ext>
+              </a:extLst>
+            </p:cNvPr>
+            <p:cNvSpPr/>
+            <p:nvPr/>
+          </p:nvSpPr>
+          <p:spPr>
+            <a:xfrm>
+              <a:off x="9165797" y="1077991"/>
+              <a:ext cx="1442300" cy="1440728"/>
+            </a:xfrm>
+            <a:prstGeom prst="ellipse">
+              <a:avLst/>
+            </a:prstGeom>
+            <a:noFill/>
+          </p:spPr>
+          <p:style>
+            <a:lnRef idx="2">
+              <a:schemeClr val="accent1">
+                <a:shade val="50000"/>
+              </a:schemeClr>
+            </a:lnRef>
+            <a:fillRef idx="1">
+              <a:schemeClr val="accent1"/>
+            </a:fillRef>
+            <a:effectRef idx="0">
+              <a:schemeClr val="accent1"/>
+            </a:effectRef>
+            <a:fontRef idx="minor">
+              <a:schemeClr val="lt1"/>
+            </a:fontRef>
+          </p:style>
+          <p:txBody>
+            <a:bodyPr rtlCol="0" anchor="ctr"/>
+            <a:lstStyle/>
+            <a:p>
+              <a:pPr algn="ctr"/>
+              <a:endParaRPr kumimoji="1" lang="ja-JP" altLang="en-US"/>
+            </a:p>
+          </p:txBody>
+        </p:sp>
+      </p:grpSp>
+      <p:sp>
+        <p:nvSpPr>
+          <p:cNvPr id="13" name="テキスト ボックス 12">
+            <a:extLst>
+              <a:ext uri="{FF2B5EF4-FFF2-40B4-BE49-F238E27FC236}">
+                <a16:creationId xmlns:a16="http://schemas.microsoft.com/office/drawing/2014/main" id="{CECCCF29-93B3-4BAC-967B-6E29F5D94714}"/>
+              </a:ext>
+            </a:extLst>
+          </p:cNvPr>
+          <p:cNvSpPr txBox="1"/>
+          <p:nvPr/>
+        </p:nvSpPr>
+        <p:spPr>
+          <a:xfrm>
+            <a:off x="3276968" y="2909682"/>
+            <a:ext cx="1457661" cy="646331"/>
+          </a:xfrm>
+          <a:prstGeom prst="rect">
+            <a:avLst/>
+          </a:prstGeom>
+          <a:noFill/>
+        </p:spPr>
+        <p:txBody>
+          <a:bodyPr wrap="square" rtlCol="0">
+            <a:spAutoFit/>
+          </a:bodyPr>
+          <a:lstStyle/>
+          <a:p>
+            <a:r>
+              <a:rPr kumimoji="1" lang="ja-JP" altLang="en-US" dirty="0"/>
+              <a:t>受け手</a:t>
+            </a:r>
+            <a:endParaRPr kumimoji="1" lang="en-US" altLang="ja-JP" dirty="0"/>
+          </a:p>
+          <a:p>
+            <a:r>
+              <a:rPr kumimoji="1" lang="ja-JP" altLang="en-US" dirty="0"/>
+              <a:t>グループ</a:t>
+            </a:r>
+            <a:r>
+              <a:rPr kumimoji="1" lang="en-US" altLang="ja-JP" dirty="0"/>
+              <a:t>A</a:t>
+            </a:r>
+            <a:endParaRPr kumimoji="1" lang="ja-JP" altLang="en-US" dirty="0"/>
+          </a:p>
+        </p:txBody>
+      </p:sp>
+      <p:sp>
+        <p:nvSpPr>
+          <p:cNvPr id="14" name="テキスト ボックス 13">
+            <a:extLst>
+              <a:ext uri="{FF2B5EF4-FFF2-40B4-BE49-F238E27FC236}">
+                <a16:creationId xmlns:a16="http://schemas.microsoft.com/office/drawing/2014/main" id="{EC4EEC30-9A40-4249-B4F5-5E938070075F}"/>
+              </a:ext>
+            </a:extLst>
+          </p:cNvPr>
+          <p:cNvSpPr txBox="1"/>
+          <p:nvPr/>
+        </p:nvSpPr>
+        <p:spPr>
+          <a:xfrm>
+            <a:off x="3276968" y="4141503"/>
+            <a:ext cx="1781837" cy="646331"/>
+          </a:xfrm>
+          <a:prstGeom prst="rect">
+            <a:avLst/>
+          </a:prstGeom>
+          <a:noFill/>
+        </p:spPr>
+        <p:txBody>
+          <a:bodyPr wrap="square" rtlCol="0">
+            <a:spAutoFit/>
+          </a:bodyPr>
+          <a:lstStyle/>
+          <a:p>
+            <a:r>
+              <a:rPr kumimoji="1" lang="ja-JP" altLang="en-US" dirty="0"/>
+              <a:t>受け手</a:t>
+            </a:r>
+            <a:endParaRPr kumimoji="1" lang="en-US" altLang="ja-JP" dirty="0"/>
+          </a:p>
+          <a:p>
+            <a:r>
+              <a:rPr kumimoji="1" lang="ja-JP" altLang="en-US" dirty="0"/>
+              <a:t>グループ</a:t>
+            </a:r>
+            <a:r>
+              <a:rPr kumimoji="1" lang="en-US" altLang="ja-JP" dirty="0"/>
+              <a:t>B</a:t>
+            </a:r>
+            <a:endParaRPr kumimoji="1" lang="ja-JP" altLang="en-US" dirty="0"/>
+          </a:p>
+        </p:txBody>
+      </p:sp>
+      <p:sp>
+        <p:nvSpPr>
+          <p:cNvPr id="15" name="テキスト ボックス 14">
+            <a:extLst>
+              <a:ext uri="{FF2B5EF4-FFF2-40B4-BE49-F238E27FC236}">
+                <a16:creationId xmlns:a16="http://schemas.microsoft.com/office/drawing/2014/main" id="{00B3D59A-68E1-47EB-BFDC-858E4D366936}"/>
+              </a:ext>
+            </a:extLst>
+          </p:cNvPr>
+          <p:cNvSpPr txBox="1"/>
+          <p:nvPr/>
+        </p:nvSpPr>
+        <p:spPr>
+          <a:xfrm>
+            <a:off x="727578" y="4047681"/>
+            <a:ext cx="966398" cy="369332"/>
+          </a:xfrm>
+          <a:prstGeom prst="rect">
+            <a:avLst/>
+          </a:prstGeom>
+          <a:noFill/>
+        </p:spPr>
+        <p:txBody>
+          <a:bodyPr wrap="square" rtlCol="0">
+            <a:spAutoFit/>
+          </a:bodyPr>
+          <a:lstStyle/>
+          <a:p>
+            <a:r>
+              <a:rPr kumimoji="1" lang="ja-JP" altLang="en-US" dirty="0"/>
+              <a:t>出品者</a:t>
+            </a:r>
+          </a:p>
+        </p:txBody>
+      </p:sp>
+      <p:sp>
+        <p:nvSpPr>
+          <p:cNvPr id="18" name="矢印: 右 17">
+            <a:extLst>
+              <a:ext uri="{FF2B5EF4-FFF2-40B4-BE49-F238E27FC236}">
+                <a16:creationId xmlns:a16="http://schemas.microsoft.com/office/drawing/2014/main" id="{187ABD5F-E367-4D14-94BB-9BD80374EA5E}"/>
+              </a:ext>
+            </a:extLst>
+          </p:cNvPr>
+          <p:cNvSpPr/>
+          <p:nvPr/>
+        </p:nvSpPr>
+        <p:spPr>
+          <a:xfrm>
+            <a:off x="4976261" y="3429000"/>
+            <a:ext cx="972152" cy="494386"/>
+          </a:xfrm>
+          <a:prstGeom prst="rightArrow">
+            <a:avLst/>
+          </a:prstGeom>
+        </p:spPr>
+        <p:style>
+          <a:lnRef idx="2">
+            <a:schemeClr val="accent1">
+              <a:shade val="50000"/>
+            </a:schemeClr>
+          </a:lnRef>
+          <a:fillRef idx="1">
+            <a:schemeClr val="accent1"/>
+          </a:fillRef>
+          <a:effectRef idx="0">
+            <a:schemeClr val="accent1"/>
+          </a:effectRef>
+          <a:fontRef idx="minor">
+            <a:schemeClr val="lt1"/>
+          </a:fontRef>
+        </p:style>
+        <p:txBody>
+          <a:bodyPr rtlCol="0" anchor="ctr"/>
+          <a:lstStyle/>
+          <a:p>
+            <a:pPr algn="ctr"/>
+            <a:endParaRPr kumimoji="1" lang="ja-JP" altLang="en-US"/>
+          </a:p>
+        </p:txBody>
+      </p:sp>
+      <p:pic>
+        <p:nvPicPr>
+          <p:cNvPr id="19" name="グラフィックス 18" descr="男性 単色塗りつぶし">
+            <a:extLst>
+              <a:ext uri="{FF2B5EF4-FFF2-40B4-BE49-F238E27FC236}">
+                <a16:creationId xmlns:a16="http://schemas.microsoft.com/office/drawing/2014/main" id="{5DF9E0A5-2912-4938-B115-8868E348D117}"/>
+              </a:ext>
+            </a:extLst>
+          </p:cNvPr>
+          <p:cNvPicPr>
+            <a:picLocks noChangeAspect="1"/>
+          </p:cNvPicPr>
+          <p:nvPr/>
+        </p:nvPicPr>
+        <p:blipFill>
+          <a:blip r:embed="rId2">
+            <a:extLst>
+              <a:ext uri="{28A0092B-C50C-407E-A947-70E740481C1C}">
+                <a14:useLocalDpi xmlns:a14="http://schemas.microsoft.com/office/drawing/2010/main" val="0"/>
+              </a:ext>
+              <a:ext uri="{96DAC541-7B7A-43D3-8B79-37D633B846F1}">
+                <asvg:svgBlip xmlns:asvg="http://schemas.microsoft.com/office/drawing/2016/SVG/main" r:embed="rId3"/>
+              </a:ext>
+            </a:extLst>
+          </a:blip>
+          <a:stretch>
+            <a:fillRect/>
+          </a:stretch>
+        </p:blipFill>
+        <p:spPr>
+          <a:xfrm>
+            <a:off x="6772138" y="3380463"/>
+            <a:ext cx="373962" cy="357771"/>
+          </a:xfrm>
+          <a:prstGeom prst="rect">
+            <a:avLst/>
+          </a:prstGeom>
+        </p:spPr>
+      </p:pic>
+      <p:pic>
+        <p:nvPicPr>
+          <p:cNvPr id="21" name="グラフィックス 20" descr="男性 枠線">
+            <a:extLst>
+              <a:ext uri="{FF2B5EF4-FFF2-40B4-BE49-F238E27FC236}">
+                <a16:creationId xmlns:a16="http://schemas.microsoft.com/office/drawing/2014/main" id="{292855FF-CED5-41E2-A784-B589467F6AD6}"/>
+              </a:ext>
+            </a:extLst>
+          </p:cNvPr>
+          <p:cNvPicPr>
+            <a:picLocks noChangeAspect="1"/>
+          </p:cNvPicPr>
+          <p:nvPr/>
+        </p:nvPicPr>
+        <p:blipFill>
+          <a:blip r:embed="rId4">
+            <a:extLst>
+              <a:ext uri="{28A0092B-C50C-407E-A947-70E740481C1C}">
+                <a14:useLocalDpi xmlns:a14="http://schemas.microsoft.com/office/drawing/2010/main" val="0"/>
+              </a:ext>
+              <a:ext uri="{96DAC541-7B7A-43D3-8B79-37D633B846F1}">
+                <asvg:svgBlip xmlns:asvg="http://schemas.microsoft.com/office/drawing/2016/SVG/main" r:embed="rId5"/>
+              </a:ext>
+            </a:extLst>
+          </a:blip>
+          <a:stretch>
+            <a:fillRect/>
+          </a:stretch>
+        </p:blipFill>
+        <p:spPr>
+          <a:xfrm>
+            <a:off x="7186861" y="2659002"/>
+            <a:ext cx="374746" cy="357770"/>
+          </a:xfrm>
+          <a:prstGeom prst="rect">
+            <a:avLst/>
+          </a:prstGeom>
+        </p:spPr>
+      </p:pic>
+      <p:pic>
+        <p:nvPicPr>
+          <p:cNvPr id="22" name="グラフィックス 21" descr="男性 枠線">
+            <a:extLst>
+              <a:ext uri="{FF2B5EF4-FFF2-40B4-BE49-F238E27FC236}">
+                <a16:creationId xmlns:a16="http://schemas.microsoft.com/office/drawing/2014/main" id="{59C93AD6-096F-4929-AFA7-4785C77DB7AC}"/>
+              </a:ext>
+            </a:extLst>
+          </p:cNvPr>
+          <p:cNvPicPr>
+            <a:picLocks noChangeAspect="1"/>
+          </p:cNvPicPr>
+          <p:nvPr/>
+        </p:nvPicPr>
+        <p:blipFill>
+          <a:blip r:embed="rId4">
+            <a:extLst>
+              <a:ext uri="{28A0092B-C50C-407E-A947-70E740481C1C}">
+                <a14:useLocalDpi xmlns:a14="http://schemas.microsoft.com/office/drawing/2010/main" val="0"/>
+              </a:ext>
+              <a:ext uri="{96DAC541-7B7A-43D3-8B79-37D633B846F1}">
+                <asvg:svgBlip xmlns:asvg="http://schemas.microsoft.com/office/drawing/2016/SVG/main" r:embed="rId5"/>
+              </a:ext>
+            </a:extLst>
+          </a:blip>
+          <a:stretch>
+            <a:fillRect/>
+          </a:stretch>
+        </p:blipFill>
+        <p:spPr>
+          <a:xfrm>
+            <a:off x="7012848" y="2953235"/>
+            <a:ext cx="374746" cy="357770"/>
+          </a:xfrm>
+          <a:prstGeom prst="rect">
+            <a:avLst/>
+          </a:prstGeom>
+        </p:spPr>
+      </p:pic>
+      <p:pic>
+        <p:nvPicPr>
+          <p:cNvPr id="23" name="グラフィックス 22" descr="男性 枠線">
+            <a:extLst>
+              <a:ext uri="{FF2B5EF4-FFF2-40B4-BE49-F238E27FC236}">
+                <a16:creationId xmlns:a16="http://schemas.microsoft.com/office/drawing/2014/main" id="{408279E5-0A86-4001-AB1F-78DD8123AB8E}"/>
+              </a:ext>
+            </a:extLst>
+          </p:cNvPr>
+          <p:cNvPicPr>
+            <a:picLocks noChangeAspect="1"/>
+          </p:cNvPicPr>
+          <p:nvPr/>
+        </p:nvPicPr>
+        <p:blipFill>
+          <a:blip r:embed="rId4">
+            <a:extLst>
+              <a:ext uri="{28A0092B-C50C-407E-A947-70E740481C1C}">
+                <a14:useLocalDpi xmlns:a14="http://schemas.microsoft.com/office/drawing/2010/main" val="0"/>
+              </a:ext>
+              <a:ext uri="{96DAC541-7B7A-43D3-8B79-37D633B846F1}">
+                <asvg:svgBlip xmlns:asvg="http://schemas.microsoft.com/office/drawing/2016/SVG/main" r:embed="rId5"/>
+              </a:ext>
+            </a:extLst>
+          </a:blip>
+          <a:stretch>
+            <a:fillRect/>
+          </a:stretch>
+        </p:blipFill>
+        <p:spPr>
+          <a:xfrm>
+            <a:off x="7410951" y="2953235"/>
+            <a:ext cx="374746" cy="357770"/>
+          </a:xfrm>
+          <a:prstGeom prst="rect">
+            <a:avLst/>
+          </a:prstGeom>
+        </p:spPr>
+      </p:pic>
+      <p:pic>
+        <p:nvPicPr>
+          <p:cNvPr id="31" name="グラフィックス 30" descr="男性 枠線">
+            <a:extLst>
+              <a:ext uri="{FF2B5EF4-FFF2-40B4-BE49-F238E27FC236}">
+                <a16:creationId xmlns:a16="http://schemas.microsoft.com/office/drawing/2014/main" id="{769824D1-91E0-46EF-81E1-6B5DD112D0E4}"/>
+              </a:ext>
+            </a:extLst>
+          </p:cNvPr>
+          <p:cNvPicPr>
+            <a:picLocks noChangeAspect="1"/>
+          </p:cNvPicPr>
+          <p:nvPr/>
+        </p:nvPicPr>
+        <p:blipFill>
+          <a:blip r:embed="rId4">
+            <a:extLst>
+              <a:ext uri="{28A0092B-C50C-407E-A947-70E740481C1C}">
+                <a14:useLocalDpi xmlns:a14="http://schemas.microsoft.com/office/drawing/2010/main" val="0"/>
+              </a:ext>
+              <a:ext uri="{96DAC541-7B7A-43D3-8B79-37D633B846F1}">
+                <asvg:svgBlip xmlns:asvg="http://schemas.microsoft.com/office/drawing/2016/SVG/main" r:embed="rId5"/>
+              </a:ext>
+            </a:extLst>
+          </a:blip>
+          <a:stretch>
+            <a:fillRect/>
+          </a:stretch>
+        </p:blipFill>
+        <p:spPr>
+          <a:xfrm>
+            <a:off x="7233106" y="3738234"/>
+            <a:ext cx="374746" cy="357770"/>
+          </a:xfrm>
+          <a:prstGeom prst="rect">
+            <a:avLst/>
+          </a:prstGeom>
+        </p:spPr>
+      </p:pic>
+      <p:pic>
+        <p:nvPicPr>
+          <p:cNvPr id="32" name="グラフィックス 31" descr="男性 枠線">
+            <a:extLst>
+              <a:ext uri="{FF2B5EF4-FFF2-40B4-BE49-F238E27FC236}">
+                <a16:creationId xmlns:a16="http://schemas.microsoft.com/office/drawing/2014/main" id="{AC0E9172-3E49-4A2A-8EC0-9BAE6D2EB213}"/>
+              </a:ext>
+            </a:extLst>
+          </p:cNvPr>
+          <p:cNvPicPr>
+            <a:picLocks noChangeAspect="1"/>
+          </p:cNvPicPr>
+          <p:nvPr/>
+        </p:nvPicPr>
+        <p:blipFill>
+          <a:blip r:embed="rId4">
+            <a:extLst>
+              <a:ext uri="{28A0092B-C50C-407E-A947-70E740481C1C}">
+                <a14:useLocalDpi xmlns:a14="http://schemas.microsoft.com/office/drawing/2010/main" val="0"/>
+              </a:ext>
+              <a:ext uri="{96DAC541-7B7A-43D3-8B79-37D633B846F1}">
+                <asvg:svgBlip xmlns:asvg="http://schemas.microsoft.com/office/drawing/2016/SVG/main" r:embed="rId5"/>
+              </a:ext>
+            </a:extLst>
+          </a:blip>
+          <a:stretch>
+            <a:fillRect/>
+          </a:stretch>
+        </p:blipFill>
+        <p:spPr>
+          <a:xfrm>
+            <a:off x="7059093" y="4032467"/>
+            <a:ext cx="374746" cy="357770"/>
+          </a:xfrm>
+          <a:prstGeom prst="rect">
+            <a:avLst/>
+          </a:prstGeom>
+        </p:spPr>
+      </p:pic>
+      <p:pic>
+        <p:nvPicPr>
+          <p:cNvPr id="33" name="グラフィックス 32" descr="男性 枠線">
+            <a:extLst>
+              <a:ext uri="{FF2B5EF4-FFF2-40B4-BE49-F238E27FC236}">
+                <a16:creationId xmlns:a16="http://schemas.microsoft.com/office/drawing/2014/main" id="{DFAFD9A5-D6A0-4070-9076-3D4EC6E3D849}"/>
+              </a:ext>
+            </a:extLst>
+          </p:cNvPr>
+          <p:cNvPicPr>
+            <a:picLocks noChangeAspect="1"/>
+          </p:cNvPicPr>
+          <p:nvPr/>
+        </p:nvPicPr>
+        <p:blipFill>
+          <a:blip r:embed="rId4">
+            <a:extLst>
+              <a:ext uri="{28A0092B-C50C-407E-A947-70E740481C1C}">
+                <a14:useLocalDpi xmlns:a14="http://schemas.microsoft.com/office/drawing/2010/main" val="0"/>
+              </a:ext>
+              <a:ext uri="{96DAC541-7B7A-43D3-8B79-37D633B846F1}">
+                <asvg:svgBlip xmlns:asvg="http://schemas.microsoft.com/office/drawing/2016/SVG/main" r:embed="rId5"/>
+              </a:ext>
+            </a:extLst>
+          </a:blip>
+          <a:stretch>
+            <a:fillRect/>
+          </a:stretch>
+        </p:blipFill>
+        <p:spPr>
+          <a:xfrm>
+            <a:off x="7457196" y="4032467"/>
+            <a:ext cx="374746" cy="357770"/>
+          </a:xfrm>
+          <a:prstGeom prst="rect">
+            <a:avLst/>
+          </a:prstGeom>
+        </p:spPr>
+      </p:pic>
+      <p:sp>
+        <p:nvSpPr>
+          <p:cNvPr id="34" name="四角形: 角を丸くする 33">
+            <a:extLst>
+              <a:ext uri="{FF2B5EF4-FFF2-40B4-BE49-F238E27FC236}">
+                <a16:creationId xmlns:a16="http://schemas.microsoft.com/office/drawing/2014/main" id="{CB9F921E-4A9B-4204-8673-63ADE37B69C6}"/>
+              </a:ext>
+            </a:extLst>
+          </p:cNvPr>
+          <p:cNvSpPr/>
+          <p:nvPr/>
+        </p:nvSpPr>
+        <p:spPr>
+          <a:xfrm>
+            <a:off x="6352036" y="2495331"/>
+            <a:ext cx="1925052" cy="2124795"/>
+          </a:xfrm>
+          <a:prstGeom prst="roundRect">
+            <a:avLst/>
+          </a:prstGeom>
+          <a:noFill/>
+          <a:ln>
+            <a:solidFill>
+              <a:schemeClr val="tx1"/>
+            </a:solidFill>
+          </a:ln>
+        </p:spPr>
+        <p:style>
+          <a:lnRef idx="2">
+            <a:schemeClr val="accent1">
+              <a:shade val="50000"/>
+            </a:schemeClr>
+          </a:lnRef>
+          <a:fillRef idx="1">
+            <a:schemeClr val="accent1"/>
+          </a:fillRef>
+          <a:effectRef idx="0">
+            <a:schemeClr val="accent1"/>
+          </a:effectRef>
+          <a:fontRef idx="minor">
+            <a:schemeClr val="lt1"/>
+          </a:fontRef>
+        </p:style>
+        <p:txBody>
+          <a:bodyPr rtlCol="0" anchor="ctr"/>
+          <a:lstStyle/>
+          <a:p>
+            <a:pPr algn="ctr"/>
+            <a:endParaRPr kumimoji="1" lang="ja-JP" altLang="en-US"/>
+          </a:p>
+        </p:txBody>
+      </p:sp>
+      <p:sp>
+        <p:nvSpPr>
+          <p:cNvPr id="35" name="テキスト ボックス 34">
+            <a:extLst>
+              <a:ext uri="{FF2B5EF4-FFF2-40B4-BE49-F238E27FC236}">
+                <a16:creationId xmlns:a16="http://schemas.microsoft.com/office/drawing/2014/main" id="{8A175CAB-EAF1-4661-AB27-2A0186274AAB}"/>
+              </a:ext>
+            </a:extLst>
+          </p:cNvPr>
+          <p:cNvSpPr txBox="1"/>
+          <p:nvPr/>
+        </p:nvSpPr>
+        <p:spPr>
+          <a:xfrm>
+            <a:off x="5564243" y="4663114"/>
+            <a:ext cx="4068161" cy="646331"/>
+          </a:xfrm>
+          <a:prstGeom prst="rect">
+            <a:avLst/>
+          </a:prstGeom>
+          <a:noFill/>
+        </p:spPr>
+        <p:txBody>
+          <a:bodyPr wrap="square" rtlCol="0">
+            <a:spAutoFit/>
+          </a:bodyPr>
+          <a:lstStyle/>
+          <a:p>
+            <a:r>
+              <a:rPr kumimoji="1" lang="ja-JP" altLang="en-US" dirty="0"/>
+              <a:t>ゲームをした組のプレイヤー全員で</a:t>
+            </a:r>
+            <a:endParaRPr kumimoji="1" lang="en-US" altLang="ja-JP" dirty="0"/>
+          </a:p>
+          <a:p>
+            <a:r>
+              <a:rPr kumimoji="1" lang="ja-JP" altLang="en-US" dirty="0"/>
+              <a:t>振り返り</a:t>
+            </a:r>
+          </a:p>
+        </p:txBody>
+      </p:sp>
+      <p:sp>
+        <p:nvSpPr>
+          <p:cNvPr id="38" name="吹き出し: 角を丸めた四角形 37">
+            <a:extLst>
+              <a:ext uri="{FF2B5EF4-FFF2-40B4-BE49-F238E27FC236}">
+                <a16:creationId xmlns:a16="http://schemas.microsoft.com/office/drawing/2014/main" id="{285EC571-825F-4C31-B27E-175C78B02AE8}"/>
+              </a:ext>
+            </a:extLst>
+          </p:cNvPr>
+          <p:cNvSpPr/>
+          <p:nvPr/>
+        </p:nvSpPr>
+        <p:spPr>
+          <a:xfrm>
+            <a:off x="5476137" y="2435834"/>
+            <a:ext cx="1348175" cy="402053"/>
+          </a:xfrm>
+          <a:prstGeom prst="wedgeRoundRectCallout">
+            <a:avLst>
+              <a:gd name="adj1" fmla="val 35647"/>
+              <a:gd name="adj2" fmla="val 126311"/>
+              <a:gd name="adj3" fmla="val 16667"/>
+            </a:avLst>
+          </a:prstGeom>
+          <a:solidFill>
+            <a:schemeClr val="bg1"/>
+          </a:solidFill>
+          <a:ln>
+            <a:solidFill>
+              <a:schemeClr val="tx1"/>
+            </a:solidFill>
+          </a:ln>
+        </p:spPr>
+        <p:style>
+          <a:lnRef idx="2">
+            <a:schemeClr val="accent1">
+              <a:shade val="50000"/>
+            </a:schemeClr>
+          </a:lnRef>
+          <a:fillRef idx="1">
+            <a:schemeClr val="accent1"/>
+          </a:fillRef>
+          <a:effectRef idx="0">
+            <a:schemeClr val="accent1"/>
+          </a:effectRef>
+          <a:fontRef idx="minor">
+            <a:schemeClr val="lt1"/>
+          </a:fontRef>
+        </p:style>
+        <p:txBody>
+          <a:bodyPr rtlCol="0" anchor="ctr"/>
+          <a:lstStyle/>
+          <a:p>
+            <a:pPr algn="ctr"/>
+            <a:r>
+              <a:rPr kumimoji="1" lang="ja-JP" altLang="en-US" dirty="0">
+                <a:solidFill>
+                  <a:schemeClr val="tx1"/>
+                </a:solidFill>
+              </a:rPr>
+              <a:t>・・・</a:t>
+            </a:r>
+          </a:p>
+        </p:txBody>
+      </p:sp>
+      <p:sp>
+        <p:nvSpPr>
+          <p:cNvPr id="39" name="吹き出し: 角を丸めた四角形 38">
+            <a:extLst>
+              <a:ext uri="{FF2B5EF4-FFF2-40B4-BE49-F238E27FC236}">
+                <a16:creationId xmlns:a16="http://schemas.microsoft.com/office/drawing/2014/main" id="{361B408B-F457-43DC-8A2D-34CE38B00D6A}"/>
+              </a:ext>
+            </a:extLst>
+          </p:cNvPr>
+          <p:cNvSpPr/>
+          <p:nvPr/>
+        </p:nvSpPr>
+        <p:spPr>
+          <a:xfrm>
+            <a:off x="7893767" y="2912944"/>
+            <a:ext cx="1348175" cy="402053"/>
+          </a:xfrm>
+          <a:prstGeom prst="wedgeRoundRectCallout">
+            <a:avLst>
+              <a:gd name="adj1" fmla="val -44315"/>
+              <a:gd name="adj2" fmla="val 169404"/>
+              <a:gd name="adj3" fmla="val 16667"/>
+            </a:avLst>
+          </a:prstGeom>
+          <a:solidFill>
+            <a:schemeClr val="bg1"/>
+          </a:solidFill>
+          <a:ln>
+            <a:solidFill>
+              <a:schemeClr val="tx1"/>
+            </a:solidFill>
+          </a:ln>
+        </p:spPr>
+        <p:style>
+          <a:lnRef idx="2">
+            <a:schemeClr val="accent1">
+              <a:shade val="50000"/>
+            </a:schemeClr>
+          </a:lnRef>
+          <a:fillRef idx="1">
+            <a:schemeClr val="accent1"/>
+          </a:fillRef>
+          <a:effectRef idx="0">
+            <a:schemeClr val="accent1"/>
+          </a:effectRef>
+          <a:fontRef idx="minor">
+            <a:schemeClr val="lt1"/>
+          </a:fontRef>
+        </p:style>
+        <p:txBody>
+          <a:bodyPr rtlCol="0" anchor="ctr"/>
+          <a:lstStyle/>
+          <a:p>
+            <a:pPr algn="ctr"/>
+            <a:r>
+              <a:rPr kumimoji="1" lang="ja-JP" altLang="en-US" dirty="0">
+                <a:solidFill>
+                  <a:schemeClr val="tx1"/>
+                </a:solidFill>
+              </a:rPr>
+              <a:t>・・・</a:t>
+            </a:r>
+          </a:p>
+        </p:txBody>
+      </p:sp>
+    </p:spTree>
+    <p:extLst>
+      <p:ext uri="{BB962C8B-B14F-4D97-AF65-F5344CB8AC3E}">
+        <p14:creationId xmlns:p14="http://schemas.microsoft.com/office/powerpoint/2010/main" val="4010549804"/>
+      </p:ext>
+    </p:extLst>
+  </p:cSld>
+  <p:clrMapOvr>
+    <a:masterClrMapping/>
+  </p:clrMapOvr>
+</p:sld>
+</file>
+
 <file path=ppt/theme/theme1.xml><?xml version="1.0" encoding="utf-8"?>
 <a:theme xmlns:a="http://schemas.openxmlformats.org/drawingml/2006/main" name="Office テーマ">
   <a:themeElements>

--- a/図/図.pptx
+++ b/図/図.pptx
@@ -5,7 +5,7 @@
     <p:sldMasterId id="2147483648" r:id="rId1"/>
   </p:sldMasterIdLst>
   <p:notesMasterIdLst>
-    <p:notesMasterId r:id="rId12"/>
+    <p:notesMasterId r:id="rId19"/>
   </p:notesMasterIdLst>
   <p:sldIdLst>
     <p:sldId id="256" r:id="rId2"/>
@@ -16,8 +16,15 @@
     <p:sldId id="261" r:id="rId7"/>
     <p:sldId id="262" r:id="rId8"/>
     <p:sldId id="264" r:id="rId9"/>
-    <p:sldId id="265" r:id="rId10"/>
-    <p:sldId id="266" r:id="rId11"/>
+    <p:sldId id="267" r:id="rId10"/>
+    <p:sldId id="265" r:id="rId11"/>
+    <p:sldId id="266" r:id="rId12"/>
+    <p:sldId id="268" r:id="rId13"/>
+    <p:sldId id="269" r:id="rId14"/>
+    <p:sldId id="270" r:id="rId15"/>
+    <p:sldId id="271" r:id="rId16"/>
+    <p:sldId id="272" r:id="rId17"/>
+    <p:sldId id="273" r:id="rId18"/>
   </p:sldIdLst>
   <p:sldSz cx="12192000" cy="6858000"/>
   <p:notesSz cx="6858000" cy="9144000"/>
@@ -206,7 +213,7 @@
           <a:p>
             <a:fld id="{34079780-C7F1-44DF-99E8-578EC6F42409}" type="datetimeFigureOut">
               <a:rPr kumimoji="1" lang="ja-JP" altLang="en-US" smtClean="0"/>
-              <a:t>2021/12/7</a:t>
+              <a:t>2021/12/21</a:t>
             </a:fld>
             <a:endParaRPr kumimoji="1" lang="ja-JP" altLang="en-US"/>
           </a:p>
@@ -736,7 +743,7 @@
           <a:p>
             <a:fld id="{CCC89814-3F23-4AB3-AACB-235761780400}" type="datetimeFigureOut">
               <a:rPr kumimoji="1" lang="ja-JP" altLang="en-US" smtClean="0"/>
-              <a:t>2021/12/7</a:t>
+              <a:t>2021/12/21</a:t>
             </a:fld>
             <a:endParaRPr kumimoji="1" lang="ja-JP" altLang="en-US"/>
           </a:p>
@@ -966,7 +973,7 @@
           <a:p>
             <a:fld id="{CCC89814-3F23-4AB3-AACB-235761780400}" type="datetimeFigureOut">
               <a:rPr kumimoji="1" lang="ja-JP" altLang="en-US" smtClean="0"/>
-              <a:t>2021/12/7</a:t>
+              <a:t>2021/12/21</a:t>
             </a:fld>
             <a:endParaRPr kumimoji="1" lang="ja-JP" altLang="en-US"/>
           </a:p>
@@ -1206,7 +1213,7 @@
           <a:p>
             <a:fld id="{CCC89814-3F23-4AB3-AACB-235761780400}" type="datetimeFigureOut">
               <a:rPr kumimoji="1" lang="ja-JP" altLang="en-US" smtClean="0"/>
-              <a:t>2021/12/7</a:t>
+              <a:t>2021/12/21</a:t>
             </a:fld>
             <a:endParaRPr kumimoji="1" lang="ja-JP" altLang="en-US"/>
           </a:p>
@@ -1436,7 +1443,7 @@
           <a:p>
             <a:fld id="{CCC89814-3F23-4AB3-AACB-235761780400}" type="datetimeFigureOut">
               <a:rPr kumimoji="1" lang="ja-JP" altLang="en-US" smtClean="0"/>
-              <a:t>2021/12/7</a:t>
+              <a:t>2021/12/21</a:t>
             </a:fld>
             <a:endParaRPr kumimoji="1" lang="ja-JP" altLang="en-US"/>
           </a:p>
@@ -1711,7 +1718,7 @@
           <a:p>
             <a:fld id="{CCC89814-3F23-4AB3-AACB-235761780400}" type="datetimeFigureOut">
               <a:rPr kumimoji="1" lang="ja-JP" altLang="en-US" smtClean="0"/>
-              <a:t>2021/12/7</a:t>
+              <a:t>2021/12/21</a:t>
             </a:fld>
             <a:endParaRPr kumimoji="1" lang="ja-JP" altLang="en-US"/>
           </a:p>
@@ -2040,7 +2047,7 @@
           <a:p>
             <a:fld id="{CCC89814-3F23-4AB3-AACB-235761780400}" type="datetimeFigureOut">
               <a:rPr kumimoji="1" lang="ja-JP" altLang="en-US" smtClean="0"/>
-              <a:t>2021/12/7</a:t>
+              <a:t>2021/12/21</a:t>
             </a:fld>
             <a:endParaRPr kumimoji="1" lang="ja-JP" altLang="en-US"/>
           </a:p>
@@ -2516,7 +2523,7 @@
           <a:p>
             <a:fld id="{CCC89814-3F23-4AB3-AACB-235761780400}" type="datetimeFigureOut">
               <a:rPr kumimoji="1" lang="ja-JP" altLang="en-US" smtClean="0"/>
-              <a:t>2021/12/7</a:t>
+              <a:t>2021/12/21</a:t>
             </a:fld>
             <a:endParaRPr kumimoji="1" lang="ja-JP" altLang="en-US"/>
           </a:p>
@@ -2657,7 +2664,7 @@
           <a:p>
             <a:fld id="{CCC89814-3F23-4AB3-AACB-235761780400}" type="datetimeFigureOut">
               <a:rPr kumimoji="1" lang="ja-JP" altLang="en-US" smtClean="0"/>
-              <a:t>2021/12/7</a:t>
+              <a:t>2021/12/21</a:t>
             </a:fld>
             <a:endParaRPr kumimoji="1" lang="ja-JP" altLang="en-US"/>
           </a:p>
@@ -2770,7 +2777,7 @@
           <a:p>
             <a:fld id="{CCC89814-3F23-4AB3-AACB-235761780400}" type="datetimeFigureOut">
               <a:rPr kumimoji="1" lang="ja-JP" altLang="en-US" smtClean="0"/>
-              <a:t>2021/12/7</a:t>
+              <a:t>2021/12/21</a:t>
             </a:fld>
             <a:endParaRPr kumimoji="1" lang="ja-JP" altLang="en-US"/>
           </a:p>
@@ -3113,7 +3120,7 @@
           <a:p>
             <a:fld id="{CCC89814-3F23-4AB3-AACB-235761780400}" type="datetimeFigureOut">
               <a:rPr kumimoji="1" lang="ja-JP" altLang="en-US" smtClean="0"/>
-              <a:t>2021/12/7</a:t>
+              <a:t>2021/12/21</a:t>
             </a:fld>
             <a:endParaRPr kumimoji="1" lang="ja-JP" altLang="en-US"/>
           </a:p>
@@ -3401,7 +3408,7 @@
           <a:p>
             <a:fld id="{CCC89814-3F23-4AB3-AACB-235761780400}" type="datetimeFigureOut">
               <a:rPr kumimoji="1" lang="ja-JP" altLang="en-US" smtClean="0"/>
-              <a:t>2021/12/7</a:t>
+              <a:t>2021/12/21</a:t>
             </a:fld>
             <a:endParaRPr kumimoji="1" lang="ja-JP" altLang="en-US"/>
           </a:p>
@@ -3674,7 +3681,7 @@
           <a:p>
             <a:fld id="{CCC89814-3F23-4AB3-AACB-235761780400}" type="datetimeFigureOut">
               <a:rPr kumimoji="1" lang="ja-JP" altLang="en-US" smtClean="0"/>
-              <a:t>2021/12/7</a:t>
+              <a:t>2021/12/21</a:t>
             </a:fld>
             <a:endParaRPr kumimoji="1" lang="ja-JP" altLang="en-US"/>
           </a:p>
@@ -6532,12 +6539,550 @@
           <a:chExt cx="0" cy="0"/>
         </a:xfrm>
       </p:grpSpPr>
-      <p:sp>
-        <p:nvSpPr>
-          <p:cNvPr id="2" name="四角形: 角を丸くする 1">
-            <a:extLst>
-              <a:ext uri="{FF2B5EF4-FFF2-40B4-BE49-F238E27FC236}">
-                <a16:creationId xmlns:a16="http://schemas.microsoft.com/office/drawing/2014/main" id="{558B705A-1364-497D-B6EF-2F9550C145ED}"/>
+      <p:pic>
+        <p:nvPicPr>
+          <p:cNvPr id="2" name="グラフィックス 1" descr="男性 単色塗りつぶし">
+            <a:extLst>
+              <a:ext uri="{FF2B5EF4-FFF2-40B4-BE49-F238E27FC236}">
+                <a16:creationId xmlns:a16="http://schemas.microsoft.com/office/drawing/2014/main" id="{2DDCE847-9078-45B7-AE51-9FC92820C964}"/>
+              </a:ext>
+            </a:extLst>
+          </p:cNvPr>
+          <p:cNvPicPr>
+            <a:picLocks noChangeAspect="1"/>
+          </p:cNvPicPr>
+          <p:nvPr/>
+        </p:nvPicPr>
+        <p:blipFill>
+          <a:blip r:embed="rId2">
+            <a:extLst>
+              <a:ext uri="{28A0092B-C50C-407E-A947-70E740481C1C}">
+                <a14:useLocalDpi xmlns:a14="http://schemas.microsoft.com/office/drawing/2010/main" val="0"/>
+              </a:ext>
+              <a:ext uri="{96DAC541-7B7A-43D3-8B79-37D633B846F1}">
+                <asvg:svgBlip xmlns:asvg="http://schemas.microsoft.com/office/drawing/2016/SVG/main" r:embed="rId3"/>
+              </a:ext>
+            </a:extLst>
+          </a:blip>
+          <a:stretch>
+            <a:fillRect/>
+          </a:stretch>
+        </p:blipFill>
+        <p:spPr>
+          <a:xfrm>
+            <a:off x="1396773" y="3416443"/>
+            <a:ext cx="516760" cy="494386"/>
+          </a:xfrm>
+          <a:prstGeom prst="rect">
+            <a:avLst/>
+          </a:prstGeom>
+        </p:spPr>
+      </p:pic>
+      <p:grpSp>
+        <p:nvGrpSpPr>
+          <p:cNvPr id="3" name="グループ化 2">
+            <a:extLst>
+              <a:ext uri="{FF2B5EF4-FFF2-40B4-BE49-F238E27FC236}">
+                <a16:creationId xmlns:a16="http://schemas.microsoft.com/office/drawing/2014/main" id="{9EA3CC8A-42BF-4332-B645-4676CC577DBD}"/>
+              </a:ext>
+            </a:extLst>
+          </p:cNvPr>
+          <p:cNvGrpSpPr/>
+          <p:nvPr/>
+        </p:nvGrpSpPr>
+        <p:grpSpPr>
+          <a:xfrm>
+            <a:off x="2396691" y="2444157"/>
+            <a:ext cx="796207" cy="788691"/>
+            <a:chOff x="9165797" y="1077991"/>
+            <a:chExt cx="1451411" cy="1440728"/>
+          </a:xfrm>
+        </p:grpSpPr>
+        <p:pic>
+          <p:nvPicPr>
+            <p:cNvPr id="4" name="グラフィックス 3" descr="男性 枠線">
+              <a:extLst>
+                <a:ext uri="{FF2B5EF4-FFF2-40B4-BE49-F238E27FC236}">
+                  <a16:creationId xmlns:a16="http://schemas.microsoft.com/office/drawing/2014/main" id="{D12CA70D-E25B-4446-A414-2C34F8C7EFF5}"/>
+                </a:ext>
+              </a:extLst>
+            </p:cNvPr>
+            <p:cNvPicPr>
+              <a:picLocks noChangeAspect="1"/>
+            </p:cNvPicPr>
+            <p:nvPr/>
+          </p:nvPicPr>
+          <p:blipFill>
+            <a:blip r:embed="rId4">
+              <a:extLst>
+                <a:ext uri="{28A0092B-C50C-407E-A947-70E740481C1C}">
+                  <a14:useLocalDpi xmlns:a14="http://schemas.microsoft.com/office/drawing/2010/main" val="0"/>
+                </a:ext>
+                <a:ext uri="{96DAC541-7B7A-43D3-8B79-37D633B846F1}">
+                  <asvg:svgBlip xmlns:asvg="http://schemas.microsoft.com/office/drawing/2016/SVG/main" r:embed="rId5"/>
+                </a:ext>
+              </a:extLst>
+            </a:blip>
+            <a:stretch>
+              <a:fillRect/>
+            </a:stretch>
+          </p:blipFill>
+          <p:spPr>
+            <a:xfrm>
+              <a:off x="9525586" y="1171473"/>
+              <a:ext cx="683127" cy="653550"/>
+            </a:xfrm>
+            <a:prstGeom prst="rect">
+              <a:avLst/>
+            </a:prstGeom>
+          </p:spPr>
+        </p:pic>
+        <p:pic>
+          <p:nvPicPr>
+            <p:cNvPr id="5" name="グラフィックス 4" descr="男性 枠線">
+              <a:extLst>
+                <a:ext uri="{FF2B5EF4-FFF2-40B4-BE49-F238E27FC236}">
+                  <a16:creationId xmlns:a16="http://schemas.microsoft.com/office/drawing/2014/main" id="{9A0AD282-99F0-4198-BD7F-6D50B1F2807E}"/>
+                </a:ext>
+              </a:extLst>
+            </p:cNvPr>
+            <p:cNvPicPr>
+              <a:picLocks noChangeAspect="1"/>
+            </p:cNvPicPr>
+            <p:nvPr/>
+          </p:nvPicPr>
+          <p:blipFill>
+            <a:blip r:embed="rId4">
+              <a:extLst>
+                <a:ext uri="{28A0092B-C50C-407E-A947-70E740481C1C}">
+                  <a14:useLocalDpi xmlns:a14="http://schemas.microsoft.com/office/drawing/2010/main" val="0"/>
+                </a:ext>
+                <a:ext uri="{96DAC541-7B7A-43D3-8B79-37D633B846F1}">
+                  <asvg:svgBlip xmlns:asvg="http://schemas.microsoft.com/office/drawing/2016/SVG/main" r:embed="rId5"/>
+                </a:ext>
+              </a:extLst>
+            </a:blip>
+            <a:stretch>
+              <a:fillRect/>
+            </a:stretch>
+          </p:blipFill>
+          <p:spPr>
+            <a:xfrm>
+              <a:off x="9208376" y="1708958"/>
+              <a:ext cx="683127" cy="653550"/>
+            </a:xfrm>
+            <a:prstGeom prst="rect">
+              <a:avLst/>
+            </a:prstGeom>
+          </p:spPr>
+        </p:pic>
+        <p:pic>
+          <p:nvPicPr>
+            <p:cNvPr id="6" name="グラフィックス 5" descr="男性 枠線">
+              <a:extLst>
+                <a:ext uri="{FF2B5EF4-FFF2-40B4-BE49-F238E27FC236}">
+                  <a16:creationId xmlns:a16="http://schemas.microsoft.com/office/drawing/2014/main" id="{45E25934-62D8-4DC9-A8F5-59E7E84B47E6}"/>
+                </a:ext>
+              </a:extLst>
+            </p:cNvPr>
+            <p:cNvPicPr>
+              <a:picLocks noChangeAspect="1"/>
+            </p:cNvPicPr>
+            <p:nvPr/>
+          </p:nvPicPr>
+          <p:blipFill>
+            <a:blip r:embed="rId4">
+              <a:extLst>
+                <a:ext uri="{28A0092B-C50C-407E-A947-70E740481C1C}">
+                  <a14:useLocalDpi xmlns:a14="http://schemas.microsoft.com/office/drawing/2010/main" val="0"/>
+                </a:ext>
+                <a:ext uri="{96DAC541-7B7A-43D3-8B79-37D633B846F1}">
+                  <asvg:svgBlip xmlns:asvg="http://schemas.microsoft.com/office/drawing/2016/SVG/main" r:embed="rId5"/>
+                </a:ext>
+              </a:extLst>
+            </a:blip>
+            <a:stretch>
+              <a:fillRect/>
+            </a:stretch>
+          </p:blipFill>
+          <p:spPr>
+            <a:xfrm>
+              <a:off x="9934081" y="1708958"/>
+              <a:ext cx="683127" cy="653550"/>
+            </a:xfrm>
+            <a:prstGeom prst="rect">
+              <a:avLst/>
+            </a:prstGeom>
+          </p:spPr>
+        </p:pic>
+        <p:sp>
+          <p:nvSpPr>
+            <p:cNvPr id="7" name="楕円 6">
+              <a:extLst>
+                <a:ext uri="{FF2B5EF4-FFF2-40B4-BE49-F238E27FC236}">
+                  <a16:creationId xmlns:a16="http://schemas.microsoft.com/office/drawing/2014/main" id="{6FE73F0F-BD5E-4463-B317-7B7F66508C11}"/>
+                </a:ext>
+              </a:extLst>
+            </p:cNvPr>
+            <p:cNvSpPr/>
+            <p:nvPr/>
+          </p:nvSpPr>
+          <p:spPr>
+            <a:xfrm>
+              <a:off x="9165797" y="1077991"/>
+              <a:ext cx="1442300" cy="1440728"/>
+            </a:xfrm>
+            <a:prstGeom prst="ellipse">
+              <a:avLst/>
+            </a:prstGeom>
+            <a:noFill/>
+          </p:spPr>
+          <p:style>
+            <a:lnRef idx="2">
+              <a:schemeClr val="accent1">
+                <a:shade val="50000"/>
+              </a:schemeClr>
+            </a:lnRef>
+            <a:fillRef idx="1">
+              <a:schemeClr val="accent1"/>
+            </a:fillRef>
+            <a:effectRef idx="0">
+              <a:schemeClr val="accent1"/>
+            </a:effectRef>
+            <a:fontRef idx="minor">
+              <a:schemeClr val="lt1"/>
+            </a:fontRef>
+          </p:style>
+          <p:txBody>
+            <a:bodyPr rtlCol="0" anchor="ctr"/>
+            <a:lstStyle/>
+            <a:p>
+              <a:pPr algn="ctr"/>
+              <a:endParaRPr kumimoji="1" lang="ja-JP" altLang="en-US"/>
+            </a:p>
+          </p:txBody>
+        </p:sp>
+      </p:grpSp>
+      <p:grpSp>
+        <p:nvGrpSpPr>
+          <p:cNvPr id="8" name="グループ化 7">
+            <a:extLst>
+              <a:ext uri="{FF2B5EF4-FFF2-40B4-BE49-F238E27FC236}">
+                <a16:creationId xmlns:a16="http://schemas.microsoft.com/office/drawing/2014/main" id="{078EC7E4-9962-41BC-9BC4-9A9AFA087C55}"/>
+              </a:ext>
+            </a:extLst>
+          </p:cNvPr>
+          <p:cNvGrpSpPr/>
+          <p:nvPr/>
+        </p:nvGrpSpPr>
+        <p:grpSpPr>
+          <a:xfrm>
+            <a:off x="2425226" y="3747158"/>
+            <a:ext cx="796207" cy="788691"/>
+            <a:chOff x="9165797" y="1077991"/>
+            <a:chExt cx="1451411" cy="1440728"/>
+          </a:xfrm>
+        </p:grpSpPr>
+        <p:pic>
+          <p:nvPicPr>
+            <p:cNvPr id="9" name="グラフィックス 8" descr="男性 枠線">
+              <a:extLst>
+                <a:ext uri="{FF2B5EF4-FFF2-40B4-BE49-F238E27FC236}">
+                  <a16:creationId xmlns:a16="http://schemas.microsoft.com/office/drawing/2014/main" id="{F7EC6C5E-AC43-49C4-AF4E-2BC05C8DBE6A}"/>
+                </a:ext>
+              </a:extLst>
+            </p:cNvPr>
+            <p:cNvPicPr>
+              <a:picLocks noChangeAspect="1"/>
+            </p:cNvPicPr>
+            <p:nvPr/>
+          </p:nvPicPr>
+          <p:blipFill>
+            <a:blip r:embed="rId4">
+              <a:extLst>
+                <a:ext uri="{28A0092B-C50C-407E-A947-70E740481C1C}">
+                  <a14:useLocalDpi xmlns:a14="http://schemas.microsoft.com/office/drawing/2010/main" val="0"/>
+                </a:ext>
+                <a:ext uri="{96DAC541-7B7A-43D3-8B79-37D633B846F1}">
+                  <asvg:svgBlip xmlns:asvg="http://schemas.microsoft.com/office/drawing/2016/SVG/main" r:embed="rId5"/>
+                </a:ext>
+              </a:extLst>
+            </a:blip>
+            <a:stretch>
+              <a:fillRect/>
+            </a:stretch>
+          </p:blipFill>
+          <p:spPr>
+            <a:xfrm>
+              <a:off x="9525586" y="1171473"/>
+              <a:ext cx="683127" cy="653550"/>
+            </a:xfrm>
+            <a:prstGeom prst="rect">
+              <a:avLst/>
+            </a:prstGeom>
+          </p:spPr>
+        </p:pic>
+        <p:pic>
+          <p:nvPicPr>
+            <p:cNvPr id="10" name="グラフィックス 9" descr="男性 枠線">
+              <a:extLst>
+                <a:ext uri="{FF2B5EF4-FFF2-40B4-BE49-F238E27FC236}">
+                  <a16:creationId xmlns:a16="http://schemas.microsoft.com/office/drawing/2014/main" id="{BBF16DC1-0AC4-416D-8FAD-8EA673AC978E}"/>
+                </a:ext>
+              </a:extLst>
+            </p:cNvPr>
+            <p:cNvPicPr>
+              <a:picLocks noChangeAspect="1"/>
+            </p:cNvPicPr>
+            <p:nvPr/>
+          </p:nvPicPr>
+          <p:blipFill>
+            <a:blip r:embed="rId4">
+              <a:extLst>
+                <a:ext uri="{28A0092B-C50C-407E-A947-70E740481C1C}">
+                  <a14:useLocalDpi xmlns:a14="http://schemas.microsoft.com/office/drawing/2010/main" val="0"/>
+                </a:ext>
+                <a:ext uri="{96DAC541-7B7A-43D3-8B79-37D633B846F1}">
+                  <asvg:svgBlip xmlns:asvg="http://schemas.microsoft.com/office/drawing/2016/SVG/main" r:embed="rId5"/>
+                </a:ext>
+              </a:extLst>
+            </a:blip>
+            <a:stretch>
+              <a:fillRect/>
+            </a:stretch>
+          </p:blipFill>
+          <p:spPr>
+            <a:xfrm>
+              <a:off x="9208376" y="1708958"/>
+              <a:ext cx="683127" cy="653550"/>
+            </a:xfrm>
+            <a:prstGeom prst="rect">
+              <a:avLst/>
+            </a:prstGeom>
+          </p:spPr>
+        </p:pic>
+        <p:pic>
+          <p:nvPicPr>
+            <p:cNvPr id="11" name="グラフィックス 10" descr="男性 枠線">
+              <a:extLst>
+                <a:ext uri="{FF2B5EF4-FFF2-40B4-BE49-F238E27FC236}">
+                  <a16:creationId xmlns:a16="http://schemas.microsoft.com/office/drawing/2014/main" id="{7D6C7F2B-AC7F-410F-B822-DFA83E603D56}"/>
+                </a:ext>
+              </a:extLst>
+            </p:cNvPr>
+            <p:cNvPicPr>
+              <a:picLocks noChangeAspect="1"/>
+            </p:cNvPicPr>
+            <p:nvPr/>
+          </p:nvPicPr>
+          <p:blipFill>
+            <a:blip r:embed="rId4">
+              <a:extLst>
+                <a:ext uri="{28A0092B-C50C-407E-A947-70E740481C1C}">
+                  <a14:useLocalDpi xmlns:a14="http://schemas.microsoft.com/office/drawing/2010/main" val="0"/>
+                </a:ext>
+                <a:ext uri="{96DAC541-7B7A-43D3-8B79-37D633B846F1}">
+                  <asvg:svgBlip xmlns:asvg="http://schemas.microsoft.com/office/drawing/2016/SVG/main" r:embed="rId5"/>
+                </a:ext>
+              </a:extLst>
+            </a:blip>
+            <a:stretch>
+              <a:fillRect/>
+            </a:stretch>
+          </p:blipFill>
+          <p:spPr>
+            <a:xfrm>
+              <a:off x="9934081" y="1708958"/>
+              <a:ext cx="683127" cy="653550"/>
+            </a:xfrm>
+            <a:prstGeom prst="rect">
+              <a:avLst/>
+            </a:prstGeom>
+          </p:spPr>
+        </p:pic>
+        <p:sp>
+          <p:nvSpPr>
+            <p:cNvPr id="12" name="楕円 11">
+              <a:extLst>
+                <a:ext uri="{FF2B5EF4-FFF2-40B4-BE49-F238E27FC236}">
+                  <a16:creationId xmlns:a16="http://schemas.microsoft.com/office/drawing/2014/main" id="{BC73B21B-016C-48BD-A969-5AAD6BB6CED0}"/>
+                </a:ext>
+              </a:extLst>
+            </p:cNvPr>
+            <p:cNvSpPr/>
+            <p:nvPr/>
+          </p:nvSpPr>
+          <p:spPr>
+            <a:xfrm>
+              <a:off x="9165797" y="1077991"/>
+              <a:ext cx="1442300" cy="1440728"/>
+            </a:xfrm>
+            <a:prstGeom prst="ellipse">
+              <a:avLst/>
+            </a:prstGeom>
+            <a:noFill/>
+          </p:spPr>
+          <p:style>
+            <a:lnRef idx="2">
+              <a:schemeClr val="accent1">
+                <a:shade val="50000"/>
+              </a:schemeClr>
+            </a:lnRef>
+            <a:fillRef idx="1">
+              <a:schemeClr val="accent1"/>
+            </a:fillRef>
+            <a:effectRef idx="0">
+              <a:schemeClr val="accent1"/>
+            </a:effectRef>
+            <a:fontRef idx="minor">
+              <a:schemeClr val="lt1"/>
+            </a:fontRef>
+          </p:style>
+          <p:txBody>
+            <a:bodyPr rtlCol="0" anchor="ctr"/>
+            <a:lstStyle/>
+            <a:p>
+              <a:pPr algn="ctr"/>
+              <a:endParaRPr kumimoji="1" lang="ja-JP" altLang="en-US"/>
+            </a:p>
+          </p:txBody>
+        </p:sp>
+      </p:grpSp>
+      <p:sp>
+        <p:nvSpPr>
+          <p:cNvPr id="13" name="テキスト ボックス 12">
+            <a:extLst>
+              <a:ext uri="{FF2B5EF4-FFF2-40B4-BE49-F238E27FC236}">
+                <a16:creationId xmlns:a16="http://schemas.microsoft.com/office/drawing/2014/main" id="{CECCCF29-93B3-4BAC-967B-6E29F5D94714}"/>
+              </a:ext>
+            </a:extLst>
+          </p:cNvPr>
+          <p:cNvSpPr txBox="1"/>
+          <p:nvPr/>
+        </p:nvSpPr>
+        <p:spPr>
+          <a:xfrm>
+            <a:off x="3276968" y="2909682"/>
+            <a:ext cx="1457661" cy="646331"/>
+          </a:xfrm>
+          <a:prstGeom prst="rect">
+            <a:avLst/>
+          </a:prstGeom>
+          <a:noFill/>
+        </p:spPr>
+        <p:txBody>
+          <a:bodyPr wrap="square" rtlCol="0">
+            <a:spAutoFit/>
+          </a:bodyPr>
+          <a:lstStyle/>
+          <a:p>
+            <a:r>
+              <a:rPr kumimoji="1" lang="ja-JP" altLang="en-US" dirty="0"/>
+              <a:t>受け手</a:t>
+            </a:r>
+            <a:endParaRPr kumimoji="1" lang="en-US" altLang="ja-JP" dirty="0"/>
+          </a:p>
+          <a:p>
+            <a:r>
+              <a:rPr kumimoji="1" lang="ja-JP" altLang="en-US" dirty="0"/>
+              <a:t>グループ</a:t>
+            </a:r>
+            <a:r>
+              <a:rPr kumimoji="1" lang="en-US" altLang="ja-JP" dirty="0"/>
+              <a:t>A</a:t>
+            </a:r>
+            <a:endParaRPr kumimoji="1" lang="ja-JP" altLang="en-US" dirty="0"/>
+          </a:p>
+        </p:txBody>
+      </p:sp>
+      <p:sp>
+        <p:nvSpPr>
+          <p:cNvPr id="14" name="テキスト ボックス 13">
+            <a:extLst>
+              <a:ext uri="{FF2B5EF4-FFF2-40B4-BE49-F238E27FC236}">
+                <a16:creationId xmlns:a16="http://schemas.microsoft.com/office/drawing/2014/main" id="{EC4EEC30-9A40-4249-B4F5-5E938070075F}"/>
+              </a:ext>
+            </a:extLst>
+          </p:cNvPr>
+          <p:cNvSpPr txBox="1"/>
+          <p:nvPr/>
+        </p:nvSpPr>
+        <p:spPr>
+          <a:xfrm>
+            <a:off x="3276968" y="4141503"/>
+            <a:ext cx="1781837" cy="646331"/>
+          </a:xfrm>
+          <a:prstGeom prst="rect">
+            <a:avLst/>
+          </a:prstGeom>
+          <a:noFill/>
+        </p:spPr>
+        <p:txBody>
+          <a:bodyPr wrap="square" rtlCol="0">
+            <a:spAutoFit/>
+          </a:bodyPr>
+          <a:lstStyle/>
+          <a:p>
+            <a:r>
+              <a:rPr kumimoji="1" lang="ja-JP" altLang="en-US" dirty="0"/>
+              <a:t>受け手</a:t>
+            </a:r>
+            <a:endParaRPr kumimoji="1" lang="en-US" altLang="ja-JP" dirty="0"/>
+          </a:p>
+          <a:p>
+            <a:r>
+              <a:rPr kumimoji="1" lang="ja-JP" altLang="en-US" dirty="0"/>
+              <a:t>グループ</a:t>
+            </a:r>
+            <a:r>
+              <a:rPr kumimoji="1" lang="en-US" altLang="ja-JP" dirty="0"/>
+              <a:t>B</a:t>
+            </a:r>
+            <a:endParaRPr kumimoji="1" lang="ja-JP" altLang="en-US" dirty="0"/>
+          </a:p>
+        </p:txBody>
+      </p:sp>
+      <p:sp>
+        <p:nvSpPr>
+          <p:cNvPr id="15" name="テキスト ボックス 14">
+            <a:extLst>
+              <a:ext uri="{FF2B5EF4-FFF2-40B4-BE49-F238E27FC236}">
+                <a16:creationId xmlns:a16="http://schemas.microsoft.com/office/drawing/2014/main" id="{00B3D59A-68E1-47EB-BFDC-858E4D366936}"/>
+              </a:ext>
+            </a:extLst>
+          </p:cNvPr>
+          <p:cNvSpPr txBox="1"/>
+          <p:nvPr/>
+        </p:nvSpPr>
+        <p:spPr>
+          <a:xfrm>
+            <a:off x="727578" y="4047681"/>
+            <a:ext cx="966398" cy="369332"/>
+          </a:xfrm>
+          <a:prstGeom prst="rect">
+            <a:avLst/>
+          </a:prstGeom>
+          <a:noFill/>
+        </p:spPr>
+        <p:txBody>
+          <a:bodyPr wrap="square" rtlCol="0">
+            <a:spAutoFit/>
+          </a:bodyPr>
+          <a:lstStyle/>
+          <a:p>
+            <a:r>
+              <a:rPr kumimoji="1" lang="ja-JP" altLang="en-US" dirty="0"/>
+              <a:t>出品者</a:t>
+            </a:r>
+          </a:p>
+        </p:txBody>
+      </p:sp>
+      <p:sp>
+        <p:nvSpPr>
+          <p:cNvPr id="18" name="矢印: 右 17">
+            <a:extLst>
+              <a:ext uri="{FF2B5EF4-FFF2-40B4-BE49-F238E27FC236}">
+                <a16:creationId xmlns:a16="http://schemas.microsoft.com/office/drawing/2014/main" id="{187ABD5F-E367-4D14-94BB-9BD80374EA5E}"/>
               </a:ext>
             </a:extLst>
           </p:cNvPr>
@@ -6546,18 +7091,12 @@
         </p:nvSpPr>
         <p:spPr>
           <a:xfrm>
-            <a:off x="475357" y="801027"/>
-            <a:ext cx="2258211" cy="663865"/>
-          </a:xfrm>
-          <a:prstGeom prst="roundRect">
-            <a:avLst/>
-          </a:prstGeom>
-          <a:noFill/>
-          <a:ln>
-            <a:solidFill>
-              <a:schemeClr val="tx1"/>
-            </a:solidFill>
-          </a:ln>
+            <a:off x="4976261" y="3429000"/>
+            <a:ext cx="972152" cy="494386"/>
+          </a:xfrm>
+          <a:prstGeom prst="rightArrow">
+            <a:avLst/>
+          </a:prstGeom>
         </p:spPr>
         <p:style>
           <a:lnRef idx="2">
@@ -6580,63 +7119,289 @@
           <a:lstStyle/>
           <a:p>
             <a:pPr algn="ctr"/>
-            <a:r>
-              <a:rPr kumimoji="1" lang="en-US" altLang="ja-JP" dirty="0">
-                <a:solidFill>
-                  <a:schemeClr val="tx1"/>
-                </a:solidFill>
-              </a:rPr>
-              <a:t>12</a:t>
-            </a:r>
-            <a:r>
-              <a:rPr kumimoji="1" lang="ja-JP" altLang="en-US" dirty="0">
-                <a:solidFill>
-                  <a:schemeClr val="tx1"/>
-                </a:solidFill>
-              </a:rPr>
-              <a:t>月</a:t>
-            </a:r>
-            <a:r>
-              <a:rPr kumimoji="1" lang="en-US" altLang="ja-JP" dirty="0">
-                <a:solidFill>
-                  <a:schemeClr val="tx1"/>
-                </a:solidFill>
-              </a:rPr>
-              <a:t>20</a:t>
-            </a:r>
-            <a:r>
-              <a:rPr kumimoji="1" lang="ja-JP" altLang="en-US" dirty="0">
-                <a:solidFill>
-                  <a:schemeClr val="tx1"/>
-                </a:solidFill>
-              </a:rPr>
-              <a:t>日</a:t>
-            </a:r>
-            <a:endParaRPr kumimoji="1" lang="en-US" altLang="ja-JP" dirty="0">
-              <a:solidFill>
-                <a:schemeClr val="tx1"/>
-              </a:solidFill>
-            </a:endParaRPr>
-          </a:p>
-          <a:p>
-            <a:pPr algn="ctr"/>
-            <a:r>
-              <a:rPr kumimoji="1" lang="ja-JP" altLang="en-US" dirty="0">
-                <a:solidFill>
-                  <a:schemeClr val="tx1"/>
-                </a:solidFill>
-              </a:rPr>
-              <a:t>事前説明</a:t>
-            </a:r>
-          </a:p>
-        </p:txBody>
-      </p:sp>
-      <p:sp>
-        <p:nvSpPr>
-          <p:cNvPr id="4" name="正方形/長方形 3">
-            <a:extLst>
-              <a:ext uri="{FF2B5EF4-FFF2-40B4-BE49-F238E27FC236}">
-                <a16:creationId xmlns:a16="http://schemas.microsoft.com/office/drawing/2014/main" id="{E76B1713-56C3-4C6B-95AD-0E80993FE589}"/>
+            <a:endParaRPr kumimoji="1" lang="ja-JP" altLang="en-US"/>
+          </a:p>
+        </p:txBody>
+      </p:sp>
+      <p:pic>
+        <p:nvPicPr>
+          <p:cNvPr id="19" name="グラフィックス 18" descr="男性 単色塗りつぶし">
+            <a:extLst>
+              <a:ext uri="{FF2B5EF4-FFF2-40B4-BE49-F238E27FC236}">
+                <a16:creationId xmlns:a16="http://schemas.microsoft.com/office/drawing/2014/main" id="{5DF9E0A5-2912-4938-B115-8868E348D117}"/>
+              </a:ext>
+            </a:extLst>
+          </p:cNvPr>
+          <p:cNvPicPr>
+            <a:picLocks noChangeAspect="1"/>
+          </p:cNvPicPr>
+          <p:nvPr/>
+        </p:nvPicPr>
+        <p:blipFill>
+          <a:blip r:embed="rId2">
+            <a:extLst>
+              <a:ext uri="{28A0092B-C50C-407E-A947-70E740481C1C}">
+                <a14:useLocalDpi xmlns:a14="http://schemas.microsoft.com/office/drawing/2010/main" val="0"/>
+              </a:ext>
+              <a:ext uri="{96DAC541-7B7A-43D3-8B79-37D633B846F1}">
+                <asvg:svgBlip xmlns:asvg="http://schemas.microsoft.com/office/drawing/2016/SVG/main" r:embed="rId3"/>
+              </a:ext>
+            </a:extLst>
+          </a:blip>
+          <a:stretch>
+            <a:fillRect/>
+          </a:stretch>
+        </p:blipFill>
+        <p:spPr>
+          <a:xfrm>
+            <a:off x="6772138" y="3380463"/>
+            <a:ext cx="373962" cy="357771"/>
+          </a:xfrm>
+          <a:prstGeom prst="rect">
+            <a:avLst/>
+          </a:prstGeom>
+        </p:spPr>
+      </p:pic>
+      <p:pic>
+        <p:nvPicPr>
+          <p:cNvPr id="21" name="グラフィックス 20" descr="男性 枠線">
+            <a:extLst>
+              <a:ext uri="{FF2B5EF4-FFF2-40B4-BE49-F238E27FC236}">
+                <a16:creationId xmlns:a16="http://schemas.microsoft.com/office/drawing/2014/main" id="{292855FF-CED5-41E2-A784-B589467F6AD6}"/>
+              </a:ext>
+            </a:extLst>
+          </p:cNvPr>
+          <p:cNvPicPr>
+            <a:picLocks noChangeAspect="1"/>
+          </p:cNvPicPr>
+          <p:nvPr/>
+        </p:nvPicPr>
+        <p:blipFill>
+          <a:blip r:embed="rId4">
+            <a:extLst>
+              <a:ext uri="{28A0092B-C50C-407E-A947-70E740481C1C}">
+                <a14:useLocalDpi xmlns:a14="http://schemas.microsoft.com/office/drawing/2010/main" val="0"/>
+              </a:ext>
+              <a:ext uri="{96DAC541-7B7A-43D3-8B79-37D633B846F1}">
+                <asvg:svgBlip xmlns:asvg="http://schemas.microsoft.com/office/drawing/2016/SVG/main" r:embed="rId5"/>
+              </a:ext>
+            </a:extLst>
+          </a:blip>
+          <a:stretch>
+            <a:fillRect/>
+          </a:stretch>
+        </p:blipFill>
+        <p:spPr>
+          <a:xfrm>
+            <a:off x="7186861" y="2659002"/>
+            <a:ext cx="374746" cy="357770"/>
+          </a:xfrm>
+          <a:prstGeom prst="rect">
+            <a:avLst/>
+          </a:prstGeom>
+        </p:spPr>
+      </p:pic>
+      <p:pic>
+        <p:nvPicPr>
+          <p:cNvPr id="22" name="グラフィックス 21" descr="男性 枠線">
+            <a:extLst>
+              <a:ext uri="{FF2B5EF4-FFF2-40B4-BE49-F238E27FC236}">
+                <a16:creationId xmlns:a16="http://schemas.microsoft.com/office/drawing/2014/main" id="{59C93AD6-096F-4929-AFA7-4785C77DB7AC}"/>
+              </a:ext>
+            </a:extLst>
+          </p:cNvPr>
+          <p:cNvPicPr>
+            <a:picLocks noChangeAspect="1"/>
+          </p:cNvPicPr>
+          <p:nvPr/>
+        </p:nvPicPr>
+        <p:blipFill>
+          <a:blip r:embed="rId4">
+            <a:extLst>
+              <a:ext uri="{28A0092B-C50C-407E-A947-70E740481C1C}">
+                <a14:useLocalDpi xmlns:a14="http://schemas.microsoft.com/office/drawing/2010/main" val="0"/>
+              </a:ext>
+              <a:ext uri="{96DAC541-7B7A-43D3-8B79-37D633B846F1}">
+                <asvg:svgBlip xmlns:asvg="http://schemas.microsoft.com/office/drawing/2016/SVG/main" r:embed="rId5"/>
+              </a:ext>
+            </a:extLst>
+          </a:blip>
+          <a:stretch>
+            <a:fillRect/>
+          </a:stretch>
+        </p:blipFill>
+        <p:spPr>
+          <a:xfrm>
+            <a:off x="7012848" y="2953235"/>
+            <a:ext cx="374746" cy="357770"/>
+          </a:xfrm>
+          <a:prstGeom prst="rect">
+            <a:avLst/>
+          </a:prstGeom>
+        </p:spPr>
+      </p:pic>
+      <p:pic>
+        <p:nvPicPr>
+          <p:cNvPr id="23" name="グラフィックス 22" descr="男性 枠線">
+            <a:extLst>
+              <a:ext uri="{FF2B5EF4-FFF2-40B4-BE49-F238E27FC236}">
+                <a16:creationId xmlns:a16="http://schemas.microsoft.com/office/drawing/2014/main" id="{408279E5-0A86-4001-AB1F-78DD8123AB8E}"/>
+              </a:ext>
+            </a:extLst>
+          </p:cNvPr>
+          <p:cNvPicPr>
+            <a:picLocks noChangeAspect="1"/>
+          </p:cNvPicPr>
+          <p:nvPr/>
+        </p:nvPicPr>
+        <p:blipFill>
+          <a:blip r:embed="rId4">
+            <a:extLst>
+              <a:ext uri="{28A0092B-C50C-407E-A947-70E740481C1C}">
+                <a14:useLocalDpi xmlns:a14="http://schemas.microsoft.com/office/drawing/2010/main" val="0"/>
+              </a:ext>
+              <a:ext uri="{96DAC541-7B7A-43D3-8B79-37D633B846F1}">
+                <asvg:svgBlip xmlns:asvg="http://schemas.microsoft.com/office/drawing/2016/SVG/main" r:embed="rId5"/>
+              </a:ext>
+            </a:extLst>
+          </a:blip>
+          <a:stretch>
+            <a:fillRect/>
+          </a:stretch>
+        </p:blipFill>
+        <p:spPr>
+          <a:xfrm>
+            <a:off x="7410951" y="2953235"/>
+            <a:ext cx="374746" cy="357770"/>
+          </a:xfrm>
+          <a:prstGeom prst="rect">
+            <a:avLst/>
+          </a:prstGeom>
+        </p:spPr>
+      </p:pic>
+      <p:pic>
+        <p:nvPicPr>
+          <p:cNvPr id="31" name="グラフィックス 30" descr="男性 枠線">
+            <a:extLst>
+              <a:ext uri="{FF2B5EF4-FFF2-40B4-BE49-F238E27FC236}">
+                <a16:creationId xmlns:a16="http://schemas.microsoft.com/office/drawing/2014/main" id="{769824D1-91E0-46EF-81E1-6B5DD112D0E4}"/>
+              </a:ext>
+            </a:extLst>
+          </p:cNvPr>
+          <p:cNvPicPr>
+            <a:picLocks noChangeAspect="1"/>
+          </p:cNvPicPr>
+          <p:nvPr/>
+        </p:nvPicPr>
+        <p:blipFill>
+          <a:blip r:embed="rId4">
+            <a:extLst>
+              <a:ext uri="{28A0092B-C50C-407E-A947-70E740481C1C}">
+                <a14:useLocalDpi xmlns:a14="http://schemas.microsoft.com/office/drawing/2010/main" val="0"/>
+              </a:ext>
+              <a:ext uri="{96DAC541-7B7A-43D3-8B79-37D633B846F1}">
+                <asvg:svgBlip xmlns:asvg="http://schemas.microsoft.com/office/drawing/2016/SVG/main" r:embed="rId5"/>
+              </a:ext>
+            </a:extLst>
+          </a:blip>
+          <a:stretch>
+            <a:fillRect/>
+          </a:stretch>
+        </p:blipFill>
+        <p:spPr>
+          <a:xfrm>
+            <a:off x="7233106" y="3738234"/>
+            <a:ext cx="374746" cy="357770"/>
+          </a:xfrm>
+          <a:prstGeom prst="rect">
+            <a:avLst/>
+          </a:prstGeom>
+        </p:spPr>
+      </p:pic>
+      <p:pic>
+        <p:nvPicPr>
+          <p:cNvPr id="32" name="グラフィックス 31" descr="男性 枠線">
+            <a:extLst>
+              <a:ext uri="{FF2B5EF4-FFF2-40B4-BE49-F238E27FC236}">
+                <a16:creationId xmlns:a16="http://schemas.microsoft.com/office/drawing/2014/main" id="{AC0E9172-3E49-4A2A-8EC0-9BAE6D2EB213}"/>
+              </a:ext>
+            </a:extLst>
+          </p:cNvPr>
+          <p:cNvPicPr>
+            <a:picLocks noChangeAspect="1"/>
+          </p:cNvPicPr>
+          <p:nvPr/>
+        </p:nvPicPr>
+        <p:blipFill>
+          <a:blip r:embed="rId4">
+            <a:extLst>
+              <a:ext uri="{28A0092B-C50C-407E-A947-70E740481C1C}">
+                <a14:useLocalDpi xmlns:a14="http://schemas.microsoft.com/office/drawing/2010/main" val="0"/>
+              </a:ext>
+              <a:ext uri="{96DAC541-7B7A-43D3-8B79-37D633B846F1}">
+                <asvg:svgBlip xmlns:asvg="http://schemas.microsoft.com/office/drawing/2016/SVG/main" r:embed="rId5"/>
+              </a:ext>
+            </a:extLst>
+          </a:blip>
+          <a:stretch>
+            <a:fillRect/>
+          </a:stretch>
+        </p:blipFill>
+        <p:spPr>
+          <a:xfrm>
+            <a:off x="7059093" y="4032467"/>
+            <a:ext cx="374746" cy="357770"/>
+          </a:xfrm>
+          <a:prstGeom prst="rect">
+            <a:avLst/>
+          </a:prstGeom>
+        </p:spPr>
+      </p:pic>
+      <p:pic>
+        <p:nvPicPr>
+          <p:cNvPr id="33" name="グラフィックス 32" descr="男性 枠線">
+            <a:extLst>
+              <a:ext uri="{FF2B5EF4-FFF2-40B4-BE49-F238E27FC236}">
+                <a16:creationId xmlns:a16="http://schemas.microsoft.com/office/drawing/2014/main" id="{DFAFD9A5-D6A0-4070-9076-3D4EC6E3D849}"/>
+              </a:ext>
+            </a:extLst>
+          </p:cNvPr>
+          <p:cNvPicPr>
+            <a:picLocks noChangeAspect="1"/>
+          </p:cNvPicPr>
+          <p:nvPr/>
+        </p:nvPicPr>
+        <p:blipFill>
+          <a:blip r:embed="rId4">
+            <a:extLst>
+              <a:ext uri="{28A0092B-C50C-407E-A947-70E740481C1C}">
+                <a14:useLocalDpi xmlns:a14="http://schemas.microsoft.com/office/drawing/2010/main" val="0"/>
+              </a:ext>
+              <a:ext uri="{96DAC541-7B7A-43D3-8B79-37D633B846F1}">
+                <asvg:svgBlip xmlns:asvg="http://schemas.microsoft.com/office/drawing/2016/SVG/main" r:embed="rId5"/>
+              </a:ext>
+            </a:extLst>
+          </a:blip>
+          <a:stretch>
+            <a:fillRect/>
+          </a:stretch>
+        </p:blipFill>
+        <p:spPr>
+          <a:xfrm>
+            <a:off x="7457196" y="4032467"/>
+            <a:ext cx="374746" cy="357770"/>
+          </a:xfrm>
+          <a:prstGeom prst="rect">
+            <a:avLst/>
+          </a:prstGeom>
+        </p:spPr>
+      </p:pic>
+      <p:sp>
+        <p:nvSpPr>
+          <p:cNvPr id="34" name="四角形: 角を丸くする 33">
+            <a:extLst>
+              <a:ext uri="{FF2B5EF4-FFF2-40B4-BE49-F238E27FC236}">
+                <a16:creationId xmlns:a16="http://schemas.microsoft.com/office/drawing/2014/main" id="{CB9F921E-4A9B-4204-8673-63ADE37B69C6}"/>
               </a:ext>
             </a:extLst>
           </p:cNvPr>
@@ -6645,10 +7410,10 @@
         </p:nvSpPr>
         <p:spPr>
           <a:xfrm>
-            <a:off x="3565823" y="1261867"/>
-            <a:ext cx="2505194" cy="567559"/>
-          </a:xfrm>
-          <a:prstGeom prst="rect">
+            <a:off x="6352036" y="2495331"/>
+            <a:ext cx="1925052" cy="2124795"/>
+          </a:xfrm>
+          <a:prstGeom prst="roundRect">
             <a:avLst/>
           </a:prstGeom>
           <a:noFill/>
@@ -6679,52 +7444,58 @@
           <a:lstStyle/>
           <a:p>
             <a:pPr algn="ctr"/>
-            <a:r>
-              <a:rPr kumimoji="1" lang="en-US" altLang="ja-JP" dirty="0">
-                <a:solidFill>
-                  <a:schemeClr val="tx1"/>
-                </a:solidFill>
-              </a:rPr>
-              <a:t>12</a:t>
-            </a:r>
-            <a:r>
-              <a:rPr kumimoji="1" lang="ja-JP" altLang="en-US" dirty="0">
-                <a:solidFill>
-                  <a:schemeClr val="tx1"/>
-                </a:solidFill>
-              </a:rPr>
-              <a:t>月中</a:t>
-            </a:r>
-            <a:endParaRPr kumimoji="1" lang="en-US" altLang="ja-JP" dirty="0">
-              <a:solidFill>
-                <a:schemeClr val="tx1"/>
-              </a:solidFill>
-            </a:endParaRPr>
-          </a:p>
-          <a:p>
-            <a:pPr algn="ctr"/>
-            <a:r>
-              <a:rPr kumimoji="1" lang="ja-JP" altLang="en-US" dirty="0">
-                <a:solidFill>
-                  <a:schemeClr val="tx1"/>
-                </a:solidFill>
-              </a:rPr>
-              <a:t>役割の割り当て通知</a:t>
-            </a:r>
-            <a:endParaRPr kumimoji="1" lang="en-US" altLang="ja-JP" dirty="0">
-              <a:solidFill>
-                <a:schemeClr val="tx1"/>
-              </a:solidFill>
-            </a:endParaRPr>
-          </a:p>
-        </p:txBody>
-      </p:sp>
-      <p:sp>
-        <p:nvSpPr>
-          <p:cNvPr id="5" name="正方形/長方形 4">
-            <a:extLst>
-              <a:ext uri="{FF2B5EF4-FFF2-40B4-BE49-F238E27FC236}">
-                <a16:creationId xmlns:a16="http://schemas.microsoft.com/office/drawing/2014/main" id="{A485B531-577B-4EC5-9B24-127E282535E0}"/>
+            <a:endParaRPr kumimoji="1" lang="ja-JP" altLang="en-US"/>
+          </a:p>
+        </p:txBody>
+      </p:sp>
+      <p:sp>
+        <p:nvSpPr>
+          <p:cNvPr id="35" name="テキスト ボックス 34">
+            <a:extLst>
+              <a:ext uri="{FF2B5EF4-FFF2-40B4-BE49-F238E27FC236}">
+                <a16:creationId xmlns:a16="http://schemas.microsoft.com/office/drawing/2014/main" id="{8A175CAB-EAF1-4661-AB27-2A0186274AAB}"/>
+              </a:ext>
+            </a:extLst>
+          </p:cNvPr>
+          <p:cNvSpPr txBox="1"/>
+          <p:nvPr/>
+        </p:nvSpPr>
+        <p:spPr>
+          <a:xfrm>
+            <a:off x="5564243" y="4663114"/>
+            <a:ext cx="4068161" cy="646331"/>
+          </a:xfrm>
+          <a:prstGeom prst="rect">
+            <a:avLst/>
+          </a:prstGeom>
+          <a:noFill/>
+        </p:spPr>
+        <p:txBody>
+          <a:bodyPr wrap="square" rtlCol="0">
+            <a:spAutoFit/>
+          </a:bodyPr>
+          <a:lstStyle/>
+          <a:p>
+            <a:r>
+              <a:rPr kumimoji="1" lang="ja-JP" altLang="en-US" dirty="0"/>
+              <a:t>ゲームをした組のプレイヤー全員で</a:t>
+            </a:r>
+            <a:endParaRPr kumimoji="1" lang="en-US" altLang="ja-JP" dirty="0"/>
+          </a:p>
+          <a:p>
+            <a:r>
+              <a:rPr kumimoji="1" lang="ja-JP" altLang="en-US" dirty="0"/>
+              <a:t>振り返り</a:t>
+            </a:r>
+          </a:p>
+        </p:txBody>
+      </p:sp>
+      <p:sp>
+        <p:nvSpPr>
+          <p:cNvPr id="38" name="吹き出し: 角を丸めた四角形 37">
+            <a:extLst>
+              <a:ext uri="{FF2B5EF4-FFF2-40B4-BE49-F238E27FC236}">
+                <a16:creationId xmlns:a16="http://schemas.microsoft.com/office/drawing/2014/main" id="{285EC571-825F-4C31-B27E-175C78B02AE8}"/>
               </a:ext>
             </a:extLst>
           </p:cNvPr>
@@ -6733,13 +7504,19 @@
         </p:nvSpPr>
         <p:spPr>
           <a:xfrm>
-            <a:off x="475357" y="3583151"/>
-            <a:ext cx="2259724" cy="670385"/>
-          </a:xfrm>
-          <a:prstGeom prst="rect">
-            <a:avLst/>
-          </a:prstGeom>
-          <a:noFill/>
+            <a:off x="5476137" y="2435834"/>
+            <a:ext cx="1348175" cy="402053"/>
+          </a:xfrm>
+          <a:prstGeom prst="wedgeRoundRectCallout">
+            <a:avLst>
+              <a:gd name="adj1" fmla="val 35647"/>
+              <a:gd name="adj2" fmla="val 126311"/>
+              <a:gd name="adj3" fmla="val 16667"/>
+            </a:avLst>
+          </a:prstGeom>
+          <a:solidFill>
+            <a:schemeClr val="bg1"/>
+          </a:solidFill>
           <a:ln>
             <a:solidFill>
               <a:schemeClr val="tx1"/>
@@ -6768,89 +7545,22 @@
           <a:p>
             <a:pPr algn="ctr"/>
             <a:r>
-              <a:rPr kumimoji="1" lang="en-US" altLang="ja-JP" dirty="0">
-                <a:solidFill>
-                  <a:schemeClr val="tx1"/>
-                </a:solidFill>
-              </a:rPr>
-              <a:t>1</a:t>
-            </a:r>
-            <a:r>
               <a:rPr kumimoji="1" lang="ja-JP" altLang="en-US" dirty="0">
                 <a:solidFill>
                   <a:schemeClr val="tx1"/>
                 </a:solidFill>
               </a:rPr>
-              <a:t>月</a:t>
-            </a:r>
-            <a:r>
-              <a:rPr kumimoji="1" lang="en-US" altLang="ja-JP" dirty="0">
-                <a:solidFill>
-                  <a:schemeClr val="tx1"/>
-                </a:solidFill>
-              </a:rPr>
-              <a:t>17</a:t>
-            </a:r>
-            <a:r>
-              <a:rPr kumimoji="1" lang="ja-JP" altLang="en-US" dirty="0">
-                <a:solidFill>
-                  <a:schemeClr val="tx1"/>
-                </a:solidFill>
-              </a:rPr>
-              <a:t>・</a:t>
-            </a:r>
-            <a:r>
-              <a:rPr kumimoji="1" lang="en-US" altLang="ja-JP" dirty="0">
-                <a:solidFill>
-                  <a:schemeClr val="tx1"/>
-                </a:solidFill>
-              </a:rPr>
-              <a:t>24</a:t>
-            </a:r>
-            <a:r>
-              <a:rPr kumimoji="1" lang="ja-JP" altLang="en-US" dirty="0">
-                <a:solidFill>
-                  <a:schemeClr val="tx1"/>
-                </a:solidFill>
-              </a:rPr>
-              <a:t>日</a:t>
-            </a:r>
-            <a:r>
-              <a:rPr kumimoji="1" lang="en-US" altLang="ja-JP" dirty="0">
-                <a:solidFill>
-                  <a:schemeClr val="tx1"/>
-                </a:solidFill>
-              </a:rPr>
-              <a:t> </a:t>
-            </a:r>
-          </a:p>
-          <a:p>
-            <a:pPr algn="ctr"/>
-            <a:r>
-              <a:rPr kumimoji="1" lang="en-US" altLang="ja-JP" dirty="0">
-                <a:solidFill>
-                  <a:schemeClr val="tx1"/>
-                </a:solidFill>
-              </a:rPr>
-              <a:t>BAZAAR</a:t>
-            </a:r>
-            <a:r>
-              <a:rPr kumimoji="1" lang="ja-JP" altLang="en-US" dirty="0">
-                <a:solidFill>
-                  <a:schemeClr val="tx1"/>
-                </a:solidFill>
-              </a:rPr>
-              <a:t>プレイ</a:t>
-            </a:r>
-          </a:p>
-        </p:txBody>
-      </p:sp>
-      <p:sp>
-        <p:nvSpPr>
-          <p:cNvPr id="6" name="正方形/長方形 5">
-            <a:extLst>
-              <a:ext uri="{FF2B5EF4-FFF2-40B4-BE49-F238E27FC236}">
-                <a16:creationId xmlns:a16="http://schemas.microsoft.com/office/drawing/2014/main" id="{39A7A118-BF13-4D17-B588-B3D73A466BF7}"/>
+              <a:t>・・・？</a:t>
+            </a:r>
+          </a:p>
+        </p:txBody>
+      </p:sp>
+      <p:sp>
+        <p:nvSpPr>
+          <p:cNvPr id="39" name="吹き出し: 角を丸めた四角形 38">
+            <a:extLst>
+              <a:ext uri="{FF2B5EF4-FFF2-40B4-BE49-F238E27FC236}">
+                <a16:creationId xmlns:a16="http://schemas.microsoft.com/office/drawing/2014/main" id="{361B408B-F457-43DC-8A2D-34CE38B00D6A}"/>
               </a:ext>
             </a:extLst>
           </p:cNvPr>
@@ -6859,13 +7569,19 @@
         </p:nvSpPr>
         <p:spPr>
           <a:xfrm>
-            <a:off x="475357" y="4618069"/>
-            <a:ext cx="2259724" cy="567559"/>
-          </a:xfrm>
-          <a:prstGeom prst="rect">
-            <a:avLst/>
-          </a:prstGeom>
-          <a:noFill/>
+            <a:off x="7893767" y="2912944"/>
+            <a:ext cx="1348175" cy="402053"/>
+          </a:xfrm>
+          <a:prstGeom prst="wedgeRoundRectCallout">
+            <a:avLst>
+              <a:gd name="adj1" fmla="val -44315"/>
+              <a:gd name="adj2" fmla="val 169404"/>
+              <a:gd name="adj3" fmla="val 16667"/>
+            </a:avLst>
+          </a:prstGeom>
+          <a:solidFill>
+            <a:schemeClr val="bg1"/>
+          </a:solidFill>
           <a:ln>
             <a:solidFill>
               <a:schemeClr val="tx1"/>
@@ -6894,6 +7610,95 @@
           <a:p>
             <a:pPr algn="ctr"/>
             <a:r>
+              <a:rPr kumimoji="1" lang="ja-JP" altLang="en-US" dirty="0">
+                <a:solidFill>
+                  <a:schemeClr val="tx1"/>
+                </a:solidFill>
+              </a:rPr>
+              <a:t>・・・！</a:t>
+            </a:r>
+          </a:p>
+        </p:txBody>
+      </p:sp>
+    </p:spTree>
+    <p:extLst>
+      <p:ext uri="{BB962C8B-B14F-4D97-AF65-F5344CB8AC3E}">
+        <p14:creationId xmlns:p14="http://schemas.microsoft.com/office/powerpoint/2010/main" val="4010549804"/>
+      </p:ext>
+    </p:extLst>
+  </p:cSld>
+  <p:clrMapOvr>
+    <a:masterClrMapping/>
+  </p:clrMapOvr>
+</p:sld>
+</file>
+
+<file path=ppt/slides/slide11.xml><?xml version="1.0" encoding="utf-8"?>
+<p:sld xmlns:a="http://schemas.openxmlformats.org/drawingml/2006/main" xmlns:r="http://schemas.openxmlformats.org/officeDocument/2006/relationships" xmlns:p="http://schemas.openxmlformats.org/presentationml/2006/main">
+  <p:cSld>
+    <p:spTree>
+      <p:nvGrpSpPr>
+        <p:cNvPr id="1" name=""/>
+        <p:cNvGrpSpPr/>
+        <p:nvPr/>
+      </p:nvGrpSpPr>
+      <p:grpSpPr>
+        <a:xfrm>
+          <a:off x="0" y="0"/>
+          <a:ext cx="0" cy="0"/>
+          <a:chOff x="0" y="0"/>
+          <a:chExt cx="0" cy="0"/>
+        </a:xfrm>
+      </p:grpSpPr>
+      <p:sp>
+        <p:nvSpPr>
+          <p:cNvPr id="2" name="四角形: 角を丸くする 1">
+            <a:extLst>
+              <a:ext uri="{FF2B5EF4-FFF2-40B4-BE49-F238E27FC236}">
+                <a16:creationId xmlns:a16="http://schemas.microsoft.com/office/drawing/2014/main" id="{558B705A-1364-497D-B6EF-2F9550C145ED}"/>
+              </a:ext>
+            </a:extLst>
+          </p:cNvPr>
+          <p:cNvSpPr/>
+          <p:nvPr/>
+        </p:nvSpPr>
+        <p:spPr>
+          <a:xfrm>
+            <a:off x="475357" y="801027"/>
+            <a:ext cx="2258211" cy="663865"/>
+          </a:xfrm>
+          <a:prstGeom prst="roundRect">
+            <a:avLst/>
+          </a:prstGeom>
+          <a:noFill/>
+          <a:ln>
+            <a:solidFill>
+              <a:schemeClr val="tx1"/>
+            </a:solidFill>
+          </a:ln>
+        </p:spPr>
+        <p:style>
+          <a:lnRef idx="2">
+            <a:schemeClr val="accent1">
+              <a:shade val="50000"/>
+            </a:schemeClr>
+          </a:lnRef>
+          <a:fillRef idx="1">
+            <a:schemeClr val="accent1"/>
+          </a:fillRef>
+          <a:effectRef idx="0">
+            <a:schemeClr val="accent1"/>
+          </a:effectRef>
+          <a:fontRef idx="minor">
+            <a:schemeClr val="lt1"/>
+          </a:fontRef>
+        </p:style>
+        <p:txBody>
+          <a:bodyPr rtlCol="0" anchor="ctr"/>
+          <a:lstStyle/>
+          <a:p>
+            <a:pPr algn="ctr"/>
+            <a:r>
               <a:rPr kumimoji="1" lang="en-US" altLang="ja-JP" dirty="0">
                 <a:solidFill>
                   <a:schemeClr val="tx1"/>
@@ -6915,7 +7720,364 @@
                   <a:schemeClr val="tx1"/>
                 </a:solidFill>
               </a:rPr>
+              <a:t>17</a:t>
+            </a:r>
+            <a:r>
+              <a:rPr kumimoji="1" lang="ja-JP" altLang="en-US" dirty="0">
+                <a:solidFill>
+                  <a:schemeClr val="tx1"/>
+                </a:solidFill>
+              </a:rPr>
+              <a:t>日</a:t>
+            </a:r>
+            <a:endParaRPr kumimoji="1" lang="en-US" altLang="ja-JP" dirty="0">
+              <a:solidFill>
+                <a:schemeClr val="tx1"/>
+              </a:solidFill>
+            </a:endParaRPr>
+          </a:p>
+          <a:p>
+            <a:pPr algn="ctr"/>
+            <a:r>
+              <a:rPr kumimoji="1" lang="ja-JP" altLang="en-US" dirty="0">
+                <a:solidFill>
+                  <a:schemeClr val="tx1"/>
+                </a:solidFill>
+              </a:rPr>
+              <a:t>事前説明</a:t>
+            </a:r>
+          </a:p>
+        </p:txBody>
+      </p:sp>
+      <p:sp>
+        <p:nvSpPr>
+          <p:cNvPr id="4" name="正方形/長方形 3">
+            <a:extLst>
+              <a:ext uri="{FF2B5EF4-FFF2-40B4-BE49-F238E27FC236}">
+                <a16:creationId xmlns:a16="http://schemas.microsoft.com/office/drawing/2014/main" id="{E76B1713-56C3-4C6B-95AD-0E80993FE589}"/>
+              </a:ext>
+            </a:extLst>
+          </p:cNvPr>
+          <p:cNvSpPr/>
+          <p:nvPr/>
+        </p:nvSpPr>
+        <p:spPr>
+          <a:xfrm>
+            <a:off x="3565822" y="1261867"/>
+            <a:ext cx="3807251" cy="1562356"/>
+          </a:xfrm>
+          <a:prstGeom prst="rect">
+            <a:avLst/>
+          </a:prstGeom>
+          <a:noFill/>
+          <a:ln>
+            <a:solidFill>
+              <a:schemeClr val="tx1"/>
+            </a:solidFill>
+          </a:ln>
+        </p:spPr>
+        <p:style>
+          <a:lnRef idx="2">
+            <a:schemeClr val="accent1">
+              <a:shade val="50000"/>
+            </a:schemeClr>
+          </a:lnRef>
+          <a:fillRef idx="1">
+            <a:schemeClr val="accent1"/>
+          </a:fillRef>
+          <a:effectRef idx="0">
+            <a:schemeClr val="accent1"/>
+          </a:effectRef>
+          <a:fontRef idx="minor">
+            <a:schemeClr val="lt1"/>
+          </a:fontRef>
+        </p:style>
+        <p:txBody>
+          <a:bodyPr rtlCol="0" anchor="ctr"/>
+          <a:lstStyle/>
+          <a:p>
+            <a:r>
+              <a:rPr kumimoji="1" lang="en-US" altLang="ja-JP" dirty="0">
+                <a:solidFill>
+                  <a:schemeClr val="tx1"/>
+                </a:solidFill>
+              </a:rPr>
+              <a:t>1</a:t>
+            </a:r>
+            <a:r>
+              <a:rPr kumimoji="1" lang="ja-JP" altLang="en-US" dirty="0">
+                <a:solidFill>
+                  <a:schemeClr val="tx1"/>
+                </a:solidFill>
+              </a:rPr>
+              <a:t>～</a:t>
+            </a:r>
+            <a:r>
+              <a:rPr kumimoji="1" lang="en-US" altLang="ja-JP" dirty="0">
+                <a:solidFill>
+                  <a:schemeClr val="tx1"/>
+                </a:solidFill>
+              </a:rPr>
+              <a:t>2</a:t>
+            </a:r>
+            <a:r>
+              <a:rPr kumimoji="1" lang="ja-JP" altLang="en-US" dirty="0">
+                <a:solidFill>
+                  <a:schemeClr val="tx1"/>
+                </a:solidFill>
+              </a:rPr>
+              <a:t>日以内</a:t>
+            </a:r>
+            <a:endParaRPr kumimoji="1" lang="en-US" altLang="ja-JP" dirty="0">
+              <a:solidFill>
+                <a:schemeClr val="tx1"/>
+              </a:solidFill>
+            </a:endParaRPr>
+          </a:p>
+          <a:p>
+            <a:r>
+              <a:rPr kumimoji="1" lang="ja-JP" altLang="en-US" dirty="0">
+                <a:solidFill>
+                  <a:schemeClr val="tx1"/>
+                </a:solidFill>
+              </a:rPr>
+              <a:t>・役割の割り当て通知</a:t>
+            </a:r>
+            <a:endParaRPr kumimoji="1" lang="en-US" altLang="ja-JP" dirty="0">
+              <a:solidFill>
+                <a:schemeClr val="tx1"/>
+              </a:solidFill>
+            </a:endParaRPr>
+          </a:p>
+          <a:p>
+            <a:r>
+              <a:rPr kumimoji="1" lang="ja-JP" altLang="en-US" dirty="0">
+                <a:solidFill>
+                  <a:schemeClr val="tx1"/>
+                </a:solidFill>
+              </a:rPr>
+              <a:t>・ゲームマニュアル送付</a:t>
+            </a:r>
+            <a:endParaRPr kumimoji="1" lang="en-US" altLang="ja-JP" dirty="0">
+              <a:solidFill>
+                <a:schemeClr val="tx1"/>
+              </a:solidFill>
+            </a:endParaRPr>
+          </a:p>
+          <a:p>
+            <a:r>
+              <a:rPr kumimoji="1" lang="ja-JP" altLang="en-US" dirty="0">
+                <a:solidFill>
+                  <a:schemeClr val="tx1"/>
+                </a:solidFill>
+              </a:rPr>
+              <a:t>・出品者に物語作成課題割り当て</a:t>
+            </a:r>
+            <a:endParaRPr kumimoji="1" lang="en-US" altLang="ja-JP" dirty="0">
+              <a:solidFill>
+                <a:schemeClr val="tx1"/>
+              </a:solidFill>
+            </a:endParaRPr>
+          </a:p>
+        </p:txBody>
+      </p:sp>
+      <p:sp>
+        <p:nvSpPr>
+          <p:cNvPr id="5" name="正方形/長方形 4">
+            <a:extLst>
+              <a:ext uri="{FF2B5EF4-FFF2-40B4-BE49-F238E27FC236}">
+                <a16:creationId xmlns:a16="http://schemas.microsoft.com/office/drawing/2014/main" id="{A485B531-577B-4EC5-9B24-127E282535E0}"/>
+              </a:ext>
+            </a:extLst>
+          </p:cNvPr>
+          <p:cNvSpPr/>
+          <p:nvPr/>
+        </p:nvSpPr>
+        <p:spPr>
+          <a:xfrm>
+            <a:off x="475357" y="3583151"/>
+            <a:ext cx="2259724" cy="670385"/>
+          </a:xfrm>
+          <a:prstGeom prst="rect">
+            <a:avLst/>
+          </a:prstGeom>
+          <a:noFill/>
+          <a:ln>
+            <a:solidFill>
+              <a:schemeClr val="tx1"/>
+            </a:solidFill>
+          </a:ln>
+        </p:spPr>
+        <p:style>
+          <a:lnRef idx="2">
+            <a:schemeClr val="accent1">
+              <a:shade val="50000"/>
+            </a:schemeClr>
+          </a:lnRef>
+          <a:fillRef idx="1">
+            <a:schemeClr val="accent1"/>
+          </a:fillRef>
+          <a:effectRef idx="0">
+            <a:schemeClr val="accent1"/>
+          </a:effectRef>
+          <a:fontRef idx="minor">
+            <a:schemeClr val="lt1"/>
+          </a:fontRef>
+        </p:style>
+        <p:txBody>
+          <a:bodyPr rtlCol="0" anchor="ctr"/>
+          <a:lstStyle/>
+          <a:p>
+            <a:pPr algn="ctr"/>
+            <a:r>
+              <a:rPr kumimoji="1" lang="en-US" altLang="ja-JP" dirty="0">
+                <a:solidFill>
+                  <a:schemeClr val="tx1"/>
+                </a:solidFill>
+              </a:rPr>
+              <a:t>1</a:t>
+            </a:r>
+            <a:r>
+              <a:rPr kumimoji="1" lang="ja-JP" altLang="en-US" dirty="0">
+                <a:solidFill>
+                  <a:schemeClr val="tx1"/>
+                </a:solidFill>
+              </a:rPr>
+              <a:t>月</a:t>
+            </a:r>
+            <a:r>
+              <a:rPr kumimoji="1" lang="en-US" altLang="ja-JP" dirty="0">
+                <a:solidFill>
+                  <a:schemeClr val="tx1"/>
+                </a:solidFill>
+              </a:rPr>
+              <a:t>24</a:t>
+            </a:r>
+            <a:r>
+              <a:rPr kumimoji="1" lang="ja-JP" altLang="en-US" dirty="0">
+                <a:solidFill>
+                  <a:schemeClr val="tx1"/>
+                </a:solidFill>
+              </a:rPr>
+              <a:t>・</a:t>
+            </a:r>
+            <a:r>
+              <a:rPr kumimoji="1" lang="en-US" altLang="ja-JP" dirty="0">
+                <a:solidFill>
+                  <a:schemeClr val="tx1"/>
+                </a:solidFill>
+              </a:rPr>
               <a:t>31</a:t>
+            </a:r>
+            <a:r>
+              <a:rPr kumimoji="1" lang="ja-JP" altLang="en-US" dirty="0">
+                <a:solidFill>
+                  <a:schemeClr val="tx1"/>
+                </a:solidFill>
+              </a:rPr>
+              <a:t>日</a:t>
+            </a:r>
+            <a:r>
+              <a:rPr kumimoji="1" lang="en-US" altLang="ja-JP" dirty="0">
+                <a:solidFill>
+                  <a:schemeClr val="tx1"/>
+                </a:solidFill>
+              </a:rPr>
+              <a:t> </a:t>
+            </a:r>
+          </a:p>
+          <a:p>
+            <a:pPr algn="ctr"/>
+            <a:r>
+              <a:rPr kumimoji="1" lang="en-US" altLang="ja-JP" dirty="0">
+                <a:solidFill>
+                  <a:schemeClr val="tx1"/>
+                </a:solidFill>
+              </a:rPr>
+              <a:t>BAZAAR</a:t>
+            </a:r>
+            <a:r>
+              <a:rPr kumimoji="1" lang="ja-JP" altLang="en-US" dirty="0">
+                <a:solidFill>
+                  <a:schemeClr val="tx1"/>
+                </a:solidFill>
+              </a:rPr>
+              <a:t>プレイ</a:t>
+            </a:r>
+          </a:p>
+        </p:txBody>
+      </p:sp>
+      <p:sp>
+        <p:nvSpPr>
+          <p:cNvPr id="6" name="正方形/長方形 5">
+            <a:extLst>
+              <a:ext uri="{FF2B5EF4-FFF2-40B4-BE49-F238E27FC236}">
+                <a16:creationId xmlns:a16="http://schemas.microsoft.com/office/drawing/2014/main" id="{39A7A118-BF13-4D17-B588-B3D73A466BF7}"/>
+              </a:ext>
+            </a:extLst>
+          </p:cNvPr>
+          <p:cNvSpPr/>
+          <p:nvPr/>
+        </p:nvSpPr>
+        <p:spPr>
+          <a:xfrm>
+            <a:off x="475357" y="4618069"/>
+            <a:ext cx="2259724" cy="567559"/>
+          </a:xfrm>
+          <a:prstGeom prst="rect">
+            <a:avLst/>
+          </a:prstGeom>
+          <a:noFill/>
+          <a:ln>
+            <a:solidFill>
+              <a:schemeClr val="tx1"/>
+            </a:solidFill>
+          </a:ln>
+        </p:spPr>
+        <p:style>
+          <a:lnRef idx="2">
+            <a:schemeClr val="accent1">
+              <a:shade val="50000"/>
+            </a:schemeClr>
+          </a:lnRef>
+          <a:fillRef idx="1">
+            <a:schemeClr val="accent1"/>
+          </a:fillRef>
+          <a:effectRef idx="0">
+            <a:schemeClr val="accent1"/>
+          </a:effectRef>
+          <a:fontRef idx="minor">
+            <a:schemeClr val="lt1"/>
+          </a:fontRef>
+        </p:style>
+        <p:txBody>
+          <a:bodyPr rtlCol="0" anchor="ctr"/>
+          <a:lstStyle/>
+          <a:p>
+            <a:pPr algn="ctr"/>
+            <a:r>
+              <a:rPr kumimoji="1" lang="en-US" altLang="ja-JP" dirty="0">
+                <a:solidFill>
+                  <a:schemeClr val="tx1"/>
+                </a:solidFill>
+              </a:rPr>
+              <a:t>2</a:t>
+            </a:r>
+            <a:r>
+              <a:rPr kumimoji="1" lang="ja-JP" altLang="en-US" dirty="0">
+                <a:solidFill>
+                  <a:schemeClr val="tx1"/>
+                </a:solidFill>
+              </a:rPr>
+              <a:t>月</a:t>
+            </a:r>
+            <a:r>
+              <a:rPr kumimoji="1" lang="en-US" altLang="ja-JP" dirty="0">
+                <a:solidFill>
+                  <a:schemeClr val="tx1"/>
+                </a:solidFill>
+              </a:rPr>
+              <a:t>8</a:t>
             </a:r>
             <a:r>
               <a:rPr kumimoji="1" lang="ja-JP" altLang="en-US" dirty="0">
@@ -7058,10 +8220,10 @@
       </p:sp>
       <p:sp>
         <p:nvSpPr>
-          <p:cNvPr id="11" name="正方形/長方形 10">
-            <a:extLst>
-              <a:ext uri="{FF2B5EF4-FFF2-40B4-BE49-F238E27FC236}">
-                <a16:creationId xmlns:a16="http://schemas.microsoft.com/office/drawing/2014/main" id="{AAD6A0B5-C758-44E1-8BEB-917D084BAF0D}"/>
+          <p:cNvPr id="12" name="四角形: 角を丸くする 11">
+            <a:extLst>
+              <a:ext uri="{FF2B5EF4-FFF2-40B4-BE49-F238E27FC236}">
+                <a16:creationId xmlns:a16="http://schemas.microsoft.com/office/drawing/2014/main" id="{CE2C5949-AB4D-41EB-9549-E8C548F89CC4}"/>
               </a:ext>
             </a:extLst>
           </p:cNvPr>
@@ -7070,17 +8232,15 @@
         </p:nvSpPr>
         <p:spPr>
           <a:xfrm>
-            <a:off x="3131004" y="2195763"/>
-            <a:ext cx="3702932" cy="1063208"/>
-          </a:xfrm>
-          <a:prstGeom prst="rect">
+            <a:off x="475357" y="253245"/>
+            <a:ext cx="2091977" cy="413951"/>
+          </a:xfrm>
+          <a:prstGeom prst="roundRect">
             <a:avLst/>
           </a:prstGeom>
           <a:noFill/>
           <a:ln>
-            <a:solidFill>
-              <a:schemeClr val="tx1"/>
-            </a:solidFill>
+            <a:noFill/>
           </a:ln>
         </p:spPr>
         <p:style>
@@ -7110,7 +8270,7 @@
                   <a:schemeClr val="tx1"/>
                 </a:solidFill>
               </a:rPr>
-              <a:t>1</a:t>
+              <a:t>【</a:t>
             </a:r>
             <a:r>
               <a:rPr kumimoji="1" lang="ja-JP" altLang="en-US" dirty="0">
@@ -7118,7 +8278,7 @@
                   <a:schemeClr val="tx1"/>
                 </a:solidFill>
               </a:rPr>
-              <a:t>月</a:t>
+              <a:t>教室で実施</a:t>
             </a:r>
             <a:r>
               <a:rPr kumimoji="1" lang="en-US" altLang="ja-JP" dirty="0">
@@ -7126,55 +8286,22 @@
                   <a:schemeClr val="tx1"/>
                 </a:solidFill>
               </a:rPr>
-              <a:t>10</a:t>
-            </a:r>
-            <a:r>
-              <a:rPr kumimoji="1" lang="ja-JP" altLang="en-US" dirty="0">
-                <a:solidFill>
-                  <a:schemeClr val="tx1"/>
-                </a:solidFill>
-              </a:rPr>
-              <a:t>日ごろまで</a:t>
-            </a:r>
-            <a:endParaRPr kumimoji="1" lang="en-US" altLang="ja-JP" dirty="0">
+              <a:t>】</a:t>
+            </a:r>
+            <a:endParaRPr kumimoji="1" lang="ja-JP" altLang="en-US" dirty="0">
               <a:solidFill>
                 <a:schemeClr val="tx1"/>
               </a:solidFill>
             </a:endParaRPr>
           </a:p>
-          <a:p>
-            <a:r>
-              <a:rPr kumimoji="1" lang="ja-JP" altLang="en-US" dirty="0">
-                <a:solidFill>
-                  <a:schemeClr val="tx1"/>
-                </a:solidFill>
-              </a:rPr>
-              <a:t>・ゲームマニュアル送付</a:t>
-            </a:r>
-            <a:endParaRPr kumimoji="1" lang="en-US" altLang="ja-JP" dirty="0">
-              <a:solidFill>
-                <a:schemeClr val="tx1"/>
-              </a:solidFill>
-            </a:endParaRPr>
-          </a:p>
-          <a:p>
-            <a:r>
-              <a:rPr kumimoji="1" lang="ja-JP" altLang="en-US" dirty="0">
-                <a:solidFill>
-                  <a:schemeClr val="tx1"/>
-                </a:solidFill>
-              </a:rPr>
-              <a:t>・出品者に物語作成課題割り当て</a:t>
-            </a:r>
-          </a:p>
-        </p:txBody>
-      </p:sp>
-      <p:sp>
-        <p:nvSpPr>
-          <p:cNvPr id="12" name="四角形: 角を丸くする 11">
-            <a:extLst>
-              <a:ext uri="{FF2B5EF4-FFF2-40B4-BE49-F238E27FC236}">
-                <a16:creationId xmlns:a16="http://schemas.microsoft.com/office/drawing/2014/main" id="{CE2C5949-AB4D-41EB-9549-E8C548F89CC4}"/>
+        </p:txBody>
+      </p:sp>
+      <p:sp>
+        <p:nvSpPr>
+          <p:cNvPr id="13" name="四角形: 角を丸くする 12">
+            <a:extLst>
+              <a:ext uri="{FF2B5EF4-FFF2-40B4-BE49-F238E27FC236}">
+                <a16:creationId xmlns:a16="http://schemas.microsoft.com/office/drawing/2014/main" id="{88A838E0-6C25-467F-A0DC-C0C0AAEB1217}"/>
               </a:ext>
             </a:extLst>
           </p:cNvPr>
@@ -7183,7 +8310,7 @@
         </p:nvSpPr>
         <p:spPr>
           <a:xfrm>
-            <a:off x="475357" y="253245"/>
+            <a:off x="3413673" y="253244"/>
             <a:ext cx="2091977" cy="413951"/>
           </a:xfrm>
           <a:prstGeom prst="roundRect">
@@ -7229,7 +8356,7 @@
                   <a:schemeClr val="tx1"/>
                 </a:solidFill>
               </a:rPr>
-              <a:t>教室で実施</a:t>
+              <a:t>メールで連絡</a:t>
             </a:r>
             <a:r>
               <a:rPr kumimoji="1" lang="en-US" altLang="ja-JP" dirty="0">
@@ -7249,10 +8376,10 @@
       </p:sp>
       <p:sp>
         <p:nvSpPr>
-          <p:cNvPr id="13" name="四角形: 角を丸くする 12">
-            <a:extLst>
-              <a:ext uri="{FF2B5EF4-FFF2-40B4-BE49-F238E27FC236}">
-                <a16:creationId xmlns:a16="http://schemas.microsoft.com/office/drawing/2014/main" id="{88A838E0-6C25-467F-A0DC-C0C0AAEB1217}"/>
+          <p:cNvPr id="15" name="矢印: 下 14">
+            <a:extLst>
+              <a:ext uri="{FF2B5EF4-FFF2-40B4-BE49-F238E27FC236}">
+                <a16:creationId xmlns:a16="http://schemas.microsoft.com/office/drawing/2014/main" id="{5A8085DE-DDFF-4C15-8220-3D1E34FB8BFB}"/>
               </a:ext>
             </a:extLst>
           </p:cNvPr>
@@ -7260,87 +8387,9 @@
           <p:nvPr/>
         </p:nvSpPr>
         <p:spPr>
-          <a:xfrm>
-            <a:off x="3413673" y="253244"/>
-            <a:ext cx="2091977" cy="413951"/>
-          </a:xfrm>
-          <a:prstGeom prst="roundRect">
-            <a:avLst/>
-          </a:prstGeom>
-          <a:noFill/>
-          <a:ln>
-            <a:noFill/>
-          </a:ln>
-        </p:spPr>
-        <p:style>
-          <a:lnRef idx="2">
-            <a:schemeClr val="accent1">
-              <a:shade val="50000"/>
-            </a:schemeClr>
-          </a:lnRef>
-          <a:fillRef idx="1">
-            <a:schemeClr val="accent1"/>
-          </a:fillRef>
-          <a:effectRef idx="0">
-            <a:schemeClr val="accent1"/>
-          </a:effectRef>
-          <a:fontRef idx="minor">
-            <a:schemeClr val="lt1"/>
-          </a:fontRef>
-        </p:style>
-        <p:txBody>
-          <a:bodyPr rtlCol="0" anchor="ctr"/>
-          <a:lstStyle/>
-          <a:p>
-            <a:pPr algn="ctr"/>
-            <a:r>
-              <a:rPr kumimoji="1" lang="en-US" altLang="ja-JP" dirty="0">
-                <a:solidFill>
-                  <a:schemeClr val="tx1"/>
-                </a:solidFill>
-              </a:rPr>
-              <a:t>【</a:t>
-            </a:r>
-            <a:r>
-              <a:rPr kumimoji="1" lang="ja-JP" altLang="en-US" dirty="0">
-                <a:solidFill>
-                  <a:schemeClr val="tx1"/>
-                </a:solidFill>
-              </a:rPr>
-              <a:t>メールで連絡</a:t>
-            </a:r>
-            <a:r>
-              <a:rPr kumimoji="1" lang="en-US" altLang="ja-JP" dirty="0">
-                <a:solidFill>
-                  <a:schemeClr val="tx1"/>
-                </a:solidFill>
-              </a:rPr>
-              <a:t>】</a:t>
-            </a:r>
-            <a:endParaRPr kumimoji="1" lang="ja-JP" altLang="en-US" dirty="0">
-              <a:solidFill>
-                <a:schemeClr val="tx1"/>
-              </a:solidFill>
-            </a:endParaRPr>
-          </a:p>
-        </p:txBody>
-      </p:sp>
-      <p:sp>
-        <p:nvSpPr>
-          <p:cNvPr id="14" name="矢印: 下 13">
-            <a:extLst>
-              <a:ext uri="{FF2B5EF4-FFF2-40B4-BE49-F238E27FC236}">
-                <a16:creationId xmlns:a16="http://schemas.microsoft.com/office/drawing/2014/main" id="{7C868942-8571-49D6-815D-B42E1905F9C4}"/>
-              </a:ext>
-            </a:extLst>
-          </p:cNvPr>
-          <p:cNvSpPr/>
-          <p:nvPr/>
-        </p:nvSpPr>
-        <p:spPr>
-          <a:xfrm>
-            <a:off x="4459661" y="1904352"/>
-            <a:ext cx="578069" cy="199696"/>
+          <a:xfrm rot="2890856">
+            <a:off x="2996730" y="3415446"/>
+            <a:ext cx="510498" cy="367169"/>
           </a:xfrm>
           <a:prstGeom prst="downArrow">
             <a:avLst/>
@@ -7381,12 +8430,357 @@
           </a:p>
         </p:txBody>
       </p:sp>
-      <p:sp>
-        <p:nvSpPr>
-          <p:cNvPr id="15" name="矢印: 下 14">
-            <a:extLst>
-              <a:ext uri="{FF2B5EF4-FFF2-40B4-BE49-F238E27FC236}">
-                <a16:creationId xmlns:a16="http://schemas.microsoft.com/office/drawing/2014/main" id="{5A8085DE-DDFF-4C15-8220-3D1E34FB8BFB}"/>
+    </p:spTree>
+    <p:extLst>
+      <p:ext uri="{BB962C8B-B14F-4D97-AF65-F5344CB8AC3E}">
+        <p14:creationId xmlns:p14="http://schemas.microsoft.com/office/powerpoint/2010/main" val="898077320"/>
+      </p:ext>
+    </p:extLst>
+  </p:cSld>
+  <p:clrMapOvr>
+    <a:masterClrMapping/>
+  </p:clrMapOvr>
+</p:sld>
+</file>
+
+<file path=ppt/slides/slide12.xml><?xml version="1.0" encoding="utf-8"?>
+<p:sld xmlns:a="http://schemas.openxmlformats.org/drawingml/2006/main" xmlns:r="http://schemas.openxmlformats.org/officeDocument/2006/relationships" xmlns:p="http://schemas.openxmlformats.org/presentationml/2006/main">
+  <p:cSld>
+    <p:spTree>
+      <p:nvGrpSpPr>
+        <p:cNvPr id="1" name=""/>
+        <p:cNvGrpSpPr/>
+        <p:nvPr/>
+      </p:nvGrpSpPr>
+      <p:grpSpPr>
+        <a:xfrm>
+          <a:off x="0" y="0"/>
+          <a:ext cx="0" cy="0"/>
+          <a:chOff x="0" y="0"/>
+          <a:chExt cx="0" cy="0"/>
+        </a:xfrm>
+      </p:grpSpPr>
+      <p:pic>
+        <p:nvPicPr>
+          <p:cNvPr id="2" name="グラフィックス 1" descr="男性 単色塗りつぶし">
+            <a:extLst>
+              <a:ext uri="{FF2B5EF4-FFF2-40B4-BE49-F238E27FC236}">
+                <a16:creationId xmlns:a16="http://schemas.microsoft.com/office/drawing/2014/main" id="{3B37192F-D460-490F-873F-4506E5707B05}"/>
+              </a:ext>
+            </a:extLst>
+          </p:cNvPr>
+          <p:cNvPicPr>
+            <a:picLocks noChangeAspect="1"/>
+          </p:cNvPicPr>
+          <p:nvPr/>
+        </p:nvPicPr>
+        <p:blipFill>
+          <a:blip r:embed="rId2">
+            <a:extLst>
+              <a:ext uri="{28A0092B-C50C-407E-A947-70E740481C1C}">
+                <a14:useLocalDpi xmlns:a14="http://schemas.microsoft.com/office/drawing/2010/main" val="0"/>
+              </a:ext>
+              <a:ext uri="{96DAC541-7B7A-43D3-8B79-37D633B846F1}">
+                <asvg:svgBlip xmlns:asvg="http://schemas.microsoft.com/office/drawing/2016/SVG/main" r:embed="rId3"/>
+              </a:ext>
+            </a:extLst>
+          </a:blip>
+          <a:stretch>
+            <a:fillRect/>
+          </a:stretch>
+        </p:blipFill>
+        <p:spPr>
+          <a:xfrm>
+            <a:off x="1743282" y="1687651"/>
+            <a:ext cx="516760" cy="494386"/>
+          </a:xfrm>
+          <a:prstGeom prst="rect">
+            <a:avLst/>
+          </a:prstGeom>
+        </p:spPr>
+      </p:pic>
+      <p:grpSp>
+        <p:nvGrpSpPr>
+          <p:cNvPr id="3" name="グループ化 2">
+            <a:extLst>
+              <a:ext uri="{FF2B5EF4-FFF2-40B4-BE49-F238E27FC236}">
+                <a16:creationId xmlns:a16="http://schemas.microsoft.com/office/drawing/2014/main" id="{22257C16-2427-4FED-B3A1-56874963F321}"/>
+              </a:ext>
+            </a:extLst>
+          </p:cNvPr>
+          <p:cNvGrpSpPr/>
+          <p:nvPr/>
+        </p:nvGrpSpPr>
+        <p:grpSpPr>
+          <a:xfrm>
+            <a:off x="2766556" y="766540"/>
+            <a:ext cx="772849" cy="652003"/>
+            <a:chOff x="9208376" y="1171473"/>
+            <a:chExt cx="1408832" cy="1191035"/>
+          </a:xfrm>
+        </p:grpSpPr>
+        <p:pic>
+          <p:nvPicPr>
+            <p:cNvPr id="4" name="グラフィックス 3" descr="男性 枠線">
+              <a:extLst>
+                <a:ext uri="{FF2B5EF4-FFF2-40B4-BE49-F238E27FC236}">
+                  <a16:creationId xmlns:a16="http://schemas.microsoft.com/office/drawing/2014/main" id="{FADDE419-058B-418D-8AEC-9FBA0159ABF7}"/>
+                </a:ext>
+              </a:extLst>
+            </p:cNvPr>
+            <p:cNvPicPr>
+              <a:picLocks noChangeAspect="1"/>
+            </p:cNvPicPr>
+            <p:nvPr/>
+          </p:nvPicPr>
+          <p:blipFill>
+            <a:blip r:embed="rId4">
+              <a:extLst>
+                <a:ext uri="{28A0092B-C50C-407E-A947-70E740481C1C}">
+                  <a14:useLocalDpi xmlns:a14="http://schemas.microsoft.com/office/drawing/2010/main" val="0"/>
+                </a:ext>
+                <a:ext uri="{96DAC541-7B7A-43D3-8B79-37D633B846F1}">
+                  <asvg:svgBlip xmlns:asvg="http://schemas.microsoft.com/office/drawing/2016/SVG/main" r:embed="rId5"/>
+                </a:ext>
+              </a:extLst>
+            </a:blip>
+            <a:stretch>
+              <a:fillRect/>
+            </a:stretch>
+          </p:blipFill>
+          <p:spPr>
+            <a:xfrm>
+              <a:off x="9525586" y="1171473"/>
+              <a:ext cx="683127" cy="653550"/>
+            </a:xfrm>
+            <a:prstGeom prst="rect">
+              <a:avLst/>
+            </a:prstGeom>
+          </p:spPr>
+        </p:pic>
+        <p:pic>
+          <p:nvPicPr>
+            <p:cNvPr id="5" name="グラフィックス 4" descr="男性 枠線">
+              <a:extLst>
+                <a:ext uri="{FF2B5EF4-FFF2-40B4-BE49-F238E27FC236}">
+                  <a16:creationId xmlns:a16="http://schemas.microsoft.com/office/drawing/2014/main" id="{6404E70C-F9C5-4BE1-AFA5-B1F466D14604}"/>
+                </a:ext>
+              </a:extLst>
+            </p:cNvPr>
+            <p:cNvPicPr>
+              <a:picLocks noChangeAspect="1"/>
+            </p:cNvPicPr>
+            <p:nvPr/>
+          </p:nvPicPr>
+          <p:blipFill>
+            <a:blip r:embed="rId4">
+              <a:extLst>
+                <a:ext uri="{28A0092B-C50C-407E-A947-70E740481C1C}">
+                  <a14:useLocalDpi xmlns:a14="http://schemas.microsoft.com/office/drawing/2010/main" val="0"/>
+                </a:ext>
+                <a:ext uri="{96DAC541-7B7A-43D3-8B79-37D633B846F1}">
+                  <asvg:svgBlip xmlns:asvg="http://schemas.microsoft.com/office/drawing/2016/SVG/main" r:embed="rId5"/>
+                </a:ext>
+              </a:extLst>
+            </a:blip>
+            <a:stretch>
+              <a:fillRect/>
+            </a:stretch>
+          </p:blipFill>
+          <p:spPr>
+            <a:xfrm>
+              <a:off x="9208376" y="1708958"/>
+              <a:ext cx="683127" cy="653550"/>
+            </a:xfrm>
+            <a:prstGeom prst="rect">
+              <a:avLst/>
+            </a:prstGeom>
+          </p:spPr>
+        </p:pic>
+        <p:pic>
+          <p:nvPicPr>
+            <p:cNvPr id="6" name="グラフィックス 5" descr="男性 枠線">
+              <a:extLst>
+                <a:ext uri="{FF2B5EF4-FFF2-40B4-BE49-F238E27FC236}">
+                  <a16:creationId xmlns:a16="http://schemas.microsoft.com/office/drawing/2014/main" id="{E37C096A-8A78-4BA9-9F4A-873217201170}"/>
+                </a:ext>
+              </a:extLst>
+            </p:cNvPr>
+            <p:cNvPicPr>
+              <a:picLocks noChangeAspect="1"/>
+            </p:cNvPicPr>
+            <p:nvPr/>
+          </p:nvPicPr>
+          <p:blipFill>
+            <a:blip r:embed="rId4">
+              <a:extLst>
+                <a:ext uri="{28A0092B-C50C-407E-A947-70E740481C1C}">
+                  <a14:useLocalDpi xmlns:a14="http://schemas.microsoft.com/office/drawing/2010/main" val="0"/>
+                </a:ext>
+                <a:ext uri="{96DAC541-7B7A-43D3-8B79-37D633B846F1}">
+                  <asvg:svgBlip xmlns:asvg="http://schemas.microsoft.com/office/drawing/2016/SVG/main" r:embed="rId5"/>
+                </a:ext>
+              </a:extLst>
+            </a:blip>
+            <a:stretch>
+              <a:fillRect/>
+            </a:stretch>
+          </p:blipFill>
+          <p:spPr>
+            <a:xfrm>
+              <a:off x="9934081" y="1708958"/>
+              <a:ext cx="683127" cy="653550"/>
+            </a:xfrm>
+            <a:prstGeom prst="rect">
+              <a:avLst/>
+            </a:prstGeom>
+          </p:spPr>
+        </p:pic>
+      </p:grpSp>
+      <p:grpSp>
+        <p:nvGrpSpPr>
+          <p:cNvPr id="8" name="グループ化 7">
+            <a:extLst>
+              <a:ext uri="{FF2B5EF4-FFF2-40B4-BE49-F238E27FC236}">
+                <a16:creationId xmlns:a16="http://schemas.microsoft.com/office/drawing/2014/main" id="{F67316C3-5DE7-43DC-9763-28C7513F04C7}"/>
+              </a:ext>
+            </a:extLst>
+          </p:cNvPr>
+          <p:cNvGrpSpPr/>
+          <p:nvPr/>
+        </p:nvGrpSpPr>
+        <p:grpSpPr>
+          <a:xfrm>
+            <a:off x="2795091" y="2069541"/>
+            <a:ext cx="772849" cy="652003"/>
+            <a:chOff x="9208376" y="1171473"/>
+            <a:chExt cx="1408832" cy="1191035"/>
+          </a:xfrm>
+        </p:grpSpPr>
+        <p:pic>
+          <p:nvPicPr>
+            <p:cNvPr id="9" name="グラフィックス 8" descr="男性 枠線">
+              <a:extLst>
+                <a:ext uri="{FF2B5EF4-FFF2-40B4-BE49-F238E27FC236}">
+                  <a16:creationId xmlns:a16="http://schemas.microsoft.com/office/drawing/2014/main" id="{B0D51205-BB7C-407B-BBDE-AD9002BE4D00}"/>
+                </a:ext>
+              </a:extLst>
+            </p:cNvPr>
+            <p:cNvPicPr>
+              <a:picLocks noChangeAspect="1"/>
+            </p:cNvPicPr>
+            <p:nvPr/>
+          </p:nvPicPr>
+          <p:blipFill>
+            <a:blip r:embed="rId4">
+              <a:extLst>
+                <a:ext uri="{28A0092B-C50C-407E-A947-70E740481C1C}">
+                  <a14:useLocalDpi xmlns:a14="http://schemas.microsoft.com/office/drawing/2010/main" val="0"/>
+                </a:ext>
+                <a:ext uri="{96DAC541-7B7A-43D3-8B79-37D633B846F1}">
+                  <asvg:svgBlip xmlns:asvg="http://schemas.microsoft.com/office/drawing/2016/SVG/main" r:embed="rId5"/>
+                </a:ext>
+              </a:extLst>
+            </a:blip>
+            <a:stretch>
+              <a:fillRect/>
+            </a:stretch>
+          </p:blipFill>
+          <p:spPr>
+            <a:xfrm>
+              <a:off x="9525586" y="1171473"/>
+              <a:ext cx="683127" cy="653550"/>
+            </a:xfrm>
+            <a:prstGeom prst="rect">
+              <a:avLst/>
+            </a:prstGeom>
+          </p:spPr>
+        </p:pic>
+        <p:pic>
+          <p:nvPicPr>
+            <p:cNvPr id="10" name="グラフィックス 9" descr="男性 枠線">
+              <a:extLst>
+                <a:ext uri="{FF2B5EF4-FFF2-40B4-BE49-F238E27FC236}">
+                  <a16:creationId xmlns:a16="http://schemas.microsoft.com/office/drawing/2014/main" id="{371919ED-10EF-4BFE-9F75-B51662649B9E}"/>
+                </a:ext>
+              </a:extLst>
+            </p:cNvPr>
+            <p:cNvPicPr>
+              <a:picLocks noChangeAspect="1"/>
+            </p:cNvPicPr>
+            <p:nvPr/>
+          </p:nvPicPr>
+          <p:blipFill>
+            <a:blip r:embed="rId4">
+              <a:extLst>
+                <a:ext uri="{28A0092B-C50C-407E-A947-70E740481C1C}">
+                  <a14:useLocalDpi xmlns:a14="http://schemas.microsoft.com/office/drawing/2010/main" val="0"/>
+                </a:ext>
+                <a:ext uri="{96DAC541-7B7A-43D3-8B79-37D633B846F1}">
+                  <asvg:svgBlip xmlns:asvg="http://schemas.microsoft.com/office/drawing/2016/SVG/main" r:embed="rId5"/>
+                </a:ext>
+              </a:extLst>
+            </a:blip>
+            <a:stretch>
+              <a:fillRect/>
+            </a:stretch>
+          </p:blipFill>
+          <p:spPr>
+            <a:xfrm>
+              <a:off x="9208376" y="1708958"/>
+              <a:ext cx="683127" cy="653550"/>
+            </a:xfrm>
+            <a:prstGeom prst="rect">
+              <a:avLst/>
+            </a:prstGeom>
+          </p:spPr>
+        </p:pic>
+        <p:pic>
+          <p:nvPicPr>
+            <p:cNvPr id="11" name="グラフィックス 10" descr="男性 枠線">
+              <a:extLst>
+                <a:ext uri="{FF2B5EF4-FFF2-40B4-BE49-F238E27FC236}">
+                  <a16:creationId xmlns:a16="http://schemas.microsoft.com/office/drawing/2014/main" id="{675EFB2C-C015-4172-B217-D5C0E4E9C54A}"/>
+                </a:ext>
+              </a:extLst>
+            </p:cNvPr>
+            <p:cNvPicPr>
+              <a:picLocks noChangeAspect="1"/>
+            </p:cNvPicPr>
+            <p:nvPr/>
+          </p:nvPicPr>
+          <p:blipFill>
+            <a:blip r:embed="rId4">
+              <a:extLst>
+                <a:ext uri="{28A0092B-C50C-407E-A947-70E740481C1C}">
+                  <a14:useLocalDpi xmlns:a14="http://schemas.microsoft.com/office/drawing/2010/main" val="0"/>
+                </a:ext>
+                <a:ext uri="{96DAC541-7B7A-43D3-8B79-37D633B846F1}">
+                  <asvg:svgBlip xmlns:asvg="http://schemas.microsoft.com/office/drawing/2016/SVG/main" r:embed="rId5"/>
+                </a:ext>
+              </a:extLst>
+            </a:blip>
+            <a:stretch>
+              <a:fillRect/>
+            </a:stretch>
+          </p:blipFill>
+          <p:spPr>
+            <a:xfrm>
+              <a:off x="9934081" y="1708958"/>
+              <a:ext cx="683127" cy="653550"/>
+            </a:xfrm>
+            <a:prstGeom prst="rect">
+              <a:avLst/>
+            </a:prstGeom>
+          </p:spPr>
+        </p:pic>
+      </p:grpSp>
+      <p:sp>
+        <p:nvSpPr>
+          <p:cNvPr id="15" name="四角形: 角を丸くする 14">
+            <a:extLst>
+              <a:ext uri="{FF2B5EF4-FFF2-40B4-BE49-F238E27FC236}">
+                <a16:creationId xmlns:a16="http://schemas.microsoft.com/office/drawing/2014/main" id="{A75E3F33-2E04-4290-841E-ADB70FD7F17C}"/>
               </a:ext>
             </a:extLst>
           </p:cNvPr>
@@ -7394,22 +8788,19 @@
           <p:nvPr/>
         </p:nvSpPr>
         <p:spPr>
-          <a:xfrm rot="2890856">
-            <a:off x="2996730" y="3415446"/>
-            <a:ext cx="510498" cy="367169"/>
-          </a:xfrm>
-          <a:prstGeom prst="downArrow">
-            <a:avLst/>
-          </a:prstGeom>
-          <a:solidFill>
-            <a:schemeClr val="bg1">
-              <a:lumMod val="85000"/>
-            </a:schemeClr>
-          </a:solidFill>
+          <a:xfrm>
+            <a:off x="1617045" y="423878"/>
+            <a:ext cx="2300438" cy="2598821"/>
+          </a:xfrm>
+          <a:prstGeom prst="roundRect">
+            <a:avLst/>
+          </a:prstGeom>
+          <a:noFill/>
           <a:ln>
             <a:solidFill>
               <a:schemeClr val="tx1"/>
             </a:solidFill>
+            <a:prstDash val="dash"/>
           </a:ln>
         </p:spPr>
         <p:style>
@@ -7437,10 +8828,4497 @@
           </a:p>
         </p:txBody>
       </p:sp>
+      <p:sp>
+        <p:nvSpPr>
+          <p:cNvPr id="16" name="テキスト ボックス 15">
+            <a:extLst>
+              <a:ext uri="{FF2B5EF4-FFF2-40B4-BE49-F238E27FC236}">
+                <a16:creationId xmlns:a16="http://schemas.microsoft.com/office/drawing/2014/main" id="{3F6A4131-6AC8-4689-8EC2-066BF5FCA6F5}"/>
+              </a:ext>
+            </a:extLst>
+          </p:cNvPr>
+          <p:cNvSpPr txBox="1"/>
+          <p:nvPr/>
+        </p:nvSpPr>
+        <p:spPr>
+          <a:xfrm>
+            <a:off x="2256631" y="3064194"/>
+            <a:ext cx="1055276" cy="646331"/>
+          </a:xfrm>
+          <a:prstGeom prst="rect">
+            <a:avLst/>
+          </a:prstGeom>
+          <a:noFill/>
+        </p:spPr>
+        <p:txBody>
+          <a:bodyPr wrap="square" rtlCol="0">
+            <a:spAutoFit/>
+          </a:bodyPr>
+          <a:lstStyle/>
+          <a:p>
+            <a:pPr algn="ctr"/>
+            <a:r>
+              <a:rPr kumimoji="1" lang="en-US" altLang="ja-JP" dirty="0"/>
+              <a:t>A</a:t>
+            </a:r>
+            <a:r>
+              <a:rPr kumimoji="1" lang="ja-JP" altLang="en-US" dirty="0"/>
+              <a:t>組</a:t>
+            </a:r>
+            <a:endParaRPr kumimoji="1" lang="en-US" altLang="ja-JP" dirty="0"/>
+          </a:p>
+          <a:p>
+            <a:pPr algn="ctr"/>
+            <a:r>
+              <a:rPr kumimoji="1" lang="ja-JP" altLang="en-US" dirty="0"/>
+              <a:t>（</a:t>
+            </a:r>
+            <a:r>
+              <a:rPr kumimoji="1" lang="en-US" altLang="ja-JP" dirty="0"/>
+              <a:t>7</a:t>
+            </a:r>
+            <a:r>
+              <a:rPr kumimoji="1" lang="ja-JP" altLang="en-US" dirty="0"/>
+              <a:t>人）</a:t>
+            </a:r>
+          </a:p>
+        </p:txBody>
+      </p:sp>
+      <p:pic>
+        <p:nvPicPr>
+          <p:cNvPr id="17" name="グラフィックス 16" descr="男性 単色塗りつぶし">
+            <a:extLst>
+              <a:ext uri="{FF2B5EF4-FFF2-40B4-BE49-F238E27FC236}">
+                <a16:creationId xmlns:a16="http://schemas.microsoft.com/office/drawing/2014/main" id="{C946E5C6-D2FF-4E65-B2CF-5A0D939D702A}"/>
+              </a:ext>
+            </a:extLst>
+          </p:cNvPr>
+          <p:cNvPicPr>
+            <a:picLocks noChangeAspect="1"/>
+          </p:cNvPicPr>
+          <p:nvPr/>
+        </p:nvPicPr>
+        <p:blipFill>
+          <a:blip r:embed="rId2">
+            <a:extLst>
+              <a:ext uri="{28A0092B-C50C-407E-A947-70E740481C1C}">
+                <a14:useLocalDpi xmlns:a14="http://schemas.microsoft.com/office/drawing/2010/main" val="0"/>
+              </a:ext>
+              <a:ext uri="{96DAC541-7B7A-43D3-8B79-37D633B846F1}">
+                <asvg:svgBlip xmlns:asvg="http://schemas.microsoft.com/office/drawing/2016/SVG/main" r:embed="rId3"/>
+              </a:ext>
+            </a:extLst>
+          </a:blip>
+          <a:stretch>
+            <a:fillRect/>
+          </a:stretch>
+        </p:blipFill>
+        <p:spPr>
+          <a:xfrm>
+            <a:off x="4921700" y="1687651"/>
+            <a:ext cx="516760" cy="494386"/>
+          </a:xfrm>
+          <a:prstGeom prst="rect">
+            <a:avLst/>
+          </a:prstGeom>
+        </p:spPr>
+      </p:pic>
+      <p:grpSp>
+        <p:nvGrpSpPr>
+          <p:cNvPr id="18" name="グループ化 17">
+            <a:extLst>
+              <a:ext uri="{FF2B5EF4-FFF2-40B4-BE49-F238E27FC236}">
+                <a16:creationId xmlns:a16="http://schemas.microsoft.com/office/drawing/2014/main" id="{EDF4D677-1ABD-4748-A714-353317EC9D37}"/>
+              </a:ext>
+            </a:extLst>
+          </p:cNvPr>
+          <p:cNvGrpSpPr/>
+          <p:nvPr/>
+        </p:nvGrpSpPr>
+        <p:grpSpPr>
+          <a:xfrm>
+            <a:off x="5944974" y="766540"/>
+            <a:ext cx="772849" cy="652003"/>
+            <a:chOff x="9208376" y="1171473"/>
+            <a:chExt cx="1408832" cy="1191035"/>
+          </a:xfrm>
+        </p:grpSpPr>
+        <p:pic>
+          <p:nvPicPr>
+            <p:cNvPr id="19" name="グラフィックス 18" descr="男性 枠線">
+              <a:extLst>
+                <a:ext uri="{FF2B5EF4-FFF2-40B4-BE49-F238E27FC236}">
+                  <a16:creationId xmlns:a16="http://schemas.microsoft.com/office/drawing/2014/main" id="{90BE46DC-CEF4-4451-A5B9-7CCA7D7FA400}"/>
+                </a:ext>
+              </a:extLst>
+            </p:cNvPr>
+            <p:cNvPicPr>
+              <a:picLocks noChangeAspect="1"/>
+            </p:cNvPicPr>
+            <p:nvPr/>
+          </p:nvPicPr>
+          <p:blipFill>
+            <a:blip r:embed="rId4">
+              <a:extLst>
+                <a:ext uri="{28A0092B-C50C-407E-A947-70E740481C1C}">
+                  <a14:useLocalDpi xmlns:a14="http://schemas.microsoft.com/office/drawing/2010/main" val="0"/>
+                </a:ext>
+                <a:ext uri="{96DAC541-7B7A-43D3-8B79-37D633B846F1}">
+                  <asvg:svgBlip xmlns:asvg="http://schemas.microsoft.com/office/drawing/2016/SVG/main" r:embed="rId5"/>
+                </a:ext>
+              </a:extLst>
+            </a:blip>
+            <a:stretch>
+              <a:fillRect/>
+            </a:stretch>
+          </p:blipFill>
+          <p:spPr>
+            <a:xfrm>
+              <a:off x="9525586" y="1171473"/>
+              <a:ext cx="683127" cy="653550"/>
+            </a:xfrm>
+            <a:prstGeom prst="rect">
+              <a:avLst/>
+            </a:prstGeom>
+          </p:spPr>
+        </p:pic>
+        <p:pic>
+          <p:nvPicPr>
+            <p:cNvPr id="20" name="グラフィックス 19" descr="男性 枠線">
+              <a:extLst>
+                <a:ext uri="{FF2B5EF4-FFF2-40B4-BE49-F238E27FC236}">
+                  <a16:creationId xmlns:a16="http://schemas.microsoft.com/office/drawing/2014/main" id="{1E205D15-0E75-4AC8-B7B1-B4C0581CE34A}"/>
+                </a:ext>
+              </a:extLst>
+            </p:cNvPr>
+            <p:cNvPicPr>
+              <a:picLocks noChangeAspect="1"/>
+            </p:cNvPicPr>
+            <p:nvPr/>
+          </p:nvPicPr>
+          <p:blipFill>
+            <a:blip r:embed="rId4">
+              <a:extLst>
+                <a:ext uri="{28A0092B-C50C-407E-A947-70E740481C1C}">
+                  <a14:useLocalDpi xmlns:a14="http://schemas.microsoft.com/office/drawing/2010/main" val="0"/>
+                </a:ext>
+                <a:ext uri="{96DAC541-7B7A-43D3-8B79-37D633B846F1}">
+                  <asvg:svgBlip xmlns:asvg="http://schemas.microsoft.com/office/drawing/2016/SVG/main" r:embed="rId5"/>
+                </a:ext>
+              </a:extLst>
+            </a:blip>
+            <a:stretch>
+              <a:fillRect/>
+            </a:stretch>
+          </p:blipFill>
+          <p:spPr>
+            <a:xfrm>
+              <a:off x="9208376" y="1708958"/>
+              <a:ext cx="683127" cy="653550"/>
+            </a:xfrm>
+            <a:prstGeom prst="rect">
+              <a:avLst/>
+            </a:prstGeom>
+          </p:spPr>
+        </p:pic>
+        <p:pic>
+          <p:nvPicPr>
+            <p:cNvPr id="21" name="グラフィックス 20" descr="男性 枠線">
+              <a:extLst>
+                <a:ext uri="{FF2B5EF4-FFF2-40B4-BE49-F238E27FC236}">
+                  <a16:creationId xmlns:a16="http://schemas.microsoft.com/office/drawing/2014/main" id="{1748E57F-A3F5-48B8-A91D-22AC16A61194}"/>
+                </a:ext>
+              </a:extLst>
+            </p:cNvPr>
+            <p:cNvPicPr>
+              <a:picLocks noChangeAspect="1"/>
+            </p:cNvPicPr>
+            <p:nvPr/>
+          </p:nvPicPr>
+          <p:blipFill>
+            <a:blip r:embed="rId4">
+              <a:extLst>
+                <a:ext uri="{28A0092B-C50C-407E-A947-70E740481C1C}">
+                  <a14:useLocalDpi xmlns:a14="http://schemas.microsoft.com/office/drawing/2010/main" val="0"/>
+                </a:ext>
+                <a:ext uri="{96DAC541-7B7A-43D3-8B79-37D633B846F1}">
+                  <asvg:svgBlip xmlns:asvg="http://schemas.microsoft.com/office/drawing/2016/SVG/main" r:embed="rId5"/>
+                </a:ext>
+              </a:extLst>
+            </a:blip>
+            <a:stretch>
+              <a:fillRect/>
+            </a:stretch>
+          </p:blipFill>
+          <p:spPr>
+            <a:xfrm>
+              <a:off x="9934081" y="1708958"/>
+              <a:ext cx="683127" cy="653550"/>
+            </a:xfrm>
+            <a:prstGeom prst="rect">
+              <a:avLst/>
+            </a:prstGeom>
+          </p:spPr>
+        </p:pic>
+      </p:grpSp>
+      <p:grpSp>
+        <p:nvGrpSpPr>
+          <p:cNvPr id="23" name="グループ化 22">
+            <a:extLst>
+              <a:ext uri="{FF2B5EF4-FFF2-40B4-BE49-F238E27FC236}">
+                <a16:creationId xmlns:a16="http://schemas.microsoft.com/office/drawing/2014/main" id="{83649354-4687-4F0B-927D-178E2440C1A0}"/>
+              </a:ext>
+            </a:extLst>
+          </p:cNvPr>
+          <p:cNvGrpSpPr/>
+          <p:nvPr/>
+        </p:nvGrpSpPr>
+        <p:grpSpPr>
+          <a:xfrm>
+            <a:off x="5973509" y="2069541"/>
+            <a:ext cx="772849" cy="652003"/>
+            <a:chOff x="9208376" y="1171473"/>
+            <a:chExt cx="1408832" cy="1191035"/>
+          </a:xfrm>
+        </p:grpSpPr>
+        <p:pic>
+          <p:nvPicPr>
+            <p:cNvPr id="24" name="グラフィックス 23" descr="男性 枠線">
+              <a:extLst>
+                <a:ext uri="{FF2B5EF4-FFF2-40B4-BE49-F238E27FC236}">
+                  <a16:creationId xmlns:a16="http://schemas.microsoft.com/office/drawing/2014/main" id="{8B0920D1-28FC-4A12-AAA3-CD72F7356BE9}"/>
+                </a:ext>
+              </a:extLst>
+            </p:cNvPr>
+            <p:cNvPicPr>
+              <a:picLocks noChangeAspect="1"/>
+            </p:cNvPicPr>
+            <p:nvPr/>
+          </p:nvPicPr>
+          <p:blipFill>
+            <a:blip r:embed="rId4">
+              <a:extLst>
+                <a:ext uri="{28A0092B-C50C-407E-A947-70E740481C1C}">
+                  <a14:useLocalDpi xmlns:a14="http://schemas.microsoft.com/office/drawing/2010/main" val="0"/>
+                </a:ext>
+                <a:ext uri="{96DAC541-7B7A-43D3-8B79-37D633B846F1}">
+                  <asvg:svgBlip xmlns:asvg="http://schemas.microsoft.com/office/drawing/2016/SVG/main" r:embed="rId5"/>
+                </a:ext>
+              </a:extLst>
+            </a:blip>
+            <a:stretch>
+              <a:fillRect/>
+            </a:stretch>
+          </p:blipFill>
+          <p:spPr>
+            <a:xfrm>
+              <a:off x="9525586" y="1171473"/>
+              <a:ext cx="683127" cy="653550"/>
+            </a:xfrm>
+            <a:prstGeom prst="rect">
+              <a:avLst/>
+            </a:prstGeom>
+          </p:spPr>
+        </p:pic>
+        <p:pic>
+          <p:nvPicPr>
+            <p:cNvPr id="25" name="グラフィックス 24" descr="男性 枠線">
+              <a:extLst>
+                <a:ext uri="{FF2B5EF4-FFF2-40B4-BE49-F238E27FC236}">
+                  <a16:creationId xmlns:a16="http://schemas.microsoft.com/office/drawing/2014/main" id="{DF118D83-3B77-4096-9BC2-724597A570EC}"/>
+                </a:ext>
+              </a:extLst>
+            </p:cNvPr>
+            <p:cNvPicPr>
+              <a:picLocks noChangeAspect="1"/>
+            </p:cNvPicPr>
+            <p:nvPr/>
+          </p:nvPicPr>
+          <p:blipFill>
+            <a:blip r:embed="rId4">
+              <a:extLst>
+                <a:ext uri="{28A0092B-C50C-407E-A947-70E740481C1C}">
+                  <a14:useLocalDpi xmlns:a14="http://schemas.microsoft.com/office/drawing/2010/main" val="0"/>
+                </a:ext>
+                <a:ext uri="{96DAC541-7B7A-43D3-8B79-37D633B846F1}">
+                  <asvg:svgBlip xmlns:asvg="http://schemas.microsoft.com/office/drawing/2016/SVG/main" r:embed="rId5"/>
+                </a:ext>
+              </a:extLst>
+            </a:blip>
+            <a:stretch>
+              <a:fillRect/>
+            </a:stretch>
+          </p:blipFill>
+          <p:spPr>
+            <a:xfrm>
+              <a:off x="9208376" y="1708958"/>
+              <a:ext cx="683127" cy="653550"/>
+            </a:xfrm>
+            <a:prstGeom prst="rect">
+              <a:avLst/>
+            </a:prstGeom>
+          </p:spPr>
+        </p:pic>
+        <p:pic>
+          <p:nvPicPr>
+            <p:cNvPr id="26" name="グラフィックス 25" descr="男性 枠線">
+              <a:extLst>
+                <a:ext uri="{FF2B5EF4-FFF2-40B4-BE49-F238E27FC236}">
+                  <a16:creationId xmlns:a16="http://schemas.microsoft.com/office/drawing/2014/main" id="{10877064-F2BC-4D17-B5B9-CACE3CB93C85}"/>
+                </a:ext>
+              </a:extLst>
+            </p:cNvPr>
+            <p:cNvPicPr>
+              <a:picLocks noChangeAspect="1"/>
+            </p:cNvPicPr>
+            <p:nvPr/>
+          </p:nvPicPr>
+          <p:blipFill>
+            <a:blip r:embed="rId4">
+              <a:extLst>
+                <a:ext uri="{28A0092B-C50C-407E-A947-70E740481C1C}">
+                  <a14:useLocalDpi xmlns:a14="http://schemas.microsoft.com/office/drawing/2010/main" val="0"/>
+                </a:ext>
+                <a:ext uri="{96DAC541-7B7A-43D3-8B79-37D633B846F1}">
+                  <asvg:svgBlip xmlns:asvg="http://schemas.microsoft.com/office/drawing/2016/SVG/main" r:embed="rId5"/>
+                </a:ext>
+              </a:extLst>
+            </a:blip>
+            <a:stretch>
+              <a:fillRect/>
+            </a:stretch>
+          </p:blipFill>
+          <p:spPr>
+            <a:xfrm>
+              <a:off x="9934081" y="1708958"/>
+              <a:ext cx="683127" cy="653550"/>
+            </a:xfrm>
+            <a:prstGeom prst="rect">
+              <a:avLst/>
+            </a:prstGeom>
+          </p:spPr>
+        </p:pic>
+      </p:grpSp>
+      <p:sp>
+        <p:nvSpPr>
+          <p:cNvPr id="30" name="四角形: 角を丸くする 29">
+            <a:extLst>
+              <a:ext uri="{FF2B5EF4-FFF2-40B4-BE49-F238E27FC236}">
+                <a16:creationId xmlns:a16="http://schemas.microsoft.com/office/drawing/2014/main" id="{FC2094B7-874D-4426-B8FB-0666A7C864A5}"/>
+              </a:ext>
+            </a:extLst>
+          </p:cNvPr>
+          <p:cNvSpPr/>
+          <p:nvPr/>
+        </p:nvSpPr>
+        <p:spPr>
+          <a:xfrm>
+            <a:off x="4795463" y="423878"/>
+            <a:ext cx="2300438" cy="2598821"/>
+          </a:xfrm>
+          <a:prstGeom prst="roundRect">
+            <a:avLst/>
+          </a:prstGeom>
+          <a:noFill/>
+          <a:ln>
+            <a:solidFill>
+              <a:schemeClr val="tx1"/>
+            </a:solidFill>
+            <a:prstDash val="dash"/>
+          </a:ln>
+        </p:spPr>
+        <p:style>
+          <a:lnRef idx="2">
+            <a:schemeClr val="accent1">
+              <a:shade val="50000"/>
+            </a:schemeClr>
+          </a:lnRef>
+          <a:fillRef idx="1">
+            <a:schemeClr val="accent1"/>
+          </a:fillRef>
+          <a:effectRef idx="0">
+            <a:schemeClr val="accent1"/>
+          </a:effectRef>
+          <a:fontRef idx="minor">
+            <a:schemeClr val="lt1"/>
+          </a:fontRef>
+        </p:style>
+        <p:txBody>
+          <a:bodyPr rtlCol="0" anchor="ctr"/>
+          <a:lstStyle/>
+          <a:p>
+            <a:pPr algn="ctr"/>
+            <a:endParaRPr kumimoji="1" lang="ja-JP" altLang="en-US"/>
+          </a:p>
+        </p:txBody>
+      </p:sp>
+      <p:pic>
+        <p:nvPicPr>
+          <p:cNvPr id="31" name="グラフィックス 30" descr="男性 単色塗りつぶし">
+            <a:extLst>
+              <a:ext uri="{FF2B5EF4-FFF2-40B4-BE49-F238E27FC236}">
+                <a16:creationId xmlns:a16="http://schemas.microsoft.com/office/drawing/2014/main" id="{A3185E65-1EA9-4C50-A9C1-E82AF4728F55}"/>
+              </a:ext>
+            </a:extLst>
+          </p:cNvPr>
+          <p:cNvPicPr>
+            <a:picLocks noChangeAspect="1"/>
+          </p:cNvPicPr>
+          <p:nvPr/>
+        </p:nvPicPr>
+        <p:blipFill>
+          <a:blip r:embed="rId2">
+            <a:extLst>
+              <a:ext uri="{28A0092B-C50C-407E-A947-70E740481C1C}">
+                <a14:useLocalDpi xmlns:a14="http://schemas.microsoft.com/office/drawing/2010/main" val="0"/>
+              </a:ext>
+              <a:ext uri="{96DAC541-7B7A-43D3-8B79-37D633B846F1}">
+                <asvg:svgBlip xmlns:asvg="http://schemas.microsoft.com/office/drawing/2016/SVG/main" r:embed="rId3"/>
+              </a:ext>
+            </a:extLst>
+          </a:blip>
+          <a:stretch>
+            <a:fillRect/>
+          </a:stretch>
+        </p:blipFill>
+        <p:spPr>
+          <a:xfrm>
+            <a:off x="8017649" y="1688534"/>
+            <a:ext cx="516760" cy="494386"/>
+          </a:xfrm>
+          <a:prstGeom prst="rect">
+            <a:avLst/>
+          </a:prstGeom>
+        </p:spPr>
+      </p:pic>
+      <p:grpSp>
+        <p:nvGrpSpPr>
+          <p:cNvPr id="32" name="グループ化 31">
+            <a:extLst>
+              <a:ext uri="{FF2B5EF4-FFF2-40B4-BE49-F238E27FC236}">
+                <a16:creationId xmlns:a16="http://schemas.microsoft.com/office/drawing/2014/main" id="{BCCFF8EF-549D-48BE-B860-F573A60A3CA2}"/>
+              </a:ext>
+            </a:extLst>
+          </p:cNvPr>
+          <p:cNvGrpSpPr/>
+          <p:nvPr/>
+        </p:nvGrpSpPr>
+        <p:grpSpPr>
+          <a:xfrm>
+            <a:off x="9040923" y="767423"/>
+            <a:ext cx="772849" cy="652003"/>
+            <a:chOff x="9208376" y="1171473"/>
+            <a:chExt cx="1408832" cy="1191035"/>
+          </a:xfrm>
+        </p:grpSpPr>
+        <p:pic>
+          <p:nvPicPr>
+            <p:cNvPr id="33" name="グラフィックス 32" descr="男性 枠線">
+              <a:extLst>
+                <a:ext uri="{FF2B5EF4-FFF2-40B4-BE49-F238E27FC236}">
+                  <a16:creationId xmlns:a16="http://schemas.microsoft.com/office/drawing/2014/main" id="{B2B3CCEA-FBE5-4283-BE60-A6B14A975D12}"/>
+                </a:ext>
+              </a:extLst>
+            </p:cNvPr>
+            <p:cNvPicPr>
+              <a:picLocks noChangeAspect="1"/>
+            </p:cNvPicPr>
+            <p:nvPr/>
+          </p:nvPicPr>
+          <p:blipFill>
+            <a:blip r:embed="rId4">
+              <a:extLst>
+                <a:ext uri="{28A0092B-C50C-407E-A947-70E740481C1C}">
+                  <a14:useLocalDpi xmlns:a14="http://schemas.microsoft.com/office/drawing/2010/main" val="0"/>
+                </a:ext>
+                <a:ext uri="{96DAC541-7B7A-43D3-8B79-37D633B846F1}">
+                  <asvg:svgBlip xmlns:asvg="http://schemas.microsoft.com/office/drawing/2016/SVG/main" r:embed="rId5"/>
+                </a:ext>
+              </a:extLst>
+            </a:blip>
+            <a:stretch>
+              <a:fillRect/>
+            </a:stretch>
+          </p:blipFill>
+          <p:spPr>
+            <a:xfrm>
+              <a:off x="9525586" y="1171473"/>
+              <a:ext cx="683127" cy="653550"/>
+            </a:xfrm>
+            <a:prstGeom prst="rect">
+              <a:avLst/>
+            </a:prstGeom>
+          </p:spPr>
+        </p:pic>
+        <p:pic>
+          <p:nvPicPr>
+            <p:cNvPr id="34" name="グラフィックス 33" descr="男性 枠線">
+              <a:extLst>
+                <a:ext uri="{FF2B5EF4-FFF2-40B4-BE49-F238E27FC236}">
+                  <a16:creationId xmlns:a16="http://schemas.microsoft.com/office/drawing/2014/main" id="{E749D6DA-F3E4-4511-AB7A-2CF8A717A19F}"/>
+                </a:ext>
+              </a:extLst>
+            </p:cNvPr>
+            <p:cNvPicPr>
+              <a:picLocks noChangeAspect="1"/>
+            </p:cNvPicPr>
+            <p:nvPr/>
+          </p:nvPicPr>
+          <p:blipFill>
+            <a:blip r:embed="rId4">
+              <a:extLst>
+                <a:ext uri="{28A0092B-C50C-407E-A947-70E740481C1C}">
+                  <a14:useLocalDpi xmlns:a14="http://schemas.microsoft.com/office/drawing/2010/main" val="0"/>
+                </a:ext>
+                <a:ext uri="{96DAC541-7B7A-43D3-8B79-37D633B846F1}">
+                  <asvg:svgBlip xmlns:asvg="http://schemas.microsoft.com/office/drawing/2016/SVG/main" r:embed="rId5"/>
+                </a:ext>
+              </a:extLst>
+            </a:blip>
+            <a:stretch>
+              <a:fillRect/>
+            </a:stretch>
+          </p:blipFill>
+          <p:spPr>
+            <a:xfrm>
+              <a:off x="9208376" y="1708958"/>
+              <a:ext cx="683127" cy="653550"/>
+            </a:xfrm>
+            <a:prstGeom prst="rect">
+              <a:avLst/>
+            </a:prstGeom>
+          </p:spPr>
+        </p:pic>
+        <p:pic>
+          <p:nvPicPr>
+            <p:cNvPr id="35" name="グラフィックス 34" descr="男性 枠線">
+              <a:extLst>
+                <a:ext uri="{FF2B5EF4-FFF2-40B4-BE49-F238E27FC236}">
+                  <a16:creationId xmlns:a16="http://schemas.microsoft.com/office/drawing/2014/main" id="{34DAE999-3A1A-4A43-8AA1-D941415D9ED6}"/>
+                </a:ext>
+              </a:extLst>
+            </p:cNvPr>
+            <p:cNvPicPr>
+              <a:picLocks noChangeAspect="1"/>
+            </p:cNvPicPr>
+            <p:nvPr/>
+          </p:nvPicPr>
+          <p:blipFill>
+            <a:blip r:embed="rId4">
+              <a:extLst>
+                <a:ext uri="{28A0092B-C50C-407E-A947-70E740481C1C}">
+                  <a14:useLocalDpi xmlns:a14="http://schemas.microsoft.com/office/drawing/2010/main" val="0"/>
+                </a:ext>
+                <a:ext uri="{96DAC541-7B7A-43D3-8B79-37D633B846F1}">
+                  <asvg:svgBlip xmlns:asvg="http://schemas.microsoft.com/office/drawing/2016/SVG/main" r:embed="rId5"/>
+                </a:ext>
+              </a:extLst>
+            </a:blip>
+            <a:stretch>
+              <a:fillRect/>
+            </a:stretch>
+          </p:blipFill>
+          <p:spPr>
+            <a:xfrm>
+              <a:off x="9934081" y="1708958"/>
+              <a:ext cx="683127" cy="653550"/>
+            </a:xfrm>
+            <a:prstGeom prst="rect">
+              <a:avLst/>
+            </a:prstGeom>
+          </p:spPr>
+        </p:pic>
+      </p:grpSp>
+      <p:grpSp>
+        <p:nvGrpSpPr>
+          <p:cNvPr id="37" name="グループ化 36">
+            <a:extLst>
+              <a:ext uri="{FF2B5EF4-FFF2-40B4-BE49-F238E27FC236}">
+                <a16:creationId xmlns:a16="http://schemas.microsoft.com/office/drawing/2014/main" id="{DA75042E-4693-4919-B538-BD5D2454844F}"/>
+              </a:ext>
+            </a:extLst>
+          </p:cNvPr>
+          <p:cNvGrpSpPr/>
+          <p:nvPr/>
+        </p:nvGrpSpPr>
+        <p:grpSpPr>
+          <a:xfrm>
+            <a:off x="9243474" y="2070424"/>
+            <a:ext cx="598836" cy="652003"/>
+            <a:chOff x="9525586" y="1171473"/>
+            <a:chExt cx="1091622" cy="1191035"/>
+          </a:xfrm>
+        </p:grpSpPr>
+        <p:pic>
+          <p:nvPicPr>
+            <p:cNvPr id="38" name="グラフィックス 37" descr="男性 枠線">
+              <a:extLst>
+                <a:ext uri="{FF2B5EF4-FFF2-40B4-BE49-F238E27FC236}">
+                  <a16:creationId xmlns:a16="http://schemas.microsoft.com/office/drawing/2014/main" id="{BDE04388-9806-4267-8050-4F8189606D01}"/>
+                </a:ext>
+              </a:extLst>
+            </p:cNvPr>
+            <p:cNvPicPr>
+              <a:picLocks noChangeAspect="1"/>
+            </p:cNvPicPr>
+            <p:nvPr/>
+          </p:nvPicPr>
+          <p:blipFill>
+            <a:blip r:embed="rId4">
+              <a:extLst>
+                <a:ext uri="{28A0092B-C50C-407E-A947-70E740481C1C}">
+                  <a14:useLocalDpi xmlns:a14="http://schemas.microsoft.com/office/drawing/2010/main" val="0"/>
+                </a:ext>
+                <a:ext uri="{96DAC541-7B7A-43D3-8B79-37D633B846F1}">
+                  <asvg:svgBlip xmlns:asvg="http://schemas.microsoft.com/office/drawing/2016/SVG/main" r:embed="rId5"/>
+                </a:ext>
+              </a:extLst>
+            </a:blip>
+            <a:stretch>
+              <a:fillRect/>
+            </a:stretch>
+          </p:blipFill>
+          <p:spPr>
+            <a:xfrm>
+              <a:off x="9525586" y="1171473"/>
+              <a:ext cx="683127" cy="653550"/>
+            </a:xfrm>
+            <a:prstGeom prst="rect">
+              <a:avLst/>
+            </a:prstGeom>
+          </p:spPr>
+        </p:pic>
+        <p:pic>
+          <p:nvPicPr>
+            <p:cNvPr id="40" name="グラフィックス 39" descr="男性 枠線">
+              <a:extLst>
+                <a:ext uri="{FF2B5EF4-FFF2-40B4-BE49-F238E27FC236}">
+                  <a16:creationId xmlns:a16="http://schemas.microsoft.com/office/drawing/2014/main" id="{A60EEE53-9DFE-46F7-8F13-C5C766DCE791}"/>
+                </a:ext>
+              </a:extLst>
+            </p:cNvPr>
+            <p:cNvPicPr>
+              <a:picLocks noChangeAspect="1"/>
+            </p:cNvPicPr>
+            <p:nvPr/>
+          </p:nvPicPr>
+          <p:blipFill>
+            <a:blip r:embed="rId4">
+              <a:extLst>
+                <a:ext uri="{28A0092B-C50C-407E-A947-70E740481C1C}">
+                  <a14:useLocalDpi xmlns:a14="http://schemas.microsoft.com/office/drawing/2010/main" val="0"/>
+                </a:ext>
+                <a:ext uri="{96DAC541-7B7A-43D3-8B79-37D633B846F1}">
+                  <asvg:svgBlip xmlns:asvg="http://schemas.microsoft.com/office/drawing/2016/SVG/main" r:embed="rId5"/>
+                </a:ext>
+              </a:extLst>
+            </a:blip>
+            <a:stretch>
+              <a:fillRect/>
+            </a:stretch>
+          </p:blipFill>
+          <p:spPr>
+            <a:xfrm>
+              <a:off x="9934081" y="1708958"/>
+              <a:ext cx="683127" cy="653550"/>
+            </a:xfrm>
+            <a:prstGeom prst="rect">
+              <a:avLst/>
+            </a:prstGeom>
+          </p:spPr>
+        </p:pic>
+      </p:grpSp>
+      <p:sp>
+        <p:nvSpPr>
+          <p:cNvPr id="44" name="四角形: 角を丸くする 43">
+            <a:extLst>
+              <a:ext uri="{FF2B5EF4-FFF2-40B4-BE49-F238E27FC236}">
+                <a16:creationId xmlns:a16="http://schemas.microsoft.com/office/drawing/2014/main" id="{7DA56D10-2243-48BB-9358-C30B8E3D1592}"/>
+              </a:ext>
+            </a:extLst>
+          </p:cNvPr>
+          <p:cNvSpPr/>
+          <p:nvPr/>
+        </p:nvSpPr>
+        <p:spPr>
+          <a:xfrm>
+            <a:off x="7891412" y="424761"/>
+            <a:ext cx="2300438" cy="2598821"/>
+          </a:xfrm>
+          <a:prstGeom prst="roundRect">
+            <a:avLst/>
+          </a:prstGeom>
+          <a:noFill/>
+          <a:ln>
+            <a:solidFill>
+              <a:schemeClr val="tx1"/>
+            </a:solidFill>
+            <a:prstDash val="dash"/>
+          </a:ln>
+        </p:spPr>
+        <p:style>
+          <a:lnRef idx="2">
+            <a:schemeClr val="accent1">
+              <a:shade val="50000"/>
+            </a:schemeClr>
+          </a:lnRef>
+          <a:fillRef idx="1">
+            <a:schemeClr val="accent1"/>
+          </a:fillRef>
+          <a:effectRef idx="0">
+            <a:schemeClr val="accent1"/>
+          </a:effectRef>
+          <a:fontRef idx="minor">
+            <a:schemeClr val="lt1"/>
+          </a:fontRef>
+        </p:style>
+        <p:txBody>
+          <a:bodyPr rtlCol="0" anchor="ctr"/>
+          <a:lstStyle/>
+          <a:p>
+            <a:pPr algn="ctr"/>
+            <a:endParaRPr kumimoji="1" lang="ja-JP" altLang="en-US"/>
+          </a:p>
+        </p:txBody>
+      </p:sp>
+      <p:sp>
+        <p:nvSpPr>
+          <p:cNvPr id="45" name="テキスト ボックス 44">
+            <a:extLst>
+              <a:ext uri="{FF2B5EF4-FFF2-40B4-BE49-F238E27FC236}">
+                <a16:creationId xmlns:a16="http://schemas.microsoft.com/office/drawing/2014/main" id="{DF7D28CC-1989-4679-BB52-E54BF389957A}"/>
+              </a:ext>
+            </a:extLst>
+          </p:cNvPr>
+          <p:cNvSpPr txBox="1"/>
+          <p:nvPr/>
+        </p:nvSpPr>
+        <p:spPr>
+          <a:xfrm>
+            <a:off x="5390728" y="3064194"/>
+            <a:ext cx="1055276" cy="646331"/>
+          </a:xfrm>
+          <a:prstGeom prst="rect">
+            <a:avLst/>
+          </a:prstGeom>
+          <a:noFill/>
+        </p:spPr>
+        <p:txBody>
+          <a:bodyPr wrap="square" rtlCol="0">
+            <a:spAutoFit/>
+          </a:bodyPr>
+          <a:lstStyle/>
+          <a:p>
+            <a:pPr algn="ctr"/>
+            <a:r>
+              <a:rPr kumimoji="1" lang="en-US" altLang="ja-JP" dirty="0"/>
+              <a:t>B</a:t>
+            </a:r>
+            <a:r>
+              <a:rPr kumimoji="1" lang="ja-JP" altLang="en-US" dirty="0"/>
+              <a:t>組</a:t>
+            </a:r>
+            <a:endParaRPr kumimoji="1" lang="en-US" altLang="ja-JP" dirty="0"/>
+          </a:p>
+          <a:p>
+            <a:pPr algn="ctr"/>
+            <a:r>
+              <a:rPr kumimoji="1" lang="ja-JP" altLang="en-US" dirty="0"/>
+              <a:t>（</a:t>
+            </a:r>
+            <a:r>
+              <a:rPr kumimoji="1" lang="en-US" altLang="ja-JP" dirty="0"/>
+              <a:t>7</a:t>
+            </a:r>
+            <a:r>
+              <a:rPr kumimoji="1" lang="ja-JP" altLang="en-US" dirty="0"/>
+              <a:t>人）</a:t>
+            </a:r>
+          </a:p>
+        </p:txBody>
+      </p:sp>
+      <p:sp>
+        <p:nvSpPr>
+          <p:cNvPr id="46" name="テキスト ボックス 45">
+            <a:extLst>
+              <a:ext uri="{FF2B5EF4-FFF2-40B4-BE49-F238E27FC236}">
+                <a16:creationId xmlns:a16="http://schemas.microsoft.com/office/drawing/2014/main" id="{A064EF55-48C7-4F32-8412-0D1B11125432}"/>
+              </a:ext>
+            </a:extLst>
+          </p:cNvPr>
+          <p:cNvSpPr txBox="1"/>
+          <p:nvPr/>
+        </p:nvSpPr>
+        <p:spPr>
+          <a:xfrm>
+            <a:off x="8571125" y="3056030"/>
+            <a:ext cx="1055276" cy="646331"/>
+          </a:xfrm>
+          <a:prstGeom prst="rect">
+            <a:avLst/>
+          </a:prstGeom>
+          <a:noFill/>
+        </p:spPr>
+        <p:txBody>
+          <a:bodyPr wrap="square" rtlCol="0">
+            <a:spAutoFit/>
+          </a:bodyPr>
+          <a:lstStyle/>
+          <a:p>
+            <a:pPr algn="ctr"/>
+            <a:r>
+              <a:rPr kumimoji="1" lang="en-US" altLang="ja-JP" dirty="0"/>
+              <a:t>C</a:t>
+            </a:r>
+            <a:r>
+              <a:rPr kumimoji="1" lang="ja-JP" altLang="en-US" dirty="0"/>
+              <a:t>組</a:t>
+            </a:r>
+            <a:endParaRPr kumimoji="1" lang="en-US" altLang="ja-JP" dirty="0"/>
+          </a:p>
+          <a:p>
+            <a:pPr algn="ctr"/>
+            <a:r>
+              <a:rPr kumimoji="1" lang="ja-JP" altLang="en-US" dirty="0"/>
+              <a:t>（</a:t>
+            </a:r>
+            <a:r>
+              <a:rPr kumimoji="1" lang="en-US" altLang="ja-JP" dirty="0"/>
+              <a:t>6</a:t>
+            </a:r>
+            <a:r>
+              <a:rPr kumimoji="1" lang="ja-JP" altLang="en-US" dirty="0"/>
+              <a:t>人）</a:t>
+            </a:r>
+          </a:p>
+        </p:txBody>
+      </p:sp>
     </p:spTree>
     <p:extLst>
       <p:ext uri="{BB962C8B-B14F-4D97-AF65-F5344CB8AC3E}">
-        <p14:creationId xmlns:p14="http://schemas.microsoft.com/office/powerpoint/2010/main" val="898077320"/>
+        <p14:creationId xmlns:p14="http://schemas.microsoft.com/office/powerpoint/2010/main" val="3475244009"/>
+      </p:ext>
+    </p:extLst>
+  </p:cSld>
+  <p:clrMapOvr>
+    <a:masterClrMapping/>
+  </p:clrMapOvr>
+</p:sld>
+</file>
+
+<file path=ppt/slides/slide13.xml><?xml version="1.0" encoding="utf-8"?>
+<p:sld xmlns:a="http://schemas.openxmlformats.org/drawingml/2006/main" xmlns:r="http://schemas.openxmlformats.org/officeDocument/2006/relationships" xmlns:p="http://schemas.openxmlformats.org/presentationml/2006/main">
+  <p:cSld>
+    <p:spTree>
+      <p:nvGrpSpPr>
+        <p:cNvPr id="1" name=""/>
+        <p:cNvGrpSpPr/>
+        <p:nvPr/>
+      </p:nvGrpSpPr>
+      <p:grpSpPr>
+        <a:xfrm>
+          <a:off x="0" y="0"/>
+          <a:ext cx="0" cy="0"/>
+          <a:chOff x="0" y="0"/>
+          <a:chExt cx="0" cy="0"/>
+        </a:xfrm>
+      </p:grpSpPr>
+      <p:sp>
+        <p:nvSpPr>
+          <p:cNvPr id="3" name="四角形: メモ 2">
+            <a:extLst>
+              <a:ext uri="{FF2B5EF4-FFF2-40B4-BE49-F238E27FC236}">
+                <a16:creationId xmlns:a16="http://schemas.microsoft.com/office/drawing/2014/main" id="{DCC1C894-86FE-44B5-AE16-E6FBC7B33ED1}"/>
+              </a:ext>
+            </a:extLst>
+          </p:cNvPr>
+          <p:cNvSpPr/>
+          <p:nvPr/>
+        </p:nvSpPr>
+        <p:spPr>
+          <a:xfrm>
+            <a:off x="413886" y="2117558"/>
+            <a:ext cx="2165684" cy="2021305"/>
+          </a:xfrm>
+          <a:prstGeom prst="foldedCorner">
+            <a:avLst/>
+          </a:prstGeom>
+          <a:solidFill>
+            <a:schemeClr val="bg1"/>
+          </a:solidFill>
+          <a:ln>
+            <a:solidFill>
+              <a:schemeClr val="tx1"/>
+            </a:solidFill>
+          </a:ln>
+        </p:spPr>
+        <p:style>
+          <a:lnRef idx="2">
+            <a:schemeClr val="accent1">
+              <a:shade val="50000"/>
+            </a:schemeClr>
+          </a:lnRef>
+          <a:fillRef idx="1">
+            <a:schemeClr val="accent1"/>
+          </a:fillRef>
+          <a:effectRef idx="0">
+            <a:schemeClr val="accent1"/>
+          </a:effectRef>
+          <a:fontRef idx="minor">
+            <a:schemeClr val="lt1"/>
+          </a:fontRef>
+        </p:style>
+        <p:txBody>
+          <a:bodyPr rtlCol="0" anchor="ctr"/>
+          <a:lstStyle/>
+          <a:p>
+            <a:pPr algn="ctr"/>
+            <a:r>
+              <a:rPr kumimoji="1" lang="ja-JP" altLang="en-US" dirty="0">
+                <a:solidFill>
+                  <a:schemeClr val="tx1"/>
+                </a:solidFill>
+              </a:rPr>
+              <a:t>衣服の価値シート</a:t>
+            </a:r>
+          </a:p>
+        </p:txBody>
+      </p:sp>
+      <p:sp>
+        <p:nvSpPr>
+          <p:cNvPr id="4" name="四角形: メモ 3">
+            <a:extLst>
+              <a:ext uri="{FF2B5EF4-FFF2-40B4-BE49-F238E27FC236}">
+                <a16:creationId xmlns:a16="http://schemas.microsoft.com/office/drawing/2014/main" id="{75D22A27-BC24-43AA-BF4E-3388FC03A2EF}"/>
+              </a:ext>
+            </a:extLst>
+          </p:cNvPr>
+          <p:cNvSpPr/>
+          <p:nvPr/>
+        </p:nvSpPr>
+        <p:spPr>
+          <a:xfrm>
+            <a:off x="3184358" y="2117558"/>
+            <a:ext cx="2165684" cy="2021305"/>
+          </a:xfrm>
+          <a:prstGeom prst="foldedCorner">
+            <a:avLst/>
+          </a:prstGeom>
+          <a:solidFill>
+            <a:schemeClr val="bg1"/>
+          </a:solidFill>
+          <a:ln>
+            <a:solidFill>
+              <a:schemeClr val="tx1"/>
+            </a:solidFill>
+          </a:ln>
+        </p:spPr>
+        <p:style>
+          <a:lnRef idx="2">
+            <a:schemeClr val="accent1">
+              <a:shade val="50000"/>
+            </a:schemeClr>
+          </a:lnRef>
+          <a:fillRef idx="1">
+            <a:schemeClr val="accent1"/>
+          </a:fillRef>
+          <a:effectRef idx="0">
+            <a:schemeClr val="accent1"/>
+          </a:effectRef>
+          <a:fontRef idx="minor">
+            <a:schemeClr val="lt1"/>
+          </a:fontRef>
+        </p:style>
+        <p:txBody>
+          <a:bodyPr rtlCol="0" anchor="ctr"/>
+          <a:lstStyle/>
+          <a:p>
+            <a:pPr algn="ctr"/>
+            <a:r>
+              <a:rPr kumimoji="1" lang="ja-JP" altLang="en-US" dirty="0">
+                <a:solidFill>
+                  <a:schemeClr val="tx1"/>
+                </a:solidFill>
+              </a:rPr>
+              <a:t>問題状況シート</a:t>
+            </a:r>
+          </a:p>
+        </p:txBody>
+      </p:sp>
+      <p:sp>
+        <p:nvSpPr>
+          <p:cNvPr id="5" name="四角形: メモ 4">
+            <a:extLst>
+              <a:ext uri="{FF2B5EF4-FFF2-40B4-BE49-F238E27FC236}">
+                <a16:creationId xmlns:a16="http://schemas.microsoft.com/office/drawing/2014/main" id="{95F46EB4-2FEE-49B4-B4D5-5AF3B5990997}"/>
+              </a:ext>
+            </a:extLst>
+          </p:cNvPr>
+          <p:cNvSpPr/>
+          <p:nvPr/>
+        </p:nvSpPr>
+        <p:spPr>
+          <a:xfrm>
+            <a:off x="5350042" y="2117557"/>
+            <a:ext cx="2165684" cy="2021305"/>
+          </a:xfrm>
+          <a:prstGeom prst="foldedCorner">
+            <a:avLst/>
+          </a:prstGeom>
+          <a:solidFill>
+            <a:schemeClr val="bg1"/>
+          </a:solidFill>
+          <a:ln>
+            <a:solidFill>
+              <a:schemeClr val="tx1"/>
+            </a:solidFill>
+          </a:ln>
+        </p:spPr>
+        <p:style>
+          <a:lnRef idx="2">
+            <a:schemeClr val="accent1">
+              <a:shade val="50000"/>
+            </a:schemeClr>
+          </a:lnRef>
+          <a:fillRef idx="1">
+            <a:schemeClr val="accent1"/>
+          </a:fillRef>
+          <a:effectRef idx="0">
+            <a:schemeClr val="accent1"/>
+          </a:effectRef>
+          <a:fontRef idx="minor">
+            <a:schemeClr val="lt1"/>
+          </a:fontRef>
+        </p:style>
+        <p:txBody>
+          <a:bodyPr rtlCol="0" anchor="ctr"/>
+          <a:lstStyle/>
+          <a:p>
+            <a:pPr algn="ctr"/>
+            <a:r>
+              <a:rPr kumimoji="1" lang="ja-JP" altLang="en-US" dirty="0">
+                <a:solidFill>
+                  <a:schemeClr val="tx1"/>
+                </a:solidFill>
+              </a:rPr>
+              <a:t>解決策シート</a:t>
+            </a:r>
+          </a:p>
+        </p:txBody>
+      </p:sp>
+      <p:sp>
+        <p:nvSpPr>
+          <p:cNvPr id="6" name="四角形: メモ 5">
+            <a:extLst>
+              <a:ext uri="{FF2B5EF4-FFF2-40B4-BE49-F238E27FC236}">
+                <a16:creationId xmlns:a16="http://schemas.microsoft.com/office/drawing/2014/main" id="{88E8364F-D90E-45D1-8B2B-3B7B67A530C4}"/>
+              </a:ext>
+            </a:extLst>
+          </p:cNvPr>
+          <p:cNvSpPr/>
+          <p:nvPr/>
+        </p:nvSpPr>
+        <p:spPr>
+          <a:xfrm>
+            <a:off x="750770" y="4957010"/>
+            <a:ext cx="1568917" cy="462012"/>
+          </a:xfrm>
+          <a:prstGeom prst="foldedCorner">
+            <a:avLst/>
+          </a:prstGeom>
+          <a:solidFill>
+            <a:schemeClr val="bg1"/>
+          </a:solidFill>
+          <a:ln>
+            <a:solidFill>
+              <a:schemeClr val="tx1"/>
+            </a:solidFill>
+          </a:ln>
+        </p:spPr>
+        <p:style>
+          <a:lnRef idx="2">
+            <a:schemeClr val="accent1">
+              <a:shade val="50000"/>
+            </a:schemeClr>
+          </a:lnRef>
+          <a:fillRef idx="1">
+            <a:schemeClr val="accent1"/>
+          </a:fillRef>
+          <a:effectRef idx="0">
+            <a:schemeClr val="accent1"/>
+          </a:effectRef>
+          <a:fontRef idx="minor">
+            <a:schemeClr val="lt1"/>
+          </a:fontRef>
+        </p:style>
+        <p:txBody>
+          <a:bodyPr rtlCol="0" anchor="ctr"/>
+          <a:lstStyle/>
+          <a:p>
+            <a:pPr algn="ctr"/>
+            <a:r>
+              <a:rPr kumimoji="1" lang="ja-JP" altLang="en-US" dirty="0">
+                <a:solidFill>
+                  <a:schemeClr val="tx1"/>
+                </a:solidFill>
+              </a:rPr>
+              <a:t>（付箋）</a:t>
+            </a:r>
+          </a:p>
+        </p:txBody>
+      </p:sp>
+      <p:sp>
+        <p:nvSpPr>
+          <p:cNvPr id="9" name="四角形: メモ 8">
+            <a:extLst>
+              <a:ext uri="{FF2B5EF4-FFF2-40B4-BE49-F238E27FC236}">
+                <a16:creationId xmlns:a16="http://schemas.microsoft.com/office/drawing/2014/main" id="{4DE8AE84-47A5-452A-955B-51E68A0583D5}"/>
+              </a:ext>
+            </a:extLst>
+          </p:cNvPr>
+          <p:cNvSpPr/>
+          <p:nvPr/>
+        </p:nvSpPr>
+        <p:spPr>
+          <a:xfrm>
+            <a:off x="1010653" y="5159141"/>
+            <a:ext cx="1568917" cy="462012"/>
+          </a:xfrm>
+          <a:prstGeom prst="foldedCorner">
+            <a:avLst/>
+          </a:prstGeom>
+          <a:solidFill>
+            <a:schemeClr val="bg1"/>
+          </a:solidFill>
+          <a:ln>
+            <a:solidFill>
+              <a:schemeClr val="tx1"/>
+            </a:solidFill>
+          </a:ln>
+        </p:spPr>
+        <p:style>
+          <a:lnRef idx="2">
+            <a:schemeClr val="accent1">
+              <a:shade val="50000"/>
+            </a:schemeClr>
+          </a:lnRef>
+          <a:fillRef idx="1">
+            <a:schemeClr val="accent1"/>
+          </a:fillRef>
+          <a:effectRef idx="0">
+            <a:schemeClr val="accent1"/>
+          </a:effectRef>
+          <a:fontRef idx="minor">
+            <a:schemeClr val="lt1"/>
+          </a:fontRef>
+        </p:style>
+        <p:txBody>
+          <a:bodyPr rtlCol="0" anchor="ctr"/>
+          <a:lstStyle/>
+          <a:p>
+            <a:pPr algn="ctr"/>
+            <a:r>
+              <a:rPr kumimoji="1" lang="ja-JP" altLang="en-US" dirty="0">
+                <a:solidFill>
+                  <a:schemeClr val="tx1"/>
+                </a:solidFill>
+              </a:rPr>
+              <a:t>（付箋）</a:t>
+            </a:r>
+          </a:p>
+        </p:txBody>
+      </p:sp>
+      <p:sp>
+        <p:nvSpPr>
+          <p:cNvPr id="10" name="四角形: メモ 9">
+            <a:extLst>
+              <a:ext uri="{FF2B5EF4-FFF2-40B4-BE49-F238E27FC236}">
+                <a16:creationId xmlns:a16="http://schemas.microsoft.com/office/drawing/2014/main" id="{5D20CCA7-C98D-450B-BCD1-88F7A61A16AF}"/>
+              </a:ext>
+            </a:extLst>
+          </p:cNvPr>
+          <p:cNvSpPr/>
+          <p:nvPr/>
+        </p:nvSpPr>
+        <p:spPr>
+          <a:xfrm>
+            <a:off x="1163053" y="5311541"/>
+            <a:ext cx="1568917" cy="462012"/>
+          </a:xfrm>
+          <a:prstGeom prst="foldedCorner">
+            <a:avLst/>
+          </a:prstGeom>
+          <a:solidFill>
+            <a:schemeClr val="bg1"/>
+          </a:solidFill>
+          <a:ln>
+            <a:solidFill>
+              <a:schemeClr val="tx1"/>
+            </a:solidFill>
+          </a:ln>
+        </p:spPr>
+        <p:style>
+          <a:lnRef idx="2">
+            <a:schemeClr val="accent1">
+              <a:shade val="50000"/>
+            </a:schemeClr>
+          </a:lnRef>
+          <a:fillRef idx="1">
+            <a:schemeClr val="accent1"/>
+          </a:fillRef>
+          <a:effectRef idx="0">
+            <a:schemeClr val="accent1"/>
+          </a:effectRef>
+          <a:fontRef idx="minor">
+            <a:schemeClr val="lt1"/>
+          </a:fontRef>
+        </p:style>
+        <p:txBody>
+          <a:bodyPr rtlCol="0" anchor="ctr"/>
+          <a:lstStyle/>
+          <a:p>
+            <a:pPr algn="ctr"/>
+            <a:r>
+              <a:rPr kumimoji="1" lang="ja-JP" altLang="en-US" dirty="0">
+                <a:solidFill>
+                  <a:schemeClr val="tx1"/>
+                </a:solidFill>
+              </a:rPr>
+              <a:t>（付箋）</a:t>
+            </a:r>
+          </a:p>
+        </p:txBody>
+      </p:sp>
+      <p:sp>
+        <p:nvSpPr>
+          <p:cNvPr id="15" name="四角形: 角を丸くする 14">
+            <a:extLst>
+              <a:ext uri="{FF2B5EF4-FFF2-40B4-BE49-F238E27FC236}">
+                <a16:creationId xmlns:a16="http://schemas.microsoft.com/office/drawing/2014/main" id="{7367273F-B0C0-4835-BBDF-F38DDBE69317}"/>
+              </a:ext>
+            </a:extLst>
+          </p:cNvPr>
+          <p:cNvSpPr/>
+          <p:nvPr/>
+        </p:nvSpPr>
+        <p:spPr>
+          <a:xfrm>
+            <a:off x="6809645" y="4690711"/>
+            <a:ext cx="3157086" cy="1241659"/>
+          </a:xfrm>
+          <a:prstGeom prst="roundRect">
+            <a:avLst/>
+          </a:prstGeom>
+          <a:solidFill>
+            <a:schemeClr val="bg1"/>
+          </a:solidFill>
+          <a:ln>
+            <a:solidFill>
+              <a:schemeClr val="tx1"/>
+            </a:solidFill>
+          </a:ln>
+        </p:spPr>
+        <p:style>
+          <a:lnRef idx="2">
+            <a:schemeClr val="accent1">
+              <a:shade val="50000"/>
+            </a:schemeClr>
+          </a:lnRef>
+          <a:fillRef idx="1">
+            <a:schemeClr val="accent1"/>
+          </a:fillRef>
+          <a:effectRef idx="0">
+            <a:schemeClr val="accent1"/>
+          </a:effectRef>
+          <a:fontRef idx="minor">
+            <a:schemeClr val="lt1"/>
+          </a:fontRef>
+        </p:style>
+        <p:txBody>
+          <a:bodyPr rtlCol="0" anchor="ctr"/>
+          <a:lstStyle/>
+          <a:p>
+            <a:pPr algn="ctr"/>
+            <a:r>
+              <a:rPr kumimoji="1" lang="ja-JP" altLang="en-US" dirty="0">
+                <a:solidFill>
+                  <a:schemeClr val="tx1"/>
+                </a:solidFill>
+              </a:rPr>
+              <a:t>衣服との新しいつきあい方の物語</a:t>
+            </a:r>
+            <a:endParaRPr kumimoji="1" lang="en-US" altLang="ja-JP" dirty="0">
+              <a:solidFill>
+                <a:schemeClr val="tx1"/>
+              </a:solidFill>
+            </a:endParaRPr>
+          </a:p>
+          <a:p>
+            <a:pPr algn="ctr"/>
+            <a:r>
+              <a:rPr kumimoji="1" lang="ja-JP" altLang="en-US" dirty="0">
+                <a:solidFill>
+                  <a:schemeClr val="tx1"/>
+                </a:solidFill>
+              </a:rPr>
+              <a:t>（ゲームで出品者に受け入れてもらったもの）</a:t>
+            </a:r>
+          </a:p>
+        </p:txBody>
+      </p:sp>
+      <p:sp>
+        <p:nvSpPr>
+          <p:cNvPr id="16" name="テキスト ボックス 15">
+            <a:extLst>
+              <a:ext uri="{FF2B5EF4-FFF2-40B4-BE49-F238E27FC236}">
+                <a16:creationId xmlns:a16="http://schemas.microsoft.com/office/drawing/2014/main" id="{4DEBBC14-FDA7-4FE5-BC6A-6A69AC3CE606}"/>
+              </a:ext>
+            </a:extLst>
+          </p:cNvPr>
+          <p:cNvSpPr txBox="1"/>
+          <p:nvPr/>
+        </p:nvSpPr>
+        <p:spPr>
+          <a:xfrm>
+            <a:off x="3187337" y="3499175"/>
+            <a:ext cx="4746171" cy="338554"/>
+          </a:xfrm>
+          <a:prstGeom prst="rect">
+            <a:avLst/>
+          </a:prstGeom>
+          <a:noFill/>
+        </p:spPr>
+        <p:txBody>
+          <a:bodyPr wrap="square" rtlCol="0">
+            <a:spAutoFit/>
+          </a:bodyPr>
+          <a:lstStyle/>
+          <a:p>
+            <a:r>
+              <a:rPr kumimoji="1" lang="ja-JP" altLang="en-US" sz="1600" dirty="0"/>
+              <a:t>（この</a:t>
+            </a:r>
+            <a:r>
+              <a:rPr kumimoji="1" lang="en-US" altLang="ja-JP" sz="1600" dirty="0"/>
+              <a:t>2</a:t>
+            </a:r>
+            <a:r>
+              <a:rPr kumimoji="1" lang="ja-JP" altLang="en-US" sz="1600" dirty="0"/>
+              <a:t>つのシートは</a:t>
+            </a:r>
+            <a:r>
+              <a:rPr kumimoji="1" lang="en-US" altLang="ja-JP" sz="1600" dirty="0"/>
+              <a:t>1</a:t>
+            </a:r>
+            <a:r>
+              <a:rPr kumimoji="1" lang="ja-JP" altLang="en-US" sz="1600" dirty="0"/>
+              <a:t>枚につながっています）</a:t>
+            </a:r>
+          </a:p>
+        </p:txBody>
+      </p:sp>
+      <p:sp>
+        <p:nvSpPr>
+          <p:cNvPr id="17" name="四角形: 角を丸くする 16">
+            <a:extLst>
+              <a:ext uri="{FF2B5EF4-FFF2-40B4-BE49-F238E27FC236}">
+                <a16:creationId xmlns:a16="http://schemas.microsoft.com/office/drawing/2014/main" id="{A19C0738-7651-4C91-ACE7-D745BD072493}"/>
+              </a:ext>
+            </a:extLst>
+          </p:cNvPr>
+          <p:cNvSpPr/>
+          <p:nvPr/>
+        </p:nvSpPr>
+        <p:spPr>
+          <a:xfrm>
+            <a:off x="3051897" y="4690711"/>
+            <a:ext cx="3157086" cy="1241659"/>
+          </a:xfrm>
+          <a:prstGeom prst="roundRect">
+            <a:avLst/>
+          </a:prstGeom>
+          <a:solidFill>
+            <a:schemeClr val="bg1"/>
+          </a:solidFill>
+          <a:ln>
+            <a:solidFill>
+              <a:schemeClr val="tx1"/>
+            </a:solidFill>
+          </a:ln>
+        </p:spPr>
+        <p:style>
+          <a:lnRef idx="2">
+            <a:schemeClr val="accent1">
+              <a:shade val="50000"/>
+            </a:schemeClr>
+          </a:lnRef>
+          <a:fillRef idx="1">
+            <a:schemeClr val="accent1"/>
+          </a:fillRef>
+          <a:effectRef idx="0">
+            <a:schemeClr val="accent1"/>
+          </a:effectRef>
+          <a:fontRef idx="minor">
+            <a:schemeClr val="lt1"/>
+          </a:fontRef>
+        </p:style>
+        <p:txBody>
+          <a:bodyPr rtlCol="0" anchor="ctr"/>
+          <a:lstStyle/>
+          <a:p>
+            <a:pPr algn="ctr"/>
+            <a:r>
+              <a:rPr kumimoji="1" lang="ja-JP" altLang="en-US" dirty="0">
+                <a:solidFill>
+                  <a:schemeClr val="tx1"/>
+                </a:solidFill>
+              </a:rPr>
+              <a:t>出品者による衣服の物語</a:t>
+            </a:r>
+          </a:p>
+        </p:txBody>
+      </p:sp>
+    </p:spTree>
+    <p:extLst>
+      <p:ext uri="{BB962C8B-B14F-4D97-AF65-F5344CB8AC3E}">
+        <p14:creationId xmlns:p14="http://schemas.microsoft.com/office/powerpoint/2010/main" val="3200176526"/>
+      </p:ext>
+    </p:extLst>
+  </p:cSld>
+  <p:clrMapOvr>
+    <a:masterClrMapping/>
+  </p:clrMapOvr>
+</p:sld>
+</file>
+
+<file path=ppt/slides/slide14.xml><?xml version="1.0" encoding="utf-8"?>
+<p:sld xmlns:a="http://schemas.openxmlformats.org/drawingml/2006/main" xmlns:r="http://schemas.openxmlformats.org/officeDocument/2006/relationships" xmlns:p="http://schemas.openxmlformats.org/presentationml/2006/main">
+  <p:cSld>
+    <p:spTree>
+      <p:nvGrpSpPr>
+        <p:cNvPr id="1" name=""/>
+        <p:cNvGrpSpPr/>
+        <p:nvPr/>
+      </p:nvGrpSpPr>
+      <p:grpSpPr>
+        <a:xfrm>
+          <a:off x="0" y="0"/>
+          <a:ext cx="0" cy="0"/>
+          <a:chOff x="0" y="0"/>
+          <a:chExt cx="0" cy="0"/>
+        </a:xfrm>
+      </p:grpSpPr>
+      <p:sp>
+        <p:nvSpPr>
+          <p:cNvPr id="2" name="四角形: メモ 1">
+            <a:extLst>
+              <a:ext uri="{FF2B5EF4-FFF2-40B4-BE49-F238E27FC236}">
+                <a16:creationId xmlns:a16="http://schemas.microsoft.com/office/drawing/2014/main" id="{78CDF783-D3F4-4FBE-8A07-D4B0260D5A84}"/>
+              </a:ext>
+            </a:extLst>
+          </p:cNvPr>
+          <p:cNvSpPr/>
+          <p:nvPr/>
+        </p:nvSpPr>
+        <p:spPr>
+          <a:xfrm>
+            <a:off x="10267517" y="1441190"/>
+            <a:ext cx="2165684" cy="2021305"/>
+          </a:xfrm>
+          <a:prstGeom prst="foldedCorner">
+            <a:avLst/>
+          </a:prstGeom>
+          <a:solidFill>
+            <a:schemeClr val="bg1"/>
+          </a:solidFill>
+          <a:ln>
+            <a:solidFill>
+              <a:schemeClr val="tx1"/>
+            </a:solidFill>
+          </a:ln>
+        </p:spPr>
+        <p:style>
+          <a:lnRef idx="2">
+            <a:schemeClr val="accent1">
+              <a:shade val="50000"/>
+            </a:schemeClr>
+          </a:lnRef>
+          <a:fillRef idx="1">
+            <a:schemeClr val="accent1"/>
+          </a:fillRef>
+          <a:effectRef idx="0">
+            <a:schemeClr val="accent1"/>
+          </a:effectRef>
+          <a:fontRef idx="minor">
+            <a:schemeClr val="lt1"/>
+          </a:fontRef>
+        </p:style>
+        <p:txBody>
+          <a:bodyPr rtlCol="0" anchor="ctr"/>
+          <a:lstStyle/>
+          <a:p>
+            <a:pPr algn="ctr"/>
+            <a:r>
+              <a:rPr kumimoji="1" lang="ja-JP" altLang="en-US" dirty="0">
+                <a:solidFill>
+                  <a:schemeClr val="tx1"/>
+                </a:solidFill>
+              </a:rPr>
+              <a:t>衣服の価値シート</a:t>
+            </a:r>
+          </a:p>
+        </p:txBody>
+      </p:sp>
+      <p:sp>
+        <p:nvSpPr>
+          <p:cNvPr id="3" name="四角形: メモ 2">
+            <a:extLst>
+              <a:ext uri="{FF2B5EF4-FFF2-40B4-BE49-F238E27FC236}">
+                <a16:creationId xmlns:a16="http://schemas.microsoft.com/office/drawing/2014/main" id="{A4B645C5-70F4-463B-846D-F65AF3EF8E20}"/>
+              </a:ext>
+            </a:extLst>
+          </p:cNvPr>
+          <p:cNvSpPr/>
+          <p:nvPr/>
+        </p:nvSpPr>
+        <p:spPr>
+          <a:xfrm>
+            <a:off x="1154849" y="4212846"/>
+            <a:ext cx="2165684" cy="2021305"/>
+          </a:xfrm>
+          <a:prstGeom prst="foldedCorner">
+            <a:avLst/>
+          </a:prstGeom>
+          <a:solidFill>
+            <a:schemeClr val="bg1"/>
+          </a:solidFill>
+          <a:ln>
+            <a:solidFill>
+              <a:schemeClr val="tx1"/>
+            </a:solidFill>
+          </a:ln>
+        </p:spPr>
+        <p:style>
+          <a:lnRef idx="2">
+            <a:schemeClr val="accent1">
+              <a:shade val="50000"/>
+            </a:schemeClr>
+          </a:lnRef>
+          <a:fillRef idx="1">
+            <a:schemeClr val="accent1"/>
+          </a:fillRef>
+          <a:effectRef idx="0">
+            <a:schemeClr val="accent1"/>
+          </a:effectRef>
+          <a:fontRef idx="minor">
+            <a:schemeClr val="lt1"/>
+          </a:fontRef>
+        </p:style>
+        <p:txBody>
+          <a:bodyPr rtlCol="0" anchor="ctr"/>
+          <a:lstStyle/>
+          <a:p>
+            <a:pPr algn="ctr"/>
+            <a:r>
+              <a:rPr kumimoji="1" lang="ja-JP" altLang="en-US" dirty="0">
+                <a:solidFill>
+                  <a:schemeClr val="tx1"/>
+                </a:solidFill>
+              </a:rPr>
+              <a:t>問題状況シート</a:t>
+            </a:r>
+          </a:p>
+        </p:txBody>
+      </p:sp>
+      <p:sp>
+        <p:nvSpPr>
+          <p:cNvPr id="4" name="四角形: メモ 3">
+            <a:extLst>
+              <a:ext uri="{FF2B5EF4-FFF2-40B4-BE49-F238E27FC236}">
+                <a16:creationId xmlns:a16="http://schemas.microsoft.com/office/drawing/2014/main" id="{810A84C6-0E0C-4165-B984-3702676B9A3F}"/>
+              </a:ext>
+            </a:extLst>
+          </p:cNvPr>
+          <p:cNvSpPr/>
+          <p:nvPr/>
+        </p:nvSpPr>
+        <p:spPr>
+          <a:xfrm>
+            <a:off x="4989722" y="4212847"/>
+            <a:ext cx="2165684" cy="2021305"/>
+          </a:xfrm>
+          <a:prstGeom prst="foldedCorner">
+            <a:avLst/>
+          </a:prstGeom>
+          <a:solidFill>
+            <a:schemeClr val="bg1"/>
+          </a:solidFill>
+          <a:ln>
+            <a:solidFill>
+              <a:schemeClr val="tx1"/>
+            </a:solidFill>
+          </a:ln>
+        </p:spPr>
+        <p:style>
+          <a:lnRef idx="2">
+            <a:schemeClr val="accent1">
+              <a:shade val="50000"/>
+            </a:schemeClr>
+          </a:lnRef>
+          <a:fillRef idx="1">
+            <a:schemeClr val="accent1"/>
+          </a:fillRef>
+          <a:effectRef idx="0">
+            <a:schemeClr val="accent1"/>
+          </a:effectRef>
+          <a:fontRef idx="minor">
+            <a:schemeClr val="lt1"/>
+          </a:fontRef>
+        </p:style>
+        <p:txBody>
+          <a:bodyPr rtlCol="0" anchor="ctr"/>
+          <a:lstStyle/>
+          <a:p>
+            <a:pPr algn="ctr"/>
+            <a:r>
+              <a:rPr kumimoji="1" lang="ja-JP" altLang="en-US" dirty="0">
+                <a:solidFill>
+                  <a:schemeClr val="tx1"/>
+                </a:solidFill>
+              </a:rPr>
+              <a:t>解決策シート</a:t>
+            </a:r>
+          </a:p>
+        </p:txBody>
+      </p:sp>
+      <p:sp>
+        <p:nvSpPr>
+          <p:cNvPr id="18" name="矢印: 右 17">
+            <a:extLst>
+              <a:ext uri="{FF2B5EF4-FFF2-40B4-BE49-F238E27FC236}">
+                <a16:creationId xmlns:a16="http://schemas.microsoft.com/office/drawing/2014/main" id="{A32221EF-1511-4313-865F-465FEEE51B5D}"/>
+              </a:ext>
+            </a:extLst>
+          </p:cNvPr>
+          <p:cNvSpPr/>
+          <p:nvPr/>
+        </p:nvSpPr>
+        <p:spPr>
+          <a:xfrm rot="10800000">
+            <a:off x="3706350" y="4949180"/>
+            <a:ext cx="897555" cy="548637"/>
+          </a:xfrm>
+          <a:prstGeom prst="rightArrow">
+            <a:avLst/>
+          </a:prstGeom>
+        </p:spPr>
+        <p:style>
+          <a:lnRef idx="2">
+            <a:schemeClr val="accent1">
+              <a:shade val="50000"/>
+            </a:schemeClr>
+          </a:lnRef>
+          <a:fillRef idx="1">
+            <a:schemeClr val="accent1"/>
+          </a:fillRef>
+          <a:effectRef idx="0">
+            <a:schemeClr val="accent1"/>
+          </a:effectRef>
+          <a:fontRef idx="minor">
+            <a:schemeClr val="lt1"/>
+          </a:fontRef>
+        </p:style>
+        <p:txBody>
+          <a:bodyPr rtlCol="0" anchor="ctr"/>
+          <a:lstStyle/>
+          <a:p>
+            <a:pPr algn="ctr"/>
+            <a:endParaRPr kumimoji="1" lang="ja-JP" altLang="en-US"/>
+          </a:p>
+        </p:txBody>
+      </p:sp>
+      <p:sp>
+        <p:nvSpPr>
+          <p:cNvPr id="19" name="テキスト ボックス 18">
+            <a:extLst>
+              <a:ext uri="{FF2B5EF4-FFF2-40B4-BE49-F238E27FC236}">
+                <a16:creationId xmlns:a16="http://schemas.microsoft.com/office/drawing/2014/main" id="{2E1D9AD6-1D6A-4C4B-B719-088E03C70DD8}"/>
+              </a:ext>
+            </a:extLst>
+          </p:cNvPr>
+          <p:cNvSpPr txBox="1"/>
+          <p:nvPr/>
+        </p:nvSpPr>
+        <p:spPr>
+          <a:xfrm>
+            <a:off x="3843510" y="4468122"/>
+            <a:ext cx="998454" cy="369332"/>
+          </a:xfrm>
+          <a:prstGeom prst="rect">
+            <a:avLst/>
+          </a:prstGeom>
+          <a:noFill/>
+        </p:spPr>
+        <p:txBody>
+          <a:bodyPr wrap="square" rtlCol="0">
+            <a:spAutoFit/>
+          </a:bodyPr>
+          <a:lstStyle/>
+          <a:p>
+            <a:r>
+              <a:rPr kumimoji="1" lang="ja-JP" altLang="en-US" dirty="0"/>
+              <a:t>解決！</a:t>
+            </a:r>
+          </a:p>
+        </p:txBody>
+      </p:sp>
+      <p:sp>
+        <p:nvSpPr>
+          <p:cNvPr id="21" name="四角形: 角を丸くする 20">
+            <a:extLst>
+              <a:ext uri="{FF2B5EF4-FFF2-40B4-BE49-F238E27FC236}">
+                <a16:creationId xmlns:a16="http://schemas.microsoft.com/office/drawing/2014/main" id="{E2C25109-AFE5-4DFE-B0CE-4D3B100216E2}"/>
+              </a:ext>
+            </a:extLst>
+          </p:cNvPr>
+          <p:cNvSpPr/>
+          <p:nvPr/>
+        </p:nvSpPr>
+        <p:spPr>
+          <a:xfrm>
+            <a:off x="193533" y="1831015"/>
+            <a:ext cx="3157086" cy="1241659"/>
+          </a:xfrm>
+          <a:prstGeom prst="roundRect">
+            <a:avLst/>
+          </a:prstGeom>
+          <a:solidFill>
+            <a:schemeClr val="bg1"/>
+          </a:solidFill>
+          <a:ln>
+            <a:solidFill>
+              <a:schemeClr val="tx1"/>
+            </a:solidFill>
+          </a:ln>
+        </p:spPr>
+        <p:style>
+          <a:lnRef idx="2">
+            <a:schemeClr val="accent1">
+              <a:shade val="50000"/>
+            </a:schemeClr>
+          </a:lnRef>
+          <a:fillRef idx="1">
+            <a:schemeClr val="accent1"/>
+          </a:fillRef>
+          <a:effectRef idx="0">
+            <a:schemeClr val="accent1"/>
+          </a:effectRef>
+          <a:fontRef idx="minor">
+            <a:schemeClr val="lt1"/>
+          </a:fontRef>
+        </p:style>
+        <p:txBody>
+          <a:bodyPr rtlCol="0" anchor="ctr"/>
+          <a:lstStyle/>
+          <a:p>
+            <a:pPr algn="ctr"/>
+            <a:r>
+              <a:rPr kumimoji="1" lang="ja-JP" altLang="en-US" dirty="0">
+                <a:solidFill>
+                  <a:schemeClr val="tx1"/>
+                </a:solidFill>
+              </a:rPr>
+              <a:t>衣服との新しいつきあい方の物語</a:t>
+            </a:r>
+            <a:endParaRPr kumimoji="1" lang="en-US" altLang="ja-JP" dirty="0">
+              <a:solidFill>
+                <a:schemeClr val="tx1"/>
+              </a:solidFill>
+            </a:endParaRPr>
+          </a:p>
+          <a:p>
+            <a:pPr algn="ctr"/>
+            <a:r>
+              <a:rPr kumimoji="1" lang="ja-JP" altLang="en-US" dirty="0">
+                <a:solidFill>
+                  <a:schemeClr val="tx1"/>
+                </a:solidFill>
+              </a:rPr>
+              <a:t>（ゲームで出品者に受け入れてもらったもの）</a:t>
+            </a:r>
+          </a:p>
+        </p:txBody>
+      </p:sp>
+      <p:sp>
+        <p:nvSpPr>
+          <p:cNvPr id="23" name="矢印: 上下 22">
+            <a:extLst>
+              <a:ext uri="{FF2B5EF4-FFF2-40B4-BE49-F238E27FC236}">
+                <a16:creationId xmlns:a16="http://schemas.microsoft.com/office/drawing/2014/main" id="{4A0E2B62-3784-4AC1-82E5-E3C63BDA260C}"/>
+              </a:ext>
+            </a:extLst>
+          </p:cNvPr>
+          <p:cNvSpPr/>
+          <p:nvPr/>
+        </p:nvSpPr>
+        <p:spPr>
+          <a:xfrm rot="5400000">
+            <a:off x="3866370" y="1779272"/>
+            <a:ext cx="577516" cy="1241660"/>
+          </a:xfrm>
+          <a:prstGeom prst="upDownArrow">
+            <a:avLst/>
+          </a:prstGeom>
+        </p:spPr>
+        <p:style>
+          <a:lnRef idx="2">
+            <a:schemeClr val="accent1">
+              <a:shade val="50000"/>
+            </a:schemeClr>
+          </a:lnRef>
+          <a:fillRef idx="1">
+            <a:schemeClr val="accent1"/>
+          </a:fillRef>
+          <a:effectRef idx="0">
+            <a:schemeClr val="accent1"/>
+          </a:effectRef>
+          <a:fontRef idx="minor">
+            <a:schemeClr val="lt1"/>
+          </a:fontRef>
+        </p:style>
+        <p:txBody>
+          <a:bodyPr rtlCol="0" anchor="ctr"/>
+          <a:lstStyle/>
+          <a:p>
+            <a:pPr algn="ctr"/>
+            <a:endParaRPr kumimoji="1" lang="ja-JP" altLang="en-US"/>
+          </a:p>
+        </p:txBody>
+      </p:sp>
+      <p:sp>
+        <p:nvSpPr>
+          <p:cNvPr id="24" name="テキスト ボックス 23">
+            <a:extLst>
+              <a:ext uri="{FF2B5EF4-FFF2-40B4-BE49-F238E27FC236}">
+                <a16:creationId xmlns:a16="http://schemas.microsoft.com/office/drawing/2014/main" id="{3C92A2ED-1BA2-4A97-A273-856025585E46}"/>
+              </a:ext>
+            </a:extLst>
+          </p:cNvPr>
+          <p:cNvSpPr txBox="1"/>
+          <p:nvPr/>
+        </p:nvSpPr>
+        <p:spPr>
+          <a:xfrm>
+            <a:off x="3415188" y="1729011"/>
+            <a:ext cx="1836821" cy="369332"/>
+          </a:xfrm>
+          <a:prstGeom prst="rect">
+            <a:avLst/>
+          </a:prstGeom>
+          <a:noFill/>
+        </p:spPr>
+        <p:txBody>
+          <a:bodyPr wrap="square" rtlCol="0">
+            <a:spAutoFit/>
+          </a:bodyPr>
+          <a:lstStyle/>
+          <a:p>
+            <a:r>
+              <a:rPr kumimoji="1" lang="ja-JP" altLang="en-US" dirty="0"/>
+              <a:t>整合している</a:t>
+            </a:r>
+          </a:p>
+        </p:txBody>
+      </p:sp>
+      <p:sp>
+        <p:nvSpPr>
+          <p:cNvPr id="29" name="矢印: 上下 28">
+            <a:extLst>
+              <a:ext uri="{FF2B5EF4-FFF2-40B4-BE49-F238E27FC236}">
+                <a16:creationId xmlns:a16="http://schemas.microsoft.com/office/drawing/2014/main" id="{4AD03135-1F59-4B12-9DC0-2322D5697E80}"/>
+              </a:ext>
+            </a:extLst>
+          </p:cNvPr>
+          <p:cNvSpPr/>
+          <p:nvPr/>
+        </p:nvSpPr>
+        <p:spPr>
+          <a:xfrm rot="10800000">
+            <a:off x="1772076" y="3181709"/>
+            <a:ext cx="577516" cy="909142"/>
+          </a:xfrm>
+          <a:prstGeom prst="upDownArrow">
+            <a:avLst/>
+          </a:prstGeom>
+          <a:solidFill>
+            <a:srgbClr val="FF0000"/>
+          </a:solidFill>
+        </p:spPr>
+        <p:style>
+          <a:lnRef idx="2">
+            <a:schemeClr val="accent1">
+              <a:shade val="50000"/>
+            </a:schemeClr>
+          </a:lnRef>
+          <a:fillRef idx="1">
+            <a:schemeClr val="accent1"/>
+          </a:fillRef>
+          <a:effectRef idx="0">
+            <a:schemeClr val="accent1"/>
+          </a:effectRef>
+          <a:fontRef idx="minor">
+            <a:schemeClr val="lt1"/>
+          </a:fontRef>
+        </p:style>
+        <p:txBody>
+          <a:bodyPr rtlCol="0" anchor="ctr"/>
+          <a:lstStyle/>
+          <a:p>
+            <a:pPr algn="ctr"/>
+            <a:endParaRPr kumimoji="1" lang="ja-JP" altLang="en-US"/>
+          </a:p>
+        </p:txBody>
+      </p:sp>
+      <p:sp>
+        <p:nvSpPr>
+          <p:cNvPr id="30" name="テキスト ボックス 29">
+            <a:extLst>
+              <a:ext uri="{FF2B5EF4-FFF2-40B4-BE49-F238E27FC236}">
+                <a16:creationId xmlns:a16="http://schemas.microsoft.com/office/drawing/2014/main" id="{4116D9FA-D257-492F-9C5E-036A46863D64}"/>
+              </a:ext>
+            </a:extLst>
+          </p:cNvPr>
+          <p:cNvSpPr txBox="1"/>
+          <p:nvPr/>
+        </p:nvSpPr>
+        <p:spPr>
+          <a:xfrm>
+            <a:off x="2402122" y="3393825"/>
+            <a:ext cx="1836821" cy="369332"/>
+          </a:xfrm>
+          <a:prstGeom prst="rect">
+            <a:avLst/>
+          </a:prstGeom>
+          <a:noFill/>
+        </p:spPr>
+        <p:txBody>
+          <a:bodyPr wrap="square" rtlCol="0">
+            <a:spAutoFit/>
+          </a:bodyPr>
+          <a:lstStyle/>
+          <a:p>
+            <a:r>
+              <a:rPr kumimoji="1" lang="ja-JP" altLang="en-US" dirty="0"/>
+              <a:t>相反する</a:t>
+            </a:r>
+          </a:p>
+        </p:txBody>
+      </p:sp>
+      <p:sp>
+        <p:nvSpPr>
+          <p:cNvPr id="31" name="四角形: 角を丸くする 30">
+            <a:extLst>
+              <a:ext uri="{FF2B5EF4-FFF2-40B4-BE49-F238E27FC236}">
+                <a16:creationId xmlns:a16="http://schemas.microsoft.com/office/drawing/2014/main" id="{DD3415E9-3E89-498B-B2B2-A9309827DF78}"/>
+              </a:ext>
+            </a:extLst>
+          </p:cNvPr>
+          <p:cNvSpPr/>
+          <p:nvPr/>
+        </p:nvSpPr>
+        <p:spPr>
+          <a:xfrm>
+            <a:off x="5057040" y="1831014"/>
+            <a:ext cx="3157086" cy="1241659"/>
+          </a:xfrm>
+          <a:prstGeom prst="roundRect">
+            <a:avLst/>
+          </a:prstGeom>
+          <a:solidFill>
+            <a:schemeClr val="bg1"/>
+          </a:solidFill>
+          <a:ln>
+            <a:solidFill>
+              <a:schemeClr val="tx1"/>
+            </a:solidFill>
+          </a:ln>
+        </p:spPr>
+        <p:style>
+          <a:lnRef idx="2">
+            <a:schemeClr val="accent1">
+              <a:shade val="50000"/>
+            </a:schemeClr>
+          </a:lnRef>
+          <a:fillRef idx="1">
+            <a:schemeClr val="accent1"/>
+          </a:fillRef>
+          <a:effectRef idx="0">
+            <a:schemeClr val="accent1"/>
+          </a:effectRef>
+          <a:fontRef idx="minor">
+            <a:schemeClr val="lt1"/>
+          </a:fontRef>
+        </p:style>
+        <p:txBody>
+          <a:bodyPr rtlCol="0" anchor="ctr"/>
+          <a:lstStyle/>
+          <a:p>
+            <a:pPr algn="ctr"/>
+            <a:r>
+              <a:rPr kumimoji="1" lang="ja-JP" altLang="en-US" dirty="0">
+                <a:solidFill>
+                  <a:schemeClr val="tx1"/>
+                </a:solidFill>
+              </a:rPr>
+              <a:t>出品者による衣服の物語</a:t>
+            </a:r>
+          </a:p>
+        </p:txBody>
+      </p:sp>
+      <p:sp>
+        <p:nvSpPr>
+          <p:cNvPr id="32" name="四角形: 角を丸くする 31">
+            <a:extLst>
+              <a:ext uri="{FF2B5EF4-FFF2-40B4-BE49-F238E27FC236}">
+                <a16:creationId xmlns:a16="http://schemas.microsoft.com/office/drawing/2014/main" id="{CE3419C0-EA67-452F-971C-2E22628E5F5A}"/>
+              </a:ext>
+            </a:extLst>
+          </p:cNvPr>
+          <p:cNvSpPr/>
+          <p:nvPr/>
+        </p:nvSpPr>
+        <p:spPr>
+          <a:xfrm>
+            <a:off x="9854" y="1509864"/>
+            <a:ext cx="8716132" cy="1883961"/>
+          </a:xfrm>
+          <a:prstGeom prst="roundRect">
+            <a:avLst/>
+          </a:prstGeom>
+          <a:noFill/>
+          <a:ln>
+            <a:solidFill>
+              <a:schemeClr val="tx1"/>
+            </a:solidFill>
+            <a:prstDash val="dash"/>
+          </a:ln>
+        </p:spPr>
+        <p:style>
+          <a:lnRef idx="2">
+            <a:schemeClr val="accent1">
+              <a:shade val="50000"/>
+            </a:schemeClr>
+          </a:lnRef>
+          <a:fillRef idx="1">
+            <a:schemeClr val="accent1"/>
+          </a:fillRef>
+          <a:effectRef idx="0">
+            <a:schemeClr val="accent1"/>
+          </a:effectRef>
+          <a:fontRef idx="minor">
+            <a:schemeClr val="lt1"/>
+          </a:fontRef>
+        </p:style>
+        <p:txBody>
+          <a:bodyPr rtlCol="0" anchor="ctr"/>
+          <a:lstStyle/>
+          <a:p>
+            <a:pPr algn="ctr"/>
+            <a:endParaRPr kumimoji="1" lang="ja-JP" altLang="en-US"/>
+          </a:p>
+        </p:txBody>
+      </p:sp>
+      <p:sp>
+        <p:nvSpPr>
+          <p:cNvPr id="33" name="矢印: 上下 32">
+            <a:extLst>
+              <a:ext uri="{FF2B5EF4-FFF2-40B4-BE49-F238E27FC236}">
+                <a16:creationId xmlns:a16="http://schemas.microsoft.com/office/drawing/2014/main" id="{9FEBFE3B-AFC8-4507-80DE-1F05C3ACECC3}"/>
+              </a:ext>
+            </a:extLst>
+          </p:cNvPr>
+          <p:cNvSpPr/>
+          <p:nvPr/>
+        </p:nvSpPr>
+        <p:spPr>
+          <a:xfrm rot="5400000">
+            <a:off x="9241737" y="1795580"/>
+            <a:ext cx="577516" cy="1241660"/>
+          </a:xfrm>
+          <a:prstGeom prst="upDownArrow">
+            <a:avLst/>
+          </a:prstGeom>
+        </p:spPr>
+        <p:style>
+          <a:lnRef idx="2">
+            <a:schemeClr val="accent1">
+              <a:shade val="50000"/>
+            </a:schemeClr>
+          </a:lnRef>
+          <a:fillRef idx="1">
+            <a:schemeClr val="accent1"/>
+          </a:fillRef>
+          <a:effectRef idx="0">
+            <a:schemeClr val="accent1"/>
+          </a:effectRef>
+          <a:fontRef idx="minor">
+            <a:schemeClr val="lt1"/>
+          </a:fontRef>
+        </p:style>
+        <p:txBody>
+          <a:bodyPr rtlCol="0" anchor="ctr"/>
+          <a:lstStyle/>
+          <a:p>
+            <a:pPr algn="ctr"/>
+            <a:endParaRPr kumimoji="1" lang="ja-JP" altLang="en-US"/>
+          </a:p>
+        </p:txBody>
+      </p:sp>
+      <p:sp>
+        <p:nvSpPr>
+          <p:cNvPr id="34" name="テキスト ボックス 33">
+            <a:extLst>
+              <a:ext uri="{FF2B5EF4-FFF2-40B4-BE49-F238E27FC236}">
+                <a16:creationId xmlns:a16="http://schemas.microsoft.com/office/drawing/2014/main" id="{00AF56F4-FD09-4165-8B13-1D3525B151BB}"/>
+              </a:ext>
+            </a:extLst>
+          </p:cNvPr>
+          <p:cNvSpPr txBox="1"/>
+          <p:nvPr/>
+        </p:nvSpPr>
+        <p:spPr>
+          <a:xfrm>
+            <a:off x="8790555" y="1789685"/>
+            <a:ext cx="1836821" cy="369332"/>
+          </a:xfrm>
+          <a:prstGeom prst="rect">
+            <a:avLst/>
+          </a:prstGeom>
+          <a:noFill/>
+        </p:spPr>
+        <p:txBody>
+          <a:bodyPr wrap="square" rtlCol="0">
+            <a:spAutoFit/>
+          </a:bodyPr>
+          <a:lstStyle/>
+          <a:p>
+            <a:r>
+              <a:rPr kumimoji="1" lang="ja-JP" altLang="en-US" dirty="0"/>
+              <a:t>整合している</a:t>
+            </a:r>
+          </a:p>
+        </p:txBody>
+      </p:sp>
+    </p:spTree>
+    <p:extLst>
+      <p:ext uri="{BB962C8B-B14F-4D97-AF65-F5344CB8AC3E}">
+        <p14:creationId xmlns:p14="http://schemas.microsoft.com/office/powerpoint/2010/main" val="3125822144"/>
+      </p:ext>
+    </p:extLst>
+  </p:cSld>
+  <p:clrMapOvr>
+    <a:masterClrMapping/>
+  </p:clrMapOvr>
+</p:sld>
+</file>
+
+<file path=ppt/slides/slide15.xml><?xml version="1.0" encoding="utf-8"?>
+<p:sld xmlns:a="http://schemas.openxmlformats.org/drawingml/2006/main" xmlns:r="http://schemas.openxmlformats.org/officeDocument/2006/relationships" xmlns:p="http://schemas.openxmlformats.org/presentationml/2006/main">
+  <p:cSld>
+    <p:spTree>
+      <p:nvGrpSpPr>
+        <p:cNvPr id="1" name=""/>
+        <p:cNvGrpSpPr/>
+        <p:nvPr/>
+      </p:nvGrpSpPr>
+      <p:grpSpPr>
+        <a:xfrm>
+          <a:off x="0" y="0"/>
+          <a:ext cx="0" cy="0"/>
+          <a:chOff x="0" y="0"/>
+          <a:chExt cx="0" cy="0"/>
+        </a:xfrm>
+      </p:grpSpPr>
+      <p:sp>
+        <p:nvSpPr>
+          <p:cNvPr id="2" name="四角形: メモ 1">
+            <a:extLst>
+              <a:ext uri="{FF2B5EF4-FFF2-40B4-BE49-F238E27FC236}">
+                <a16:creationId xmlns:a16="http://schemas.microsoft.com/office/drawing/2014/main" id="{82D14A63-5A1C-49A2-BCBE-276469B96C56}"/>
+              </a:ext>
+            </a:extLst>
+          </p:cNvPr>
+          <p:cNvSpPr/>
+          <p:nvPr/>
+        </p:nvSpPr>
+        <p:spPr>
+          <a:xfrm>
+            <a:off x="4070283" y="1260495"/>
+            <a:ext cx="3909059" cy="2974621"/>
+          </a:xfrm>
+          <a:prstGeom prst="foldedCorner">
+            <a:avLst/>
+          </a:prstGeom>
+          <a:solidFill>
+            <a:schemeClr val="bg1"/>
+          </a:solidFill>
+          <a:ln>
+            <a:solidFill>
+              <a:schemeClr val="tx1"/>
+            </a:solidFill>
+          </a:ln>
+        </p:spPr>
+        <p:style>
+          <a:lnRef idx="2">
+            <a:schemeClr val="accent1">
+              <a:shade val="50000"/>
+            </a:schemeClr>
+          </a:lnRef>
+          <a:fillRef idx="1">
+            <a:schemeClr val="accent1"/>
+          </a:fillRef>
+          <a:effectRef idx="0">
+            <a:schemeClr val="accent1"/>
+          </a:effectRef>
+          <a:fontRef idx="minor">
+            <a:schemeClr val="lt1"/>
+          </a:fontRef>
+        </p:style>
+        <p:txBody>
+          <a:bodyPr rtlCol="0" anchor="ctr"/>
+          <a:lstStyle/>
+          <a:p>
+            <a:pPr algn="ctr"/>
+            <a:r>
+              <a:rPr kumimoji="1" lang="ja-JP" altLang="en-US" dirty="0">
+                <a:solidFill>
+                  <a:schemeClr val="tx1"/>
+                </a:solidFill>
+              </a:rPr>
+              <a:t>衣服の価値シート</a:t>
+            </a:r>
+            <a:endParaRPr kumimoji="1" lang="en-US" altLang="ja-JP" dirty="0">
+              <a:solidFill>
+                <a:schemeClr val="tx1"/>
+              </a:solidFill>
+            </a:endParaRPr>
+          </a:p>
+          <a:p>
+            <a:pPr algn="ctr"/>
+            <a:endParaRPr lang="en-US" altLang="ja-JP" dirty="0">
+              <a:solidFill>
+                <a:schemeClr val="tx1"/>
+              </a:solidFill>
+            </a:endParaRPr>
+          </a:p>
+          <a:p>
+            <a:pPr algn="ctr"/>
+            <a:endParaRPr kumimoji="1" lang="en-US" altLang="ja-JP" dirty="0">
+              <a:solidFill>
+                <a:schemeClr val="tx1"/>
+              </a:solidFill>
+            </a:endParaRPr>
+          </a:p>
+          <a:p>
+            <a:pPr algn="ctr"/>
+            <a:endParaRPr lang="en-US" altLang="ja-JP" dirty="0">
+              <a:solidFill>
+                <a:schemeClr val="tx1"/>
+              </a:solidFill>
+            </a:endParaRPr>
+          </a:p>
+          <a:p>
+            <a:pPr algn="ctr"/>
+            <a:endParaRPr kumimoji="1" lang="en-US" altLang="ja-JP" dirty="0">
+              <a:solidFill>
+                <a:schemeClr val="tx1"/>
+              </a:solidFill>
+            </a:endParaRPr>
+          </a:p>
+          <a:p>
+            <a:pPr algn="ctr"/>
+            <a:endParaRPr lang="en-US" altLang="ja-JP" dirty="0">
+              <a:solidFill>
+                <a:schemeClr val="tx1"/>
+              </a:solidFill>
+            </a:endParaRPr>
+          </a:p>
+          <a:p>
+            <a:pPr algn="ctr"/>
+            <a:endParaRPr kumimoji="1" lang="en-US" altLang="ja-JP" dirty="0">
+              <a:solidFill>
+                <a:schemeClr val="tx1"/>
+              </a:solidFill>
+            </a:endParaRPr>
+          </a:p>
+          <a:p>
+            <a:pPr algn="ctr"/>
+            <a:endParaRPr kumimoji="1" lang="ja-JP" altLang="en-US" dirty="0">
+              <a:solidFill>
+                <a:schemeClr val="tx1"/>
+              </a:solidFill>
+            </a:endParaRPr>
+          </a:p>
+        </p:txBody>
+      </p:sp>
+      <p:sp>
+        <p:nvSpPr>
+          <p:cNvPr id="3" name="四角形: メモ 2">
+            <a:extLst>
+              <a:ext uri="{FF2B5EF4-FFF2-40B4-BE49-F238E27FC236}">
+                <a16:creationId xmlns:a16="http://schemas.microsoft.com/office/drawing/2014/main" id="{3E39E913-5A91-4630-8D72-D65E7BCC5BC6}"/>
+              </a:ext>
+            </a:extLst>
+          </p:cNvPr>
+          <p:cNvSpPr/>
+          <p:nvPr/>
+        </p:nvSpPr>
+        <p:spPr>
+          <a:xfrm>
+            <a:off x="4252763" y="2048577"/>
+            <a:ext cx="1568917" cy="462012"/>
+          </a:xfrm>
+          <a:prstGeom prst="foldedCorner">
+            <a:avLst/>
+          </a:prstGeom>
+          <a:solidFill>
+            <a:schemeClr val="bg1"/>
+          </a:solidFill>
+          <a:ln>
+            <a:solidFill>
+              <a:schemeClr val="tx1"/>
+            </a:solidFill>
+          </a:ln>
+        </p:spPr>
+        <p:style>
+          <a:lnRef idx="2">
+            <a:schemeClr val="accent1">
+              <a:shade val="50000"/>
+            </a:schemeClr>
+          </a:lnRef>
+          <a:fillRef idx="1">
+            <a:schemeClr val="accent1"/>
+          </a:fillRef>
+          <a:effectRef idx="0">
+            <a:schemeClr val="accent1"/>
+          </a:effectRef>
+          <a:fontRef idx="minor">
+            <a:schemeClr val="lt1"/>
+          </a:fontRef>
+        </p:style>
+        <p:txBody>
+          <a:bodyPr rtlCol="0" anchor="ctr"/>
+          <a:lstStyle/>
+          <a:p>
+            <a:pPr algn="ctr"/>
+            <a:r>
+              <a:rPr kumimoji="1" lang="ja-JP" altLang="en-US" dirty="0">
+                <a:solidFill>
+                  <a:schemeClr val="tx1"/>
+                </a:solidFill>
+              </a:rPr>
+              <a:t>（付箋）</a:t>
+            </a:r>
+          </a:p>
+        </p:txBody>
+      </p:sp>
+      <p:sp>
+        <p:nvSpPr>
+          <p:cNvPr id="4" name="四角形: メモ 3">
+            <a:extLst>
+              <a:ext uri="{FF2B5EF4-FFF2-40B4-BE49-F238E27FC236}">
+                <a16:creationId xmlns:a16="http://schemas.microsoft.com/office/drawing/2014/main" id="{C9428B11-9CD0-4066-A699-453A3401E200}"/>
+              </a:ext>
+            </a:extLst>
+          </p:cNvPr>
+          <p:cNvSpPr/>
+          <p:nvPr/>
+        </p:nvSpPr>
+        <p:spPr>
+          <a:xfrm>
+            <a:off x="4405163" y="2200977"/>
+            <a:ext cx="1568917" cy="462012"/>
+          </a:xfrm>
+          <a:prstGeom prst="foldedCorner">
+            <a:avLst/>
+          </a:prstGeom>
+          <a:solidFill>
+            <a:schemeClr val="bg1"/>
+          </a:solidFill>
+          <a:ln>
+            <a:solidFill>
+              <a:schemeClr val="tx1"/>
+            </a:solidFill>
+          </a:ln>
+        </p:spPr>
+        <p:style>
+          <a:lnRef idx="2">
+            <a:schemeClr val="accent1">
+              <a:shade val="50000"/>
+            </a:schemeClr>
+          </a:lnRef>
+          <a:fillRef idx="1">
+            <a:schemeClr val="accent1"/>
+          </a:fillRef>
+          <a:effectRef idx="0">
+            <a:schemeClr val="accent1"/>
+          </a:effectRef>
+          <a:fontRef idx="minor">
+            <a:schemeClr val="lt1"/>
+          </a:fontRef>
+        </p:style>
+        <p:txBody>
+          <a:bodyPr rtlCol="0" anchor="ctr"/>
+          <a:lstStyle/>
+          <a:p>
+            <a:pPr algn="ctr"/>
+            <a:r>
+              <a:rPr kumimoji="1" lang="ja-JP" altLang="en-US" dirty="0">
+                <a:solidFill>
+                  <a:schemeClr val="tx1"/>
+                </a:solidFill>
+              </a:rPr>
+              <a:t>（付箋）</a:t>
+            </a:r>
+          </a:p>
+        </p:txBody>
+      </p:sp>
+      <p:sp>
+        <p:nvSpPr>
+          <p:cNvPr id="5" name="四角形: メモ 4">
+            <a:extLst>
+              <a:ext uri="{FF2B5EF4-FFF2-40B4-BE49-F238E27FC236}">
+                <a16:creationId xmlns:a16="http://schemas.microsoft.com/office/drawing/2014/main" id="{CACEC627-FEED-4885-816F-C3C113B39A67}"/>
+              </a:ext>
+            </a:extLst>
+          </p:cNvPr>
+          <p:cNvSpPr/>
+          <p:nvPr/>
+        </p:nvSpPr>
+        <p:spPr>
+          <a:xfrm>
+            <a:off x="4557563" y="2353377"/>
+            <a:ext cx="1568917" cy="462012"/>
+          </a:xfrm>
+          <a:prstGeom prst="foldedCorner">
+            <a:avLst/>
+          </a:prstGeom>
+          <a:solidFill>
+            <a:schemeClr val="bg1"/>
+          </a:solidFill>
+          <a:ln>
+            <a:solidFill>
+              <a:schemeClr val="tx1"/>
+            </a:solidFill>
+          </a:ln>
+        </p:spPr>
+        <p:style>
+          <a:lnRef idx="2">
+            <a:schemeClr val="accent1">
+              <a:shade val="50000"/>
+            </a:schemeClr>
+          </a:lnRef>
+          <a:fillRef idx="1">
+            <a:schemeClr val="accent1"/>
+          </a:fillRef>
+          <a:effectRef idx="0">
+            <a:schemeClr val="accent1"/>
+          </a:effectRef>
+          <a:fontRef idx="minor">
+            <a:schemeClr val="lt1"/>
+          </a:fontRef>
+        </p:style>
+        <p:txBody>
+          <a:bodyPr rtlCol="0" anchor="ctr"/>
+          <a:lstStyle/>
+          <a:p>
+            <a:pPr algn="ctr"/>
+            <a:r>
+              <a:rPr kumimoji="1" lang="ja-JP" altLang="en-US" dirty="0">
+                <a:solidFill>
+                  <a:schemeClr val="tx1"/>
+                </a:solidFill>
+              </a:rPr>
+              <a:t>（付箋）</a:t>
+            </a:r>
+          </a:p>
+        </p:txBody>
+      </p:sp>
+      <p:sp>
+        <p:nvSpPr>
+          <p:cNvPr id="6" name="四角形: メモ 5">
+            <a:extLst>
+              <a:ext uri="{FF2B5EF4-FFF2-40B4-BE49-F238E27FC236}">
+                <a16:creationId xmlns:a16="http://schemas.microsoft.com/office/drawing/2014/main" id="{405A5BE6-F378-4775-B980-8FB3A11BD72A}"/>
+              </a:ext>
+            </a:extLst>
+          </p:cNvPr>
+          <p:cNvSpPr/>
+          <p:nvPr/>
+        </p:nvSpPr>
+        <p:spPr>
+          <a:xfrm>
+            <a:off x="4247951" y="3197994"/>
+            <a:ext cx="1568917" cy="462012"/>
+          </a:xfrm>
+          <a:prstGeom prst="foldedCorner">
+            <a:avLst/>
+          </a:prstGeom>
+          <a:solidFill>
+            <a:schemeClr val="bg1"/>
+          </a:solidFill>
+          <a:ln>
+            <a:solidFill>
+              <a:schemeClr val="tx1"/>
+            </a:solidFill>
+          </a:ln>
+        </p:spPr>
+        <p:style>
+          <a:lnRef idx="2">
+            <a:schemeClr val="accent1">
+              <a:shade val="50000"/>
+            </a:schemeClr>
+          </a:lnRef>
+          <a:fillRef idx="1">
+            <a:schemeClr val="accent1"/>
+          </a:fillRef>
+          <a:effectRef idx="0">
+            <a:schemeClr val="accent1"/>
+          </a:effectRef>
+          <a:fontRef idx="minor">
+            <a:schemeClr val="lt1"/>
+          </a:fontRef>
+        </p:style>
+        <p:txBody>
+          <a:bodyPr rtlCol="0" anchor="ctr"/>
+          <a:lstStyle/>
+          <a:p>
+            <a:pPr algn="ctr"/>
+            <a:r>
+              <a:rPr kumimoji="1" lang="ja-JP" altLang="en-US" dirty="0">
+                <a:solidFill>
+                  <a:schemeClr val="tx1"/>
+                </a:solidFill>
+              </a:rPr>
+              <a:t>（付箋）</a:t>
+            </a:r>
+          </a:p>
+        </p:txBody>
+      </p:sp>
+      <p:sp>
+        <p:nvSpPr>
+          <p:cNvPr id="8" name="四角形: メモ 7">
+            <a:extLst>
+              <a:ext uri="{FF2B5EF4-FFF2-40B4-BE49-F238E27FC236}">
+                <a16:creationId xmlns:a16="http://schemas.microsoft.com/office/drawing/2014/main" id="{8FA2677C-8E81-426C-89D3-BD5B3540FDE4}"/>
+              </a:ext>
+            </a:extLst>
+          </p:cNvPr>
+          <p:cNvSpPr/>
+          <p:nvPr/>
+        </p:nvSpPr>
+        <p:spPr>
+          <a:xfrm>
+            <a:off x="4400351" y="3350394"/>
+            <a:ext cx="1568917" cy="462012"/>
+          </a:xfrm>
+          <a:prstGeom prst="foldedCorner">
+            <a:avLst/>
+          </a:prstGeom>
+          <a:solidFill>
+            <a:schemeClr val="bg1"/>
+          </a:solidFill>
+          <a:ln>
+            <a:solidFill>
+              <a:schemeClr val="tx1"/>
+            </a:solidFill>
+          </a:ln>
+        </p:spPr>
+        <p:style>
+          <a:lnRef idx="2">
+            <a:schemeClr val="accent1">
+              <a:shade val="50000"/>
+            </a:schemeClr>
+          </a:lnRef>
+          <a:fillRef idx="1">
+            <a:schemeClr val="accent1"/>
+          </a:fillRef>
+          <a:effectRef idx="0">
+            <a:schemeClr val="accent1"/>
+          </a:effectRef>
+          <a:fontRef idx="minor">
+            <a:schemeClr val="lt1"/>
+          </a:fontRef>
+        </p:style>
+        <p:txBody>
+          <a:bodyPr rtlCol="0" anchor="ctr"/>
+          <a:lstStyle/>
+          <a:p>
+            <a:pPr algn="ctr"/>
+            <a:r>
+              <a:rPr kumimoji="1" lang="ja-JP" altLang="en-US" dirty="0">
+                <a:solidFill>
+                  <a:schemeClr val="tx1"/>
+                </a:solidFill>
+              </a:rPr>
+              <a:t>（付箋）</a:t>
+            </a:r>
+          </a:p>
+        </p:txBody>
+      </p:sp>
+      <p:sp>
+        <p:nvSpPr>
+          <p:cNvPr id="9" name="四角形: メモ 8">
+            <a:extLst>
+              <a:ext uri="{FF2B5EF4-FFF2-40B4-BE49-F238E27FC236}">
+                <a16:creationId xmlns:a16="http://schemas.microsoft.com/office/drawing/2014/main" id="{D894A924-B2D4-486B-86D8-119BA11812C1}"/>
+              </a:ext>
+            </a:extLst>
+          </p:cNvPr>
+          <p:cNvSpPr/>
+          <p:nvPr/>
+        </p:nvSpPr>
+        <p:spPr>
+          <a:xfrm>
+            <a:off x="6308960" y="2048577"/>
+            <a:ext cx="1568917" cy="462012"/>
+          </a:xfrm>
+          <a:prstGeom prst="foldedCorner">
+            <a:avLst/>
+          </a:prstGeom>
+          <a:solidFill>
+            <a:schemeClr val="bg1"/>
+          </a:solidFill>
+          <a:ln>
+            <a:solidFill>
+              <a:schemeClr val="tx1"/>
+            </a:solidFill>
+          </a:ln>
+        </p:spPr>
+        <p:style>
+          <a:lnRef idx="2">
+            <a:schemeClr val="accent1">
+              <a:shade val="50000"/>
+            </a:schemeClr>
+          </a:lnRef>
+          <a:fillRef idx="1">
+            <a:schemeClr val="accent1"/>
+          </a:fillRef>
+          <a:effectRef idx="0">
+            <a:schemeClr val="accent1"/>
+          </a:effectRef>
+          <a:fontRef idx="minor">
+            <a:schemeClr val="lt1"/>
+          </a:fontRef>
+        </p:style>
+        <p:txBody>
+          <a:bodyPr rtlCol="0" anchor="ctr"/>
+          <a:lstStyle/>
+          <a:p>
+            <a:pPr algn="ctr"/>
+            <a:r>
+              <a:rPr kumimoji="1" lang="ja-JP" altLang="en-US" dirty="0">
+                <a:solidFill>
+                  <a:schemeClr val="tx1"/>
+                </a:solidFill>
+              </a:rPr>
+              <a:t>（付箋）</a:t>
+            </a:r>
+          </a:p>
+        </p:txBody>
+      </p:sp>
+      <p:sp>
+        <p:nvSpPr>
+          <p:cNvPr id="11" name="四角形: 角を丸くする 10">
+            <a:extLst>
+              <a:ext uri="{FF2B5EF4-FFF2-40B4-BE49-F238E27FC236}">
+                <a16:creationId xmlns:a16="http://schemas.microsoft.com/office/drawing/2014/main" id="{FA8DE9B5-C161-428F-AEE2-B3C22C5A784F}"/>
+              </a:ext>
+            </a:extLst>
+          </p:cNvPr>
+          <p:cNvSpPr/>
+          <p:nvPr/>
+        </p:nvSpPr>
+        <p:spPr>
+          <a:xfrm>
+            <a:off x="4191802" y="1898583"/>
+            <a:ext cx="2015693" cy="1029101"/>
+          </a:xfrm>
+          <a:prstGeom prst="roundRect">
+            <a:avLst/>
+          </a:prstGeom>
+          <a:noFill/>
+          <a:ln>
+            <a:solidFill>
+              <a:schemeClr val="tx1"/>
+            </a:solidFill>
+            <a:prstDash val="dash"/>
+          </a:ln>
+        </p:spPr>
+        <p:style>
+          <a:lnRef idx="2">
+            <a:schemeClr val="accent1">
+              <a:shade val="50000"/>
+            </a:schemeClr>
+          </a:lnRef>
+          <a:fillRef idx="1">
+            <a:schemeClr val="accent1"/>
+          </a:fillRef>
+          <a:effectRef idx="0">
+            <a:schemeClr val="accent1"/>
+          </a:effectRef>
+          <a:fontRef idx="minor">
+            <a:schemeClr val="lt1"/>
+          </a:fontRef>
+        </p:style>
+        <p:txBody>
+          <a:bodyPr rtlCol="0" anchor="ctr"/>
+          <a:lstStyle/>
+          <a:p>
+            <a:pPr algn="ctr"/>
+            <a:endParaRPr kumimoji="1" lang="ja-JP" altLang="en-US"/>
+          </a:p>
+        </p:txBody>
+      </p:sp>
+      <p:sp>
+        <p:nvSpPr>
+          <p:cNvPr id="12" name="四角形: 角を丸くする 11">
+            <a:extLst>
+              <a:ext uri="{FF2B5EF4-FFF2-40B4-BE49-F238E27FC236}">
+                <a16:creationId xmlns:a16="http://schemas.microsoft.com/office/drawing/2014/main" id="{2297E915-6EC8-4102-8723-35D2C73DC149}"/>
+              </a:ext>
+            </a:extLst>
+          </p:cNvPr>
+          <p:cNvSpPr/>
+          <p:nvPr/>
+        </p:nvSpPr>
+        <p:spPr>
+          <a:xfrm>
+            <a:off x="4176962" y="3066849"/>
+            <a:ext cx="2015693" cy="1029101"/>
+          </a:xfrm>
+          <a:prstGeom prst="roundRect">
+            <a:avLst/>
+          </a:prstGeom>
+          <a:noFill/>
+          <a:ln>
+            <a:solidFill>
+              <a:schemeClr val="tx1"/>
+            </a:solidFill>
+            <a:prstDash val="dash"/>
+          </a:ln>
+        </p:spPr>
+        <p:style>
+          <a:lnRef idx="2">
+            <a:schemeClr val="accent1">
+              <a:shade val="50000"/>
+            </a:schemeClr>
+          </a:lnRef>
+          <a:fillRef idx="1">
+            <a:schemeClr val="accent1"/>
+          </a:fillRef>
+          <a:effectRef idx="0">
+            <a:schemeClr val="accent1"/>
+          </a:effectRef>
+          <a:fontRef idx="minor">
+            <a:schemeClr val="lt1"/>
+          </a:fontRef>
+        </p:style>
+        <p:txBody>
+          <a:bodyPr rtlCol="0" anchor="ctr"/>
+          <a:lstStyle/>
+          <a:p>
+            <a:pPr algn="ctr"/>
+            <a:endParaRPr kumimoji="1" lang="ja-JP" altLang="en-US"/>
+          </a:p>
+        </p:txBody>
+      </p:sp>
+    </p:spTree>
+    <p:extLst>
+      <p:ext uri="{BB962C8B-B14F-4D97-AF65-F5344CB8AC3E}">
+        <p14:creationId xmlns:p14="http://schemas.microsoft.com/office/powerpoint/2010/main" val="2162202814"/>
+      </p:ext>
+    </p:extLst>
+  </p:cSld>
+  <p:clrMapOvr>
+    <a:masterClrMapping/>
+  </p:clrMapOvr>
+</p:sld>
+</file>
+
+<file path=ppt/slides/slide16.xml><?xml version="1.0" encoding="utf-8"?>
+<p:sld xmlns:a="http://schemas.openxmlformats.org/drawingml/2006/main" xmlns:r="http://schemas.openxmlformats.org/officeDocument/2006/relationships" xmlns:p="http://schemas.openxmlformats.org/presentationml/2006/main">
+  <p:cSld>
+    <p:spTree>
+      <p:nvGrpSpPr>
+        <p:cNvPr id="1" name=""/>
+        <p:cNvGrpSpPr/>
+        <p:nvPr/>
+      </p:nvGrpSpPr>
+      <p:grpSpPr>
+        <a:xfrm>
+          <a:off x="0" y="0"/>
+          <a:ext cx="0" cy="0"/>
+          <a:chOff x="0" y="0"/>
+          <a:chExt cx="0" cy="0"/>
+        </a:xfrm>
+      </p:grpSpPr>
+      <p:sp>
+        <p:nvSpPr>
+          <p:cNvPr id="2" name="四角形: メモ 1">
+            <a:extLst>
+              <a:ext uri="{FF2B5EF4-FFF2-40B4-BE49-F238E27FC236}">
+                <a16:creationId xmlns:a16="http://schemas.microsoft.com/office/drawing/2014/main" id="{052409CF-2419-4726-B5B4-BD89DC46E414}"/>
+              </a:ext>
+            </a:extLst>
+          </p:cNvPr>
+          <p:cNvSpPr/>
+          <p:nvPr/>
+        </p:nvSpPr>
+        <p:spPr>
+          <a:xfrm>
+            <a:off x="4070283" y="1260495"/>
+            <a:ext cx="3909059" cy="2974621"/>
+          </a:xfrm>
+          <a:prstGeom prst="foldedCorner">
+            <a:avLst/>
+          </a:prstGeom>
+          <a:solidFill>
+            <a:schemeClr val="bg1"/>
+          </a:solidFill>
+          <a:ln>
+            <a:solidFill>
+              <a:schemeClr val="tx1"/>
+            </a:solidFill>
+          </a:ln>
+        </p:spPr>
+        <p:style>
+          <a:lnRef idx="2">
+            <a:schemeClr val="accent1">
+              <a:shade val="50000"/>
+            </a:schemeClr>
+          </a:lnRef>
+          <a:fillRef idx="1">
+            <a:schemeClr val="accent1"/>
+          </a:fillRef>
+          <a:effectRef idx="0">
+            <a:schemeClr val="accent1"/>
+          </a:effectRef>
+          <a:fontRef idx="minor">
+            <a:schemeClr val="lt1"/>
+          </a:fontRef>
+        </p:style>
+        <p:txBody>
+          <a:bodyPr rtlCol="0" anchor="ctr"/>
+          <a:lstStyle/>
+          <a:p>
+            <a:pPr algn="ctr"/>
+            <a:r>
+              <a:rPr kumimoji="1" lang="ja-JP" altLang="en-US" dirty="0">
+                <a:solidFill>
+                  <a:schemeClr val="tx1"/>
+                </a:solidFill>
+              </a:rPr>
+              <a:t>問題状況シート</a:t>
+            </a:r>
+            <a:endParaRPr kumimoji="1" lang="en-US" altLang="ja-JP" dirty="0">
+              <a:solidFill>
+                <a:schemeClr val="tx1"/>
+              </a:solidFill>
+            </a:endParaRPr>
+          </a:p>
+          <a:p>
+            <a:pPr algn="ctr"/>
+            <a:endParaRPr lang="en-US" altLang="ja-JP" dirty="0">
+              <a:solidFill>
+                <a:schemeClr val="tx1"/>
+              </a:solidFill>
+            </a:endParaRPr>
+          </a:p>
+          <a:p>
+            <a:pPr algn="ctr"/>
+            <a:endParaRPr kumimoji="1" lang="en-US" altLang="ja-JP" dirty="0">
+              <a:solidFill>
+                <a:schemeClr val="tx1"/>
+              </a:solidFill>
+            </a:endParaRPr>
+          </a:p>
+          <a:p>
+            <a:pPr algn="ctr"/>
+            <a:endParaRPr lang="en-US" altLang="ja-JP" dirty="0">
+              <a:solidFill>
+                <a:schemeClr val="tx1"/>
+              </a:solidFill>
+            </a:endParaRPr>
+          </a:p>
+          <a:p>
+            <a:pPr algn="ctr"/>
+            <a:endParaRPr kumimoji="1" lang="en-US" altLang="ja-JP" dirty="0">
+              <a:solidFill>
+                <a:schemeClr val="tx1"/>
+              </a:solidFill>
+            </a:endParaRPr>
+          </a:p>
+          <a:p>
+            <a:pPr algn="ctr"/>
+            <a:endParaRPr lang="en-US" altLang="ja-JP" dirty="0">
+              <a:solidFill>
+                <a:schemeClr val="tx1"/>
+              </a:solidFill>
+            </a:endParaRPr>
+          </a:p>
+          <a:p>
+            <a:pPr algn="ctr"/>
+            <a:endParaRPr kumimoji="1" lang="en-US" altLang="ja-JP" dirty="0">
+              <a:solidFill>
+                <a:schemeClr val="tx1"/>
+              </a:solidFill>
+            </a:endParaRPr>
+          </a:p>
+          <a:p>
+            <a:pPr algn="ctr"/>
+            <a:endParaRPr kumimoji="1" lang="ja-JP" altLang="en-US" dirty="0">
+              <a:solidFill>
+                <a:schemeClr val="tx1"/>
+              </a:solidFill>
+            </a:endParaRPr>
+          </a:p>
+        </p:txBody>
+      </p:sp>
+      <p:sp>
+        <p:nvSpPr>
+          <p:cNvPr id="3" name="四角形: メモ 2">
+            <a:extLst>
+              <a:ext uri="{FF2B5EF4-FFF2-40B4-BE49-F238E27FC236}">
+                <a16:creationId xmlns:a16="http://schemas.microsoft.com/office/drawing/2014/main" id="{94B02F5E-3FEC-4965-9944-4615B78F6F81}"/>
+              </a:ext>
+            </a:extLst>
+          </p:cNvPr>
+          <p:cNvSpPr/>
+          <p:nvPr/>
+        </p:nvSpPr>
+        <p:spPr>
+          <a:xfrm>
+            <a:off x="4252763" y="2048577"/>
+            <a:ext cx="1568917" cy="462012"/>
+          </a:xfrm>
+          <a:prstGeom prst="foldedCorner">
+            <a:avLst/>
+          </a:prstGeom>
+          <a:solidFill>
+            <a:schemeClr val="bg1"/>
+          </a:solidFill>
+          <a:ln>
+            <a:solidFill>
+              <a:schemeClr val="tx1"/>
+            </a:solidFill>
+          </a:ln>
+        </p:spPr>
+        <p:style>
+          <a:lnRef idx="2">
+            <a:schemeClr val="accent1">
+              <a:shade val="50000"/>
+            </a:schemeClr>
+          </a:lnRef>
+          <a:fillRef idx="1">
+            <a:schemeClr val="accent1"/>
+          </a:fillRef>
+          <a:effectRef idx="0">
+            <a:schemeClr val="accent1"/>
+          </a:effectRef>
+          <a:fontRef idx="minor">
+            <a:schemeClr val="lt1"/>
+          </a:fontRef>
+        </p:style>
+        <p:txBody>
+          <a:bodyPr rtlCol="0" anchor="ctr"/>
+          <a:lstStyle/>
+          <a:p>
+            <a:pPr algn="ctr"/>
+            <a:r>
+              <a:rPr kumimoji="1" lang="ja-JP" altLang="en-US" dirty="0">
+                <a:solidFill>
+                  <a:schemeClr val="tx1"/>
+                </a:solidFill>
+              </a:rPr>
+              <a:t>（付箋）</a:t>
+            </a:r>
+          </a:p>
+        </p:txBody>
+      </p:sp>
+      <p:sp>
+        <p:nvSpPr>
+          <p:cNvPr id="4" name="四角形: メモ 3">
+            <a:extLst>
+              <a:ext uri="{FF2B5EF4-FFF2-40B4-BE49-F238E27FC236}">
+                <a16:creationId xmlns:a16="http://schemas.microsoft.com/office/drawing/2014/main" id="{42F4659E-0953-485D-9518-335672F8C0A0}"/>
+              </a:ext>
+            </a:extLst>
+          </p:cNvPr>
+          <p:cNvSpPr/>
+          <p:nvPr/>
+        </p:nvSpPr>
+        <p:spPr>
+          <a:xfrm>
+            <a:off x="4405163" y="2200977"/>
+            <a:ext cx="1568917" cy="462012"/>
+          </a:xfrm>
+          <a:prstGeom prst="foldedCorner">
+            <a:avLst/>
+          </a:prstGeom>
+          <a:solidFill>
+            <a:schemeClr val="bg1"/>
+          </a:solidFill>
+          <a:ln>
+            <a:solidFill>
+              <a:schemeClr val="tx1"/>
+            </a:solidFill>
+          </a:ln>
+        </p:spPr>
+        <p:style>
+          <a:lnRef idx="2">
+            <a:schemeClr val="accent1">
+              <a:shade val="50000"/>
+            </a:schemeClr>
+          </a:lnRef>
+          <a:fillRef idx="1">
+            <a:schemeClr val="accent1"/>
+          </a:fillRef>
+          <a:effectRef idx="0">
+            <a:schemeClr val="accent1"/>
+          </a:effectRef>
+          <a:fontRef idx="minor">
+            <a:schemeClr val="lt1"/>
+          </a:fontRef>
+        </p:style>
+        <p:txBody>
+          <a:bodyPr rtlCol="0" anchor="ctr"/>
+          <a:lstStyle/>
+          <a:p>
+            <a:pPr algn="ctr"/>
+            <a:r>
+              <a:rPr kumimoji="1" lang="ja-JP" altLang="en-US" dirty="0">
+                <a:solidFill>
+                  <a:schemeClr val="tx1"/>
+                </a:solidFill>
+              </a:rPr>
+              <a:t>（付箋）</a:t>
+            </a:r>
+          </a:p>
+        </p:txBody>
+      </p:sp>
+      <p:sp>
+        <p:nvSpPr>
+          <p:cNvPr id="5" name="四角形: メモ 4">
+            <a:extLst>
+              <a:ext uri="{FF2B5EF4-FFF2-40B4-BE49-F238E27FC236}">
+                <a16:creationId xmlns:a16="http://schemas.microsoft.com/office/drawing/2014/main" id="{62C71A23-EFEF-4D3F-8109-EE30854CB6E8}"/>
+              </a:ext>
+            </a:extLst>
+          </p:cNvPr>
+          <p:cNvSpPr/>
+          <p:nvPr/>
+        </p:nvSpPr>
+        <p:spPr>
+          <a:xfrm>
+            <a:off x="4557563" y="2353377"/>
+            <a:ext cx="1568917" cy="462012"/>
+          </a:xfrm>
+          <a:prstGeom prst="foldedCorner">
+            <a:avLst/>
+          </a:prstGeom>
+          <a:solidFill>
+            <a:schemeClr val="bg1"/>
+          </a:solidFill>
+          <a:ln>
+            <a:solidFill>
+              <a:schemeClr val="tx1"/>
+            </a:solidFill>
+          </a:ln>
+        </p:spPr>
+        <p:style>
+          <a:lnRef idx="2">
+            <a:schemeClr val="accent1">
+              <a:shade val="50000"/>
+            </a:schemeClr>
+          </a:lnRef>
+          <a:fillRef idx="1">
+            <a:schemeClr val="accent1"/>
+          </a:fillRef>
+          <a:effectRef idx="0">
+            <a:schemeClr val="accent1"/>
+          </a:effectRef>
+          <a:fontRef idx="minor">
+            <a:schemeClr val="lt1"/>
+          </a:fontRef>
+        </p:style>
+        <p:txBody>
+          <a:bodyPr rtlCol="0" anchor="ctr"/>
+          <a:lstStyle/>
+          <a:p>
+            <a:pPr algn="ctr"/>
+            <a:r>
+              <a:rPr kumimoji="1" lang="ja-JP" altLang="en-US" dirty="0">
+                <a:solidFill>
+                  <a:schemeClr val="tx1"/>
+                </a:solidFill>
+              </a:rPr>
+              <a:t>（付箋）</a:t>
+            </a:r>
+          </a:p>
+        </p:txBody>
+      </p:sp>
+      <p:sp>
+        <p:nvSpPr>
+          <p:cNvPr id="6" name="四角形: メモ 5">
+            <a:extLst>
+              <a:ext uri="{FF2B5EF4-FFF2-40B4-BE49-F238E27FC236}">
+                <a16:creationId xmlns:a16="http://schemas.microsoft.com/office/drawing/2014/main" id="{39A39B6F-0776-449D-AA94-C6D991801EEF}"/>
+              </a:ext>
+            </a:extLst>
+          </p:cNvPr>
+          <p:cNvSpPr/>
+          <p:nvPr/>
+        </p:nvSpPr>
+        <p:spPr>
+          <a:xfrm>
+            <a:off x="4247951" y="3197994"/>
+            <a:ext cx="1568917" cy="462012"/>
+          </a:xfrm>
+          <a:prstGeom prst="foldedCorner">
+            <a:avLst/>
+          </a:prstGeom>
+          <a:solidFill>
+            <a:schemeClr val="bg1"/>
+          </a:solidFill>
+          <a:ln>
+            <a:solidFill>
+              <a:schemeClr val="tx1"/>
+            </a:solidFill>
+          </a:ln>
+        </p:spPr>
+        <p:style>
+          <a:lnRef idx="2">
+            <a:schemeClr val="accent1">
+              <a:shade val="50000"/>
+            </a:schemeClr>
+          </a:lnRef>
+          <a:fillRef idx="1">
+            <a:schemeClr val="accent1"/>
+          </a:fillRef>
+          <a:effectRef idx="0">
+            <a:schemeClr val="accent1"/>
+          </a:effectRef>
+          <a:fontRef idx="minor">
+            <a:schemeClr val="lt1"/>
+          </a:fontRef>
+        </p:style>
+        <p:txBody>
+          <a:bodyPr rtlCol="0" anchor="ctr"/>
+          <a:lstStyle/>
+          <a:p>
+            <a:pPr algn="ctr"/>
+            <a:r>
+              <a:rPr kumimoji="1" lang="ja-JP" altLang="en-US" dirty="0">
+                <a:solidFill>
+                  <a:schemeClr val="tx1"/>
+                </a:solidFill>
+              </a:rPr>
+              <a:t>（付箋）</a:t>
+            </a:r>
+          </a:p>
+        </p:txBody>
+      </p:sp>
+      <p:sp>
+        <p:nvSpPr>
+          <p:cNvPr id="7" name="四角形: メモ 6">
+            <a:extLst>
+              <a:ext uri="{FF2B5EF4-FFF2-40B4-BE49-F238E27FC236}">
+                <a16:creationId xmlns:a16="http://schemas.microsoft.com/office/drawing/2014/main" id="{5F6E2D15-57EF-4C88-9753-7420AD07A553}"/>
+              </a:ext>
+            </a:extLst>
+          </p:cNvPr>
+          <p:cNvSpPr/>
+          <p:nvPr/>
+        </p:nvSpPr>
+        <p:spPr>
+          <a:xfrm>
+            <a:off x="4400351" y="3350394"/>
+            <a:ext cx="1568917" cy="462012"/>
+          </a:xfrm>
+          <a:prstGeom prst="foldedCorner">
+            <a:avLst/>
+          </a:prstGeom>
+          <a:solidFill>
+            <a:schemeClr val="bg1"/>
+          </a:solidFill>
+          <a:ln>
+            <a:solidFill>
+              <a:schemeClr val="tx1"/>
+            </a:solidFill>
+          </a:ln>
+        </p:spPr>
+        <p:style>
+          <a:lnRef idx="2">
+            <a:schemeClr val="accent1">
+              <a:shade val="50000"/>
+            </a:schemeClr>
+          </a:lnRef>
+          <a:fillRef idx="1">
+            <a:schemeClr val="accent1"/>
+          </a:fillRef>
+          <a:effectRef idx="0">
+            <a:schemeClr val="accent1"/>
+          </a:effectRef>
+          <a:fontRef idx="minor">
+            <a:schemeClr val="lt1"/>
+          </a:fontRef>
+        </p:style>
+        <p:txBody>
+          <a:bodyPr rtlCol="0" anchor="ctr"/>
+          <a:lstStyle/>
+          <a:p>
+            <a:pPr algn="ctr"/>
+            <a:r>
+              <a:rPr kumimoji="1" lang="ja-JP" altLang="en-US" dirty="0">
+                <a:solidFill>
+                  <a:schemeClr val="tx1"/>
+                </a:solidFill>
+              </a:rPr>
+              <a:t>（付箋）</a:t>
+            </a:r>
+          </a:p>
+        </p:txBody>
+      </p:sp>
+      <p:sp>
+        <p:nvSpPr>
+          <p:cNvPr id="8" name="四角形: メモ 7">
+            <a:extLst>
+              <a:ext uri="{FF2B5EF4-FFF2-40B4-BE49-F238E27FC236}">
+                <a16:creationId xmlns:a16="http://schemas.microsoft.com/office/drawing/2014/main" id="{136821FD-4B5C-4D3F-9454-86FA03D8C154}"/>
+              </a:ext>
+            </a:extLst>
+          </p:cNvPr>
+          <p:cNvSpPr/>
+          <p:nvPr/>
+        </p:nvSpPr>
+        <p:spPr>
+          <a:xfrm>
+            <a:off x="6308960" y="2048577"/>
+            <a:ext cx="1568917" cy="462012"/>
+          </a:xfrm>
+          <a:prstGeom prst="foldedCorner">
+            <a:avLst/>
+          </a:prstGeom>
+          <a:solidFill>
+            <a:schemeClr val="bg1"/>
+          </a:solidFill>
+          <a:ln>
+            <a:solidFill>
+              <a:schemeClr val="tx1"/>
+            </a:solidFill>
+          </a:ln>
+        </p:spPr>
+        <p:style>
+          <a:lnRef idx="2">
+            <a:schemeClr val="accent1">
+              <a:shade val="50000"/>
+            </a:schemeClr>
+          </a:lnRef>
+          <a:fillRef idx="1">
+            <a:schemeClr val="accent1"/>
+          </a:fillRef>
+          <a:effectRef idx="0">
+            <a:schemeClr val="accent1"/>
+          </a:effectRef>
+          <a:fontRef idx="minor">
+            <a:schemeClr val="lt1"/>
+          </a:fontRef>
+        </p:style>
+        <p:txBody>
+          <a:bodyPr rtlCol="0" anchor="ctr"/>
+          <a:lstStyle/>
+          <a:p>
+            <a:pPr algn="ctr"/>
+            <a:r>
+              <a:rPr kumimoji="1" lang="ja-JP" altLang="en-US" dirty="0">
+                <a:solidFill>
+                  <a:schemeClr val="tx1"/>
+                </a:solidFill>
+              </a:rPr>
+              <a:t>（付箋）</a:t>
+            </a:r>
+          </a:p>
+        </p:txBody>
+      </p:sp>
+      <p:sp>
+        <p:nvSpPr>
+          <p:cNvPr id="9" name="四角形: 角を丸くする 8">
+            <a:extLst>
+              <a:ext uri="{FF2B5EF4-FFF2-40B4-BE49-F238E27FC236}">
+                <a16:creationId xmlns:a16="http://schemas.microsoft.com/office/drawing/2014/main" id="{5CF1294E-8BE2-431E-B758-5E26084749C9}"/>
+              </a:ext>
+            </a:extLst>
+          </p:cNvPr>
+          <p:cNvSpPr/>
+          <p:nvPr/>
+        </p:nvSpPr>
+        <p:spPr>
+          <a:xfrm>
+            <a:off x="4191802" y="1898583"/>
+            <a:ext cx="2015693" cy="1029101"/>
+          </a:xfrm>
+          <a:prstGeom prst="roundRect">
+            <a:avLst/>
+          </a:prstGeom>
+          <a:noFill/>
+          <a:ln>
+            <a:solidFill>
+              <a:schemeClr val="tx1"/>
+            </a:solidFill>
+            <a:prstDash val="dash"/>
+          </a:ln>
+        </p:spPr>
+        <p:style>
+          <a:lnRef idx="2">
+            <a:schemeClr val="accent1">
+              <a:shade val="50000"/>
+            </a:schemeClr>
+          </a:lnRef>
+          <a:fillRef idx="1">
+            <a:schemeClr val="accent1"/>
+          </a:fillRef>
+          <a:effectRef idx="0">
+            <a:schemeClr val="accent1"/>
+          </a:effectRef>
+          <a:fontRef idx="minor">
+            <a:schemeClr val="lt1"/>
+          </a:fontRef>
+        </p:style>
+        <p:txBody>
+          <a:bodyPr rtlCol="0" anchor="ctr"/>
+          <a:lstStyle/>
+          <a:p>
+            <a:pPr algn="ctr"/>
+            <a:endParaRPr kumimoji="1" lang="ja-JP" altLang="en-US"/>
+          </a:p>
+        </p:txBody>
+      </p:sp>
+      <p:sp>
+        <p:nvSpPr>
+          <p:cNvPr id="10" name="四角形: 角を丸くする 9">
+            <a:extLst>
+              <a:ext uri="{FF2B5EF4-FFF2-40B4-BE49-F238E27FC236}">
+                <a16:creationId xmlns:a16="http://schemas.microsoft.com/office/drawing/2014/main" id="{F7DF1696-EFD0-4871-8A5D-C3D9F0773181}"/>
+              </a:ext>
+            </a:extLst>
+          </p:cNvPr>
+          <p:cNvSpPr/>
+          <p:nvPr/>
+        </p:nvSpPr>
+        <p:spPr>
+          <a:xfrm>
+            <a:off x="4176962" y="3066849"/>
+            <a:ext cx="2015693" cy="1029101"/>
+          </a:xfrm>
+          <a:prstGeom prst="roundRect">
+            <a:avLst/>
+          </a:prstGeom>
+          <a:noFill/>
+          <a:ln>
+            <a:solidFill>
+              <a:schemeClr val="tx1"/>
+            </a:solidFill>
+            <a:prstDash val="dash"/>
+          </a:ln>
+        </p:spPr>
+        <p:style>
+          <a:lnRef idx="2">
+            <a:schemeClr val="accent1">
+              <a:shade val="50000"/>
+            </a:schemeClr>
+          </a:lnRef>
+          <a:fillRef idx="1">
+            <a:schemeClr val="accent1"/>
+          </a:fillRef>
+          <a:effectRef idx="0">
+            <a:schemeClr val="accent1"/>
+          </a:effectRef>
+          <a:fontRef idx="minor">
+            <a:schemeClr val="lt1"/>
+          </a:fontRef>
+        </p:style>
+        <p:txBody>
+          <a:bodyPr rtlCol="0" anchor="ctr"/>
+          <a:lstStyle/>
+          <a:p>
+            <a:pPr algn="ctr"/>
+            <a:endParaRPr kumimoji="1" lang="ja-JP" altLang="en-US"/>
+          </a:p>
+        </p:txBody>
+      </p:sp>
+    </p:spTree>
+    <p:extLst>
+      <p:ext uri="{BB962C8B-B14F-4D97-AF65-F5344CB8AC3E}">
+        <p14:creationId xmlns:p14="http://schemas.microsoft.com/office/powerpoint/2010/main" val="2427167018"/>
+      </p:ext>
+    </p:extLst>
+  </p:cSld>
+  <p:clrMapOvr>
+    <a:masterClrMapping/>
+  </p:clrMapOvr>
+</p:sld>
+</file>
+
+<file path=ppt/slides/slide17.xml><?xml version="1.0" encoding="utf-8"?>
+<p:sld xmlns:a="http://schemas.openxmlformats.org/drawingml/2006/main" xmlns:r="http://schemas.openxmlformats.org/officeDocument/2006/relationships" xmlns:p="http://schemas.openxmlformats.org/presentationml/2006/main">
+  <p:cSld>
+    <p:spTree>
+      <p:nvGrpSpPr>
+        <p:cNvPr id="1" name=""/>
+        <p:cNvGrpSpPr/>
+        <p:nvPr/>
+      </p:nvGrpSpPr>
+      <p:grpSpPr>
+        <a:xfrm>
+          <a:off x="0" y="0"/>
+          <a:ext cx="0" cy="0"/>
+          <a:chOff x="0" y="0"/>
+          <a:chExt cx="0" cy="0"/>
+        </a:xfrm>
+      </p:grpSpPr>
+      <p:sp>
+        <p:nvSpPr>
+          <p:cNvPr id="2" name="四角形: メモ 1">
+            <a:extLst>
+              <a:ext uri="{FF2B5EF4-FFF2-40B4-BE49-F238E27FC236}">
+                <a16:creationId xmlns:a16="http://schemas.microsoft.com/office/drawing/2014/main" id="{FC43597A-84BE-4573-9E78-46280CEF98AE}"/>
+              </a:ext>
+            </a:extLst>
+          </p:cNvPr>
+          <p:cNvSpPr/>
+          <p:nvPr/>
+        </p:nvSpPr>
+        <p:spPr>
+          <a:xfrm>
+            <a:off x="1753061" y="816343"/>
+            <a:ext cx="4206240" cy="3439886"/>
+          </a:xfrm>
+          <a:prstGeom prst="foldedCorner">
+            <a:avLst/>
+          </a:prstGeom>
+          <a:solidFill>
+            <a:schemeClr val="bg1"/>
+          </a:solidFill>
+          <a:ln>
+            <a:solidFill>
+              <a:schemeClr val="tx1"/>
+            </a:solidFill>
+          </a:ln>
+        </p:spPr>
+        <p:style>
+          <a:lnRef idx="2">
+            <a:schemeClr val="accent1">
+              <a:shade val="50000"/>
+            </a:schemeClr>
+          </a:lnRef>
+          <a:fillRef idx="1">
+            <a:schemeClr val="accent1"/>
+          </a:fillRef>
+          <a:effectRef idx="0">
+            <a:schemeClr val="accent1"/>
+          </a:effectRef>
+          <a:fontRef idx="minor">
+            <a:schemeClr val="lt1"/>
+          </a:fontRef>
+        </p:style>
+        <p:txBody>
+          <a:bodyPr rtlCol="0" anchor="ctr"/>
+          <a:lstStyle/>
+          <a:p>
+            <a:pPr algn="ctr"/>
+            <a:r>
+              <a:rPr kumimoji="1" lang="ja-JP" altLang="en-US" dirty="0">
+                <a:solidFill>
+                  <a:schemeClr val="tx1"/>
+                </a:solidFill>
+              </a:rPr>
+              <a:t>問題状況シート</a:t>
+            </a:r>
+            <a:endParaRPr kumimoji="1" lang="en-US" altLang="ja-JP" dirty="0">
+              <a:solidFill>
+                <a:schemeClr val="tx1"/>
+              </a:solidFill>
+            </a:endParaRPr>
+          </a:p>
+          <a:p>
+            <a:pPr algn="ctr"/>
+            <a:endParaRPr kumimoji="1" lang="en-US" altLang="ja-JP" dirty="0">
+              <a:solidFill>
+                <a:schemeClr val="tx1"/>
+              </a:solidFill>
+            </a:endParaRPr>
+          </a:p>
+          <a:p>
+            <a:pPr algn="ctr"/>
+            <a:endParaRPr lang="en-US" altLang="ja-JP" dirty="0">
+              <a:solidFill>
+                <a:schemeClr val="tx1"/>
+              </a:solidFill>
+            </a:endParaRPr>
+          </a:p>
+          <a:p>
+            <a:pPr algn="ctr"/>
+            <a:endParaRPr lang="en-US" altLang="ja-JP" dirty="0">
+              <a:solidFill>
+                <a:schemeClr val="tx1"/>
+              </a:solidFill>
+            </a:endParaRPr>
+          </a:p>
+          <a:p>
+            <a:pPr algn="ctr"/>
+            <a:endParaRPr lang="en-US" altLang="ja-JP" dirty="0">
+              <a:solidFill>
+                <a:schemeClr val="tx1"/>
+              </a:solidFill>
+            </a:endParaRPr>
+          </a:p>
+          <a:p>
+            <a:pPr algn="ctr"/>
+            <a:endParaRPr lang="en-US" altLang="ja-JP" dirty="0">
+              <a:solidFill>
+                <a:schemeClr val="tx1"/>
+              </a:solidFill>
+            </a:endParaRPr>
+          </a:p>
+          <a:p>
+            <a:pPr algn="ctr"/>
+            <a:endParaRPr kumimoji="1" lang="en-US" altLang="ja-JP" dirty="0">
+              <a:solidFill>
+                <a:schemeClr val="tx1"/>
+              </a:solidFill>
+            </a:endParaRPr>
+          </a:p>
+          <a:p>
+            <a:pPr algn="ctr"/>
+            <a:endParaRPr kumimoji="1" lang="ja-JP" altLang="en-US" dirty="0">
+              <a:solidFill>
+                <a:schemeClr val="tx1"/>
+              </a:solidFill>
+            </a:endParaRPr>
+          </a:p>
+        </p:txBody>
+      </p:sp>
+      <p:sp>
+        <p:nvSpPr>
+          <p:cNvPr id="3" name="四角形: メモ 2">
+            <a:extLst>
+              <a:ext uri="{FF2B5EF4-FFF2-40B4-BE49-F238E27FC236}">
+                <a16:creationId xmlns:a16="http://schemas.microsoft.com/office/drawing/2014/main" id="{9714A999-CD48-4FDF-AB70-EF069E0A679E}"/>
+              </a:ext>
+            </a:extLst>
+          </p:cNvPr>
+          <p:cNvSpPr/>
+          <p:nvPr/>
+        </p:nvSpPr>
+        <p:spPr>
+          <a:xfrm>
+            <a:off x="5959301" y="816343"/>
+            <a:ext cx="4026450" cy="3430546"/>
+          </a:xfrm>
+          <a:prstGeom prst="foldedCorner">
+            <a:avLst/>
+          </a:prstGeom>
+          <a:solidFill>
+            <a:schemeClr val="bg1"/>
+          </a:solidFill>
+          <a:ln>
+            <a:solidFill>
+              <a:schemeClr val="tx1"/>
+            </a:solidFill>
+          </a:ln>
+        </p:spPr>
+        <p:style>
+          <a:lnRef idx="2">
+            <a:schemeClr val="accent1">
+              <a:shade val="50000"/>
+            </a:schemeClr>
+          </a:lnRef>
+          <a:fillRef idx="1">
+            <a:schemeClr val="accent1"/>
+          </a:fillRef>
+          <a:effectRef idx="0">
+            <a:schemeClr val="accent1"/>
+          </a:effectRef>
+          <a:fontRef idx="minor">
+            <a:schemeClr val="lt1"/>
+          </a:fontRef>
+        </p:style>
+        <p:txBody>
+          <a:bodyPr rtlCol="0" anchor="ctr"/>
+          <a:lstStyle/>
+          <a:p>
+            <a:pPr algn="ctr"/>
+            <a:r>
+              <a:rPr kumimoji="1" lang="ja-JP" altLang="en-US" dirty="0">
+                <a:solidFill>
+                  <a:schemeClr val="tx1"/>
+                </a:solidFill>
+              </a:rPr>
+              <a:t>解決策シート</a:t>
+            </a:r>
+            <a:endParaRPr kumimoji="1" lang="en-US" altLang="ja-JP" dirty="0">
+              <a:solidFill>
+                <a:schemeClr val="tx1"/>
+              </a:solidFill>
+            </a:endParaRPr>
+          </a:p>
+          <a:p>
+            <a:pPr algn="ctr"/>
+            <a:endParaRPr lang="en-US" altLang="ja-JP" dirty="0">
+              <a:solidFill>
+                <a:schemeClr val="tx1"/>
+              </a:solidFill>
+            </a:endParaRPr>
+          </a:p>
+          <a:p>
+            <a:pPr algn="ctr"/>
+            <a:endParaRPr kumimoji="1" lang="en-US" altLang="ja-JP" dirty="0">
+              <a:solidFill>
+                <a:schemeClr val="tx1"/>
+              </a:solidFill>
+            </a:endParaRPr>
+          </a:p>
+          <a:p>
+            <a:pPr algn="ctr"/>
+            <a:endParaRPr lang="en-US" altLang="ja-JP" dirty="0">
+              <a:solidFill>
+                <a:schemeClr val="tx1"/>
+              </a:solidFill>
+            </a:endParaRPr>
+          </a:p>
+          <a:p>
+            <a:pPr algn="ctr"/>
+            <a:endParaRPr lang="en-US" altLang="ja-JP" dirty="0">
+              <a:solidFill>
+                <a:schemeClr val="tx1"/>
+              </a:solidFill>
+            </a:endParaRPr>
+          </a:p>
+          <a:p>
+            <a:pPr algn="ctr"/>
+            <a:endParaRPr lang="en-US" altLang="ja-JP" dirty="0">
+              <a:solidFill>
+                <a:schemeClr val="tx1"/>
+              </a:solidFill>
+            </a:endParaRPr>
+          </a:p>
+          <a:p>
+            <a:pPr algn="ctr"/>
+            <a:endParaRPr lang="en-US" altLang="ja-JP" dirty="0">
+              <a:solidFill>
+                <a:schemeClr val="tx1"/>
+              </a:solidFill>
+            </a:endParaRPr>
+          </a:p>
+          <a:p>
+            <a:pPr algn="ctr"/>
+            <a:endParaRPr kumimoji="1" lang="ja-JP" altLang="en-US" dirty="0">
+              <a:solidFill>
+                <a:schemeClr val="tx1"/>
+              </a:solidFill>
+            </a:endParaRPr>
+          </a:p>
+        </p:txBody>
+      </p:sp>
+      <p:sp>
+        <p:nvSpPr>
+          <p:cNvPr id="12" name="四角形: メモ 11">
+            <a:extLst>
+              <a:ext uri="{FF2B5EF4-FFF2-40B4-BE49-F238E27FC236}">
+                <a16:creationId xmlns:a16="http://schemas.microsoft.com/office/drawing/2014/main" id="{C6D1A9DD-72DA-4C19-9C6A-A428AFB30383}"/>
+              </a:ext>
+            </a:extLst>
+          </p:cNvPr>
+          <p:cNvSpPr/>
+          <p:nvPr/>
+        </p:nvSpPr>
+        <p:spPr>
+          <a:xfrm>
+            <a:off x="1901449" y="2000480"/>
+            <a:ext cx="1568917" cy="462012"/>
+          </a:xfrm>
+          <a:prstGeom prst="foldedCorner">
+            <a:avLst/>
+          </a:prstGeom>
+          <a:solidFill>
+            <a:schemeClr val="bg1"/>
+          </a:solidFill>
+          <a:ln>
+            <a:solidFill>
+              <a:schemeClr val="tx1"/>
+            </a:solidFill>
+          </a:ln>
+        </p:spPr>
+        <p:style>
+          <a:lnRef idx="2">
+            <a:schemeClr val="accent1">
+              <a:shade val="50000"/>
+            </a:schemeClr>
+          </a:lnRef>
+          <a:fillRef idx="1">
+            <a:schemeClr val="accent1"/>
+          </a:fillRef>
+          <a:effectRef idx="0">
+            <a:schemeClr val="accent1"/>
+          </a:effectRef>
+          <a:fontRef idx="minor">
+            <a:schemeClr val="lt1"/>
+          </a:fontRef>
+        </p:style>
+        <p:txBody>
+          <a:bodyPr rtlCol="0" anchor="ctr"/>
+          <a:lstStyle/>
+          <a:p>
+            <a:pPr algn="ctr"/>
+            <a:r>
+              <a:rPr kumimoji="1" lang="ja-JP" altLang="en-US" dirty="0">
+                <a:solidFill>
+                  <a:schemeClr val="tx1"/>
+                </a:solidFill>
+              </a:rPr>
+              <a:t>（付箋）</a:t>
+            </a:r>
+          </a:p>
+        </p:txBody>
+      </p:sp>
+      <p:sp>
+        <p:nvSpPr>
+          <p:cNvPr id="13" name="四角形: メモ 12">
+            <a:extLst>
+              <a:ext uri="{FF2B5EF4-FFF2-40B4-BE49-F238E27FC236}">
+                <a16:creationId xmlns:a16="http://schemas.microsoft.com/office/drawing/2014/main" id="{3EF7D649-8EB0-4101-AB12-5C742D789E79}"/>
+              </a:ext>
+            </a:extLst>
+          </p:cNvPr>
+          <p:cNvSpPr/>
+          <p:nvPr/>
+        </p:nvSpPr>
+        <p:spPr>
+          <a:xfrm>
+            <a:off x="2053849" y="2152880"/>
+            <a:ext cx="1568917" cy="462012"/>
+          </a:xfrm>
+          <a:prstGeom prst="foldedCorner">
+            <a:avLst/>
+          </a:prstGeom>
+          <a:solidFill>
+            <a:schemeClr val="bg1"/>
+          </a:solidFill>
+          <a:ln>
+            <a:solidFill>
+              <a:schemeClr val="tx1"/>
+            </a:solidFill>
+          </a:ln>
+        </p:spPr>
+        <p:style>
+          <a:lnRef idx="2">
+            <a:schemeClr val="accent1">
+              <a:shade val="50000"/>
+            </a:schemeClr>
+          </a:lnRef>
+          <a:fillRef idx="1">
+            <a:schemeClr val="accent1"/>
+          </a:fillRef>
+          <a:effectRef idx="0">
+            <a:schemeClr val="accent1"/>
+          </a:effectRef>
+          <a:fontRef idx="minor">
+            <a:schemeClr val="lt1"/>
+          </a:fontRef>
+        </p:style>
+        <p:txBody>
+          <a:bodyPr rtlCol="0" anchor="ctr"/>
+          <a:lstStyle/>
+          <a:p>
+            <a:pPr algn="ctr"/>
+            <a:r>
+              <a:rPr kumimoji="1" lang="ja-JP" altLang="en-US" dirty="0">
+                <a:solidFill>
+                  <a:schemeClr val="tx1"/>
+                </a:solidFill>
+              </a:rPr>
+              <a:t>（付箋）</a:t>
+            </a:r>
+          </a:p>
+        </p:txBody>
+      </p:sp>
+      <p:sp>
+        <p:nvSpPr>
+          <p:cNvPr id="14" name="四角形: メモ 13">
+            <a:extLst>
+              <a:ext uri="{FF2B5EF4-FFF2-40B4-BE49-F238E27FC236}">
+                <a16:creationId xmlns:a16="http://schemas.microsoft.com/office/drawing/2014/main" id="{71F9915C-17F0-4917-9200-24A8FF78A5E1}"/>
+              </a:ext>
+            </a:extLst>
+          </p:cNvPr>
+          <p:cNvSpPr/>
+          <p:nvPr/>
+        </p:nvSpPr>
+        <p:spPr>
+          <a:xfrm>
+            <a:off x="2206249" y="2305280"/>
+            <a:ext cx="1568917" cy="462012"/>
+          </a:xfrm>
+          <a:prstGeom prst="foldedCorner">
+            <a:avLst/>
+          </a:prstGeom>
+          <a:solidFill>
+            <a:schemeClr val="bg1"/>
+          </a:solidFill>
+          <a:ln>
+            <a:solidFill>
+              <a:schemeClr val="tx1"/>
+            </a:solidFill>
+          </a:ln>
+        </p:spPr>
+        <p:style>
+          <a:lnRef idx="2">
+            <a:schemeClr val="accent1">
+              <a:shade val="50000"/>
+            </a:schemeClr>
+          </a:lnRef>
+          <a:fillRef idx="1">
+            <a:schemeClr val="accent1"/>
+          </a:fillRef>
+          <a:effectRef idx="0">
+            <a:schemeClr val="accent1"/>
+          </a:effectRef>
+          <a:fontRef idx="minor">
+            <a:schemeClr val="lt1"/>
+          </a:fontRef>
+        </p:style>
+        <p:txBody>
+          <a:bodyPr rtlCol="0" anchor="ctr"/>
+          <a:lstStyle/>
+          <a:p>
+            <a:pPr algn="ctr"/>
+            <a:r>
+              <a:rPr kumimoji="1" lang="ja-JP" altLang="en-US" dirty="0">
+                <a:solidFill>
+                  <a:schemeClr val="tx1"/>
+                </a:solidFill>
+              </a:rPr>
+              <a:t>（付箋）</a:t>
+            </a:r>
+          </a:p>
+        </p:txBody>
+      </p:sp>
+      <p:sp>
+        <p:nvSpPr>
+          <p:cNvPr id="15" name="四角形: メモ 14">
+            <a:extLst>
+              <a:ext uri="{FF2B5EF4-FFF2-40B4-BE49-F238E27FC236}">
+                <a16:creationId xmlns:a16="http://schemas.microsoft.com/office/drawing/2014/main" id="{037B934C-9AD3-4E17-89C4-01EF2DF1E58C}"/>
+              </a:ext>
+            </a:extLst>
+          </p:cNvPr>
+          <p:cNvSpPr/>
+          <p:nvPr/>
+        </p:nvSpPr>
+        <p:spPr>
+          <a:xfrm>
+            <a:off x="1896637" y="3149897"/>
+            <a:ext cx="1568917" cy="462012"/>
+          </a:xfrm>
+          <a:prstGeom prst="foldedCorner">
+            <a:avLst/>
+          </a:prstGeom>
+          <a:solidFill>
+            <a:schemeClr val="bg1"/>
+          </a:solidFill>
+          <a:ln>
+            <a:solidFill>
+              <a:schemeClr val="tx1"/>
+            </a:solidFill>
+          </a:ln>
+        </p:spPr>
+        <p:style>
+          <a:lnRef idx="2">
+            <a:schemeClr val="accent1">
+              <a:shade val="50000"/>
+            </a:schemeClr>
+          </a:lnRef>
+          <a:fillRef idx="1">
+            <a:schemeClr val="accent1"/>
+          </a:fillRef>
+          <a:effectRef idx="0">
+            <a:schemeClr val="accent1"/>
+          </a:effectRef>
+          <a:fontRef idx="minor">
+            <a:schemeClr val="lt1"/>
+          </a:fontRef>
+        </p:style>
+        <p:txBody>
+          <a:bodyPr rtlCol="0" anchor="ctr"/>
+          <a:lstStyle/>
+          <a:p>
+            <a:pPr algn="ctr"/>
+            <a:r>
+              <a:rPr kumimoji="1" lang="ja-JP" altLang="en-US" dirty="0">
+                <a:solidFill>
+                  <a:schemeClr val="tx1"/>
+                </a:solidFill>
+              </a:rPr>
+              <a:t>（付箋）</a:t>
+            </a:r>
+          </a:p>
+        </p:txBody>
+      </p:sp>
+      <p:sp>
+        <p:nvSpPr>
+          <p:cNvPr id="16" name="四角形: メモ 15">
+            <a:extLst>
+              <a:ext uri="{FF2B5EF4-FFF2-40B4-BE49-F238E27FC236}">
+                <a16:creationId xmlns:a16="http://schemas.microsoft.com/office/drawing/2014/main" id="{A45512D3-B075-4A5F-908F-A3CCC7223940}"/>
+              </a:ext>
+            </a:extLst>
+          </p:cNvPr>
+          <p:cNvSpPr/>
+          <p:nvPr/>
+        </p:nvSpPr>
+        <p:spPr>
+          <a:xfrm>
+            <a:off x="2049037" y="3302297"/>
+            <a:ext cx="1568917" cy="462012"/>
+          </a:xfrm>
+          <a:prstGeom prst="foldedCorner">
+            <a:avLst/>
+          </a:prstGeom>
+          <a:solidFill>
+            <a:schemeClr val="bg1"/>
+          </a:solidFill>
+          <a:ln>
+            <a:solidFill>
+              <a:schemeClr val="tx1"/>
+            </a:solidFill>
+          </a:ln>
+        </p:spPr>
+        <p:style>
+          <a:lnRef idx="2">
+            <a:schemeClr val="accent1">
+              <a:shade val="50000"/>
+            </a:schemeClr>
+          </a:lnRef>
+          <a:fillRef idx="1">
+            <a:schemeClr val="accent1"/>
+          </a:fillRef>
+          <a:effectRef idx="0">
+            <a:schemeClr val="accent1"/>
+          </a:effectRef>
+          <a:fontRef idx="minor">
+            <a:schemeClr val="lt1"/>
+          </a:fontRef>
+        </p:style>
+        <p:txBody>
+          <a:bodyPr rtlCol="0" anchor="ctr"/>
+          <a:lstStyle/>
+          <a:p>
+            <a:pPr algn="ctr"/>
+            <a:r>
+              <a:rPr kumimoji="1" lang="ja-JP" altLang="en-US" dirty="0">
+                <a:solidFill>
+                  <a:schemeClr val="tx1"/>
+                </a:solidFill>
+              </a:rPr>
+              <a:t>（付箋）</a:t>
+            </a:r>
+          </a:p>
+        </p:txBody>
+      </p:sp>
+      <p:sp>
+        <p:nvSpPr>
+          <p:cNvPr id="17" name="四角形: メモ 16">
+            <a:extLst>
+              <a:ext uri="{FF2B5EF4-FFF2-40B4-BE49-F238E27FC236}">
+                <a16:creationId xmlns:a16="http://schemas.microsoft.com/office/drawing/2014/main" id="{C60EA683-8589-4E60-B95B-C5A1944AA190}"/>
+              </a:ext>
+            </a:extLst>
+          </p:cNvPr>
+          <p:cNvSpPr/>
+          <p:nvPr/>
+        </p:nvSpPr>
+        <p:spPr>
+          <a:xfrm>
+            <a:off x="3957646" y="2000480"/>
+            <a:ext cx="1568917" cy="462012"/>
+          </a:xfrm>
+          <a:prstGeom prst="foldedCorner">
+            <a:avLst/>
+          </a:prstGeom>
+          <a:solidFill>
+            <a:schemeClr val="bg1"/>
+          </a:solidFill>
+          <a:ln>
+            <a:solidFill>
+              <a:schemeClr val="tx1"/>
+            </a:solidFill>
+          </a:ln>
+        </p:spPr>
+        <p:style>
+          <a:lnRef idx="2">
+            <a:schemeClr val="accent1">
+              <a:shade val="50000"/>
+            </a:schemeClr>
+          </a:lnRef>
+          <a:fillRef idx="1">
+            <a:schemeClr val="accent1"/>
+          </a:fillRef>
+          <a:effectRef idx="0">
+            <a:schemeClr val="accent1"/>
+          </a:effectRef>
+          <a:fontRef idx="minor">
+            <a:schemeClr val="lt1"/>
+          </a:fontRef>
+        </p:style>
+        <p:txBody>
+          <a:bodyPr rtlCol="0" anchor="ctr"/>
+          <a:lstStyle/>
+          <a:p>
+            <a:pPr algn="ctr"/>
+            <a:r>
+              <a:rPr kumimoji="1" lang="ja-JP" altLang="en-US" dirty="0">
+                <a:solidFill>
+                  <a:schemeClr val="tx1"/>
+                </a:solidFill>
+              </a:rPr>
+              <a:t>（付箋）</a:t>
+            </a:r>
+          </a:p>
+        </p:txBody>
+      </p:sp>
+      <p:sp>
+        <p:nvSpPr>
+          <p:cNvPr id="18" name="四角形: 角を丸くする 17">
+            <a:extLst>
+              <a:ext uri="{FF2B5EF4-FFF2-40B4-BE49-F238E27FC236}">
+                <a16:creationId xmlns:a16="http://schemas.microsoft.com/office/drawing/2014/main" id="{0FBC5402-2145-43D7-80B0-66E7F1C2203B}"/>
+              </a:ext>
+            </a:extLst>
+          </p:cNvPr>
+          <p:cNvSpPr/>
+          <p:nvPr/>
+        </p:nvSpPr>
+        <p:spPr>
+          <a:xfrm>
+            <a:off x="1840488" y="1850486"/>
+            <a:ext cx="2015693" cy="1029101"/>
+          </a:xfrm>
+          <a:prstGeom prst="roundRect">
+            <a:avLst/>
+          </a:prstGeom>
+          <a:noFill/>
+          <a:ln>
+            <a:solidFill>
+              <a:schemeClr val="tx1"/>
+            </a:solidFill>
+            <a:prstDash val="dash"/>
+          </a:ln>
+        </p:spPr>
+        <p:style>
+          <a:lnRef idx="2">
+            <a:schemeClr val="accent1">
+              <a:shade val="50000"/>
+            </a:schemeClr>
+          </a:lnRef>
+          <a:fillRef idx="1">
+            <a:schemeClr val="accent1"/>
+          </a:fillRef>
+          <a:effectRef idx="0">
+            <a:schemeClr val="accent1"/>
+          </a:effectRef>
+          <a:fontRef idx="minor">
+            <a:schemeClr val="lt1"/>
+          </a:fontRef>
+        </p:style>
+        <p:txBody>
+          <a:bodyPr rtlCol="0" anchor="ctr"/>
+          <a:lstStyle/>
+          <a:p>
+            <a:pPr algn="ctr"/>
+            <a:endParaRPr kumimoji="1" lang="ja-JP" altLang="en-US"/>
+          </a:p>
+        </p:txBody>
+      </p:sp>
+      <p:sp>
+        <p:nvSpPr>
+          <p:cNvPr id="19" name="四角形: 角を丸くする 18">
+            <a:extLst>
+              <a:ext uri="{FF2B5EF4-FFF2-40B4-BE49-F238E27FC236}">
+                <a16:creationId xmlns:a16="http://schemas.microsoft.com/office/drawing/2014/main" id="{24D2A97B-19D0-440A-9962-DFFD280252A3}"/>
+              </a:ext>
+            </a:extLst>
+          </p:cNvPr>
+          <p:cNvSpPr/>
+          <p:nvPr/>
+        </p:nvSpPr>
+        <p:spPr>
+          <a:xfrm>
+            <a:off x="1825648" y="3018752"/>
+            <a:ext cx="2015693" cy="1029101"/>
+          </a:xfrm>
+          <a:prstGeom prst="roundRect">
+            <a:avLst/>
+          </a:prstGeom>
+          <a:noFill/>
+          <a:ln>
+            <a:solidFill>
+              <a:schemeClr val="tx1"/>
+            </a:solidFill>
+            <a:prstDash val="dash"/>
+          </a:ln>
+        </p:spPr>
+        <p:style>
+          <a:lnRef idx="2">
+            <a:schemeClr val="accent1">
+              <a:shade val="50000"/>
+            </a:schemeClr>
+          </a:lnRef>
+          <a:fillRef idx="1">
+            <a:schemeClr val="accent1"/>
+          </a:fillRef>
+          <a:effectRef idx="0">
+            <a:schemeClr val="accent1"/>
+          </a:effectRef>
+          <a:fontRef idx="minor">
+            <a:schemeClr val="lt1"/>
+          </a:fontRef>
+        </p:style>
+        <p:txBody>
+          <a:bodyPr rtlCol="0" anchor="ctr"/>
+          <a:lstStyle/>
+          <a:p>
+            <a:pPr algn="ctr"/>
+            <a:endParaRPr kumimoji="1" lang="ja-JP" altLang="en-US"/>
+          </a:p>
+        </p:txBody>
+      </p:sp>
+      <p:sp>
+        <p:nvSpPr>
+          <p:cNvPr id="21" name="四角形: メモ 20">
+            <a:extLst>
+              <a:ext uri="{FF2B5EF4-FFF2-40B4-BE49-F238E27FC236}">
+                <a16:creationId xmlns:a16="http://schemas.microsoft.com/office/drawing/2014/main" id="{305ACC5B-E384-43EC-85AF-0926A2C6C2C0}"/>
+              </a:ext>
+            </a:extLst>
+          </p:cNvPr>
+          <p:cNvSpPr/>
+          <p:nvPr/>
+        </p:nvSpPr>
+        <p:spPr>
+          <a:xfrm>
+            <a:off x="7118573" y="1769474"/>
+            <a:ext cx="1568917" cy="462012"/>
+          </a:xfrm>
+          <a:prstGeom prst="foldedCorner">
+            <a:avLst/>
+          </a:prstGeom>
+          <a:solidFill>
+            <a:schemeClr val="bg1"/>
+          </a:solidFill>
+          <a:ln>
+            <a:solidFill>
+              <a:schemeClr val="tx1"/>
+            </a:solidFill>
+          </a:ln>
+        </p:spPr>
+        <p:style>
+          <a:lnRef idx="2">
+            <a:schemeClr val="accent1">
+              <a:shade val="50000"/>
+            </a:schemeClr>
+          </a:lnRef>
+          <a:fillRef idx="1">
+            <a:schemeClr val="accent1"/>
+          </a:fillRef>
+          <a:effectRef idx="0">
+            <a:schemeClr val="accent1"/>
+          </a:effectRef>
+          <a:fontRef idx="minor">
+            <a:schemeClr val="lt1"/>
+          </a:fontRef>
+        </p:style>
+        <p:txBody>
+          <a:bodyPr rtlCol="0" anchor="ctr"/>
+          <a:lstStyle/>
+          <a:p>
+            <a:pPr algn="ctr"/>
+            <a:r>
+              <a:rPr kumimoji="1" lang="ja-JP" altLang="en-US" dirty="0">
+                <a:solidFill>
+                  <a:schemeClr val="tx1"/>
+                </a:solidFill>
+              </a:rPr>
+              <a:t>（付箋）</a:t>
+            </a:r>
+          </a:p>
+        </p:txBody>
+      </p:sp>
+      <p:sp>
+        <p:nvSpPr>
+          <p:cNvPr id="22" name="四角形: メモ 21">
+            <a:extLst>
+              <a:ext uri="{FF2B5EF4-FFF2-40B4-BE49-F238E27FC236}">
+                <a16:creationId xmlns:a16="http://schemas.microsoft.com/office/drawing/2014/main" id="{C00AE317-AC9D-4A83-8AB2-1BE0526104E5}"/>
+              </a:ext>
+            </a:extLst>
+          </p:cNvPr>
+          <p:cNvSpPr/>
+          <p:nvPr/>
+        </p:nvSpPr>
+        <p:spPr>
+          <a:xfrm>
+            <a:off x="7118572" y="2563186"/>
+            <a:ext cx="1568917" cy="462012"/>
+          </a:xfrm>
+          <a:prstGeom prst="foldedCorner">
+            <a:avLst/>
+          </a:prstGeom>
+          <a:solidFill>
+            <a:schemeClr val="bg1"/>
+          </a:solidFill>
+          <a:ln>
+            <a:solidFill>
+              <a:schemeClr val="tx1"/>
+            </a:solidFill>
+          </a:ln>
+        </p:spPr>
+        <p:style>
+          <a:lnRef idx="2">
+            <a:schemeClr val="accent1">
+              <a:shade val="50000"/>
+            </a:schemeClr>
+          </a:lnRef>
+          <a:fillRef idx="1">
+            <a:schemeClr val="accent1"/>
+          </a:fillRef>
+          <a:effectRef idx="0">
+            <a:schemeClr val="accent1"/>
+          </a:effectRef>
+          <a:fontRef idx="minor">
+            <a:schemeClr val="lt1"/>
+          </a:fontRef>
+        </p:style>
+        <p:txBody>
+          <a:bodyPr rtlCol="0" anchor="ctr"/>
+          <a:lstStyle/>
+          <a:p>
+            <a:pPr algn="ctr"/>
+            <a:r>
+              <a:rPr kumimoji="1" lang="ja-JP" altLang="en-US" dirty="0">
+                <a:solidFill>
+                  <a:schemeClr val="tx1"/>
+                </a:solidFill>
+              </a:rPr>
+              <a:t>（付箋）</a:t>
+            </a:r>
+          </a:p>
+        </p:txBody>
+      </p:sp>
+      <p:sp>
+        <p:nvSpPr>
+          <p:cNvPr id="23" name="四角形: メモ 22">
+            <a:extLst>
+              <a:ext uri="{FF2B5EF4-FFF2-40B4-BE49-F238E27FC236}">
+                <a16:creationId xmlns:a16="http://schemas.microsoft.com/office/drawing/2014/main" id="{DC8B8D38-FA9C-490A-B7C2-0FC0A4E57790}"/>
+              </a:ext>
+            </a:extLst>
+          </p:cNvPr>
+          <p:cNvSpPr/>
+          <p:nvPr/>
+        </p:nvSpPr>
+        <p:spPr>
+          <a:xfrm>
+            <a:off x="7113761" y="3359477"/>
+            <a:ext cx="1568917" cy="462012"/>
+          </a:xfrm>
+          <a:prstGeom prst="foldedCorner">
+            <a:avLst/>
+          </a:prstGeom>
+          <a:solidFill>
+            <a:schemeClr val="bg1"/>
+          </a:solidFill>
+          <a:ln>
+            <a:solidFill>
+              <a:schemeClr val="tx1"/>
+            </a:solidFill>
+          </a:ln>
+        </p:spPr>
+        <p:style>
+          <a:lnRef idx="2">
+            <a:schemeClr val="accent1">
+              <a:shade val="50000"/>
+            </a:schemeClr>
+          </a:lnRef>
+          <a:fillRef idx="1">
+            <a:schemeClr val="accent1"/>
+          </a:fillRef>
+          <a:effectRef idx="0">
+            <a:schemeClr val="accent1"/>
+          </a:effectRef>
+          <a:fontRef idx="minor">
+            <a:schemeClr val="lt1"/>
+          </a:fontRef>
+        </p:style>
+        <p:txBody>
+          <a:bodyPr rtlCol="0" anchor="ctr"/>
+          <a:lstStyle/>
+          <a:p>
+            <a:pPr algn="ctr"/>
+            <a:r>
+              <a:rPr kumimoji="1" lang="ja-JP" altLang="en-US" dirty="0">
+                <a:solidFill>
+                  <a:schemeClr val="tx1"/>
+                </a:solidFill>
+              </a:rPr>
+              <a:t>（付箋）</a:t>
+            </a:r>
+          </a:p>
+        </p:txBody>
+      </p:sp>
+      <p:cxnSp>
+        <p:nvCxnSpPr>
+          <p:cNvPr id="30" name="直線矢印コネクタ 29">
+            <a:extLst>
+              <a:ext uri="{FF2B5EF4-FFF2-40B4-BE49-F238E27FC236}">
+                <a16:creationId xmlns:a16="http://schemas.microsoft.com/office/drawing/2014/main" id="{D171982F-9833-49C4-94B0-91FC3EB6D8AC}"/>
+              </a:ext>
+            </a:extLst>
+          </p:cNvPr>
+          <p:cNvCxnSpPr>
+            <a:stCxn id="17" idx="3"/>
+            <a:endCxn id="21" idx="1"/>
+          </p:cNvCxnSpPr>
+          <p:nvPr/>
+        </p:nvCxnSpPr>
+        <p:spPr>
+          <a:xfrm flipV="1">
+            <a:off x="5526563" y="2000480"/>
+            <a:ext cx="1592010" cy="231006"/>
+          </a:xfrm>
+          <a:prstGeom prst="straightConnector1">
+            <a:avLst/>
+          </a:prstGeom>
+          <a:ln>
+            <a:headEnd type="triangle"/>
+            <a:tailEnd type="triangle"/>
+          </a:ln>
+        </p:spPr>
+        <p:style>
+          <a:lnRef idx="1">
+            <a:schemeClr val="accent1"/>
+          </a:lnRef>
+          <a:fillRef idx="0">
+            <a:schemeClr val="accent1"/>
+          </a:fillRef>
+          <a:effectRef idx="0">
+            <a:schemeClr val="accent1"/>
+          </a:effectRef>
+          <a:fontRef idx="minor">
+            <a:schemeClr val="tx1"/>
+          </a:fontRef>
+        </p:style>
+      </p:cxnSp>
+      <p:cxnSp>
+        <p:nvCxnSpPr>
+          <p:cNvPr id="31" name="直線矢印コネクタ 30">
+            <a:extLst>
+              <a:ext uri="{FF2B5EF4-FFF2-40B4-BE49-F238E27FC236}">
+                <a16:creationId xmlns:a16="http://schemas.microsoft.com/office/drawing/2014/main" id="{3C2E6D7A-EE17-47E1-B6F7-8FAFE94E433D}"/>
+              </a:ext>
+            </a:extLst>
+          </p:cNvPr>
+          <p:cNvCxnSpPr>
+            <a:cxnSpLocks/>
+            <a:endCxn id="22" idx="1"/>
+          </p:cNvCxnSpPr>
+          <p:nvPr/>
+        </p:nvCxnSpPr>
+        <p:spPr>
+          <a:xfrm>
+            <a:off x="3856181" y="2647119"/>
+            <a:ext cx="3262391" cy="147073"/>
+          </a:xfrm>
+          <a:prstGeom prst="straightConnector1">
+            <a:avLst/>
+          </a:prstGeom>
+          <a:ln>
+            <a:headEnd type="triangle"/>
+            <a:tailEnd type="triangle"/>
+          </a:ln>
+        </p:spPr>
+        <p:style>
+          <a:lnRef idx="1">
+            <a:schemeClr val="accent1"/>
+          </a:lnRef>
+          <a:fillRef idx="0">
+            <a:schemeClr val="accent1"/>
+          </a:fillRef>
+          <a:effectRef idx="0">
+            <a:schemeClr val="accent1"/>
+          </a:effectRef>
+          <a:fontRef idx="minor">
+            <a:schemeClr val="tx1"/>
+          </a:fontRef>
+        </p:style>
+      </p:cxnSp>
+      <p:cxnSp>
+        <p:nvCxnSpPr>
+          <p:cNvPr id="33" name="直線矢印コネクタ 32">
+            <a:extLst>
+              <a:ext uri="{FF2B5EF4-FFF2-40B4-BE49-F238E27FC236}">
+                <a16:creationId xmlns:a16="http://schemas.microsoft.com/office/drawing/2014/main" id="{C72879F7-003C-4BAF-A284-A94143D146D7}"/>
+              </a:ext>
+            </a:extLst>
+          </p:cNvPr>
+          <p:cNvCxnSpPr>
+            <a:cxnSpLocks/>
+            <a:endCxn id="23" idx="1"/>
+          </p:cNvCxnSpPr>
+          <p:nvPr/>
+        </p:nvCxnSpPr>
+        <p:spPr>
+          <a:xfrm flipV="1">
+            <a:off x="3856181" y="3590483"/>
+            <a:ext cx="3257580" cy="27242"/>
+          </a:xfrm>
+          <a:prstGeom prst="straightConnector1">
+            <a:avLst/>
+          </a:prstGeom>
+          <a:ln>
+            <a:headEnd type="triangle"/>
+            <a:tailEnd type="triangle"/>
+          </a:ln>
+        </p:spPr>
+        <p:style>
+          <a:lnRef idx="1">
+            <a:schemeClr val="accent1"/>
+          </a:lnRef>
+          <a:fillRef idx="0">
+            <a:schemeClr val="accent1"/>
+          </a:fillRef>
+          <a:effectRef idx="0">
+            <a:schemeClr val="accent1"/>
+          </a:effectRef>
+          <a:fontRef idx="minor">
+            <a:schemeClr val="tx1"/>
+          </a:fontRef>
+        </p:style>
+      </p:cxnSp>
+    </p:spTree>
+    <p:extLst>
+      <p:ext uri="{BB962C8B-B14F-4D97-AF65-F5344CB8AC3E}">
+        <p14:creationId xmlns:p14="http://schemas.microsoft.com/office/powerpoint/2010/main" val="3326383756"/>
       </p:ext>
     </p:extLst>
   </p:cSld>
@@ -10999,7 +16877,7 @@
                   <a:schemeClr val="tx1"/>
                 </a:solidFill>
               </a:rPr>
-              <a:t>12</a:t>
+              <a:t>1</a:t>
             </a:r>
             <a:r>
               <a:rPr kumimoji="1" lang="ja-JP" altLang="en-US" dirty="0">
@@ -14947,7 +20825,7 @@
           <p:cNvPr id="2" name="グラフィックス 1" descr="男性 単色塗りつぶし">
             <a:extLst>
               <a:ext uri="{FF2B5EF4-FFF2-40B4-BE49-F238E27FC236}">
-                <a16:creationId xmlns:a16="http://schemas.microsoft.com/office/drawing/2014/main" id="{2DDCE847-9078-45B7-AE51-9FC92820C964}"/>
+                <a16:creationId xmlns:a16="http://schemas.microsoft.com/office/drawing/2014/main" id="{BE122460-37E9-4036-8104-A4DF20034FDF}"/>
               </a:ext>
             </a:extLst>
           </p:cNvPr>
@@ -14973,7 +20851,7 @@
         </p:blipFill>
         <p:spPr>
           <a:xfrm>
-            <a:off x="1396773" y="3416443"/>
+            <a:off x="1743282" y="1687651"/>
             <a:ext cx="516760" cy="494386"/>
           </a:xfrm>
           <a:prstGeom prst="rect">
@@ -14986,7 +20864,7 @@
           <p:cNvPr id="3" name="グループ化 2">
             <a:extLst>
               <a:ext uri="{FF2B5EF4-FFF2-40B4-BE49-F238E27FC236}">
-                <a16:creationId xmlns:a16="http://schemas.microsoft.com/office/drawing/2014/main" id="{9EA3CC8A-42BF-4332-B645-4676CC577DBD}"/>
+                <a16:creationId xmlns:a16="http://schemas.microsoft.com/office/drawing/2014/main" id="{56B09E05-5EC6-4293-B81C-CFA923015403}"/>
               </a:ext>
             </a:extLst>
           </p:cNvPr>
@@ -14995,7 +20873,7 @@
         </p:nvGrpSpPr>
         <p:grpSpPr>
           <a:xfrm>
-            <a:off x="2396691" y="2444157"/>
+            <a:off x="2743200" y="715365"/>
             <a:ext cx="796207" cy="788691"/>
             <a:chOff x="9165797" y="1077991"/>
             <a:chExt cx="1451411" cy="1440728"/>
@@ -15006,7 +20884,7 @@
             <p:cNvPr id="4" name="グラフィックス 3" descr="男性 枠線">
               <a:extLst>
                 <a:ext uri="{FF2B5EF4-FFF2-40B4-BE49-F238E27FC236}">
-                  <a16:creationId xmlns:a16="http://schemas.microsoft.com/office/drawing/2014/main" id="{D12CA70D-E25B-4446-A414-2C34F8C7EFF5}"/>
+                  <a16:creationId xmlns:a16="http://schemas.microsoft.com/office/drawing/2014/main" id="{382D6C5B-96E0-434D-9626-FB0142844002}"/>
                 </a:ext>
               </a:extLst>
             </p:cNvPr>
@@ -15045,7 +20923,7 @@
             <p:cNvPr id="5" name="グラフィックス 4" descr="男性 枠線">
               <a:extLst>
                 <a:ext uri="{FF2B5EF4-FFF2-40B4-BE49-F238E27FC236}">
-                  <a16:creationId xmlns:a16="http://schemas.microsoft.com/office/drawing/2014/main" id="{9A0AD282-99F0-4198-BD7F-6D50B1F2807E}"/>
+                  <a16:creationId xmlns:a16="http://schemas.microsoft.com/office/drawing/2014/main" id="{1689ABA5-09A5-4772-93EF-48E7BD3B5536}"/>
                 </a:ext>
               </a:extLst>
             </p:cNvPr>
@@ -15084,7 +20962,7 @@
             <p:cNvPr id="6" name="グラフィックス 5" descr="男性 枠線">
               <a:extLst>
                 <a:ext uri="{FF2B5EF4-FFF2-40B4-BE49-F238E27FC236}">
-                  <a16:creationId xmlns:a16="http://schemas.microsoft.com/office/drawing/2014/main" id="{45E25934-62D8-4DC9-A8F5-59E7E84B47E6}"/>
+                  <a16:creationId xmlns:a16="http://schemas.microsoft.com/office/drawing/2014/main" id="{1545735C-7F99-4A6C-BB25-2D1EA15A1E61}"/>
                 </a:ext>
               </a:extLst>
             </p:cNvPr>
@@ -15123,7 +21001,7 @@
             <p:cNvPr id="7" name="楕円 6">
               <a:extLst>
                 <a:ext uri="{FF2B5EF4-FFF2-40B4-BE49-F238E27FC236}">
-                  <a16:creationId xmlns:a16="http://schemas.microsoft.com/office/drawing/2014/main" id="{6FE73F0F-BD5E-4463-B317-7B7F66508C11}"/>
+                  <a16:creationId xmlns:a16="http://schemas.microsoft.com/office/drawing/2014/main" id="{5BEEE5BE-7C53-4E2B-B0B8-ADE5E2E31A2F}"/>
                 </a:ext>
               </a:extLst>
             </p:cNvPr>
@@ -15171,7 +21049,7 @@
           <p:cNvPr id="8" name="グループ化 7">
             <a:extLst>
               <a:ext uri="{FF2B5EF4-FFF2-40B4-BE49-F238E27FC236}">
-                <a16:creationId xmlns:a16="http://schemas.microsoft.com/office/drawing/2014/main" id="{078EC7E4-9962-41BC-9BC4-9A9AFA087C55}"/>
+                <a16:creationId xmlns:a16="http://schemas.microsoft.com/office/drawing/2014/main" id="{351341EB-781A-428C-8E8D-A56A7BD9014D}"/>
               </a:ext>
             </a:extLst>
           </p:cNvPr>
@@ -15180,7 +21058,7 @@
         </p:nvGrpSpPr>
         <p:grpSpPr>
           <a:xfrm>
-            <a:off x="2425226" y="3747158"/>
+            <a:off x="2771735" y="2018366"/>
             <a:ext cx="796207" cy="788691"/>
             <a:chOff x="9165797" y="1077991"/>
             <a:chExt cx="1451411" cy="1440728"/>
@@ -15191,7 +21069,7 @@
             <p:cNvPr id="9" name="グラフィックス 8" descr="男性 枠線">
               <a:extLst>
                 <a:ext uri="{FF2B5EF4-FFF2-40B4-BE49-F238E27FC236}">
-                  <a16:creationId xmlns:a16="http://schemas.microsoft.com/office/drawing/2014/main" id="{F7EC6C5E-AC43-49C4-AF4E-2BC05C8DBE6A}"/>
+                  <a16:creationId xmlns:a16="http://schemas.microsoft.com/office/drawing/2014/main" id="{7BA9FEB0-C502-4996-9607-D9F02873C0C4}"/>
                 </a:ext>
               </a:extLst>
             </p:cNvPr>
@@ -15230,7 +21108,7 @@
             <p:cNvPr id="10" name="グラフィックス 9" descr="男性 枠線">
               <a:extLst>
                 <a:ext uri="{FF2B5EF4-FFF2-40B4-BE49-F238E27FC236}">
-                  <a16:creationId xmlns:a16="http://schemas.microsoft.com/office/drawing/2014/main" id="{BBF16DC1-0AC4-416D-8FAD-8EA673AC978E}"/>
+                  <a16:creationId xmlns:a16="http://schemas.microsoft.com/office/drawing/2014/main" id="{3E173398-4E60-45CF-A8E1-B4F2D6EBFA54}"/>
                 </a:ext>
               </a:extLst>
             </p:cNvPr>
@@ -15269,7 +21147,7 @@
             <p:cNvPr id="11" name="グラフィックス 10" descr="男性 枠線">
               <a:extLst>
                 <a:ext uri="{FF2B5EF4-FFF2-40B4-BE49-F238E27FC236}">
-                  <a16:creationId xmlns:a16="http://schemas.microsoft.com/office/drawing/2014/main" id="{7D6C7F2B-AC7F-410F-B822-DFA83E603D56}"/>
+                  <a16:creationId xmlns:a16="http://schemas.microsoft.com/office/drawing/2014/main" id="{CF0A9D87-8BCC-4CCB-A12C-B735BB7E81D5}"/>
                 </a:ext>
               </a:extLst>
             </p:cNvPr>
@@ -15308,7 +21186,7 @@
             <p:cNvPr id="12" name="楕円 11">
               <a:extLst>
                 <a:ext uri="{FF2B5EF4-FFF2-40B4-BE49-F238E27FC236}">
-                  <a16:creationId xmlns:a16="http://schemas.microsoft.com/office/drawing/2014/main" id="{BC73B21B-016C-48BD-A969-5AAD6BB6CED0}"/>
+                  <a16:creationId xmlns:a16="http://schemas.microsoft.com/office/drawing/2014/main" id="{0738DB29-F57F-4FA0-A5D9-6679E9CCBD7C}"/>
                 </a:ext>
               </a:extLst>
             </p:cNvPr>
@@ -15353,139 +21231,10 @@
       </p:grpSp>
       <p:sp>
         <p:nvSpPr>
-          <p:cNvPr id="13" name="テキスト ボックス 12">
-            <a:extLst>
-              <a:ext uri="{FF2B5EF4-FFF2-40B4-BE49-F238E27FC236}">
-                <a16:creationId xmlns:a16="http://schemas.microsoft.com/office/drawing/2014/main" id="{CECCCF29-93B3-4BAC-967B-6E29F5D94714}"/>
-              </a:ext>
-            </a:extLst>
-          </p:cNvPr>
-          <p:cNvSpPr txBox="1"/>
-          <p:nvPr/>
-        </p:nvSpPr>
-        <p:spPr>
-          <a:xfrm>
-            <a:off x="3276968" y="2909682"/>
-            <a:ext cx="1457661" cy="646331"/>
-          </a:xfrm>
-          <a:prstGeom prst="rect">
-            <a:avLst/>
-          </a:prstGeom>
-          <a:noFill/>
-        </p:spPr>
-        <p:txBody>
-          <a:bodyPr wrap="square" rtlCol="0">
-            <a:spAutoFit/>
-          </a:bodyPr>
-          <a:lstStyle/>
-          <a:p>
-            <a:r>
-              <a:rPr kumimoji="1" lang="ja-JP" altLang="en-US" dirty="0"/>
-              <a:t>受け手</a:t>
-            </a:r>
-            <a:endParaRPr kumimoji="1" lang="en-US" altLang="ja-JP" dirty="0"/>
-          </a:p>
-          <a:p>
-            <a:r>
-              <a:rPr kumimoji="1" lang="ja-JP" altLang="en-US" dirty="0"/>
-              <a:t>グループ</a:t>
-            </a:r>
-            <a:r>
-              <a:rPr kumimoji="1" lang="en-US" altLang="ja-JP" dirty="0"/>
-              <a:t>A</a:t>
-            </a:r>
-            <a:endParaRPr kumimoji="1" lang="ja-JP" altLang="en-US" dirty="0"/>
-          </a:p>
-        </p:txBody>
-      </p:sp>
-      <p:sp>
-        <p:nvSpPr>
-          <p:cNvPr id="14" name="テキスト ボックス 13">
-            <a:extLst>
-              <a:ext uri="{FF2B5EF4-FFF2-40B4-BE49-F238E27FC236}">
-                <a16:creationId xmlns:a16="http://schemas.microsoft.com/office/drawing/2014/main" id="{EC4EEC30-9A40-4249-B4F5-5E938070075F}"/>
-              </a:ext>
-            </a:extLst>
-          </p:cNvPr>
-          <p:cNvSpPr txBox="1"/>
-          <p:nvPr/>
-        </p:nvSpPr>
-        <p:spPr>
-          <a:xfrm>
-            <a:off x="3276968" y="4141503"/>
-            <a:ext cx="1781837" cy="646331"/>
-          </a:xfrm>
-          <a:prstGeom prst="rect">
-            <a:avLst/>
-          </a:prstGeom>
-          <a:noFill/>
-        </p:spPr>
-        <p:txBody>
-          <a:bodyPr wrap="square" rtlCol="0">
-            <a:spAutoFit/>
-          </a:bodyPr>
-          <a:lstStyle/>
-          <a:p>
-            <a:r>
-              <a:rPr kumimoji="1" lang="ja-JP" altLang="en-US" dirty="0"/>
-              <a:t>受け手</a:t>
-            </a:r>
-            <a:endParaRPr kumimoji="1" lang="en-US" altLang="ja-JP" dirty="0"/>
-          </a:p>
-          <a:p>
-            <a:r>
-              <a:rPr kumimoji="1" lang="ja-JP" altLang="en-US" dirty="0"/>
-              <a:t>グループ</a:t>
-            </a:r>
-            <a:r>
-              <a:rPr kumimoji="1" lang="en-US" altLang="ja-JP" dirty="0"/>
-              <a:t>B</a:t>
-            </a:r>
-            <a:endParaRPr kumimoji="1" lang="ja-JP" altLang="en-US" dirty="0"/>
-          </a:p>
-        </p:txBody>
-      </p:sp>
-      <p:sp>
-        <p:nvSpPr>
-          <p:cNvPr id="15" name="テキスト ボックス 14">
-            <a:extLst>
-              <a:ext uri="{FF2B5EF4-FFF2-40B4-BE49-F238E27FC236}">
-                <a16:creationId xmlns:a16="http://schemas.microsoft.com/office/drawing/2014/main" id="{00B3D59A-68E1-47EB-BFDC-858E4D366936}"/>
-              </a:ext>
-            </a:extLst>
-          </p:cNvPr>
-          <p:cNvSpPr txBox="1"/>
-          <p:nvPr/>
-        </p:nvSpPr>
-        <p:spPr>
-          <a:xfrm>
-            <a:off x="727578" y="4047681"/>
-            <a:ext cx="966398" cy="369332"/>
-          </a:xfrm>
-          <a:prstGeom prst="rect">
-            <a:avLst/>
-          </a:prstGeom>
-          <a:noFill/>
-        </p:spPr>
-        <p:txBody>
-          <a:bodyPr wrap="square" rtlCol="0">
-            <a:spAutoFit/>
-          </a:bodyPr>
-          <a:lstStyle/>
-          <a:p>
-            <a:r>
-              <a:rPr kumimoji="1" lang="ja-JP" altLang="en-US" dirty="0"/>
-              <a:t>出品者</a:t>
-            </a:r>
-          </a:p>
-        </p:txBody>
-      </p:sp>
-      <p:sp>
-        <p:nvSpPr>
-          <p:cNvPr id="18" name="矢印: 右 17">
-            <a:extLst>
-              <a:ext uri="{FF2B5EF4-FFF2-40B4-BE49-F238E27FC236}">
-                <a16:creationId xmlns:a16="http://schemas.microsoft.com/office/drawing/2014/main" id="{187ABD5F-E367-4D14-94BB-9BD80374EA5E}"/>
+          <p:cNvPr id="16" name="矢印: 左右 15">
+            <a:extLst>
+              <a:ext uri="{FF2B5EF4-FFF2-40B4-BE49-F238E27FC236}">
+                <a16:creationId xmlns:a16="http://schemas.microsoft.com/office/drawing/2014/main" id="{6622B920-91BE-4E75-9BC4-9E01A11BDA44}"/>
               </a:ext>
             </a:extLst>
           </p:cNvPr>
@@ -15493,11 +21242,11 @@
           <p:nvPr/>
         </p:nvSpPr>
         <p:spPr>
-          <a:xfrm>
-            <a:off x="4976261" y="3429000"/>
-            <a:ext cx="972152" cy="494386"/>
-          </a:xfrm>
-          <a:prstGeom prst="rightArrow">
+          <a:xfrm rot="19771293">
+            <a:off x="2200126" y="1412258"/>
+            <a:ext cx="500833" cy="207391"/>
+          </a:xfrm>
+          <a:prstGeom prst="leftRightArrow">
             <a:avLst/>
           </a:prstGeom>
         </p:spPr>
@@ -15526,285 +21275,12 @@
           </a:p>
         </p:txBody>
       </p:sp>
-      <p:pic>
-        <p:nvPicPr>
-          <p:cNvPr id="19" name="グラフィックス 18" descr="男性 単色塗りつぶし">
-            <a:extLst>
-              <a:ext uri="{FF2B5EF4-FFF2-40B4-BE49-F238E27FC236}">
-                <a16:creationId xmlns:a16="http://schemas.microsoft.com/office/drawing/2014/main" id="{5DF9E0A5-2912-4938-B115-8868E348D117}"/>
-              </a:ext>
-            </a:extLst>
-          </p:cNvPr>
-          <p:cNvPicPr>
-            <a:picLocks noChangeAspect="1"/>
-          </p:cNvPicPr>
-          <p:nvPr/>
-        </p:nvPicPr>
-        <p:blipFill>
-          <a:blip r:embed="rId2">
-            <a:extLst>
-              <a:ext uri="{28A0092B-C50C-407E-A947-70E740481C1C}">
-                <a14:useLocalDpi xmlns:a14="http://schemas.microsoft.com/office/drawing/2010/main" val="0"/>
-              </a:ext>
-              <a:ext uri="{96DAC541-7B7A-43D3-8B79-37D633B846F1}">
-                <asvg:svgBlip xmlns:asvg="http://schemas.microsoft.com/office/drawing/2016/SVG/main" r:embed="rId3"/>
-              </a:ext>
-            </a:extLst>
-          </a:blip>
-          <a:stretch>
-            <a:fillRect/>
-          </a:stretch>
-        </p:blipFill>
-        <p:spPr>
-          <a:xfrm>
-            <a:off x="6772138" y="3380463"/>
-            <a:ext cx="373962" cy="357771"/>
-          </a:xfrm>
-          <a:prstGeom prst="rect">
-            <a:avLst/>
-          </a:prstGeom>
-        </p:spPr>
-      </p:pic>
-      <p:pic>
-        <p:nvPicPr>
-          <p:cNvPr id="21" name="グラフィックス 20" descr="男性 枠線">
-            <a:extLst>
-              <a:ext uri="{FF2B5EF4-FFF2-40B4-BE49-F238E27FC236}">
-                <a16:creationId xmlns:a16="http://schemas.microsoft.com/office/drawing/2014/main" id="{292855FF-CED5-41E2-A784-B589467F6AD6}"/>
-              </a:ext>
-            </a:extLst>
-          </p:cNvPr>
-          <p:cNvPicPr>
-            <a:picLocks noChangeAspect="1"/>
-          </p:cNvPicPr>
-          <p:nvPr/>
-        </p:nvPicPr>
-        <p:blipFill>
-          <a:blip r:embed="rId4">
-            <a:extLst>
-              <a:ext uri="{28A0092B-C50C-407E-A947-70E740481C1C}">
-                <a14:useLocalDpi xmlns:a14="http://schemas.microsoft.com/office/drawing/2010/main" val="0"/>
-              </a:ext>
-              <a:ext uri="{96DAC541-7B7A-43D3-8B79-37D633B846F1}">
-                <asvg:svgBlip xmlns:asvg="http://schemas.microsoft.com/office/drawing/2016/SVG/main" r:embed="rId5"/>
-              </a:ext>
-            </a:extLst>
-          </a:blip>
-          <a:stretch>
-            <a:fillRect/>
-          </a:stretch>
-        </p:blipFill>
-        <p:spPr>
-          <a:xfrm>
-            <a:off x="7186861" y="2659002"/>
-            <a:ext cx="374746" cy="357770"/>
-          </a:xfrm>
-          <a:prstGeom prst="rect">
-            <a:avLst/>
-          </a:prstGeom>
-        </p:spPr>
-      </p:pic>
-      <p:pic>
-        <p:nvPicPr>
-          <p:cNvPr id="22" name="グラフィックス 21" descr="男性 枠線">
-            <a:extLst>
-              <a:ext uri="{FF2B5EF4-FFF2-40B4-BE49-F238E27FC236}">
-                <a16:creationId xmlns:a16="http://schemas.microsoft.com/office/drawing/2014/main" id="{59C93AD6-096F-4929-AFA7-4785C77DB7AC}"/>
-              </a:ext>
-            </a:extLst>
-          </p:cNvPr>
-          <p:cNvPicPr>
-            <a:picLocks noChangeAspect="1"/>
-          </p:cNvPicPr>
-          <p:nvPr/>
-        </p:nvPicPr>
-        <p:blipFill>
-          <a:blip r:embed="rId4">
-            <a:extLst>
-              <a:ext uri="{28A0092B-C50C-407E-A947-70E740481C1C}">
-                <a14:useLocalDpi xmlns:a14="http://schemas.microsoft.com/office/drawing/2010/main" val="0"/>
-              </a:ext>
-              <a:ext uri="{96DAC541-7B7A-43D3-8B79-37D633B846F1}">
-                <asvg:svgBlip xmlns:asvg="http://schemas.microsoft.com/office/drawing/2016/SVG/main" r:embed="rId5"/>
-              </a:ext>
-            </a:extLst>
-          </a:blip>
-          <a:stretch>
-            <a:fillRect/>
-          </a:stretch>
-        </p:blipFill>
-        <p:spPr>
-          <a:xfrm>
-            <a:off x="7012848" y="2953235"/>
-            <a:ext cx="374746" cy="357770"/>
-          </a:xfrm>
-          <a:prstGeom prst="rect">
-            <a:avLst/>
-          </a:prstGeom>
-        </p:spPr>
-      </p:pic>
-      <p:pic>
-        <p:nvPicPr>
-          <p:cNvPr id="23" name="グラフィックス 22" descr="男性 枠線">
-            <a:extLst>
-              <a:ext uri="{FF2B5EF4-FFF2-40B4-BE49-F238E27FC236}">
-                <a16:creationId xmlns:a16="http://schemas.microsoft.com/office/drawing/2014/main" id="{408279E5-0A86-4001-AB1F-78DD8123AB8E}"/>
-              </a:ext>
-            </a:extLst>
-          </p:cNvPr>
-          <p:cNvPicPr>
-            <a:picLocks noChangeAspect="1"/>
-          </p:cNvPicPr>
-          <p:nvPr/>
-        </p:nvPicPr>
-        <p:blipFill>
-          <a:blip r:embed="rId4">
-            <a:extLst>
-              <a:ext uri="{28A0092B-C50C-407E-A947-70E740481C1C}">
-                <a14:useLocalDpi xmlns:a14="http://schemas.microsoft.com/office/drawing/2010/main" val="0"/>
-              </a:ext>
-              <a:ext uri="{96DAC541-7B7A-43D3-8B79-37D633B846F1}">
-                <asvg:svgBlip xmlns:asvg="http://schemas.microsoft.com/office/drawing/2016/SVG/main" r:embed="rId5"/>
-              </a:ext>
-            </a:extLst>
-          </a:blip>
-          <a:stretch>
-            <a:fillRect/>
-          </a:stretch>
-        </p:blipFill>
-        <p:spPr>
-          <a:xfrm>
-            <a:off x="7410951" y="2953235"/>
-            <a:ext cx="374746" cy="357770"/>
-          </a:xfrm>
-          <a:prstGeom prst="rect">
-            <a:avLst/>
-          </a:prstGeom>
-        </p:spPr>
-      </p:pic>
-      <p:pic>
-        <p:nvPicPr>
-          <p:cNvPr id="31" name="グラフィックス 30" descr="男性 枠線">
-            <a:extLst>
-              <a:ext uri="{FF2B5EF4-FFF2-40B4-BE49-F238E27FC236}">
-                <a16:creationId xmlns:a16="http://schemas.microsoft.com/office/drawing/2014/main" id="{769824D1-91E0-46EF-81E1-6B5DD112D0E4}"/>
-              </a:ext>
-            </a:extLst>
-          </p:cNvPr>
-          <p:cNvPicPr>
-            <a:picLocks noChangeAspect="1"/>
-          </p:cNvPicPr>
-          <p:nvPr/>
-        </p:nvPicPr>
-        <p:blipFill>
-          <a:blip r:embed="rId4">
-            <a:extLst>
-              <a:ext uri="{28A0092B-C50C-407E-A947-70E740481C1C}">
-                <a14:useLocalDpi xmlns:a14="http://schemas.microsoft.com/office/drawing/2010/main" val="0"/>
-              </a:ext>
-              <a:ext uri="{96DAC541-7B7A-43D3-8B79-37D633B846F1}">
-                <asvg:svgBlip xmlns:asvg="http://schemas.microsoft.com/office/drawing/2016/SVG/main" r:embed="rId5"/>
-              </a:ext>
-            </a:extLst>
-          </a:blip>
-          <a:stretch>
-            <a:fillRect/>
-          </a:stretch>
-        </p:blipFill>
-        <p:spPr>
-          <a:xfrm>
-            <a:off x="7233106" y="3738234"/>
-            <a:ext cx="374746" cy="357770"/>
-          </a:xfrm>
-          <a:prstGeom prst="rect">
-            <a:avLst/>
-          </a:prstGeom>
-        </p:spPr>
-      </p:pic>
-      <p:pic>
-        <p:nvPicPr>
-          <p:cNvPr id="32" name="グラフィックス 31" descr="男性 枠線">
-            <a:extLst>
-              <a:ext uri="{FF2B5EF4-FFF2-40B4-BE49-F238E27FC236}">
-                <a16:creationId xmlns:a16="http://schemas.microsoft.com/office/drawing/2014/main" id="{AC0E9172-3E49-4A2A-8EC0-9BAE6D2EB213}"/>
-              </a:ext>
-            </a:extLst>
-          </p:cNvPr>
-          <p:cNvPicPr>
-            <a:picLocks noChangeAspect="1"/>
-          </p:cNvPicPr>
-          <p:nvPr/>
-        </p:nvPicPr>
-        <p:blipFill>
-          <a:blip r:embed="rId4">
-            <a:extLst>
-              <a:ext uri="{28A0092B-C50C-407E-A947-70E740481C1C}">
-                <a14:useLocalDpi xmlns:a14="http://schemas.microsoft.com/office/drawing/2010/main" val="0"/>
-              </a:ext>
-              <a:ext uri="{96DAC541-7B7A-43D3-8B79-37D633B846F1}">
-                <asvg:svgBlip xmlns:asvg="http://schemas.microsoft.com/office/drawing/2016/SVG/main" r:embed="rId5"/>
-              </a:ext>
-            </a:extLst>
-          </a:blip>
-          <a:stretch>
-            <a:fillRect/>
-          </a:stretch>
-        </p:blipFill>
-        <p:spPr>
-          <a:xfrm>
-            <a:off x="7059093" y="4032467"/>
-            <a:ext cx="374746" cy="357770"/>
-          </a:xfrm>
-          <a:prstGeom prst="rect">
-            <a:avLst/>
-          </a:prstGeom>
-        </p:spPr>
-      </p:pic>
-      <p:pic>
-        <p:nvPicPr>
-          <p:cNvPr id="33" name="グラフィックス 32" descr="男性 枠線">
-            <a:extLst>
-              <a:ext uri="{FF2B5EF4-FFF2-40B4-BE49-F238E27FC236}">
-                <a16:creationId xmlns:a16="http://schemas.microsoft.com/office/drawing/2014/main" id="{DFAFD9A5-D6A0-4070-9076-3D4EC6E3D849}"/>
-              </a:ext>
-            </a:extLst>
-          </p:cNvPr>
-          <p:cNvPicPr>
-            <a:picLocks noChangeAspect="1"/>
-          </p:cNvPicPr>
-          <p:nvPr/>
-        </p:nvPicPr>
-        <p:blipFill>
-          <a:blip r:embed="rId4">
-            <a:extLst>
-              <a:ext uri="{28A0092B-C50C-407E-A947-70E740481C1C}">
-                <a14:useLocalDpi xmlns:a14="http://schemas.microsoft.com/office/drawing/2010/main" val="0"/>
-              </a:ext>
-              <a:ext uri="{96DAC541-7B7A-43D3-8B79-37D633B846F1}">
-                <asvg:svgBlip xmlns:asvg="http://schemas.microsoft.com/office/drawing/2016/SVG/main" r:embed="rId5"/>
-              </a:ext>
-            </a:extLst>
-          </a:blip>
-          <a:stretch>
-            <a:fillRect/>
-          </a:stretch>
-        </p:blipFill>
-        <p:spPr>
-          <a:xfrm>
-            <a:off x="7457196" y="4032467"/>
-            <a:ext cx="374746" cy="357770"/>
-          </a:xfrm>
-          <a:prstGeom prst="rect">
-            <a:avLst/>
-          </a:prstGeom>
-        </p:spPr>
-      </p:pic>
-      <p:sp>
-        <p:nvSpPr>
-          <p:cNvPr id="34" name="四角形: 角を丸くする 33">
-            <a:extLst>
-              <a:ext uri="{FF2B5EF4-FFF2-40B4-BE49-F238E27FC236}">
-                <a16:creationId xmlns:a16="http://schemas.microsoft.com/office/drawing/2014/main" id="{CB9F921E-4A9B-4204-8673-63ADE37B69C6}"/>
+      <p:sp>
+        <p:nvSpPr>
+          <p:cNvPr id="17" name="矢印: 左右 16">
+            <a:extLst>
+              <a:ext uri="{FF2B5EF4-FFF2-40B4-BE49-F238E27FC236}">
+                <a16:creationId xmlns:a16="http://schemas.microsoft.com/office/drawing/2014/main" id="{15121B77-1EC6-4CB9-AD71-1C09CDC906E2}"/>
               </a:ext>
             </a:extLst>
           </p:cNvPr>
@@ -15812,19 +21288,13 @@
           <p:nvPr/>
         </p:nvSpPr>
         <p:spPr>
-          <a:xfrm>
-            <a:off x="6352036" y="2495331"/>
-            <a:ext cx="1925052" cy="2124795"/>
-          </a:xfrm>
-          <a:prstGeom prst="roundRect">
-            <a:avLst/>
-          </a:prstGeom>
-          <a:noFill/>
-          <a:ln>
-            <a:solidFill>
-              <a:schemeClr val="tx1"/>
-            </a:solidFill>
-          </a:ln>
+          <a:xfrm rot="1764715">
+            <a:off x="2209004" y="2112433"/>
+            <a:ext cx="500834" cy="207391"/>
+          </a:xfrm>
+          <a:prstGeom prst="leftRightArrow">
+            <a:avLst/>
+          </a:prstGeom>
         </p:spPr>
         <p:style>
           <a:lnRef idx="2">
@@ -15853,77 +21323,30 @@
       </p:sp>
       <p:sp>
         <p:nvSpPr>
-          <p:cNvPr id="35" name="テキスト ボックス 34">
-            <a:extLst>
-              <a:ext uri="{FF2B5EF4-FFF2-40B4-BE49-F238E27FC236}">
-                <a16:creationId xmlns:a16="http://schemas.microsoft.com/office/drawing/2014/main" id="{8A175CAB-EAF1-4661-AB27-2A0186274AAB}"/>
-              </a:ext>
-            </a:extLst>
-          </p:cNvPr>
-          <p:cNvSpPr txBox="1"/>
-          <p:nvPr/>
-        </p:nvSpPr>
-        <p:spPr>
-          <a:xfrm>
-            <a:off x="5564243" y="4663114"/>
-            <a:ext cx="4068161" cy="646331"/>
-          </a:xfrm>
-          <a:prstGeom prst="rect">
+          <p:cNvPr id="18" name="四角形: 角を丸くする 17">
+            <a:extLst>
+              <a:ext uri="{FF2B5EF4-FFF2-40B4-BE49-F238E27FC236}">
+                <a16:creationId xmlns:a16="http://schemas.microsoft.com/office/drawing/2014/main" id="{1BBD291D-2DA2-4E86-BF50-E24B3186EBA6}"/>
+              </a:ext>
+            </a:extLst>
+          </p:cNvPr>
+          <p:cNvSpPr/>
+          <p:nvPr/>
+        </p:nvSpPr>
+        <p:spPr>
+          <a:xfrm>
+            <a:off x="1617045" y="423878"/>
+            <a:ext cx="2300438" cy="2598821"/>
+          </a:xfrm>
+          <a:prstGeom prst="roundRect">
             <a:avLst/>
           </a:prstGeom>
           <a:noFill/>
-        </p:spPr>
-        <p:txBody>
-          <a:bodyPr wrap="square" rtlCol="0">
-            <a:spAutoFit/>
-          </a:bodyPr>
-          <a:lstStyle/>
-          <a:p>
-            <a:r>
-              <a:rPr kumimoji="1" lang="ja-JP" altLang="en-US" dirty="0"/>
-              <a:t>ゲームをした組のプレイヤー全員で</a:t>
-            </a:r>
-            <a:endParaRPr kumimoji="1" lang="en-US" altLang="ja-JP" dirty="0"/>
-          </a:p>
-          <a:p>
-            <a:r>
-              <a:rPr kumimoji="1" lang="ja-JP" altLang="en-US" dirty="0"/>
-              <a:t>振り返り</a:t>
-            </a:r>
-          </a:p>
-        </p:txBody>
-      </p:sp>
-      <p:sp>
-        <p:nvSpPr>
-          <p:cNvPr id="38" name="吹き出し: 角を丸めた四角形 37">
-            <a:extLst>
-              <a:ext uri="{FF2B5EF4-FFF2-40B4-BE49-F238E27FC236}">
-                <a16:creationId xmlns:a16="http://schemas.microsoft.com/office/drawing/2014/main" id="{285EC571-825F-4C31-B27E-175C78B02AE8}"/>
-              </a:ext>
-            </a:extLst>
-          </p:cNvPr>
-          <p:cNvSpPr/>
-          <p:nvPr/>
-        </p:nvSpPr>
-        <p:spPr>
-          <a:xfrm>
-            <a:off x="5476137" y="2435834"/>
-            <a:ext cx="1348175" cy="402053"/>
-          </a:xfrm>
-          <a:prstGeom prst="wedgeRoundRectCallout">
-            <a:avLst>
-              <a:gd name="adj1" fmla="val 35647"/>
-              <a:gd name="adj2" fmla="val 126311"/>
-              <a:gd name="adj3" fmla="val 16667"/>
-            </a:avLst>
-          </a:prstGeom>
-          <a:solidFill>
-            <a:schemeClr val="bg1"/>
-          </a:solidFill>
           <a:ln>
             <a:solidFill>
               <a:schemeClr val="tx1"/>
             </a:solidFill>
+            <a:prstDash val="dash"/>
           </a:ln>
         </p:spPr>
         <p:style>
@@ -15947,23 +21370,481 @@
           <a:lstStyle/>
           <a:p>
             <a:pPr algn="ctr"/>
-            <a:r>
-              <a:rPr kumimoji="1" lang="ja-JP" altLang="en-US" dirty="0">
-                <a:solidFill>
-                  <a:schemeClr val="tx1"/>
-                </a:solidFill>
-              </a:rPr>
-              <a:t>・・・</a:t>
-            </a:r>
-          </a:p>
-        </p:txBody>
-      </p:sp>
-      <p:sp>
-        <p:nvSpPr>
-          <p:cNvPr id="39" name="吹き出し: 角を丸めた四角形 38">
-            <a:extLst>
-              <a:ext uri="{FF2B5EF4-FFF2-40B4-BE49-F238E27FC236}">
-                <a16:creationId xmlns:a16="http://schemas.microsoft.com/office/drawing/2014/main" id="{361B408B-F457-43DC-8A2D-34CE38B00D6A}"/>
+            <a:endParaRPr kumimoji="1" lang="ja-JP" altLang="en-US" dirty="0"/>
+          </a:p>
+        </p:txBody>
+      </p:sp>
+      <p:sp>
+        <p:nvSpPr>
+          <p:cNvPr id="19" name="テキスト ボックス 18">
+            <a:extLst>
+              <a:ext uri="{FF2B5EF4-FFF2-40B4-BE49-F238E27FC236}">
+                <a16:creationId xmlns:a16="http://schemas.microsoft.com/office/drawing/2014/main" id="{B4CB13ED-2CFD-4E2F-929A-B6E2E81C36BF}"/>
+              </a:ext>
+            </a:extLst>
+          </p:cNvPr>
+          <p:cNvSpPr txBox="1"/>
+          <p:nvPr/>
+        </p:nvSpPr>
+        <p:spPr>
+          <a:xfrm>
+            <a:off x="2256631" y="3064194"/>
+            <a:ext cx="1055276" cy="646331"/>
+          </a:xfrm>
+          <a:prstGeom prst="rect">
+            <a:avLst/>
+          </a:prstGeom>
+          <a:noFill/>
+        </p:spPr>
+        <p:txBody>
+          <a:bodyPr wrap="square" rtlCol="0">
+            <a:spAutoFit/>
+          </a:bodyPr>
+          <a:lstStyle/>
+          <a:p>
+            <a:pPr algn="ctr"/>
+            <a:r>
+              <a:rPr kumimoji="1" lang="en-US" altLang="ja-JP" dirty="0"/>
+              <a:t>A</a:t>
+            </a:r>
+            <a:r>
+              <a:rPr kumimoji="1" lang="ja-JP" altLang="en-US" dirty="0"/>
+              <a:t>組</a:t>
+            </a:r>
+            <a:endParaRPr kumimoji="1" lang="en-US" altLang="ja-JP" dirty="0"/>
+          </a:p>
+          <a:p>
+            <a:pPr algn="ctr"/>
+            <a:r>
+              <a:rPr kumimoji="1" lang="ja-JP" altLang="en-US" dirty="0"/>
+              <a:t>（</a:t>
+            </a:r>
+            <a:r>
+              <a:rPr kumimoji="1" lang="en-US" altLang="ja-JP" dirty="0"/>
+              <a:t>8</a:t>
+            </a:r>
+            <a:r>
+              <a:rPr kumimoji="1" lang="ja-JP" altLang="en-US" dirty="0"/>
+              <a:t>人）</a:t>
+            </a:r>
+          </a:p>
+        </p:txBody>
+      </p:sp>
+      <p:pic>
+        <p:nvPicPr>
+          <p:cNvPr id="20" name="グラフィックス 19" descr="男性 単色塗りつぶし">
+            <a:extLst>
+              <a:ext uri="{FF2B5EF4-FFF2-40B4-BE49-F238E27FC236}">
+                <a16:creationId xmlns:a16="http://schemas.microsoft.com/office/drawing/2014/main" id="{0B87B178-7231-412A-8689-A3B34C0CE6D3}"/>
+              </a:ext>
+            </a:extLst>
+          </p:cNvPr>
+          <p:cNvPicPr>
+            <a:picLocks noChangeAspect="1"/>
+          </p:cNvPicPr>
+          <p:nvPr/>
+        </p:nvPicPr>
+        <p:blipFill>
+          <a:blip r:embed="rId2">
+            <a:extLst>
+              <a:ext uri="{28A0092B-C50C-407E-A947-70E740481C1C}">
+                <a14:useLocalDpi xmlns:a14="http://schemas.microsoft.com/office/drawing/2010/main" val="0"/>
+              </a:ext>
+              <a:ext uri="{96DAC541-7B7A-43D3-8B79-37D633B846F1}">
+                <asvg:svgBlip xmlns:asvg="http://schemas.microsoft.com/office/drawing/2016/SVG/main" r:embed="rId3"/>
+              </a:ext>
+            </a:extLst>
+          </a:blip>
+          <a:stretch>
+            <a:fillRect/>
+          </a:stretch>
+        </p:blipFill>
+        <p:spPr>
+          <a:xfrm>
+            <a:off x="4921700" y="1687651"/>
+            <a:ext cx="516760" cy="494386"/>
+          </a:xfrm>
+          <a:prstGeom prst="rect">
+            <a:avLst/>
+          </a:prstGeom>
+        </p:spPr>
+      </p:pic>
+      <p:grpSp>
+        <p:nvGrpSpPr>
+          <p:cNvPr id="21" name="グループ化 20">
+            <a:extLst>
+              <a:ext uri="{FF2B5EF4-FFF2-40B4-BE49-F238E27FC236}">
+                <a16:creationId xmlns:a16="http://schemas.microsoft.com/office/drawing/2014/main" id="{22FFBD14-0753-4923-8CE2-106A4930317B}"/>
+              </a:ext>
+            </a:extLst>
+          </p:cNvPr>
+          <p:cNvGrpSpPr/>
+          <p:nvPr/>
+        </p:nvGrpSpPr>
+        <p:grpSpPr>
+          <a:xfrm>
+            <a:off x="5921618" y="715365"/>
+            <a:ext cx="796207" cy="788691"/>
+            <a:chOff x="9165797" y="1077991"/>
+            <a:chExt cx="1451411" cy="1440728"/>
+          </a:xfrm>
+        </p:grpSpPr>
+        <p:pic>
+          <p:nvPicPr>
+            <p:cNvPr id="22" name="グラフィックス 21" descr="男性 枠線">
+              <a:extLst>
+                <a:ext uri="{FF2B5EF4-FFF2-40B4-BE49-F238E27FC236}">
+                  <a16:creationId xmlns:a16="http://schemas.microsoft.com/office/drawing/2014/main" id="{A0059223-C66D-4D71-84BB-C95F191018DC}"/>
+                </a:ext>
+              </a:extLst>
+            </p:cNvPr>
+            <p:cNvPicPr>
+              <a:picLocks noChangeAspect="1"/>
+            </p:cNvPicPr>
+            <p:nvPr/>
+          </p:nvPicPr>
+          <p:blipFill>
+            <a:blip r:embed="rId4">
+              <a:extLst>
+                <a:ext uri="{28A0092B-C50C-407E-A947-70E740481C1C}">
+                  <a14:useLocalDpi xmlns:a14="http://schemas.microsoft.com/office/drawing/2010/main" val="0"/>
+                </a:ext>
+                <a:ext uri="{96DAC541-7B7A-43D3-8B79-37D633B846F1}">
+                  <asvg:svgBlip xmlns:asvg="http://schemas.microsoft.com/office/drawing/2016/SVG/main" r:embed="rId5"/>
+                </a:ext>
+              </a:extLst>
+            </a:blip>
+            <a:stretch>
+              <a:fillRect/>
+            </a:stretch>
+          </p:blipFill>
+          <p:spPr>
+            <a:xfrm>
+              <a:off x="9525586" y="1171473"/>
+              <a:ext cx="683127" cy="653550"/>
+            </a:xfrm>
+            <a:prstGeom prst="rect">
+              <a:avLst/>
+            </a:prstGeom>
+          </p:spPr>
+        </p:pic>
+        <p:pic>
+          <p:nvPicPr>
+            <p:cNvPr id="23" name="グラフィックス 22" descr="男性 枠線">
+              <a:extLst>
+                <a:ext uri="{FF2B5EF4-FFF2-40B4-BE49-F238E27FC236}">
+                  <a16:creationId xmlns:a16="http://schemas.microsoft.com/office/drawing/2014/main" id="{F3444D36-B50F-46AD-9592-F180D88D4895}"/>
+                </a:ext>
+              </a:extLst>
+            </p:cNvPr>
+            <p:cNvPicPr>
+              <a:picLocks noChangeAspect="1"/>
+            </p:cNvPicPr>
+            <p:nvPr/>
+          </p:nvPicPr>
+          <p:blipFill>
+            <a:blip r:embed="rId4">
+              <a:extLst>
+                <a:ext uri="{28A0092B-C50C-407E-A947-70E740481C1C}">
+                  <a14:useLocalDpi xmlns:a14="http://schemas.microsoft.com/office/drawing/2010/main" val="0"/>
+                </a:ext>
+                <a:ext uri="{96DAC541-7B7A-43D3-8B79-37D633B846F1}">
+                  <asvg:svgBlip xmlns:asvg="http://schemas.microsoft.com/office/drawing/2016/SVG/main" r:embed="rId5"/>
+                </a:ext>
+              </a:extLst>
+            </a:blip>
+            <a:stretch>
+              <a:fillRect/>
+            </a:stretch>
+          </p:blipFill>
+          <p:spPr>
+            <a:xfrm>
+              <a:off x="9208376" y="1708958"/>
+              <a:ext cx="683127" cy="653550"/>
+            </a:xfrm>
+            <a:prstGeom prst="rect">
+              <a:avLst/>
+            </a:prstGeom>
+          </p:spPr>
+        </p:pic>
+        <p:pic>
+          <p:nvPicPr>
+            <p:cNvPr id="24" name="グラフィックス 23" descr="男性 枠線">
+              <a:extLst>
+                <a:ext uri="{FF2B5EF4-FFF2-40B4-BE49-F238E27FC236}">
+                  <a16:creationId xmlns:a16="http://schemas.microsoft.com/office/drawing/2014/main" id="{C32B2BB7-31CB-496B-A8B6-520D41CFACF2}"/>
+                </a:ext>
+              </a:extLst>
+            </p:cNvPr>
+            <p:cNvPicPr>
+              <a:picLocks noChangeAspect="1"/>
+            </p:cNvPicPr>
+            <p:nvPr/>
+          </p:nvPicPr>
+          <p:blipFill>
+            <a:blip r:embed="rId4">
+              <a:extLst>
+                <a:ext uri="{28A0092B-C50C-407E-A947-70E740481C1C}">
+                  <a14:useLocalDpi xmlns:a14="http://schemas.microsoft.com/office/drawing/2010/main" val="0"/>
+                </a:ext>
+                <a:ext uri="{96DAC541-7B7A-43D3-8B79-37D633B846F1}">
+                  <asvg:svgBlip xmlns:asvg="http://schemas.microsoft.com/office/drawing/2016/SVG/main" r:embed="rId5"/>
+                </a:ext>
+              </a:extLst>
+            </a:blip>
+            <a:stretch>
+              <a:fillRect/>
+            </a:stretch>
+          </p:blipFill>
+          <p:spPr>
+            <a:xfrm>
+              <a:off x="9934081" y="1708958"/>
+              <a:ext cx="683127" cy="653550"/>
+            </a:xfrm>
+            <a:prstGeom prst="rect">
+              <a:avLst/>
+            </a:prstGeom>
+          </p:spPr>
+        </p:pic>
+        <p:sp>
+          <p:nvSpPr>
+            <p:cNvPr id="25" name="楕円 24">
+              <a:extLst>
+                <a:ext uri="{FF2B5EF4-FFF2-40B4-BE49-F238E27FC236}">
+                  <a16:creationId xmlns:a16="http://schemas.microsoft.com/office/drawing/2014/main" id="{9AB560B4-9523-47A3-A47E-02A3EA46D066}"/>
+                </a:ext>
+              </a:extLst>
+            </p:cNvPr>
+            <p:cNvSpPr/>
+            <p:nvPr/>
+          </p:nvSpPr>
+          <p:spPr>
+            <a:xfrm>
+              <a:off x="9165797" y="1077991"/>
+              <a:ext cx="1442300" cy="1440728"/>
+            </a:xfrm>
+            <a:prstGeom prst="ellipse">
+              <a:avLst/>
+            </a:prstGeom>
+            <a:noFill/>
+          </p:spPr>
+          <p:style>
+            <a:lnRef idx="2">
+              <a:schemeClr val="accent1">
+                <a:shade val="50000"/>
+              </a:schemeClr>
+            </a:lnRef>
+            <a:fillRef idx="1">
+              <a:schemeClr val="accent1"/>
+            </a:fillRef>
+            <a:effectRef idx="0">
+              <a:schemeClr val="accent1"/>
+            </a:effectRef>
+            <a:fontRef idx="minor">
+              <a:schemeClr val="lt1"/>
+            </a:fontRef>
+          </p:style>
+          <p:txBody>
+            <a:bodyPr rtlCol="0" anchor="ctr"/>
+            <a:lstStyle/>
+            <a:p>
+              <a:pPr algn="ctr"/>
+              <a:endParaRPr kumimoji="1" lang="ja-JP" altLang="en-US"/>
+            </a:p>
+          </p:txBody>
+        </p:sp>
+      </p:grpSp>
+      <p:grpSp>
+        <p:nvGrpSpPr>
+          <p:cNvPr id="26" name="グループ化 25">
+            <a:extLst>
+              <a:ext uri="{FF2B5EF4-FFF2-40B4-BE49-F238E27FC236}">
+                <a16:creationId xmlns:a16="http://schemas.microsoft.com/office/drawing/2014/main" id="{C1A2A739-4474-4A18-AD67-A58D9A188A3C}"/>
+              </a:ext>
+            </a:extLst>
+          </p:cNvPr>
+          <p:cNvGrpSpPr/>
+          <p:nvPr/>
+        </p:nvGrpSpPr>
+        <p:grpSpPr>
+          <a:xfrm>
+            <a:off x="5950153" y="2018366"/>
+            <a:ext cx="796207" cy="788691"/>
+            <a:chOff x="9165797" y="1077991"/>
+            <a:chExt cx="1451411" cy="1440728"/>
+          </a:xfrm>
+        </p:grpSpPr>
+        <p:pic>
+          <p:nvPicPr>
+            <p:cNvPr id="27" name="グラフィックス 26" descr="男性 枠線">
+              <a:extLst>
+                <a:ext uri="{FF2B5EF4-FFF2-40B4-BE49-F238E27FC236}">
+                  <a16:creationId xmlns:a16="http://schemas.microsoft.com/office/drawing/2014/main" id="{54F36833-3C63-4A0A-AA83-C77A25799C9E}"/>
+                </a:ext>
+              </a:extLst>
+            </p:cNvPr>
+            <p:cNvPicPr>
+              <a:picLocks noChangeAspect="1"/>
+            </p:cNvPicPr>
+            <p:nvPr/>
+          </p:nvPicPr>
+          <p:blipFill>
+            <a:blip r:embed="rId4">
+              <a:extLst>
+                <a:ext uri="{28A0092B-C50C-407E-A947-70E740481C1C}">
+                  <a14:useLocalDpi xmlns:a14="http://schemas.microsoft.com/office/drawing/2010/main" val="0"/>
+                </a:ext>
+                <a:ext uri="{96DAC541-7B7A-43D3-8B79-37D633B846F1}">
+                  <asvg:svgBlip xmlns:asvg="http://schemas.microsoft.com/office/drawing/2016/SVG/main" r:embed="rId5"/>
+                </a:ext>
+              </a:extLst>
+            </a:blip>
+            <a:stretch>
+              <a:fillRect/>
+            </a:stretch>
+          </p:blipFill>
+          <p:spPr>
+            <a:xfrm>
+              <a:off x="9525586" y="1171473"/>
+              <a:ext cx="683127" cy="653550"/>
+            </a:xfrm>
+            <a:prstGeom prst="rect">
+              <a:avLst/>
+            </a:prstGeom>
+          </p:spPr>
+        </p:pic>
+        <p:pic>
+          <p:nvPicPr>
+            <p:cNvPr id="28" name="グラフィックス 27" descr="男性 枠線">
+              <a:extLst>
+                <a:ext uri="{FF2B5EF4-FFF2-40B4-BE49-F238E27FC236}">
+                  <a16:creationId xmlns:a16="http://schemas.microsoft.com/office/drawing/2014/main" id="{7C8A9704-DCFC-4F90-A736-9CCADBB8F948}"/>
+                </a:ext>
+              </a:extLst>
+            </p:cNvPr>
+            <p:cNvPicPr>
+              <a:picLocks noChangeAspect="1"/>
+            </p:cNvPicPr>
+            <p:nvPr/>
+          </p:nvPicPr>
+          <p:blipFill>
+            <a:blip r:embed="rId4">
+              <a:extLst>
+                <a:ext uri="{28A0092B-C50C-407E-A947-70E740481C1C}">
+                  <a14:useLocalDpi xmlns:a14="http://schemas.microsoft.com/office/drawing/2010/main" val="0"/>
+                </a:ext>
+                <a:ext uri="{96DAC541-7B7A-43D3-8B79-37D633B846F1}">
+                  <asvg:svgBlip xmlns:asvg="http://schemas.microsoft.com/office/drawing/2016/SVG/main" r:embed="rId5"/>
+                </a:ext>
+              </a:extLst>
+            </a:blip>
+            <a:stretch>
+              <a:fillRect/>
+            </a:stretch>
+          </p:blipFill>
+          <p:spPr>
+            <a:xfrm>
+              <a:off x="9208376" y="1708958"/>
+              <a:ext cx="683127" cy="653550"/>
+            </a:xfrm>
+            <a:prstGeom prst="rect">
+              <a:avLst/>
+            </a:prstGeom>
+          </p:spPr>
+        </p:pic>
+        <p:pic>
+          <p:nvPicPr>
+            <p:cNvPr id="29" name="グラフィックス 28" descr="男性 枠線">
+              <a:extLst>
+                <a:ext uri="{FF2B5EF4-FFF2-40B4-BE49-F238E27FC236}">
+                  <a16:creationId xmlns:a16="http://schemas.microsoft.com/office/drawing/2014/main" id="{A007D9A2-52A2-43C6-8CB3-122342F8E177}"/>
+                </a:ext>
+              </a:extLst>
+            </p:cNvPr>
+            <p:cNvPicPr>
+              <a:picLocks noChangeAspect="1"/>
+            </p:cNvPicPr>
+            <p:nvPr/>
+          </p:nvPicPr>
+          <p:blipFill>
+            <a:blip r:embed="rId4">
+              <a:extLst>
+                <a:ext uri="{28A0092B-C50C-407E-A947-70E740481C1C}">
+                  <a14:useLocalDpi xmlns:a14="http://schemas.microsoft.com/office/drawing/2010/main" val="0"/>
+                </a:ext>
+                <a:ext uri="{96DAC541-7B7A-43D3-8B79-37D633B846F1}">
+                  <asvg:svgBlip xmlns:asvg="http://schemas.microsoft.com/office/drawing/2016/SVG/main" r:embed="rId5"/>
+                </a:ext>
+              </a:extLst>
+            </a:blip>
+            <a:stretch>
+              <a:fillRect/>
+            </a:stretch>
+          </p:blipFill>
+          <p:spPr>
+            <a:xfrm>
+              <a:off x="9934081" y="1708958"/>
+              <a:ext cx="683127" cy="653550"/>
+            </a:xfrm>
+            <a:prstGeom prst="rect">
+              <a:avLst/>
+            </a:prstGeom>
+          </p:spPr>
+        </p:pic>
+        <p:sp>
+          <p:nvSpPr>
+            <p:cNvPr id="30" name="楕円 29">
+              <a:extLst>
+                <a:ext uri="{FF2B5EF4-FFF2-40B4-BE49-F238E27FC236}">
+                  <a16:creationId xmlns:a16="http://schemas.microsoft.com/office/drawing/2014/main" id="{0B91DA56-76AE-4953-9363-77DCB23419AA}"/>
+                </a:ext>
+              </a:extLst>
+            </p:cNvPr>
+            <p:cNvSpPr/>
+            <p:nvPr/>
+          </p:nvSpPr>
+          <p:spPr>
+            <a:xfrm>
+              <a:off x="9165797" y="1077991"/>
+              <a:ext cx="1442300" cy="1440728"/>
+            </a:xfrm>
+            <a:prstGeom prst="ellipse">
+              <a:avLst/>
+            </a:prstGeom>
+            <a:noFill/>
+          </p:spPr>
+          <p:style>
+            <a:lnRef idx="2">
+              <a:schemeClr val="accent1">
+                <a:shade val="50000"/>
+              </a:schemeClr>
+            </a:lnRef>
+            <a:fillRef idx="1">
+              <a:schemeClr val="accent1"/>
+            </a:fillRef>
+            <a:effectRef idx="0">
+              <a:schemeClr val="accent1"/>
+            </a:effectRef>
+            <a:fontRef idx="minor">
+              <a:schemeClr val="lt1"/>
+            </a:fontRef>
+          </p:style>
+          <p:txBody>
+            <a:bodyPr rtlCol="0" anchor="ctr"/>
+            <a:lstStyle/>
+            <a:p>
+              <a:pPr algn="ctr"/>
+              <a:endParaRPr kumimoji="1" lang="ja-JP" altLang="en-US"/>
+            </a:p>
+          </p:txBody>
+        </p:sp>
+      </p:grpSp>
+      <p:sp>
+        <p:nvSpPr>
+          <p:cNvPr id="31" name="矢印: 左右 30">
+            <a:extLst>
+              <a:ext uri="{FF2B5EF4-FFF2-40B4-BE49-F238E27FC236}">
+                <a16:creationId xmlns:a16="http://schemas.microsoft.com/office/drawing/2014/main" id="{A0904BB2-A56C-4DA7-AF37-600522667E01}"/>
               </a:ext>
             </a:extLst>
           </p:cNvPr>
@@ -15971,25 +21852,13 @@
           <p:nvPr/>
         </p:nvSpPr>
         <p:spPr>
-          <a:xfrm>
-            <a:off x="7893767" y="2912944"/>
-            <a:ext cx="1348175" cy="402053"/>
-          </a:xfrm>
-          <a:prstGeom prst="wedgeRoundRectCallout">
-            <a:avLst>
-              <a:gd name="adj1" fmla="val -44315"/>
-              <a:gd name="adj2" fmla="val 169404"/>
-              <a:gd name="adj3" fmla="val 16667"/>
-            </a:avLst>
-          </a:prstGeom>
-          <a:solidFill>
-            <a:schemeClr val="bg1"/>
-          </a:solidFill>
-          <a:ln>
-            <a:solidFill>
-              <a:schemeClr val="tx1"/>
-            </a:solidFill>
-          </a:ln>
+          <a:xfrm rot="19771293">
+            <a:off x="5378544" y="1412258"/>
+            <a:ext cx="500833" cy="207391"/>
+          </a:xfrm>
+          <a:prstGeom prst="leftRightArrow">
+            <a:avLst/>
+          </a:prstGeom>
         </p:spPr>
         <p:style>
           <a:lnRef idx="2">
@@ -16012,21 +21881,1195 @@
           <a:lstStyle/>
           <a:p>
             <a:pPr algn="ctr"/>
+            <a:endParaRPr kumimoji="1" lang="ja-JP" altLang="en-US"/>
+          </a:p>
+        </p:txBody>
+      </p:sp>
+      <p:sp>
+        <p:nvSpPr>
+          <p:cNvPr id="32" name="矢印: 左右 31">
+            <a:extLst>
+              <a:ext uri="{FF2B5EF4-FFF2-40B4-BE49-F238E27FC236}">
+                <a16:creationId xmlns:a16="http://schemas.microsoft.com/office/drawing/2014/main" id="{F150AE8E-B8D3-4826-BA49-2F26C61AB575}"/>
+              </a:ext>
+            </a:extLst>
+          </p:cNvPr>
+          <p:cNvSpPr/>
+          <p:nvPr/>
+        </p:nvSpPr>
+        <p:spPr>
+          <a:xfrm rot="1764715">
+            <a:off x="5387422" y="2112433"/>
+            <a:ext cx="500834" cy="207391"/>
+          </a:xfrm>
+          <a:prstGeom prst="leftRightArrow">
+            <a:avLst/>
+          </a:prstGeom>
+        </p:spPr>
+        <p:style>
+          <a:lnRef idx="2">
+            <a:schemeClr val="accent1">
+              <a:shade val="50000"/>
+            </a:schemeClr>
+          </a:lnRef>
+          <a:fillRef idx="1">
+            <a:schemeClr val="accent1"/>
+          </a:fillRef>
+          <a:effectRef idx="0">
+            <a:schemeClr val="accent1"/>
+          </a:effectRef>
+          <a:fontRef idx="minor">
+            <a:schemeClr val="lt1"/>
+          </a:fontRef>
+        </p:style>
+        <p:txBody>
+          <a:bodyPr rtlCol="0" anchor="ctr"/>
+          <a:lstStyle/>
+          <a:p>
+            <a:pPr algn="ctr"/>
+            <a:endParaRPr kumimoji="1" lang="ja-JP" altLang="en-US"/>
+          </a:p>
+        </p:txBody>
+      </p:sp>
+      <p:sp>
+        <p:nvSpPr>
+          <p:cNvPr id="33" name="四角形: 角を丸くする 32">
+            <a:extLst>
+              <a:ext uri="{FF2B5EF4-FFF2-40B4-BE49-F238E27FC236}">
+                <a16:creationId xmlns:a16="http://schemas.microsoft.com/office/drawing/2014/main" id="{0271AF88-CE08-497F-B2D1-A44687EB842A}"/>
+              </a:ext>
+            </a:extLst>
+          </p:cNvPr>
+          <p:cNvSpPr/>
+          <p:nvPr/>
+        </p:nvSpPr>
+        <p:spPr>
+          <a:xfrm>
+            <a:off x="4795463" y="423878"/>
+            <a:ext cx="2300438" cy="2598821"/>
+          </a:xfrm>
+          <a:prstGeom prst="roundRect">
+            <a:avLst/>
+          </a:prstGeom>
+          <a:noFill/>
+          <a:ln>
+            <a:solidFill>
+              <a:schemeClr val="tx1"/>
+            </a:solidFill>
+            <a:prstDash val="dash"/>
+          </a:ln>
+        </p:spPr>
+        <p:style>
+          <a:lnRef idx="2">
+            <a:schemeClr val="accent1">
+              <a:shade val="50000"/>
+            </a:schemeClr>
+          </a:lnRef>
+          <a:fillRef idx="1">
+            <a:schemeClr val="accent1"/>
+          </a:fillRef>
+          <a:effectRef idx="0">
+            <a:schemeClr val="accent1"/>
+          </a:effectRef>
+          <a:fontRef idx="minor">
+            <a:schemeClr val="lt1"/>
+          </a:fontRef>
+        </p:style>
+        <p:txBody>
+          <a:bodyPr rtlCol="0" anchor="ctr"/>
+          <a:lstStyle/>
+          <a:p>
+            <a:pPr algn="ctr"/>
+            <a:endParaRPr kumimoji="1" lang="ja-JP" altLang="en-US"/>
+          </a:p>
+        </p:txBody>
+      </p:sp>
+      <p:pic>
+        <p:nvPicPr>
+          <p:cNvPr id="35" name="グラフィックス 34" descr="男性 単色塗りつぶし">
+            <a:extLst>
+              <a:ext uri="{FF2B5EF4-FFF2-40B4-BE49-F238E27FC236}">
+                <a16:creationId xmlns:a16="http://schemas.microsoft.com/office/drawing/2014/main" id="{CD069C5E-F5C8-4547-A601-6EF187A3678C}"/>
+              </a:ext>
+            </a:extLst>
+          </p:cNvPr>
+          <p:cNvPicPr>
+            <a:picLocks noChangeAspect="1"/>
+          </p:cNvPicPr>
+          <p:nvPr/>
+        </p:nvPicPr>
+        <p:blipFill>
+          <a:blip r:embed="rId2">
+            <a:extLst>
+              <a:ext uri="{28A0092B-C50C-407E-A947-70E740481C1C}">
+                <a14:useLocalDpi xmlns:a14="http://schemas.microsoft.com/office/drawing/2010/main" val="0"/>
+              </a:ext>
+              <a:ext uri="{96DAC541-7B7A-43D3-8B79-37D633B846F1}">
+                <asvg:svgBlip xmlns:asvg="http://schemas.microsoft.com/office/drawing/2016/SVG/main" r:embed="rId3"/>
+              </a:ext>
+            </a:extLst>
+          </a:blip>
+          <a:stretch>
+            <a:fillRect/>
+          </a:stretch>
+        </p:blipFill>
+        <p:spPr>
+          <a:xfrm>
+            <a:off x="8017649" y="1688534"/>
+            <a:ext cx="516760" cy="494386"/>
+          </a:xfrm>
+          <a:prstGeom prst="rect">
+            <a:avLst/>
+          </a:prstGeom>
+        </p:spPr>
+      </p:pic>
+      <p:grpSp>
+        <p:nvGrpSpPr>
+          <p:cNvPr id="36" name="グループ化 35">
+            <a:extLst>
+              <a:ext uri="{FF2B5EF4-FFF2-40B4-BE49-F238E27FC236}">
+                <a16:creationId xmlns:a16="http://schemas.microsoft.com/office/drawing/2014/main" id="{8776E4C2-C830-43C1-A11F-63FC54C6B077}"/>
+              </a:ext>
+            </a:extLst>
+          </p:cNvPr>
+          <p:cNvGrpSpPr/>
+          <p:nvPr/>
+        </p:nvGrpSpPr>
+        <p:grpSpPr>
+          <a:xfrm>
+            <a:off x="9017567" y="716248"/>
+            <a:ext cx="796207" cy="788691"/>
+            <a:chOff x="9165797" y="1077991"/>
+            <a:chExt cx="1451411" cy="1440728"/>
+          </a:xfrm>
+        </p:grpSpPr>
+        <p:pic>
+          <p:nvPicPr>
+            <p:cNvPr id="37" name="グラフィックス 36" descr="男性 枠線">
+              <a:extLst>
+                <a:ext uri="{FF2B5EF4-FFF2-40B4-BE49-F238E27FC236}">
+                  <a16:creationId xmlns:a16="http://schemas.microsoft.com/office/drawing/2014/main" id="{A3C2664C-02AD-4B84-9124-C6B7FE954F02}"/>
+                </a:ext>
+              </a:extLst>
+            </p:cNvPr>
+            <p:cNvPicPr>
+              <a:picLocks noChangeAspect="1"/>
+            </p:cNvPicPr>
+            <p:nvPr/>
+          </p:nvPicPr>
+          <p:blipFill>
+            <a:blip r:embed="rId4">
+              <a:extLst>
+                <a:ext uri="{28A0092B-C50C-407E-A947-70E740481C1C}">
+                  <a14:useLocalDpi xmlns:a14="http://schemas.microsoft.com/office/drawing/2010/main" val="0"/>
+                </a:ext>
+                <a:ext uri="{96DAC541-7B7A-43D3-8B79-37D633B846F1}">
+                  <asvg:svgBlip xmlns:asvg="http://schemas.microsoft.com/office/drawing/2016/SVG/main" r:embed="rId5"/>
+                </a:ext>
+              </a:extLst>
+            </a:blip>
+            <a:stretch>
+              <a:fillRect/>
+            </a:stretch>
+          </p:blipFill>
+          <p:spPr>
+            <a:xfrm>
+              <a:off x="9525586" y="1171473"/>
+              <a:ext cx="683127" cy="653550"/>
+            </a:xfrm>
+            <a:prstGeom prst="rect">
+              <a:avLst/>
+            </a:prstGeom>
+          </p:spPr>
+        </p:pic>
+        <p:pic>
+          <p:nvPicPr>
+            <p:cNvPr id="38" name="グラフィックス 37" descr="男性 枠線">
+              <a:extLst>
+                <a:ext uri="{FF2B5EF4-FFF2-40B4-BE49-F238E27FC236}">
+                  <a16:creationId xmlns:a16="http://schemas.microsoft.com/office/drawing/2014/main" id="{3BFE2652-EEA9-4733-A259-7ABED607FC8D}"/>
+                </a:ext>
+              </a:extLst>
+            </p:cNvPr>
+            <p:cNvPicPr>
+              <a:picLocks noChangeAspect="1"/>
+            </p:cNvPicPr>
+            <p:nvPr/>
+          </p:nvPicPr>
+          <p:blipFill>
+            <a:blip r:embed="rId4">
+              <a:extLst>
+                <a:ext uri="{28A0092B-C50C-407E-A947-70E740481C1C}">
+                  <a14:useLocalDpi xmlns:a14="http://schemas.microsoft.com/office/drawing/2010/main" val="0"/>
+                </a:ext>
+                <a:ext uri="{96DAC541-7B7A-43D3-8B79-37D633B846F1}">
+                  <asvg:svgBlip xmlns:asvg="http://schemas.microsoft.com/office/drawing/2016/SVG/main" r:embed="rId5"/>
+                </a:ext>
+              </a:extLst>
+            </a:blip>
+            <a:stretch>
+              <a:fillRect/>
+            </a:stretch>
+          </p:blipFill>
+          <p:spPr>
+            <a:xfrm>
+              <a:off x="9208376" y="1708958"/>
+              <a:ext cx="683127" cy="653550"/>
+            </a:xfrm>
+            <a:prstGeom prst="rect">
+              <a:avLst/>
+            </a:prstGeom>
+          </p:spPr>
+        </p:pic>
+        <p:pic>
+          <p:nvPicPr>
+            <p:cNvPr id="39" name="グラフィックス 38" descr="男性 枠線">
+              <a:extLst>
+                <a:ext uri="{FF2B5EF4-FFF2-40B4-BE49-F238E27FC236}">
+                  <a16:creationId xmlns:a16="http://schemas.microsoft.com/office/drawing/2014/main" id="{17881B09-8CFC-4830-A87F-566E585D6D16}"/>
+                </a:ext>
+              </a:extLst>
+            </p:cNvPr>
+            <p:cNvPicPr>
+              <a:picLocks noChangeAspect="1"/>
+            </p:cNvPicPr>
+            <p:nvPr/>
+          </p:nvPicPr>
+          <p:blipFill>
+            <a:blip r:embed="rId4">
+              <a:extLst>
+                <a:ext uri="{28A0092B-C50C-407E-A947-70E740481C1C}">
+                  <a14:useLocalDpi xmlns:a14="http://schemas.microsoft.com/office/drawing/2010/main" val="0"/>
+                </a:ext>
+                <a:ext uri="{96DAC541-7B7A-43D3-8B79-37D633B846F1}">
+                  <asvg:svgBlip xmlns:asvg="http://schemas.microsoft.com/office/drawing/2016/SVG/main" r:embed="rId5"/>
+                </a:ext>
+              </a:extLst>
+            </a:blip>
+            <a:stretch>
+              <a:fillRect/>
+            </a:stretch>
+          </p:blipFill>
+          <p:spPr>
+            <a:xfrm>
+              <a:off x="9934081" y="1708958"/>
+              <a:ext cx="683127" cy="653550"/>
+            </a:xfrm>
+            <a:prstGeom prst="rect">
+              <a:avLst/>
+            </a:prstGeom>
+          </p:spPr>
+        </p:pic>
+        <p:sp>
+          <p:nvSpPr>
+            <p:cNvPr id="40" name="楕円 39">
+              <a:extLst>
+                <a:ext uri="{FF2B5EF4-FFF2-40B4-BE49-F238E27FC236}">
+                  <a16:creationId xmlns:a16="http://schemas.microsoft.com/office/drawing/2014/main" id="{40CD6F4A-82D1-4345-B718-5F95DEF437FC}"/>
+                </a:ext>
+              </a:extLst>
+            </p:cNvPr>
+            <p:cNvSpPr/>
+            <p:nvPr/>
+          </p:nvSpPr>
+          <p:spPr>
+            <a:xfrm>
+              <a:off x="9165797" y="1077991"/>
+              <a:ext cx="1442300" cy="1440728"/>
+            </a:xfrm>
+            <a:prstGeom prst="ellipse">
+              <a:avLst/>
+            </a:prstGeom>
+            <a:noFill/>
+          </p:spPr>
+          <p:style>
+            <a:lnRef idx="2">
+              <a:schemeClr val="accent1">
+                <a:shade val="50000"/>
+              </a:schemeClr>
+            </a:lnRef>
+            <a:fillRef idx="1">
+              <a:schemeClr val="accent1"/>
+            </a:fillRef>
+            <a:effectRef idx="0">
+              <a:schemeClr val="accent1"/>
+            </a:effectRef>
+            <a:fontRef idx="minor">
+              <a:schemeClr val="lt1"/>
+            </a:fontRef>
+          </p:style>
+          <p:txBody>
+            <a:bodyPr rtlCol="0" anchor="ctr"/>
+            <a:lstStyle/>
+            <a:p>
+              <a:pPr algn="ctr"/>
+              <a:endParaRPr kumimoji="1" lang="ja-JP" altLang="en-US"/>
+            </a:p>
+          </p:txBody>
+        </p:sp>
+      </p:grpSp>
+      <p:grpSp>
+        <p:nvGrpSpPr>
+          <p:cNvPr id="41" name="グループ化 40">
+            <a:extLst>
+              <a:ext uri="{FF2B5EF4-FFF2-40B4-BE49-F238E27FC236}">
+                <a16:creationId xmlns:a16="http://schemas.microsoft.com/office/drawing/2014/main" id="{6B2C6093-84BB-4553-AF47-8B067A76DF10}"/>
+              </a:ext>
+            </a:extLst>
+          </p:cNvPr>
+          <p:cNvGrpSpPr/>
+          <p:nvPr/>
+        </p:nvGrpSpPr>
+        <p:grpSpPr>
+          <a:xfrm>
+            <a:off x="9046102" y="2019249"/>
+            <a:ext cx="796207" cy="788691"/>
+            <a:chOff x="9165797" y="1077991"/>
+            <a:chExt cx="1451411" cy="1440728"/>
+          </a:xfrm>
+        </p:grpSpPr>
+        <p:pic>
+          <p:nvPicPr>
+            <p:cNvPr id="42" name="グラフィックス 41" descr="男性 枠線">
+              <a:extLst>
+                <a:ext uri="{FF2B5EF4-FFF2-40B4-BE49-F238E27FC236}">
+                  <a16:creationId xmlns:a16="http://schemas.microsoft.com/office/drawing/2014/main" id="{F05FA123-9536-42E7-AEA6-D310234C1216}"/>
+                </a:ext>
+              </a:extLst>
+            </p:cNvPr>
+            <p:cNvPicPr>
+              <a:picLocks noChangeAspect="1"/>
+            </p:cNvPicPr>
+            <p:nvPr/>
+          </p:nvPicPr>
+          <p:blipFill>
+            <a:blip r:embed="rId4">
+              <a:extLst>
+                <a:ext uri="{28A0092B-C50C-407E-A947-70E740481C1C}">
+                  <a14:useLocalDpi xmlns:a14="http://schemas.microsoft.com/office/drawing/2010/main" val="0"/>
+                </a:ext>
+                <a:ext uri="{96DAC541-7B7A-43D3-8B79-37D633B846F1}">
+                  <asvg:svgBlip xmlns:asvg="http://schemas.microsoft.com/office/drawing/2016/SVG/main" r:embed="rId5"/>
+                </a:ext>
+              </a:extLst>
+            </a:blip>
+            <a:stretch>
+              <a:fillRect/>
+            </a:stretch>
+          </p:blipFill>
+          <p:spPr>
+            <a:xfrm>
+              <a:off x="9525586" y="1171473"/>
+              <a:ext cx="683127" cy="653550"/>
+            </a:xfrm>
+            <a:prstGeom prst="rect">
+              <a:avLst/>
+            </a:prstGeom>
+          </p:spPr>
+        </p:pic>
+        <p:pic>
+          <p:nvPicPr>
+            <p:cNvPr id="43" name="グラフィックス 42" descr="男性 枠線">
+              <a:extLst>
+                <a:ext uri="{FF2B5EF4-FFF2-40B4-BE49-F238E27FC236}">
+                  <a16:creationId xmlns:a16="http://schemas.microsoft.com/office/drawing/2014/main" id="{8A455C48-8988-4954-8462-177620CAAF57}"/>
+                </a:ext>
+              </a:extLst>
+            </p:cNvPr>
+            <p:cNvPicPr>
+              <a:picLocks noChangeAspect="1"/>
+            </p:cNvPicPr>
+            <p:nvPr/>
+          </p:nvPicPr>
+          <p:blipFill>
+            <a:blip r:embed="rId4">
+              <a:extLst>
+                <a:ext uri="{28A0092B-C50C-407E-A947-70E740481C1C}">
+                  <a14:useLocalDpi xmlns:a14="http://schemas.microsoft.com/office/drawing/2010/main" val="0"/>
+                </a:ext>
+                <a:ext uri="{96DAC541-7B7A-43D3-8B79-37D633B846F1}">
+                  <asvg:svgBlip xmlns:asvg="http://schemas.microsoft.com/office/drawing/2016/SVG/main" r:embed="rId5"/>
+                </a:ext>
+              </a:extLst>
+            </a:blip>
+            <a:stretch>
+              <a:fillRect/>
+            </a:stretch>
+          </p:blipFill>
+          <p:spPr>
+            <a:xfrm>
+              <a:off x="9208376" y="1708958"/>
+              <a:ext cx="683127" cy="653550"/>
+            </a:xfrm>
+            <a:prstGeom prst="rect">
+              <a:avLst/>
+            </a:prstGeom>
+          </p:spPr>
+        </p:pic>
+        <p:pic>
+          <p:nvPicPr>
+            <p:cNvPr id="44" name="グラフィックス 43" descr="男性 枠線">
+              <a:extLst>
+                <a:ext uri="{FF2B5EF4-FFF2-40B4-BE49-F238E27FC236}">
+                  <a16:creationId xmlns:a16="http://schemas.microsoft.com/office/drawing/2014/main" id="{FA13A65A-FD3E-4BD5-8C46-287BBA92B57C}"/>
+                </a:ext>
+              </a:extLst>
+            </p:cNvPr>
+            <p:cNvPicPr>
+              <a:picLocks noChangeAspect="1"/>
+            </p:cNvPicPr>
+            <p:nvPr/>
+          </p:nvPicPr>
+          <p:blipFill>
+            <a:blip r:embed="rId4">
+              <a:extLst>
+                <a:ext uri="{28A0092B-C50C-407E-A947-70E740481C1C}">
+                  <a14:useLocalDpi xmlns:a14="http://schemas.microsoft.com/office/drawing/2010/main" val="0"/>
+                </a:ext>
+                <a:ext uri="{96DAC541-7B7A-43D3-8B79-37D633B846F1}">
+                  <asvg:svgBlip xmlns:asvg="http://schemas.microsoft.com/office/drawing/2016/SVG/main" r:embed="rId5"/>
+                </a:ext>
+              </a:extLst>
+            </a:blip>
+            <a:stretch>
+              <a:fillRect/>
+            </a:stretch>
+          </p:blipFill>
+          <p:spPr>
+            <a:xfrm>
+              <a:off x="9934081" y="1708958"/>
+              <a:ext cx="683127" cy="653550"/>
+            </a:xfrm>
+            <a:prstGeom prst="rect">
+              <a:avLst/>
+            </a:prstGeom>
+          </p:spPr>
+        </p:pic>
+        <p:sp>
+          <p:nvSpPr>
+            <p:cNvPr id="45" name="楕円 44">
+              <a:extLst>
+                <a:ext uri="{FF2B5EF4-FFF2-40B4-BE49-F238E27FC236}">
+                  <a16:creationId xmlns:a16="http://schemas.microsoft.com/office/drawing/2014/main" id="{5FA8D81D-E66D-4229-A460-8CE51449C220}"/>
+                </a:ext>
+              </a:extLst>
+            </p:cNvPr>
+            <p:cNvSpPr/>
+            <p:nvPr/>
+          </p:nvSpPr>
+          <p:spPr>
+            <a:xfrm>
+              <a:off x="9165797" y="1077991"/>
+              <a:ext cx="1442300" cy="1440728"/>
+            </a:xfrm>
+            <a:prstGeom prst="ellipse">
+              <a:avLst/>
+            </a:prstGeom>
+            <a:noFill/>
+          </p:spPr>
+          <p:style>
+            <a:lnRef idx="2">
+              <a:schemeClr val="accent1">
+                <a:shade val="50000"/>
+              </a:schemeClr>
+            </a:lnRef>
+            <a:fillRef idx="1">
+              <a:schemeClr val="accent1"/>
+            </a:fillRef>
+            <a:effectRef idx="0">
+              <a:schemeClr val="accent1"/>
+            </a:effectRef>
+            <a:fontRef idx="minor">
+              <a:schemeClr val="lt1"/>
+            </a:fontRef>
+          </p:style>
+          <p:txBody>
+            <a:bodyPr rtlCol="0" anchor="ctr"/>
+            <a:lstStyle/>
+            <a:p>
+              <a:pPr algn="ctr"/>
+              <a:endParaRPr kumimoji="1" lang="ja-JP" altLang="en-US"/>
+            </a:p>
+          </p:txBody>
+        </p:sp>
+      </p:grpSp>
+      <p:sp>
+        <p:nvSpPr>
+          <p:cNvPr id="46" name="矢印: 左右 45">
+            <a:extLst>
+              <a:ext uri="{FF2B5EF4-FFF2-40B4-BE49-F238E27FC236}">
+                <a16:creationId xmlns:a16="http://schemas.microsoft.com/office/drawing/2014/main" id="{DDAD5AF7-A524-4286-ADC8-CBAC5062E74A}"/>
+              </a:ext>
+            </a:extLst>
+          </p:cNvPr>
+          <p:cNvSpPr/>
+          <p:nvPr/>
+        </p:nvSpPr>
+        <p:spPr>
+          <a:xfrm rot="19771293">
+            <a:off x="8474493" y="1413141"/>
+            <a:ext cx="500833" cy="207391"/>
+          </a:xfrm>
+          <a:prstGeom prst="leftRightArrow">
+            <a:avLst/>
+          </a:prstGeom>
+        </p:spPr>
+        <p:style>
+          <a:lnRef idx="2">
+            <a:schemeClr val="accent1">
+              <a:shade val="50000"/>
+            </a:schemeClr>
+          </a:lnRef>
+          <a:fillRef idx="1">
+            <a:schemeClr val="accent1"/>
+          </a:fillRef>
+          <a:effectRef idx="0">
+            <a:schemeClr val="accent1"/>
+          </a:effectRef>
+          <a:fontRef idx="minor">
+            <a:schemeClr val="lt1"/>
+          </a:fontRef>
+        </p:style>
+        <p:txBody>
+          <a:bodyPr rtlCol="0" anchor="ctr"/>
+          <a:lstStyle/>
+          <a:p>
+            <a:pPr algn="ctr"/>
+            <a:endParaRPr kumimoji="1" lang="ja-JP" altLang="en-US"/>
+          </a:p>
+        </p:txBody>
+      </p:sp>
+      <p:sp>
+        <p:nvSpPr>
+          <p:cNvPr id="47" name="矢印: 左右 46">
+            <a:extLst>
+              <a:ext uri="{FF2B5EF4-FFF2-40B4-BE49-F238E27FC236}">
+                <a16:creationId xmlns:a16="http://schemas.microsoft.com/office/drawing/2014/main" id="{F953BB58-E811-4A73-9A07-8F3334FCF228}"/>
+              </a:ext>
+            </a:extLst>
+          </p:cNvPr>
+          <p:cNvSpPr/>
+          <p:nvPr/>
+        </p:nvSpPr>
+        <p:spPr>
+          <a:xfrm rot="1764715">
+            <a:off x="8483371" y="2113316"/>
+            <a:ext cx="500834" cy="207391"/>
+          </a:xfrm>
+          <a:prstGeom prst="leftRightArrow">
+            <a:avLst/>
+          </a:prstGeom>
+        </p:spPr>
+        <p:style>
+          <a:lnRef idx="2">
+            <a:schemeClr val="accent1">
+              <a:shade val="50000"/>
+            </a:schemeClr>
+          </a:lnRef>
+          <a:fillRef idx="1">
+            <a:schemeClr val="accent1"/>
+          </a:fillRef>
+          <a:effectRef idx="0">
+            <a:schemeClr val="accent1"/>
+          </a:effectRef>
+          <a:fontRef idx="minor">
+            <a:schemeClr val="lt1"/>
+          </a:fontRef>
+        </p:style>
+        <p:txBody>
+          <a:bodyPr rtlCol="0" anchor="ctr"/>
+          <a:lstStyle/>
+          <a:p>
+            <a:pPr algn="ctr"/>
+            <a:endParaRPr kumimoji="1" lang="ja-JP" altLang="en-US"/>
+          </a:p>
+        </p:txBody>
+      </p:sp>
+      <p:sp>
+        <p:nvSpPr>
+          <p:cNvPr id="48" name="四角形: 角を丸くする 47">
+            <a:extLst>
+              <a:ext uri="{FF2B5EF4-FFF2-40B4-BE49-F238E27FC236}">
+                <a16:creationId xmlns:a16="http://schemas.microsoft.com/office/drawing/2014/main" id="{176F9B93-C85B-4308-AF3E-ED6B4E52B259}"/>
+              </a:ext>
+            </a:extLst>
+          </p:cNvPr>
+          <p:cNvSpPr/>
+          <p:nvPr/>
+        </p:nvSpPr>
+        <p:spPr>
+          <a:xfrm>
+            <a:off x="7891412" y="424761"/>
+            <a:ext cx="2300438" cy="2598821"/>
+          </a:xfrm>
+          <a:prstGeom prst="roundRect">
+            <a:avLst/>
+          </a:prstGeom>
+          <a:noFill/>
+          <a:ln>
+            <a:solidFill>
+              <a:schemeClr val="tx1"/>
+            </a:solidFill>
+            <a:prstDash val="dash"/>
+          </a:ln>
+        </p:spPr>
+        <p:style>
+          <a:lnRef idx="2">
+            <a:schemeClr val="accent1">
+              <a:shade val="50000"/>
+            </a:schemeClr>
+          </a:lnRef>
+          <a:fillRef idx="1">
+            <a:schemeClr val="accent1"/>
+          </a:fillRef>
+          <a:effectRef idx="0">
+            <a:schemeClr val="accent1"/>
+          </a:effectRef>
+          <a:fontRef idx="minor">
+            <a:schemeClr val="lt1"/>
+          </a:fontRef>
+        </p:style>
+        <p:txBody>
+          <a:bodyPr rtlCol="0" anchor="ctr"/>
+          <a:lstStyle/>
+          <a:p>
+            <a:pPr algn="ctr"/>
+            <a:endParaRPr kumimoji="1" lang="ja-JP" altLang="en-US"/>
+          </a:p>
+        </p:txBody>
+      </p:sp>
+      <p:sp>
+        <p:nvSpPr>
+          <p:cNvPr id="50" name="テキスト ボックス 49">
+            <a:extLst>
+              <a:ext uri="{FF2B5EF4-FFF2-40B4-BE49-F238E27FC236}">
+                <a16:creationId xmlns:a16="http://schemas.microsoft.com/office/drawing/2014/main" id="{297AC622-BBD0-4B00-9186-72A66C101FAE}"/>
+              </a:ext>
+            </a:extLst>
+          </p:cNvPr>
+          <p:cNvSpPr txBox="1"/>
+          <p:nvPr/>
+        </p:nvSpPr>
+        <p:spPr>
+          <a:xfrm>
+            <a:off x="5390728" y="3064194"/>
+            <a:ext cx="1055276" cy="646331"/>
+          </a:xfrm>
+          <a:prstGeom prst="rect">
+            <a:avLst/>
+          </a:prstGeom>
+          <a:noFill/>
+        </p:spPr>
+        <p:txBody>
+          <a:bodyPr wrap="square" rtlCol="0">
+            <a:spAutoFit/>
+          </a:bodyPr>
+          <a:lstStyle/>
+          <a:p>
+            <a:pPr algn="ctr"/>
+            <a:r>
+              <a:rPr kumimoji="1" lang="en-US" altLang="ja-JP" dirty="0"/>
+              <a:t>B</a:t>
+            </a:r>
+            <a:r>
+              <a:rPr kumimoji="1" lang="ja-JP" altLang="en-US" dirty="0"/>
+              <a:t>組</a:t>
+            </a:r>
+            <a:endParaRPr kumimoji="1" lang="en-US" altLang="ja-JP" dirty="0"/>
+          </a:p>
+          <a:p>
+            <a:pPr algn="ctr"/>
+            <a:r>
+              <a:rPr kumimoji="1" lang="ja-JP" altLang="en-US" dirty="0"/>
+              <a:t>（</a:t>
+            </a:r>
+            <a:r>
+              <a:rPr kumimoji="1" lang="en-US" altLang="ja-JP" dirty="0"/>
+              <a:t>8</a:t>
+            </a:r>
+            <a:r>
+              <a:rPr kumimoji="1" lang="ja-JP" altLang="en-US" dirty="0"/>
+              <a:t>人）</a:t>
+            </a:r>
+          </a:p>
+        </p:txBody>
+      </p:sp>
+      <p:sp>
+        <p:nvSpPr>
+          <p:cNvPr id="51" name="テキスト ボックス 50">
+            <a:extLst>
+              <a:ext uri="{FF2B5EF4-FFF2-40B4-BE49-F238E27FC236}">
+                <a16:creationId xmlns:a16="http://schemas.microsoft.com/office/drawing/2014/main" id="{A350D345-5EAE-4321-B765-109EFB5CD906}"/>
+              </a:ext>
+            </a:extLst>
+          </p:cNvPr>
+          <p:cNvSpPr txBox="1"/>
+          <p:nvPr/>
+        </p:nvSpPr>
+        <p:spPr>
+          <a:xfrm>
+            <a:off x="8571125" y="3056030"/>
+            <a:ext cx="1055276" cy="646331"/>
+          </a:xfrm>
+          <a:prstGeom prst="rect">
+            <a:avLst/>
+          </a:prstGeom>
+          <a:noFill/>
+        </p:spPr>
+        <p:txBody>
+          <a:bodyPr wrap="square" rtlCol="0">
+            <a:spAutoFit/>
+          </a:bodyPr>
+          <a:lstStyle/>
+          <a:p>
+            <a:pPr algn="ctr"/>
+            <a:r>
+              <a:rPr kumimoji="1" lang="en-US" altLang="ja-JP" dirty="0"/>
+              <a:t>C</a:t>
+            </a:r>
+            <a:r>
+              <a:rPr kumimoji="1" lang="ja-JP" altLang="en-US" dirty="0"/>
+              <a:t>組</a:t>
+            </a:r>
+            <a:endParaRPr kumimoji="1" lang="en-US" altLang="ja-JP" dirty="0"/>
+          </a:p>
+          <a:p>
+            <a:pPr algn="ctr"/>
+            <a:r>
+              <a:rPr kumimoji="1" lang="ja-JP" altLang="en-US" dirty="0"/>
+              <a:t>（</a:t>
+            </a:r>
+            <a:r>
+              <a:rPr kumimoji="1" lang="en-US" altLang="ja-JP" dirty="0"/>
+              <a:t>7</a:t>
+            </a:r>
+            <a:r>
+              <a:rPr kumimoji="1" lang="ja-JP" altLang="en-US" dirty="0"/>
+              <a:t>人）</a:t>
+            </a:r>
+          </a:p>
+        </p:txBody>
+      </p:sp>
+      <p:cxnSp>
+        <p:nvCxnSpPr>
+          <p:cNvPr id="53" name="コネクタ: 曲線 52">
+            <a:extLst>
+              <a:ext uri="{FF2B5EF4-FFF2-40B4-BE49-F238E27FC236}">
+                <a16:creationId xmlns:a16="http://schemas.microsoft.com/office/drawing/2014/main" id="{6D3D8313-4E29-4710-A5A3-9A4C4A0CB8C3}"/>
+              </a:ext>
+            </a:extLst>
+          </p:cNvPr>
+          <p:cNvCxnSpPr>
+            <a:stCxn id="2" idx="0"/>
+            <a:endCxn id="22" idx="0"/>
+          </p:cNvCxnSpPr>
+          <p:nvPr/>
+        </p:nvCxnSpPr>
+        <p:spPr>
+          <a:xfrm rot="5400000" flipH="1" flipV="1">
+            <a:off x="3693456" y="-925255"/>
+            <a:ext cx="921112" cy="4304700"/>
+          </a:xfrm>
+          <a:prstGeom prst="curvedConnector3">
+            <a:avLst>
+              <a:gd name="adj1" fmla="val 139897"/>
+            </a:avLst>
+          </a:prstGeom>
+          <a:ln>
+            <a:solidFill>
+              <a:srgbClr val="FF0000"/>
+            </a:solidFill>
+            <a:headEnd type="triangle"/>
+            <a:tailEnd type="triangle"/>
+          </a:ln>
+        </p:spPr>
+        <p:style>
+          <a:lnRef idx="1">
+            <a:schemeClr val="accent1"/>
+          </a:lnRef>
+          <a:fillRef idx="0">
+            <a:schemeClr val="accent1"/>
+          </a:fillRef>
+          <a:effectRef idx="0">
+            <a:schemeClr val="accent1"/>
+          </a:effectRef>
+          <a:fontRef idx="minor">
+            <a:schemeClr val="tx1"/>
+          </a:fontRef>
+        </p:style>
+      </p:cxnSp>
+      <p:cxnSp>
+        <p:nvCxnSpPr>
+          <p:cNvPr id="64" name="コネクタ: 曲線 63">
+            <a:extLst>
+              <a:ext uri="{FF2B5EF4-FFF2-40B4-BE49-F238E27FC236}">
+                <a16:creationId xmlns:a16="http://schemas.microsoft.com/office/drawing/2014/main" id="{3A6E6A10-5D44-497A-AC61-6C8F4A7D4D77}"/>
+              </a:ext>
+            </a:extLst>
+          </p:cNvPr>
+          <p:cNvCxnSpPr>
+            <a:cxnSpLocks/>
+            <a:stCxn id="20" idx="2"/>
+            <a:endCxn id="43" idx="2"/>
+          </p:cNvCxnSpPr>
+          <p:nvPr/>
+        </p:nvCxnSpPr>
+        <p:spPr>
+          <a:xfrm rot="16200000" flipH="1">
+            <a:off x="6948262" y="413854"/>
+            <a:ext cx="540389" cy="4076753"/>
+          </a:xfrm>
+          <a:prstGeom prst="curvedConnector3">
+            <a:avLst>
+              <a:gd name="adj1" fmla="val 142303"/>
+            </a:avLst>
+          </a:prstGeom>
+          <a:ln>
+            <a:solidFill>
+              <a:srgbClr val="FF0000"/>
+            </a:solidFill>
+            <a:headEnd type="triangle"/>
+            <a:tailEnd type="triangle"/>
+          </a:ln>
+        </p:spPr>
+        <p:style>
+          <a:lnRef idx="1">
+            <a:schemeClr val="accent1"/>
+          </a:lnRef>
+          <a:fillRef idx="0">
+            <a:schemeClr val="accent1"/>
+          </a:fillRef>
+          <a:effectRef idx="0">
+            <a:schemeClr val="accent1"/>
+          </a:effectRef>
+          <a:fontRef idx="minor">
+            <a:schemeClr val="tx1"/>
+          </a:fontRef>
+        </p:style>
+      </p:cxnSp>
+      <p:cxnSp>
+        <p:nvCxnSpPr>
+          <p:cNvPr id="66" name="コネクタ: 曲線 65">
+            <a:extLst>
+              <a:ext uri="{FF2B5EF4-FFF2-40B4-BE49-F238E27FC236}">
+                <a16:creationId xmlns:a16="http://schemas.microsoft.com/office/drawing/2014/main" id="{E5DDCC2A-C00C-4776-8A10-C38CC03CB6E8}"/>
+              </a:ext>
+            </a:extLst>
+          </p:cNvPr>
+          <p:cNvCxnSpPr>
+            <a:cxnSpLocks/>
+            <a:stCxn id="35" idx="2"/>
+            <a:endCxn id="11" idx="2"/>
+          </p:cNvCxnSpPr>
+          <p:nvPr/>
+        </p:nvCxnSpPr>
+        <p:spPr>
+          <a:xfrm rot="5400000">
+            <a:off x="5558988" y="4501"/>
+            <a:ext cx="538623" cy="4895460"/>
+          </a:xfrm>
+          <a:prstGeom prst="curvedConnector3">
+            <a:avLst>
+              <a:gd name="adj1" fmla="val 142442"/>
+            </a:avLst>
+          </a:prstGeom>
+          <a:ln>
+            <a:solidFill>
+              <a:srgbClr val="FF0000"/>
+            </a:solidFill>
+            <a:headEnd type="triangle"/>
+            <a:tailEnd type="triangle"/>
+          </a:ln>
+        </p:spPr>
+        <p:style>
+          <a:lnRef idx="1">
+            <a:schemeClr val="accent1"/>
+          </a:lnRef>
+          <a:fillRef idx="0">
+            <a:schemeClr val="accent1"/>
+          </a:fillRef>
+          <a:effectRef idx="0">
+            <a:schemeClr val="accent1"/>
+          </a:effectRef>
+          <a:fontRef idx="minor">
+            <a:schemeClr val="tx1"/>
+          </a:fontRef>
+        </p:style>
+      </p:cxnSp>
+      <p:sp>
+        <p:nvSpPr>
+          <p:cNvPr id="69" name="テキスト ボックス 68">
+            <a:extLst>
+              <a:ext uri="{FF2B5EF4-FFF2-40B4-BE49-F238E27FC236}">
+                <a16:creationId xmlns:a16="http://schemas.microsoft.com/office/drawing/2014/main" id="{4073D96D-7FD7-4A81-84F0-0CD871AA6009}"/>
+              </a:ext>
+            </a:extLst>
+          </p:cNvPr>
+          <p:cNvSpPr txBox="1"/>
+          <p:nvPr/>
+        </p:nvSpPr>
+        <p:spPr>
+          <a:xfrm>
+            <a:off x="3787601" y="63962"/>
+            <a:ext cx="1055276" cy="369332"/>
+          </a:xfrm>
+          <a:prstGeom prst="rect">
+            <a:avLst/>
+          </a:prstGeom>
+          <a:noFill/>
+        </p:spPr>
+        <p:txBody>
+          <a:bodyPr wrap="square" rtlCol="0">
+            <a:spAutoFit/>
+          </a:bodyPr>
+          <a:lstStyle/>
+          <a:p>
+            <a:pPr algn="ctr"/>
+            <a:r>
+              <a:rPr kumimoji="1" lang="en-US" altLang="ja-JP" dirty="0">
+                <a:solidFill>
+                  <a:srgbClr val="FF0000"/>
+                </a:solidFill>
+              </a:rPr>
+              <a:t>1</a:t>
+            </a:r>
             <a:r>
               <a:rPr kumimoji="1" lang="ja-JP" altLang="en-US" dirty="0">
                 <a:solidFill>
-                  <a:schemeClr val="tx1"/>
+                  <a:srgbClr val="FF0000"/>
                 </a:solidFill>
               </a:rPr>
-              <a:t>・・・</a:t>
-            </a:r>
-          </a:p>
-        </p:txBody>
-      </p:sp>
+              <a:t>人</a:t>
+            </a:r>
+            <a:r>
+              <a:rPr kumimoji="1" lang="en-US" altLang="ja-JP" dirty="0">
+                <a:solidFill>
+                  <a:srgbClr val="FF0000"/>
+                </a:solidFill>
+              </a:rPr>
+              <a:t>2</a:t>
+            </a:r>
+            <a:r>
+              <a:rPr kumimoji="1" lang="ja-JP" altLang="en-US" dirty="0">
+                <a:solidFill>
+                  <a:srgbClr val="FF0000"/>
+                </a:solidFill>
+              </a:rPr>
+              <a:t>役</a:t>
+            </a:r>
+          </a:p>
+        </p:txBody>
+      </p:sp>
+      <p:sp>
+        <p:nvSpPr>
+          <p:cNvPr id="70" name="テキスト ボックス 69">
+            <a:extLst>
+              <a:ext uri="{FF2B5EF4-FFF2-40B4-BE49-F238E27FC236}">
+                <a16:creationId xmlns:a16="http://schemas.microsoft.com/office/drawing/2014/main" id="{36CC87F7-2A54-4706-A78B-64DD4A172E8D}"/>
+              </a:ext>
+            </a:extLst>
+          </p:cNvPr>
+          <p:cNvSpPr txBox="1"/>
+          <p:nvPr/>
+        </p:nvSpPr>
+        <p:spPr>
+          <a:xfrm>
+            <a:off x="3937697" y="2879528"/>
+            <a:ext cx="1055276" cy="369332"/>
+          </a:xfrm>
+          <a:prstGeom prst="rect">
+            <a:avLst/>
+          </a:prstGeom>
+          <a:noFill/>
+        </p:spPr>
+        <p:txBody>
+          <a:bodyPr wrap="square" rtlCol="0">
+            <a:spAutoFit/>
+          </a:bodyPr>
+          <a:lstStyle/>
+          <a:p>
+            <a:pPr algn="ctr"/>
+            <a:r>
+              <a:rPr kumimoji="1" lang="en-US" altLang="ja-JP" dirty="0">
+                <a:solidFill>
+                  <a:srgbClr val="FF0000"/>
+                </a:solidFill>
+              </a:rPr>
+              <a:t>1</a:t>
+            </a:r>
+            <a:r>
+              <a:rPr kumimoji="1" lang="ja-JP" altLang="en-US" dirty="0">
+                <a:solidFill>
+                  <a:srgbClr val="FF0000"/>
+                </a:solidFill>
+              </a:rPr>
+              <a:t>人</a:t>
+            </a:r>
+            <a:r>
+              <a:rPr kumimoji="1" lang="en-US" altLang="ja-JP" dirty="0">
+                <a:solidFill>
+                  <a:srgbClr val="FF0000"/>
+                </a:solidFill>
+              </a:rPr>
+              <a:t>2</a:t>
+            </a:r>
+            <a:r>
+              <a:rPr kumimoji="1" lang="ja-JP" altLang="en-US" dirty="0">
+                <a:solidFill>
+                  <a:srgbClr val="FF0000"/>
+                </a:solidFill>
+              </a:rPr>
+              <a:t>役</a:t>
+            </a:r>
+          </a:p>
+        </p:txBody>
+      </p:sp>
+      <p:sp>
+        <p:nvSpPr>
+          <p:cNvPr id="71" name="テキスト ボックス 70">
+            <a:extLst>
+              <a:ext uri="{FF2B5EF4-FFF2-40B4-BE49-F238E27FC236}">
+                <a16:creationId xmlns:a16="http://schemas.microsoft.com/office/drawing/2014/main" id="{C69D553C-7B30-40CC-B815-863F7F103010}"/>
+              </a:ext>
+            </a:extLst>
+          </p:cNvPr>
+          <p:cNvSpPr txBox="1"/>
+          <p:nvPr/>
+        </p:nvSpPr>
+        <p:spPr>
+          <a:xfrm>
+            <a:off x="7071794" y="2919479"/>
+            <a:ext cx="1055276" cy="369332"/>
+          </a:xfrm>
+          <a:prstGeom prst="rect">
+            <a:avLst/>
+          </a:prstGeom>
+          <a:noFill/>
+        </p:spPr>
+        <p:txBody>
+          <a:bodyPr wrap="square" rtlCol="0">
+            <a:spAutoFit/>
+          </a:bodyPr>
+          <a:lstStyle/>
+          <a:p>
+            <a:pPr algn="ctr"/>
+            <a:r>
+              <a:rPr kumimoji="1" lang="en-US" altLang="ja-JP" dirty="0">
+                <a:solidFill>
+                  <a:srgbClr val="FF0000"/>
+                </a:solidFill>
+              </a:rPr>
+              <a:t>1</a:t>
+            </a:r>
+            <a:r>
+              <a:rPr kumimoji="1" lang="ja-JP" altLang="en-US" dirty="0">
+                <a:solidFill>
+                  <a:srgbClr val="FF0000"/>
+                </a:solidFill>
+              </a:rPr>
+              <a:t>人</a:t>
+            </a:r>
+            <a:r>
+              <a:rPr kumimoji="1" lang="en-US" altLang="ja-JP" dirty="0">
+                <a:solidFill>
+                  <a:srgbClr val="FF0000"/>
+                </a:solidFill>
+              </a:rPr>
+              <a:t>2</a:t>
+            </a:r>
+            <a:r>
+              <a:rPr kumimoji="1" lang="ja-JP" altLang="en-US" dirty="0">
+                <a:solidFill>
+                  <a:srgbClr val="FF0000"/>
+                </a:solidFill>
+              </a:rPr>
+              <a:t>役</a:t>
+            </a:r>
+          </a:p>
+        </p:txBody>
+      </p:sp>
+      <p:pic>
+        <p:nvPicPr>
+          <p:cNvPr id="72" name="グラフィックス 71" descr="男性 枠線">
+            <a:extLst>
+              <a:ext uri="{FF2B5EF4-FFF2-40B4-BE49-F238E27FC236}">
+                <a16:creationId xmlns:a16="http://schemas.microsoft.com/office/drawing/2014/main" id="{8DEFD759-4D35-48EF-B37E-1844CFEDFDC9}"/>
+              </a:ext>
+            </a:extLst>
+          </p:cNvPr>
+          <p:cNvPicPr>
+            <a:picLocks noChangeAspect="1"/>
+          </p:cNvPicPr>
+          <p:nvPr/>
+        </p:nvPicPr>
+        <p:blipFill>
+          <a:blip r:embed="rId4">
+            <a:extLst>
+              <a:ext uri="{28A0092B-C50C-407E-A947-70E740481C1C}">
+                <a14:useLocalDpi xmlns:a14="http://schemas.microsoft.com/office/drawing/2010/main" val="0"/>
+              </a:ext>
+              <a:ext uri="{96DAC541-7B7A-43D3-8B79-37D633B846F1}">
+                <asvg:svgBlip xmlns:asvg="http://schemas.microsoft.com/office/drawing/2016/SVG/main" r:embed="rId5"/>
+              </a:ext>
+            </a:extLst>
+          </a:blip>
+          <a:stretch>
+            <a:fillRect/>
+          </a:stretch>
+        </p:blipFill>
+        <p:spPr>
+          <a:xfrm>
+            <a:off x="2986866" y="2434289"/>
+            <a:ext cx="374746" cy="357770"/>
+          </a:xfrm>
+          <a:prstGeom prst="rect">
+            <a:avLst/>
+          </a:prstGeom>
+        </p:spPr>
+      </p:pic>
+      <p:pic>
+        <p:nvPicPr>
+          <p:cNvPr id="74" name="グラフィックス 73" descr="男性 枠線">
+            <a:extLst>
+              <a:ext uri="{FF2B5EF4-FFF2-40B4-BE49-F238E27FC236}">
+                <a16:creationId xmlns:a16="http://schemas.microsoft.com/office/drawing/2014/main" id="{EE33910D-3C3B-42E9-AB20-83E945E3D538}"/>
+              </a:ext>
+            </a:extLst>
+          </p:cNvPr>
+          <p:cNvPicPr>
+            <a:picLocks noChangeAspect="1"/>
+          </p:cNvPicPr>
+          <p:nvPr/>
+        </p:nvPicPr>
+        <p:blipFill>
+          <a:blip r:embed="rId4">
+            <a:extLst>
+              <a:ext uri="{28A0092B-C50C-407E-A947-70E740481C1C}">
+                <a14:useLocalDpi xmlns:a14="http://schemas.microsoft.com/office/drawing/2010/main" val="0"/>
+              </a:ext>
+              <a:ext uri="{96DAC541-7B7A-43D3-8B79-37D633B846F1}">
+                <asvg:svgBlip xmlns:asvg="http://schemas.microsoft.com/office/drawing/2016/SVG/main" r:embed="rId5"/>
+              </a:ext>
+            </a:extLst>
+          </a:blip>
+          <a:stretch>
+            <a:fillRect/>
+          </a:stretch>
+        </p:blipFill>
+        <p:spPr>
+          <a:xfrm>
+            <a:off x="6125669" y="1135297"/>
+            <a:ext cx="374746" cy="357770"/>
+          </a:xfrm>
+          <a:prstGeom prst="rect">
+            <a:avLst/>
+          </a:prstGeom>
+        </p:spPr>
+      </p:pic>
     </p:spTree>
     <p:extLst>
       <p:ext uri="{BB962C8B-B14F-4D97-AF65-F5344CB8AC3E}">
-        <p14:creationId xmlns:p14="http://schemas.microsoft.com/office/powerpoint/2010/main" val="4010549804"/>
+        <p14:creationId xmlns:p14="http://schemas.microsoft.com/office/powerpoint/2010/main" val="1140026364"/>
       </p:ext>
     </p:extLst>
   </p:cSld>

--- a/図/図.pptx
+++ b/図/図.pptx
@@ -5,7 +5,7 @@
     <p:sldMasterId id="2147483648" r:id="rId1"/>
   </p:sldMasterIdLst>
   <p:notesMasterIdLst>
-    <p:notesMasterId r:id="rId19"/>
+    <p:notesMasterId r:id="rId20"/>
   </p:notesMasterIdLst>
   <p:sldIdLst>
     <p:sldId id="256" r:id="rId2"/>
@@ -25,6 +25,7 @@
     <p:sldId id="271" r:id="rId16"/>
     <p:sldId id="272" r:id="rId17"/>
     <p:sldId id="273" r:id="rId18"/>
+    <p:sldId id="274" r:id="rId19"/>
   </p:sldIdLst>
   <p:sldSz cx="12192000" cy="6858000"/>
   <p:notesSz cx="6858000" cy="9144000"/>
@@ -213,7 +214,7 @@
           <a:p>
             <a:fld id="{34079780-C7F1-44DF-99E8-578EC6F42409}" type="datetimeFigureOut">
               <a:rPr kumimoji="1" lang="ja-JP" altLang="en-US" smtClean="0"/>
-              <a:t>2021/12/21</a:t>
+              <a:t>2022/1/4</a:t>
             </a:fld>
             <a:endParaRPr kumimoji="1" lang="ja-JP" altLang="en-US"/>
           </a:p>
@@ -743,7 +744,7 @@
           <a:p>
             <a:fld id="{CCC89814-3F23-4AB3-AACB-235761780400}" type="datetimeFigureOut">
               <a:rPr kumimoji="1" lang="ja-JP" altLang="en-US" smtClean="0"/>
-              <a:t>2021/12/21</a:t>
+              <a:t>2022/1/4</a:t>
             </a:fld>
             <a:endParaRPr kumimoji="1" lang="ja-JP" altLang="en-US"/>
           </a:p>
@@ -973,7 +974,7 @@
           <a:p>
             <a:fld id="{CCC89814-3F23-4AB3-AACB-235761780400}" type="datetimeFigureOut">
               <a:rPr kumimoji="1" lang="ja-JP" altLang="en-US" smtClean="0"/>
-              <a:t>2021/12/21</a:t>
+              <a:t>2022/1/4</a:t>
             </a:fld>
             <a:endParaRPr kumimoji="1" lang="ja-JP" altLang="en-US"/>
           </a:p>
@@ -1213,7 +1214,7 @@
           <a:p>
             <a:fld id="{CCC89814-3F23-4AB3-AACB-235761780400}" type="datetimeFigureOut">
               <a:rPr kumimoji="1" lang="ja-JP" altLang="en-US" smtClean="0"/>
-              <a:t>2021/12/21</a:t>
+              <a:t>2022/1/4</a:t>
             </a:fld>
             <a:endParaRPr kumimoji="1" lang="ja-JP" altLang="en-US"/>
           </a:p>
@@ -1443,7 +1444,7 @@
           <a:p>
             <a:fld id="{CCC89814-3F23-4AB3-AACB-235761780400}" type="datetimeFigureOut">
               <a:rPr kumimoji="1" lang="ja-JP" altLang="en-US" smtClean="0"/>
-              <a:t>2021/12/21</a:t>
+              <a:t>2022/1/4</a:t>
             </a:fld>
             <a:endParaRPr kumimoji="1" lang="ja-JP" altLang="en-US"/>
           </a:p>
@@ -1718,7 +1719,7 @@
           <a:p>
             <a:fld id="{CCC89814-3F23-4AB3-AACB-235761780400}" type="datetimeFigureOut">
               <a:rPr kumimoji="1" lang="ja-JP" altLang="en-US" smtClean="0"/>
-              <a:t>2021/12/21</a:t>
+              <a:t>2022/1/4</a:t>
             </a:fld>
             <a:endParaRPr kumimoji="1" lang="ja-JP" altLang="en-US"/>
           </a:p>
@@ -2047,7 +2048,7 @@
           <a:p>
             <a:fld id="{CCC89814-3F23-4AB3-AACB-235761780400}" type="datetimeFigureOut">
               <a:rPr kumimoji="1" lang="ja-JP" altLang="en-US" smtClean="0"/>
-              <a:t>2021/12/21</a:t>
+              <a:t>2022/1/4</a:t>
             </a:fld>
             <a:endParaRPr kumimoji="1" lang="ja-JP" altLang="en-US"/>
           </a:p>
@@ -2523,7 +2524,7 @@
           <a:p>
             <a:fld id="{CCC89814-3F23-4AB3-AACB-235761780400}" type="datetimeFigureOut">
               <a:rPr kumimoji="1" lang="ja-JP" altLang="en-US" smtClean="0"/>
-              <a:t>2021/12/21</a:t>
+              <a:t>2022/1/4</a:t>
             </a:fld>
             <a:endParaRPr kumimoji="1" lang="ja-JP" altLang="en-US"/>
           </a:p>
@@ -2664,7 +2665,7 @@
           <a:p>
             <a:fld id="{CCC89814-3F23-4AB3-AACB-235761780400}" type="datetimeFigureOut">
               <a:rPr kumimoji="1" lang="ja-JP" altLang="en-US" smtClean="0"/>
-              <a:t>2021/12/21</a:t>
+              <a:t>2022/1/4</a:t>
             </a:fld>
             <a:endParaRPr kumimoji="1" lang="ja-JP" altLang="en-US"/>
           </a:p>
@@ -2777,7 +2778,7 @@
           <a:p>
             <a:fld id="{CCC89814-3F23-4AB3-AACB-235761780400}" type="datetimeFigureOut">
               <a:rPr kumimoji="1" lang="ja-JP" altLang="en-US" smtClean="0"/>
-              <a:t>2021/12/21</a:t>
+              <a:t>2022/1/4</a:t>
             </a:fld>
             <a:endParaRPr kumimoji="1" lang="ja-JP" altLang="en-US"/>
           </a:p>
@@ -3120,7 +3121,7 @@
           <a:p>
             <a:fld id="{CCC89814-3F23-4AB3-AACB-235761780400}" type="datetimeFigureOut">
               <a:rPr kumimoji="1" lang="ja-JP" altLang="en-US" smtClean="0"/>
-              <a:t>2021/12/21</a:t>
+              <a:t>2022/1/4</a:t>
             </a:fld>
             <a:endParaRPr kumimoji="1" lang="ja-JP" altLang="en-US"/>
           </a:p>
@@ -3408,7 +3409,7 @@
           <a:p>
             <a:fld id="{CCC89814-3F23-4AB3-AACB-235761780400}" type="datetimeFigureOut">
               <a:rPr kumimoji="1" lang="ja-JP" altLang="en-US" smtClean="0"/>
-              <a:t>2021/12/21</a:t>
+              <a:t>2022/1/4</a:t>
             </a:fld>
             <a:endParaRPr kumimoji="1" lang="ja-JP" altLang="en-US"/>
           </a:p>
@@ -3681,7 +3682,7 @@
           <a:p>
             <a:fld id="{CCC89814-3F23-4AB3-AACB-235761780400}" type="datetimeFigureOut">
               <a:rPr kumimoji="1" lang="ja-JP" altLang="en-US" smtClean="0"/>
-              <a:t>2021/12/21</a:t>
+              <a:t>2022/1/4</a:t>
             </a:fld>
             <a:endParaRPr kumimoji="1" lang="ja-JP" altLang="en-US"/>
           </a:p>
@@ -13319,6 +13320,66 @@
     <p:extLst>
       <p:ext uri="{BB962C8B-B14F-4D97-AF65-F5344CB8AC3E}">
         <p14:creationId xmlns:p14="http://schemas.microsoft.com/office/powerpoint/2010/main" val="3326383756"/>
+      </p:ext>
+    </p:extLst>
+  </p:cSld>
+  <p:clrMapOvr>
+    <a:masterClrMapping/>
+  </p:clrMapOvr>
+</p:sld>
+</file>
+
+<file path=ppt/slides/slide18.xml><?xml version="1.0" encoding="utf-8"?>
+<p:sld xmlns:a="http://schemas.openxmlformats.org/drawingml/2006/main" xmlns:r="http://schemas.openxmlformats.org/officeDocument/2006/relationships" xmlns:p="http://schemas.openxmlformats.org/presentationml/2006/main">
+  <p:cSld>
+    <p:spTree>
+      <p:nvGrpSpPr>
+        <p:cNvPr id="1" name=""/>
+        <p:cNvGrpSpPr/>
+        <p:nvPr/>
+      </p:nvGrpSpPr>
+      <p:grpSpPr>
+        <a:xfrm>
+          <a:off x="0" y="0"/>
+          <a:ext cx="0" cy="0"/>
+          <a:chOff x="0" y="0"/>
+          <a:chExt cx="0" cy="0"/>
+        </a:xfrm>
+      </p:grpSpPr>
+      <p:pic>
+        <p:nvPicPr>
+          <p:cNvPr id="3" name="図 2">
+            <a:extLst>
+              <a:ext uri="{FF2B5EF4-FFF2-40B4-BE49-F238E27FC236}">
+                <a16:creationId xmlns:a16="http://schemas.microsoft.com/office/drawing/2014/main" id="{51BDB8B8-643A-499E-AC63-8251013588D6}"/>
+              </a:ext>
+            </a:extLst>
+          </p:cNvPr>
+          <p:cNvPicPr>
+            <a:picLocks noChangeAspect="1"/>
+          </p:cNvPicPr>
+          <p:nvPr/>
+        </p:nvPicPr>
+        <p:blipFill>
+          <a:blip r:embed="rId2"/>
+          <a:stretch>
+            <a:fillRect/>
+          </a:stretch>
+        </p:blipFill>
+        <p:spPr>
+          <a:xfrm>
+            <a:off x="1781664" y="1925053"/>
+            <a:ext cx="8326834" cy="1820712"/>
+          </a:xfrm>
+          <a:prstGeom prst="rect">
+            <a:avLst/>
+          </a:prstGeom>
+        </p:spPr>
+      </p:pic>
+    </p:spTree>
+    <p:extLst>
+      <p:ext uri="{BB962C8B-B14F-4D97-AF65-F5344CB8AC3E}">
+        <p14:creationId xmlns:p14="http://schemas.microsoft.com/office/powerpoint/2010/main" val="1320538531"/>
       </p:ext>
     </p:extLst>
   </p:cSld>

--- a/図/図.pptx
+++ b/図/図.pptx
@@ -214,7 +214,7 @@
           <a:p>
             <a:fld id="{34079780-C7F1-44DF-99E8-578EC6F42409}" type="datetimeFigureOut">
               <a:rPr kumimoji="1" lang="ja-JP" altLang="en-US" smtClean="0"/>
-              <a:t>2022/1/4</a:t>
+              <a:t>2022/1/7</a:t>
             </a:fld>
             <a:endParaRPr kumimoji="1" lang="ja-JP" altLang="en-US"/>
           </a:p>
@@ -744,7 +744,7 @@
           <a:p>
             <a:fld id="{CCC89814-3F23-4AB3-AACB-235761780400}" type="datetimeFigureOut">
               <a:rPr kumimoji="1" lang="ja-JP" altLang="en-US" smtClean="0"/>
-              <a:t>2022/1/4</a:t>
+              <a:t>2022/1/7</a:t>
             </a:fld>
             <a:endParaRPr kumimoji="1" lang="ja-JP" altLang="en-US"/>
           </a:p>
@@ -974,7 +974,7 @@
           <a:p>
             <a:fld id="{CCC89814-3F23-4AB3-AACB-235761780400}" type="datetimeFigureOut">
               <a:rPr kumimoji="1" lang="ja-JP" altLang="en-US" smtClean="0"/>
-              <a:t>2022/1/4</a:t>
+              <a:t>2022/1/7</a:t>
             </a:fld>
             <a:endParaRPr kumimoji="1" lang="ja-JP" altLang="en-US"/>
           </a:p>
@@ -1214,7 +1214,7 @@
           <a:p>
             <a:fld id="{CCC89814-3F23-4AB3-AACB-235761780400}" type="datetimeFigureOut">
               <a:rPr kumimoji="1" lang="ja-JP" altLang="en-US" smtClean="0"/>
-              <a:t>2022/1/4</a:t>
+              <a:t>2022/1/7</a:t>
             </a:fld>
             <a:endParaRPr kumimoji="1" lang="ja-JP" altLang="en-US"/>
           </a:p>
@@ -1444,7 +1444,7 @@
           <a:p>
             <a:fld id="{CCC89814-3F23-4AB3-AACB-235761780400}" type="datetimeFigureOut">
               <a:rPr kumimoji="1" lang="ja-JP" altLang="en-US" smtClean="0"/>
-              <a:t>2022/1/4</a:t>
+              <a:t>2022/1/7</a:t>
             </a:fld>
             <a:endParaRPr kumimoji="1" lang="ja-JP" altLang="en-US"/>
           </a:p>
@@ -1719,7 +1719,7 @@
           <a:p>
             <a:fld id="{CCC89814-3F23-4AB3-AACB-235761780400}" type="datetimeFigureOut">
               <a:rPr kumimoji="1" lang="ja-JP" altLang="en-US" smtClean="0"/>
-              <a:t>2022/1/4</a:t>
+              <a:t>2022/1/7</a:t>
             </a:fld>
             <a:endParaRPr kumimoji="1" lang="ja-JP" altLang="en-US"/>
           </a:p>
@@ -2048,7 +2048,7 @@
           <a:p>
             <a:fld id="{CCC89814-3F23-4AB3-AACB-235761780400}" type="datetimeFigureOut">
               <a:rPr kumimoji="1" lang="ja-JP" altLang="en-US" smtClean="0"/>
-              <a:t>2022/1/4</a:t>
+              <a:t>2022/1/7</a:t>
             </a:fld>
             <a:endParaRPr kumimoji="1" lang="ja-JP" altLang="en-US"/>
           </a:p>
@@ -2524,7 +2524,7 @@
           <a:p>
             <a:fld id="{CCC89814-3F23-4AB3-AACB-235761780400}" type="datetimeFigureOut">
               <a:rPr kumimoji="1" lang="ja-JP" altLang="en-US" smtClean="0"/>
-              <a:t>2022/1/4</a:t>
+              <a:t>2022/1/7</a:t>
             </a:fld>
             <a:endParaRPr kumimoji="1" lang="ja-JP" altLang="en-US"/>
           </a:p>
@@ -2665,7 +2665,7 @@
           <a:p>
             <a:fld id="{CCC89814-3F23-4AB3-AACB-235761780400}" type="datetimeFigureOut">
               <a:rPr kumimoji="1" lang="ja-JP" altLang="en-US" smtClean="0"/>
-              <a:t>2022/1/4</a:t>
+              <a:t>2022/1/7</a:t>
             </a:fld>
             <a:endParaRPr kumimoji="1" lang="ja-JP" altLang="en-US"/>
           </a:p>
@@ -2778,7 +2778,7 @@
           <a:p>
             <a:fld id="{CCC89814-3F23-4AB3-AACB-235761780400}" type="datetimeFigureOut">
               <a:rPr kumimoji="1" lang="ja-JP" altLang="en-US" smtClean="0"/>
-              <a:t>2022/1/4</a:t>
+              <a:t>2022/1/7</a:t>
             </a:fld>
             <a:endParaRPr kumimoji="1" lang="ja-JP" altLang="en-US"/>
           </a:p>
@@ -3121,7 +3121,7 @@
           <a:p>
             <a:fld id="{CCC89814-3F23-4AB3-AACB-235761780400}" type="datetimeFigureOut">
               <a:rPr kumimoji="1" lang="ja-JP" altLang="en-US" smtClean="0"/>
-              <a:t>2022/1/4</a:t>
+              <a:t>2022/1/7</a:t>
             </a:fld>
             <a:endParaRPr kumimoji="1" lang="ja-JP" altLang="en-US"/>
           </a:p>
@@ -3409,7 +3409,7 @@
           <a:p>
             <a:fld id="{CCC89814-3F23-4AB3-AACB-235761780400}" type="datetimeFigureOut">
               <a:rPr kumimoji="1" lang="ja-JP" altLang="en-US" smtClean="0"/>
-              <a:t>2022/1/4</a:t>
+              <a:t>2022/1/7</a:t>
             </a:fld>
             <a:endParaRPr kumimoji="1" lang="ja-JP" altLang="en-US"/>
           </a:p>
@@ -3682,7 +3682,7 @@
           <a:p>
             <a:fld id="{CCC89814-3F23-4AB3-AACB-235761780400}" type="datetimeFigureOut">
               <a:rPr kumimoji="1" lang="ja-JP" altLang="en-US" smtClean="0"/>
-              <a:t>2022/1/4</a:t>
+              <a:t>2022/1/7</a:t>
             </a:fld>
             <a:endParaRPr kumimoji="1" lang="ja-JP" altLang="en-US"/>
           </a:p>
@@ -8073,12 +8073,12 @@
               <a:t>月</a:t>
             </a:r>
             <a:r>
-              <a:rPr kumimoji="1" lang="en-US" altLang="ja-JP" dirty="0">
+              <a:rPr lang="en-US" altLang="ja-JP" dirty="0">
                 <a:solidFill>
                   <a:schemeClr val="tx1"/>
                 </a:solidFill>
               </a:rPr>
-              <a:t>8</a:t>
+              <a:t>7</a:t>
             </a:r>
             <a:r>
               <a:rPr kumimoji="1" lang="ja-JP" altLang="en-US" dirty="0">
@@ -13348,10 +13348,10 @@
       </p:grpSpPr>
       <p:pic>
         <p:nvPicPr>
-          <p:cNvPr id="3" name="図 2">
-            <a:extLst>
-              <a:ext uri="{FF2B5EF4-FFF2-40B4-BE49-F238E27FC236}">
-                <a16:creationId xmlns:a16="http://schemas.microsoft.com/office/drawing/2014/main" id="{51BDB8B8-643A-499E-AC63-8251013588D6}"/>
+          <p:cNvPr id="6" name="図 5">
+            <a:extLst>
+              <a:ext uri="{FF2B5EF4-FFF2-40B4-BE49-F238E27FC236}">
+                <a16:creationId xmlns:a16="http://schemas.microsoft.com/office/drawing/2014/main" id="{C49F189B-2887-40B8-B16D-B9CCA1D0059F}"/>
               </a:ext>
             </a:extLst>
           </p:cNvPr>
@@ -13368,8 +13368,8 @@
         </p:blipFill>
         <p:spPr>
           <a:xfrm>
-            <a:off x="1781664" y="1925053"/>
-            <a:ext cx="8326834" cy="1820712"/>
+            <a:off x="833567" y="1929530"/>
+            <a:ext cx="10372211" cy="2642469"/>
           </a:xfrm>
           <a:prstGeom prst="rect">
             <a:avLst/>
@@ -21397,7 +21397,7 @@
         <p:spPr>
           <a:xfrm>
             <a:off x="1617045" y="423878"/>
-            <a:ext cx="2300438" cy="2598821"/>
+            <a:ext cx="2300438" cy="2824982"/>
           </a:xfrm>
           <a:prstGeom prst="roundRect">
             <a:avLst/>
@@ -21449,7 +21449,7 @@
         </p:nvSpPr>
         <p:spPr>
           <a:xfrm>
-            <a:off x="2256631" y="3064194"/>
+            <a:off x="2256631" y="3266324"/>
             <a:ext cx="1055276" cy="646331"/>
           </a:xfrm>
           <a:prstGeom prst="rect">
@@ -22007,7 +22007,7 @@
         <p:spPr>
           <a:xfrm>
             <a:off x="4795463" y="423878"/>
-            <a:ext cx="2300438" cy="2598821"/>
+            <a:ext cx="2300438" cy="2824982"/>
           </a:xfrm>
           <a:prstGeom prst="roundRect">
             <a:avLst/>
@@ -22561,7 +22561,7 @@
         <p:spPr>
           <a:xfrm>
             <a:off x="7891412" y="424761"/>
-            <a:ext cx="2300438" cy="2598821"/>
+            <a:ext cx="2300438" cy="2824982"/>
           </a:xfrm>
           <a:prstGeom prst="roundRect">
             <a:avLst/>
@@ -22613,7 +22613,7 @@
         </p:nvSpPr>
         <p:spPr>
           <a:xfrm>
-            <a:off x="5390728" y="3064194"/>
+            <a:off x="5390728" y="3266324"/>
             <a:ext cx="1055276" cy="646331"/>
           </a:xfrm>
           <a:prstGeom prst="rect">
@@ -22669,7 +22669,7 @@
         </p:nvSpPr>
         <p:spPr>
           <a:xfrm>
-            <a:off x="8571125" y="3056030"/>
+            <a:off x="8571125" y="3258160"/>
             <a:ext cx="1055276" cy="646331"/>
           </a:xfrm>
           <a:prstGeom prst="rect">
@@ -23127,6 +23127,252 @@
           </a:prstGeom>
         </p:spPr>
       </p:pic>
+      <p:sp>
+        <p:nvSpPr>
+          <p:cNvPr id="55" name="テキスト ボックス 54">
+            <a:extLst>
+              <a:ext uri="{FF2B5EF4-FFF2-40B4-BE49-F238E27FC236}">
+                <a16:creationId xmlns:a16="http://schemas.microsoft.com/office/drawing/2014/main" id="{7C9FABD0-57CC-4417-A2B9-D9AA7E905CC8}"/>
+              </a:ext>
+            </a:extLst>
+          </p:cNvPr>
+          <p:cNvSpPr txBox="1"/>
+          <p:nvPr/>
+        </p:nvSpPr>
+        <p:spPr>
+          <a:xfrm>
+            <a:off x="2333627" y="1514534"/>
+            <a:ext cx="1613696" cy="369332"/>
+          </a:xfrm>
+          <a:prstGeom prst="rect">
+            <a:avLst/>
+          </a:prstGeom>
+          <a:noFill/>
+        </p:spPr>
+        <p:txBody>
+          <a:bodyPr wrap="square" rtlCol="0">
+            <a:spAutoFit/>
+          </a:bodyPr>
+          <a:lstStyle/>
+          <a:p>
+            <a:pPr algn="ctr"/>
+            <a:r>
+              <a:rPr kumimoji="1" lang="ja-JP" altLang="en-US" dirty="0"/>
+              <a:t>グループ</a:t>
+            </a:r>
+            <a:r>
+              <a:rPr kumimoji="1" lang="en-US" altLang="ja-JP" dirty="0"/>
+              <a:t>1</a:t>
+            </a:r>
+            <a:endParaRPr kumimoji="1" lang="ja-JP" altLang="en-US" dirty="0"/>
+          </a:p>
+        </p:txBody>
+      </p:sp>
+      <p:sp>
+        <p:nvSpPr>
+          <p:cNvPr id="56" name="テキスト ボックス 55">
+            <a:extLst>
+              <a:ext uri="{FF2B5EF4-FFF2-40B4-BE49-F238E27FC236}">
+                <a16:creationId xmlns:a16="http://schemas.microsoft.com/office/drawing/2014/main" id="{FA58472F-E095-4D01-9299-447B3B661830}"/>
+              </a:ext>
+            </a:extLst>
+          </p:cNvPr>
+          <p:cNvSpPr txBox="1"/>
+          <p:nvPr/>
+        </p:nvSpPr>
+        <p:spPr>
+          <a:xfrm>
+            <a:off x="2386348" y="2877573"/>
+            <a:ext cx="1613696" cy="369332"/>
+          </a:xfrm>
+          <a:prstGeom prst="rect">
+            <a:avLst/>
+          </a:prstGeom>
+          <a:noFill/>
+        </p:spPr>
+        <p:txBody>
+          <a:bodyPr wrap="square" rtlCol="0">
+            <a:spAutoFit/>
+          </a:bodyPr>
+          <a:lstStyle/>
+          <a:p>
+            <a:pPr algn="ctr"/>
+            <a:r>
+              <a:rPr kumimoji="1" lang="ja-JP" altLang="en-US" dirty="0"/>
+              <a:t>グループ</a:t>
+            </a:r>
+            <a:r>
+              <a:rPr kumimoji="1" lang="en-US" altLang="ja-JP" dirty="0"/>
+              <a:t>2</a:t>
+            </a:r>
+            <a:endParaRPr kumimoji="1" lang="ja-JP" altLang="en-US" dirty="0"/>
+          </a:p>
+        </p:txBody>
+      </p:sp>
+      <p:sp>
+        <p:nvSpPr>
+          <p:cNvPr id="57" name="テキスト ボックス 56">
+            <a:extLst>
+              <a:ext uri="{FF2B5EF4-FFF2-40B4-BE49-F238E27FC236}">
+                <a16:creationId xmlns:a16="http://schemas.microsoft.com/office/drawing/2014/main" id="{FFA3FECB-5F06-480E-9FFA-B088BE270F4A}"/>
+              </a:ext>
+            </a:extLst>
+          </p:cNvPr>
+          <p:cNvSpPr txBox="1"/>
+          <p:nvPr/>
+        </p:nvSpPr>
+        <p:spPr>
+          <a:xfrm>
+            <a:off x="5625751" y="1550507"/>
+            <a:ext cx="1613696" cy="369332"/>
+          </a:xfrm>
+          <a:prstGeom prst="rect">
+            <a:avLst/>
+          </a:prstGeom>
+          <a:noFill/>
+        </p:spPr>
+        <p:txBody>
+          <a:bodyPr wrap="square" rtlCol="0">
+            <a:spAutoFit/>
+          </a:bodyPr>
+          <a:lstStyle/>
+          <a:p>
+            <a:pPr algn="ctr"/>
+            <a:r>
+              <a:rPr kumimoji="1" lang="ja-JP" altLang="en-US" dirty="0"/>
+              <a:t>グループ</a:t>
+            </a:r>
+            <a:r>
+              <a:rPr kumimoji="1" lang="en-US" altLang="ja-JP" dirty="0"/>
+              <a:t>1</a:t>
+            </a:r>
+            <a:endParaRPr kumimoji="1" lang="ja-JP" altLang="en-US" dirty="0"/>
+          </a:p>
+        </p:txBody>
+      </p:sp>
+      <p:sp>
+        <p:nvSpPr>
+          <p:cNvPr id="58" name="テキスト ボックス 57">
+            <a:extLst>
+              <a:ext uri="{FF2B5EF4-FFF2-40B4-BE49-F238E27FC236}">
+                <a16:creationId xmlns:a16="http://schemas.microsoft.com/office/drawing/2014/main" id="{5A468B74-D28A-4A2B-8CD2-9D5A8FF78ECE}"/>
+              </a:ext>
+            </a:extLst>
+          </p:cNvPr>
+          <p:cNvSpPr txBox="1"/>
+          <p:nvPr/>
+        </p:nvSpPr>
+        <p:spPr>
+          <a:xfrm>
+            <a:off x="8663878" y="1511569"/>
+            <a:ext cx="1613696" cy="369332"/>
+          </a:xfrm>
+          <a:prstGeom prst="rect">
+            <a:avLst/>
+          </a:prstGeom>
+          <a:noFill/>
+        </p:spPr>
+        <p:txBody>
+          <a:bodyPr wrap="square" rtlCol="0">
+            <a:spAutoFit/>
+          </a:bodyPr>
+          <a:lstStyle/>
+          <a:p>
+            <a:pPr algn="ctr"/>
+            <a:r>
+              <a:rPr kumimoji="1" lang="ja-JP" altLang="en-US" dirty="0"/>
+              <a:t>グループ</a:t>
+            </a:r>
+            <a:r>
+              <a:rPr kumimoji="1" lang="en-US" altLang="ja-JP" dirty="0"/>
+              <a:t>1</a:t>
+            </a:r>
+            <a:endParaRPr kumimoji="1" lang="ja-JP" altLang="en-US" dirty="0"/>
+          </a:p>
+        </p:txBody>
+      </p:sp>
+      <p:sp>
+        <p:nvSpPr>
+          <p:cNvPr id="59" name="テキスト ボックス 58">
+            <a:extLst>
+              <a:ext uri="{FF2B5EF4-FFF2-40B4-BE49-F238E27FC236}">
+                <a16:creationId xmlns:a16="http://schemas.microsoft.com/office/drawing/2014/main" id="{97ACF2A0-FBF5-4CA6-BECB-6D3AD42A651A}"/>
+              </a:ext>
+            </a:extLst>
+          </p:cNvPr>
+          <p:cNvSpPr txBox="1"/>
+          <p:nvPr/>
+        </p:nvSpPr>
+        <p:spPr>
+          <a:xfrm>
+            <a:off x="5618763" y="2903161"/>
+            <a:ext cx="1613696" cy="369332"/>
+          </a:xfrm>
+          <a:prstGeom prst="rect">
+            <a:avLst/>
+          </a:prstGeom>
+          <a:noFill/>
+        </p:spPr>
+        <p:txBody>
+          <a:bodyPr wrap="square" rtlCol="0">
+            <a:spAutoFit/>
+          </a:bodyPr>
+          <a:lstStyle/>
+          <a:p>
+            <a:pPr algn="ctr"/>
+            <a:r>
+              <a:rPr kumimoji="1" lang="ja-JP" altLang="en-US" dirty="0"/>
+              <a:t>グループ</a:t>
+            </a:r>
+            <a:r>
+              <a:rPr kumimoji="1" lang="en-US" altLang="ja-JP" dirty="0"/>
+              <a:t>2</a:t>
+            </a:r>
+            <a:endParaRPr kumimoji="1" lang="ja-JP" altLang="en-US" dirty="0"/>
+          </a:p>
+        </p:txBody>
+      </p:sp>
+      <p:sp>
+        <p:nvSpPr>
+          <p:cNvPr id="60" name="テキスト ボックス 59">
+            <a:extLst>
+              <a:ext uri="{FF2B5EF4-FFF2-40B4-BE49-F238E27FC236}">
+                <a16:creationId xmlns:a16="http://schemas.microsoft.com/office/drawing/2014/main" id="{91F33573-8096-499D-9452-954006548DA6}"/>
+              </a:ext>
+            </a:extLst>
+          </p:cNvPr>
+          <p:cNvSpPr txBox="1"/>
+          <p:nvPr/>
+        </p:nvSpPr>
+        <p:spPr>
+          <a:xfrm>
+            <a:off x="8606323" y="2841799"/>
+            <a:ext cx="1613696" cy="369332"/>
+          </a:xfrm>
+          <a:prstGeom prst="rect">
+            <a:avLst/>
+          </a:prstGeom>
+          <a:noFill/>
+        </p:spPr>
+        <p:txBody>
+          <a:bodyPr wrap="square" rtlCol="0">
+            <a:spAutoFit/>
+          </a:bodyPr>
+          <a:lstStyle/>
+          <a:p>
+            <a:pPr algn="ctr"/>
+            <a:r>
+              <a:rPr kumimoji="1" lang="ja-JP" altLang="en-US" dirty="0"/>
+              <a:t>グループ</a:t>
+            </a:r>
+            <a:r>
+              <a:rPr kumimoji="1" lang="en-US" altLang="ja-JP" dirty="0"/>
+              <a:t>2</a:t>
+            </a:r>
+            <a:endParaRPr kumimoji="1" lang="ja-JP" altLang="en-US" dirty="0"/>
+          </a:p>
+        </p:txBody>
+      </p:sp>
     </p:spTree>
     <p:extLst>
       <p:ext uri="{BB962C8B-B14F-4D97-AF65-F5344CB8AC3E}">

--- a/図/図.pptx
+++ b/図/図.pptx
@@ -214,7 +214,7 @@
           <a:p>
             <a:fld id="{34079780-C7F1-44DF-99E8-578EC6F42409}" type="datetimeFigureOut">
               <a:rPr kumimoji="1" lang="ja-JP" altLang="en-US" smtClean="0"/>
-              <a:t>2022/1/7</a:t>
+              <a:t>2022/1/12</a:t>
             </a:fld>
             <a:endParaRPr kumimoji="1" lang="ja-JP" altLang="en-US"/>
           </a:p>
@@ -744,7 +744,7 @@
           <a:p>
             <a:fld id="{CCC89814-3F23-4AB3-AACB-235761780400}" type="datetimeFigureOut">
               <a:rPr kumimoji="1" lang="ja-JP" altLang="en-US" smtClean="0"/>
-              <a:t>2022/1/7</a:t>
+              <a:t>2022/1/12</a:t>
             </a:fld>
             <a:endParaRPr kumimoji="1" lang="ja-JP" altLang="en-US"/>
           </a:p>
@@ -974,7 +974,7 @@
           <a:p>
             <a:fld id="{CCC89814-3F23-4AB3-AACB-235761780400}" type="datetimeFigureOut">
               <a:rPr kumimoji="1" lang="ja-JP" altLang="en-US" smtClean="0"/>
-              <a:t>2022/1/7</a:t>
+              <a:t>2022/1/12</a:t>
             </a:fld>
             <a:endParaRPr kumimoji="1" lang="ja-JP" altLang="en-US"/>
           </a:p>
@@ -1214,7 +1214,7 @@
           <a:p>
             <a:fld id="{CCC89814-3F23-4AB3-AACB-235761780400}" type="datetimeFigureOut">
               <a:rPr kumimoji="1" lang="ja-JP" altLang="en-US" smtClean="0"/>
-              <a:t>2022/1/7</a:t>
+              <a:t>2022/1/12</a:t>
             </a:fld>
             <a:endParaRPr kumimoji="1" lang="ja-JP" altLang="en-US"/>
           </a:p>
@@ -1444,7 +1444,7 @@
           <a:p>
             <a:fld id="{CCC89814-3F23-4AB3-AACB-235761780400}" type="datetimeFigureOut">
               <a:rPr kumimoji="1" lang="ja-JP" altLang="en-US" smtClean="0"/>
-              <a:t>2022/1/7</a:t>
+              <a:t>2022/1/12</a:t>
             </a:fld>
             <a:endParaRPr kumimoji="1" lang="ja-JP" altLang="en-US"/>
           </a:p>
@@ -1719,7 +1719,7 @@
           <a:p>
             <a:fld id="{CCC89814-3F23-4AB3-AACB-235761780400}" type="datetimeFigureOut">
               <a:rPr kumimoji="1" lang="ja-JP" altLang="en-US" smtClean="0"/>
-              <a:t>2022/1/7</a:t>
+              <a:t>2022/1/12</a:t>
             </a:fld>
             <a:endParaRPr kumimoji="1" lang="ja-JP" altLang="en-US"/>
           </a:p>
@@ -2048,7 +2048,7 @@
           <a:p>
             <a:fld id="{CCC89814-3F23-4AB3-AACB-235761780400}" type="datetimeFigureOut">
               <a:rPr kumimoji="1" lang="ja-JP" altLang="en-US" smtClean="0"/>
-              <a:t>2022/1/7</a:t>
+              <a:t>2022/1/12</a:t>
             </a:fld>
             <a:endParaRPr kumimoji="1" lang="ja-JP" altLang="en-US"/>
           </a:p>
@@ -2524,7 +2524,7 @@
           <a:p>
             <a:fld id="{CCC89814-3F23-4AB3-AACB-235761780400}" type="datetimeFigureOut">
               <a:rPr kumimoji="1" lang="ja-JP" altLang="en-US" smtClean="0"/>
-              <a:t>2022/1/7</a:t>
+              <a:t>2022/1/12</a:t>
             </a:fld>
             <a:endParaRPr kumimoji="1" lang="ja-JP" altLang="en-US"/>
           </a:p>
@@ -2665,7 +2665,7 @@
           <a:p>
             <a:fld id="{CCC89814-3F23-4AB3-AACB-235761780400}" type="datetimeFigureOut">
               <a:rPr kumimoji="1" lang="ja-JP" altLang="en-US" smtClean="0"/>
-              <a:t>2022/1/7</a:t>
+              <a:t>2022/1/12</a:t>
             </a:fld>
             <a:endParaRPr kumimoji="1" lang="ja-JP" altLang="en-US"/>
           </a:p>
@@ -2778,7 +2778,7 @@
           <a:p>
             <a:fld id="{CCC89814-3F23-4AB3-AACB-235761780400}" type="datetimeFigureOut">
               <a:rPr kumimoji="1" lang="ja-JP" altLang="en-US" smtClean="0"/>
-              <a:t>2022/1/7</a:t>
+              <a:t>2022/1/12</a:t>
             </a:fld>
             <a:endParaRPr kumimoji="1" lang="ja-JP" altLang="en-US"/>
           </a:p>
@@ -3121,7 +3121,7 @@
           <a:p>
             <a:fld id="{CCC89814-3F23-4AB3-AACB-235761780400}" type="datetimeFigureOut">
               <a:rPr kumimoji="1" lang="ja-JP" altLang="en-US" smtClean="0"/>
-              <a:t>2022/1/7</a:t>
+              <a:t>2022/1/12</a:t>
             </a:fld>
             <a:endParaRPr kumimoji="1" lang="ja-JP" altLang="en-US"/>
           </a:p>
@@ -3409,7 +3409,7 @@
           <a:p>
             <a:fld id="{CCC89814-3F23-4AB3-AACB-235761780400}" type="datetimeFigureOut">
               <a:rPr kumimoji="1" lang="ja-JP" altLang="en-US" smtClean="0"/>
-              <a:t>2022/1/7</a:t>
+              <a:t>2022/1/12</a:t>
             </a:fld>
             <a:endParaRPr kumimoji="1" lang="ja-JP" altLang="en-US"/>
           </a:p>
@@ -3682,7 +3682,7 @@
           <a:p>
             <a:fld id="{CCC89814-3F23-4AB3-AACB-235761780400}" type="datetimeFigureOut">
               <a:rPr kumimoji="1" lang="ja-JP" altLang="en-US" smtClean="0"/>
-              <a:t>2022/1/7</a:t>
+              <a:t>2022/1/12</a:t>
             </a:fld>
             <a:endParaRPr kumimoji="1" lang="ja-JP" altLang="en-US"/>
           </a:p>
@@ -13348,10 +13348,10 @@
       </p:grpSpPr>
       <p:pic>
         <p:nvPicPr>
-          <p:cNvPr id="6" name="図 5">
-            <a:extLst>
-              <a:ext uri="{FF2B5EF4-FFF2-40B4-BE49-F238E27FC236}">
-                <a16:creationId xmlns:a16="http://schemas.microsoft.com/office/drawing/2014/main" id="{C49F189B-2887-40B8-B16D-B9CCA1D0059F}"/>
+          <p:cNvPr id="3" name="図 2">
+            <a:extLst>
+              <a:ext uri="{FF2B5EF4-FFF2-40B4-BE49-F238E27FC236}">
+                <a16:creationId xmlns:a16="http://schemas.microsoft.com/office/drawing/2014/main" id="{91252E59-5463-4AB9-ABFC-AE8D59CB5E16}"/>
               </a:ext>
             </a:extLst>
           </p:cNvPr>
@@ -13368,8 +13368,8 @@
         </p:blipFill>
         <p:spPr>
           <a:xfrm>
-            <a:off x="833567" y="1929530"/>
-            <a:ext cx="10372211" cy="2642469"/>
+            <a:off x="1436625" y="2680301"/>
+            <a:ext cx="9692151" cy="2469214"/>
           </a:xfrm>
           <a:prstGeom prst="rect">
             <a:avLst/>
@@ -21466,7 +21466,7 @@
             <a:pPr algn="ctr"/>
             <a:r>
               <a:rPr kumimoji="1" lang="en-US" altLang="ja-JP" dirty="0"/>
-              <a:t>A</a:t>
+              <a:t>1</a:t>
             </a:r>
             <a:r>
               <a:rPr kumimoji="1" lang="ja-JP" altLang="en-US" dirty="0"/>
@@ -22630,7 +22630,7 @@
             <a:pPr algn="ctr"/>
             <a:r>
               <a:rPr kumimoji="1" lang="en-US" altLang="ja-JP" dirty="0"/>
-              <a:t>B</a:t>
+              <a:t>2</a:t>
             </a:r>
             <a:r>
               <a:rPr kumimoji="1" lang="ja-JP" altLang="en-US" dirty="0"/>
@@ -22686,7 +22686,7 @@
             <a:pPr algn="ctr"/>
             <a:r>
               <a:rPr kumimoji="1" lang="en-US" altLang="ja-JP" dirty="0"/>
-              <a:t>C</a:t>
+              <a:t>3</a:t>
             </a:r>
             <a:r>
               <a:rPr kumimoji="1" lang="ja-JP" altLang="en-US" dirty="0"/>
@@ -23162,7 +23162,7 @@
             </a:r>
             <a:r>
               <a:rPr kumimoji="1" lang="en-US" altLang="ja-JP" dirty="0"/>
-              <a:t>1</a:t>
+              <a:t>A</a:t>
             </a:r>
             <a:endParaRPr kumimoji="1" lang="ja-JP" altLang="en-US" dirty="0"/>
           </a:p>
@@ -23203,7 +23203,7 @@
             </a:r>
             <a:r>
               <a:rPr kumimoji="1" lang="en-US" altLang="ja-JP" dirty="0"/>
-              <a:t>2</a:t>
+              <a:t>B</a:t>
             </a:r>
             <a:endParaRPr kumimoji="1" lang="ja-JP" altLang="en-US" dirty="0"/>
           </a:p>
@@ -23243,8 +23243,8 @@
               <a:t>グループ</a:t>
             </a:r>
             <a:r>
-              <a:rPr kumimoji="1" lang="en-US" altLang="ja-JP" dirty="0"/>
-              <a:t>1</a:t>
+              <a:rPr lang="en-US" altLang="ja-JP" dirty="0"/>
+              <a:t>A</a:t>
             </a:r>
             <a:endParaRPr kumimoji="1" lang="ja-JP" altLang="en-US" dirty="0"/>
           </a:p>
@@ -23284,8 +23284,8 @@
               <a:t>グループ</a:t>
             </a:r>
             <a:r>
-              <a:rPr kumimoji="1" lang="en-US" altLang="ja-JP" dirty="0"/>
-              <a:t>1</a:t>
+              <a:rPr lang="en-US" altLang="ja-JP" dirty="0"/>
+              <a:t>A</a:t>
             </a:r>
             <a:endParaRPr kumimoji="1" lang="ja-JP" altLang="en-US" dirty="0"/>
           </a:p>
@@ -23325,8 +23325,8 @@
               <a:t>グループ</a:t>
             </a:r>
             <a:r>
-              <a:rPr kumimoji="1" lang="en-US" altLang="ja-JP" dirty="0"/>
-              <a:t>2</a:t>
+              <a:rPr lang="en-US" altLang="ja-JP" dirty="0"/>
+              <a:t>B</a:t>
             </a:r>
             <a:endParaRPr kumimoji="1" lang="ja-JP" altLang="en-US" dirty="0"/>
           </a:p>
@@ -23366,8 +23366,8 @@
               <a:t>グループ</a:t>
             </a:r>
             <a:r>
-              <a:rPr kumimoji="1" lang="en-US" altLang="ja-JP" dirty="0"/>
-              <a:t>2</a:t>
+              <a:rPr lang="en-US" altLang="ja-JP" dirty="0"/>
+              <a:t>B</a:t>
             </a:r>
             <a:endParaRPr kumimoji="1" lang="ja-JP" altLang="en-US" dirty="0"/>
           </a:p>

--- a/図/図.pptx
+++ b/図/図.pptx
@@ -214,7 +214,7 @@
           <a:p>
             <a:fld id="{34079780-C7F1-44DF-99E8-578EC6F42409}" type="datetimeFigureOut">
               <a:rPr kumimoji="1" lang="ja-JP" altLang="en-US" smtClean="0"/>
-              <a:t>2022/1/12</a:t>
+              <a:t>2022/1/13</a:t>
             </a:fld>
             <a:endParaRPr kumimoji="1" lang="ja-JP" altLang="en-US"/>
           </a:p>
@@ -744,7 +744,7 @@
           <a:p>
             <a:fld id="{CCC89814-3F23-4AB3-AACB-235761780400}" type="datetimeFigureOut">
               <a:rPr kumimoji="1" lang="ja-JP" altLang="en-US" smtClean="0"/>
-              <a:t>2022/1/12</a:t>
+              <a:t>2022/1/13</a:t>
             </a:fld>
             <a:endParaRPr kumimoji="1" lang="ja-JP" altLang="en-US"/>
           </a:p>
@@ -974,7 +974,7 @@
           <a:p>
             <a:fld id="{CCC89814-3F23-4AB3-AACB-235761780400}" type="datetimeFigureOut">
               <a:rPr kumimoji="1" lang="ja-JP" altLang="en-US" smtClean="0"/>
-              <a:t>2022/1/12</a:t>
+              <a:t>2022/1/13</a:t>
             </a:fld>
             <a:endParaRPr kumimoji="1" lang="ja-JP" altLang="en-US"/>
           </a:p>
@@ -1214,7 +1214,7 @@
           <a:p>
             <a:fld id="{CCC89814-3F23-4AB3-AACB-235761780400}" type="datetimeFigureOut">
               <a:rPr kumimoji="1" lang="ja-JP" altLang="en-US" smtClean="0"/>
-              <a:t>2022/1/12</a:t>
+              <a:t>2022/1/13</a:t>
             </a:fld>
             <a:endParaRPr kumimoji="1" lang="ja-JP" altLang="en-US"/>
           </a:p>
@@ -1444,7 +1444,7 @@
           <a:p>
             <a:fld id="{CCC89814-3F23-4AB3-AACB-235761780400}" type="datetimeFigureOut">
               <a:rPr kumimoji="1" lang="ja-JP" altLang="en-US" smtClean="0"/>
-              <a:t>2022/1/12</a:t>
+              <a:t>2022/1/13</a:t>
             </a:fld>
             <a:endParaRPr kumimoji="1" lang="ja-JP" altLang="en-US"/>
           </a:p>
@@ -1719,7 +1719,7 @@
           <a:p>
             <a:fld id="{CCC89814-3F23-4AB3-AACB-235761780400}" type="datetimeFigureOut">
               <a:rPr kumimoji="1" lang="ja-JP" altLang="en-US" smtClean="0"/>
-              <a:t>2022/1/12</a:t>
+              <a:t>2022/1/13</a:t>
             </a:fld>
             <a:endParaRPr kumimoji="1" lang="ja-JP" altLang="en-US"/>
           </a:p>
@@ -2048,7 +2048,7 @@
           <a:p>
             <a:fld id="{CCC89814-3F23-4AB3-AACB-235761780400}" type="datetimeFigureOut">
               <a:rPr kumimoji="1" lang="ja-JP" altLang="en-US" smtClean="0"/>
-              <a:t>2022/1/12</a:t>
+              <a:t>2022/1/13</a:t>
             </a:fld>
             <a:endParaRPr kumimoji="1" lang="ja-JP" altLang="en-US"/>
           </a:p>
@@ -2524,7 +2524,7 @@
           <a:p>
             <a:fld id="{CCC89814-3F23-4AB3-AACB-235761780400}" type="datetimeFigureOut">
               <a:rPr kumimoji="1" lang="ja-JP" altLang="en-US" smtClean="0"/>
-              <a:t>2022/1/12</a:t>
+              <a:t>2022/1/13</a:t>
             </a:fld>
             <a:endParaRPr kumimoji="1" lang="ja-JP" altLang="en-US"/>
           </a:p>
@@ -2665,7 +2665,7 @@
           <a:p>
             <a:fld id="{CCC89814-3F23-4AB3-AACB-235761780400}" type="datetimeFigureOut">
               <a:rPr kumimoji="1" lang="ja-JP" altLang="en-US" smtClean="0"/>
-              <a:t>2022/1/12</a:t>
+              <a:t>2022/1/13</a:t>
             </a:fld>
             <a:endParaRPr kumimoji="1" lang="ja-JP" altLang="en-US"/>
           </a:p>
@@ -2778,7 +2778,7 @@
           <a:p>
             <a:fld id="{CCC89814-3F23-4AB3-AACB-235761780400}" type="datetimeFigureOut">
               <a:rPr kumimoji="1" lang="ja-JP" altLang="en-US" smtClean="0"/>
-              <a:t>2022/1/12</a:t>
+              <a:t>2022/1/13</a:t>
             </a:fld>
             <a:endParaRPr kumimoji="1" lang="ja-JP" altLang="en-US"/>
           </a:p>
@@ -3121,7 +3121,7 @@
           <a:p>
             <a:fld id="{CCC89814-3F23-4AB3-AACB-235761780400}" type="datetimeFigureOut">
               <a:rPr kumimoji="1" lang="ja-JP" altLang="en-US" smtClean="0"/>
-              <a:t>2022/1/12</a:t>
+              <a:t>2022/1/13</a:t>
             </a:fld>
             <a:endParaRPr kumimoji="1" lang="ja-JP" altLang="en-US"/>
           </a:p>
@@ -3409,7 +3409,7 @@
           <a:p>
             <a:fld id="{CCC89814-3F23-4AB3-AACB-235761780400}" type="datetimeFigureOut">
               <a:rPr kumimoji="1" lang="ja-JP" altLang="en-US" smtClean="0"/>
-              <a:t>2022/1/12</a:t>
+              <a:t>2022/1/13</a:t>
             </a:fld>
             <a:endParaRPr kumimoji="1" lang="ja-JP" altLang="en-US"/>
           </a:p>
@@ -3682,7 +3682,7 @@
           <a:p>
             <a:fld id="{CCC89814-3F23-4AB3-AACB-235761780400}" type="datetimeFigureOut">
               <a:rPr kumimoji="1" lang="ja-JP" altLang="en-US" smtClean="0"/>
-              <a:t>2022/1/12</a:t>
+              <a:t>2022/1/13</a:t>
             </a:fld>
             <a:endParaRPr kumimoji="1" lang="ja-JP" altLang="en-US"/>
           </a:p>
@@ -8860,7 +8860,7 @@
             <a:pPr algn="ctr"/>
             <a:r>
               <a:rPr kumimoji="1" lang="en-US" altLang="ja-JP" dirty="0"/>
-              <a:t>A</a:t>
+              <a:t>1</a:t>
             </a:r>
             <a:r>
               <a:rPr kumimoji="1" lang="ja-JP" altLang="en-US" dirty="0"/>
@@ -9612,8 +9612,8 @@
           <a:p>
             <a:pPr algn="ctr"/>
             <a:r>
-              <a:rPr kumimoji="1" lang="en-US" altLang="ja-JP" dirty="0"/>
-              <a:t>B</a:t>
+              <a:rPr lang="en-US" altLang="ja-JP" dirty="0"/>
+              <a:t>2</a:t>
             </a:r>
             <a:r>
               <a:rPr kumimoji="1" lang="ja-JP" altLang="en-US" dirty="0"/>
@@ -9668,11 +9668,11 @@
           <a:p>
             <a:pPr algn="ctr"/>
             <a:r>
-              <a:rPr kumimoji="1" lang="en-US" altLang="ja-JP" dirty="0"/>
-              <a:t>C</a:t>
-            </a:r>
-            <a:r>
-              <a:rPr kumimoji="1" lang="ja-JP" altLang="en-US" dirty="0"/>
+              <a:rPr lang="en-US" altLang="ja-JP" dirty="0"/>
+              <a:t>3</a:t>
+            </a:r>
+            <a:r>
+              <a:rPr kumimoji="1" lang="ja-JP" altLang="en-US"/>
               <a:t>組</a:t>
             </a:r>
             <a:endParaRPr kumimoji="1" lang="en-US" altLang="ja-JP" dirty="0"/>
